--- a/apresentação/Apresentação.pptx
+++ b/apresentação/Apresentação.pptx
@@ -5,7 +5,7 @@
     <p:sldMasterId id="2147483702" r:id="rId1"/>
   </p:sldMasterIdLst>
   <p:notesMasterIdLst>
-    <p:notesMasterId r:id="rId25"/>
+    <p:notesMasterId r:id="rId26"/>
   </p:notesMasterIdLst>
   <p:sldIdLst>
     <p:sldId id="265" r:id="rId2"/>
@@ -21,16 +21,17 @@
     <p:sldId id="341" r:id="rId12"/>
     <p:sldId id="344" r:id="rId13"/>
     <p:sldId id="358" r:id="rId14"/>
-    <p:sldId id="349" r:id="rId15"/>
-    <p:sldId id="350" r:id="rId16"/>
-    <p:sldId id="351" r:id="rId17"/>
-    <p:sldId id="365" r:id="rId18"/>
-    <p:sldId id="366" r:id="rId19"/>
-    <p:sldId id="367" r:id="rId20"/>
-    <p:sldId id="368" r:id="rId21"/>
-    <p:sldId id="354" r:id="rId22"/>
-    <p:sldId id="359" r:id="rId23"/>
-    <p:sldId id="360" r:id="rId24"/>
+    <p:sldId id="369" r:id="rId15"/>
+    <p:sldId id="349" r:id="rId16"/>
+    <p:sldId id="350" r:id="rId17"/>
+    <p:sldId id="351" r:id="rId18"/>
+    <p:sldId id="365" r:id="rId19"/>
+    <p:sldId id="366" r:id="rId20"/>
+    <p:sldId id="367" r:id="rId21"/>
+    <p:sldId id="368" r:id="rId22"/>
+    <p:sldId id="354" r:id="rId23"/>
+    <p:sldId id="359" r:id="rId24"/>
+    <p:sldId id="360" r:id="rId25"/>
   </p:sldIdLst>
   <p:sldSz cx="12192000" cy="6858000"/>
   <p:notesSz cx="6858000" cy="9144000"/>
@@ -131,7 +132,7 @@
   </p:defaultTextStyle>
   <p:extLst>
     <p:ext uri="{EFAFB233-063F-42B5-8137-9DF3F51BA10A}">
-      <p15:sldGuideLst xmlns:p15="http://schemas.microsoft.com/office/powerpoint/2012/main" xmlns="">
+      <p15:sldGuideLst xmlns="" xmlns:p15="http://schemas.microsoft.com/office/powerpoint/2012/main">
         <p15:guide id="1" orient="horz" pos="2160">
           <p15:clr>
             <a:srgbClr val="A4A3A4"/>
@@ -4339,7 +4340,7 @@
         </p:nvSpPr>
         <p:spPr>
           <a:xfrm>
-            <a:off x="7920683" y="5176894"/>
+            <a:off x="7494655" y="5090542"/>
             <a:ext cx="3543299" cy="738664"/>
           </a:xfrm>
           <a:prstGeom prst="rect">
@@ -4356,15 +4357,7 @@
             <a:pPr algn="ctr"/>
             <a:r>
               <a:rPr lang="pt-BR" sz="1400" dirty="0" smtClean="0"/>
-              <a:t>Figura </a:t>
-            </a:r>
-            <a:r>
-              <a:rPr lang="pt-BR" sz="1400" dirty="0" smtClean="0"/>
-              <a:t>12 -</a:t>
-            </a:r>
-            <a:r>
-              <a:rPr lang="pt-BR" sz="1400" dirty="0" smtClean="0"/>
-              <a:t> </a:t>
+              <a:t>Figura 12 - </a:t>
             </a:r>
             <a:r>
               <a:rPr lang="pt-BR" sz="1400" dirty="0"/>
@@ -4374,7 +4367,6 @@
               <a:rPr lang="pt-BR" sz="1400" dirty="0" smtClean="0"/>
               <a:t>controle de acesso.</a:t>
             </a:r>
-            <a:endParaRPr lang="pt-BR" sz="1400" dirty="0" smtClean="0"/>
           </a:p>
           <a:p>
             <a:pPr algn="ctr"/>
@@ -4402,7 +4394,7 @@
         </p:nvSpPr>
         <p:spPr>
           <a:xfrm>
-            <a:off x="4621429" y="5684937"/>
+            <a:off x="4156363" y="5777167"/>
             <a:ext cx="3093334" cy="523220"/>
           </a:xfrm>
           <a:prstGeom prst="rect">
@@ -4419,11 +4411,7 @@
             <a:pPr algn="ctr"/>
             <a:r>
               <a:rPr lang="pt-BR" sz="1400" dirty="0" smtClean="0"/>
-              <a:t>Figura </a:t>
-            </a:r>
-            <a:r>
-              <a:rPr lang="pt-BR" sz="1400" dirty="0" smtClean="0"/>
-              <a:t>11 - Logo do </a:t>
+              <a:t>Figura 11 - Logo do </a:t>
             </a:r>
             <a:r>
               <a:rPr lang="pt-BR" sz="1400" dirty="0" err="1" smtClean="0"/>
@@ -4449,16 +4437,319 @@
           </a:p>
         </p:txBody>
       </p:sp>
+      <p:sp>
+        <p:nvSpPr>
+          <p:cNvPr id="11" name="CaixaDeTexto 10"/>
+          <p:cNvSpPr txBox="1"/>
+          <p:nvPr/>
+        </p:nvSpPr>
+        <p:spPr>
+          <a:xfrm>
+            <a:off x="837126" y="5546226"/>
+            <a:ext cx="3319237" cy="738664"/>
+          </a:xfrm>
+          <a:prstGeom prst="rect">
+            <a:avLst/>
+          </a:prstGeom>
+          <a:noFill/>
+        </p:spPr>
+        <p:txBody>
+          <a:bodyPr wrap="square" rtlCol="0">
+            <a:spAutoFit/>
+          </a:bodyPr>
+          <a:lstStyle/>
+          <a:p>
+            <a:pPr algn="ctr"/>
+            <a:r>
+              <a:rPr lang="pt-BR" sz="1400" dirty="0" smtClean="0"/>
+              <a:t>Figura 10 – Esquema elétrico da placa de cadastro de usuários.</a:t>
+            </a:r>
+          </a:p>
+          <a:p>
+            <a:pPr algn="ctr"/>
+            <a:r>
+              <a:rPr lang="pt-BR" sz="1400" dirty="0" smtClean="0"/>
+              <a:t>Fonte</a:t>
+            </a:r>
+            <a:r>
+              <a:rPr lang="pt-BR" sz="1400" dirty="0"/>
+              <a:t>: </a:t>
+            </a:r>
+            <a:r>
+              <a:rPr lang="pt-BR" sz="1400" dirty="0" smtClean="0"/>
+              <a:t>Autor.</a:t>
+            </a:r>
+            <a:endParaRPr lang="pt-BR" dirty="0"/>
+          </a:p>
+        </p:txBody>
+      </p:sp>
       <p:pic>
         <p:nvPicPr>
-          <p:cNvPr id="8194" name="Picture 2"/>
+          <p:cNvPr id="3074" name="Picture 2" descr="placa menor"/>
           <p:cNvPicPr>
             <a:picLocks noChangeAspect="1" noChangeArrowheads="1"/>
           </p:cNvPicPr>
           <p:nvPr/>
         </p:nvPicPr>
+        <p:blipFill>
+          <a:blip r:embed="rId2">
+            <a:extLst>
+              <a:ext uri="{28A0092B-C50C-407E-A947-70E740481C1C}">
+                <a14:useLocalDpi xmlns:a14="http://schemas.microsoft.com/office/drawing/2010/main" val="0"/>
+              </a:ext>
+            </a:extLst>
+          </a:blip>
+          <a:srcRect/>
+          <a:stretch>
+            <a:fillRect/>
+          </a:stretch>
+        </p:blipFill>
+        <p:spPr bwMode="auto">
+          <a:xfrm>
+            <a:off x="670213" y="2176284"/>
+            <a:ext cx="3486150" cy="3369942"/>
+          </a:xfrm>
+          <a:prstGeom prst="rect">
+            <a:avLst/>
+          </a:prstGeom>
+          <a:noFill/>
+          <a:ln>
+            <a:noFill/>
+          </a:ln>
+          <a:extLst>
+            <a:ext uri="{909E8E84-426E-40DD-AFC4-6F175D3DCCD1}">
+              <a14:hiddenFill xmlns:a14="http://schemas.microsoft.com/office/drawing/2010/main">
+                <a:solidFill>
+                  <a:srgbClr val="FFFFFF"/>
+                </a:solidFill>
+              </a14:hiddenFill>
+            </a:ext>
+            <a:ext uri="{91240B29-F687-4F45-9708-019B960494DF}">
+              <a14:hiddenLine xmlns:a14="http://schemas.microsoft.com/office/drawing/2010/main" w="9525">
+                <a:solidFill>
+                  <a:srgbClr val="000000"/>
+                </a:solidFill>
+                <a:miter lim="800000"/>
+                <a:headEnd/>
+                <a:tailEnd/>
+              </a14:hiddenLine>
+            </a:ext>
+          </a:extLst>
+        </p:spPr>
+      </p:pic>
+      <p:pic>
+        <p:nvPicPr>
+          <p:cNvPr id="3075" name="Picture 3" descr="placa maior"/>
+          <p:cNvPicPr>
+            <a:picLocks noChangeAspect="1" noChangeArrowheads="1"/>
+          </p:cNvPicPr>
+          <p:nvPr/>
+        </p:nvPicPr>
+        <p:blipFill>
+          <a:blip r:embed="rId3">
+            <a:extLst>
+              <a:ext uri="{28A0092B-C50C-407E-A947-70E740481C1C}">
+                <a14:useLocalDpi xmlns:a14="http://schemas.microsoft.com/office/drawing/2010/main" val="0"/>
+              </a:ext>
+            </a:extLst>
+          </a:blip>
+          <a:srcRect/>
+          <a:stretch>
+            <a:fillRect/>
+          </a:stretch>
+        </p:blipFill>
+        <p:spPr bwMode="auto">
+          <a:xfrm>
+            <a:off x="6018676" y="2176284"/>
+            <a:ext cx="5598067" cy="2914258"/>
+          </a:xfrm>
+          <a:prstGeom prst="rect">
+            <a:avLst/>
+          </a:prstGeom>
+          <a:noFill/>
+          <a:ln>
+            <a:noFill/>
+          </a:ln>
+          <a:extLst>
+            <a:ext uri="{909E8E84-426E-40DD-AFC4-6F175D3DCCD1}">
+              <a14:hiddenFill xmlns:a14="http://schemas.microsoft.com/office/drawing/2010/main">
+                <a:solidFill>
+                  <a:srgbClr val="FFFFFF"/>
+                </a:solidFill>
+              </a14:hiddenFill>
+            </a:ext>
+            <a:ext uri="{91240B29-F687-4F45-9708-019B960494DF}">
+              <a14:hiddenLine xmlns:a14="http://schemas.microsoft.com/office/drawing/2010/main" w="9525">
+                <a:solidFill>
+                  <a:srgbClr val="000000"/>
+                </a:solidFill>
+                <a:miter lim="800000"/>
+                <a:headEnd/>
+                <a:tailEnd/>
+              </a14:hiddenLine>
+            </a:ext>
+          </a:extLst>
+        </p:spPr>
+      </p:pic>
+      <p:sp>
+        <p:nvSpPr>
+          <p:cNvPr id="14" name="Retângulo 13"/>
+          <p:cNvSpPr/>
+          <p:nvPr/>
+        </p:nvSpPr>
+        <p:spPr>
+          <a:xfrm>
+            <a:off x="837127" y="2176284"/>
+            <a:ext cx="9990085" cy="1015663"/>
+          </a:xfrm>
+          <a:prstGeom prst="rect">
+            <a:avLst/>
+          </a:prstGeom>
+        </p:spPr>
+        <p:txBody>
+          <a:bodyPr wrap="square">
+            <a:spAutoFit/>
+          </a:bodyPr>
+          <a:lstStyle/>
+          <a:p>
+            <a:pPr marL="109728" indent="0" algn="ctr">
+              <a:buNone/>
+            </a:pPr>
+            <a:r>
+              <a:rPr lang="pt-BR" sz="3200" dirty="0" smtClean="0">
+                <a:solidFill>
+                  <a:srgbClr val="FF0000"/>
+                </a:solidFill>
+                <a:latin typeface="Rockwell Condensed" panose="02060603050405020104" pitchFamily="18" charset="0"/>
+              </a:rPr>
+              <a:t>Circuito Eletrônico</a:t>
+            </a:r>
+          </a:p>
+          <a:p>
+            <a:pPr marL="109728" indent="0" algn="ctr">
+              <a:buNone/>
+            </a:pPr>
+            <a:endParaRPr lang="pt-BR" sz="2800" dirty="0" smtClean="0">
+              <a:latin typeface="Rockwell Condensed" panose="02060603050405020104" pitchFamily="18" charset="0"/>
+            </a:endParaRPr>
+          </a:p>
+        </p:txBody>
+      </p:sp>
+      <p:sp>
+        <p:nvSpPr>
+          <p:cNvPr id="15" name="Retângulo 14"/>
+          <p:cNvSpPr/>
+          <p:nvPr/>
+        </p:nvSpPr>
+        <p:spPr>
+          <a:xfrm>
+            <a:off x="566670" y="1694329"/>
+            <a:ext cx="11050073" cy="4590561"/>
+          </a:xfrm>
+          <a:prstGeom prst="rect">
+            <a:avLst/>
+          </a:prstGeom>
+          <a:noFill/>
+          <a:ln w="28575">
+            <a:solidFill>
+              <a:srgbClr val="7030A0"/>
+            </a:solidFill>
+          </a:ln>
+        </p:spPr>
+        <p:style>
+          <a:lnRef idx="2">
+            <a:schemeClr val="accent1">
+              <a:shade val="50000"/>
+            </a:schemeClr>
+          </a:lnRef>
+          <a:fillRef idx="1">
+            <a:schemeClr val="accent1"/>
+          </a:fillRef>
+          <a:effectRef idx="0">
+            <a:schemeClr val="accent1"/>
+          </a:effectRef>
+          <a:fontRef idx="minor">
+            <a:schemeClr val="lt1"/>
+          </a:fontRef>
+        </p:style>
+        <p:txBody>
+          <a:bodyPr rtlCol="0" anchor="ctr"/>
+          <a:lstStyle/>
+          <a:p>
+            <a:pPr algn="ctr"/>
+            <a:endParaRPr lang="pt-BR"/>
+          </a:p>
+        </p:txBody>
+      </p:sp>
+      <p:sp>
+        <p:nvSpPr>
+          <p:cNvPr id="17" name="Título 1"/>
+          <p:cNvSpPr txBox="1">
+            <a:spLocks/>
+          </p:cNvSpPr>
+          <p:nvPr/>
+        </p:nvSpPr>
+        <p:spPr>
+          <a:xfrm>
+            <a:off x="3730222" y="1240972"/>
+            <a:ext cx="4291200" cy="935312"/>
+          </a:xfrm>
+          <a:prstGeom prst="flowChartAlternateProcess">
+            <a:avLst/>
+          </a:prstGeom>
+          <a:solidFill>
+            <a:srgbClr val="D7AFFF"/>
+          </a:solidFill>
+        </p:spPr>
+        <p:txBody>
+          <a:bodyPr vert="horz" lIns="91440" tIns="45720" rIns="91440" bIns="45720" rtlCol="0" anchor="ctr">
+            <a:normAutofit fontScale="82500" lnSpcReduction="20000"/>
+          </a:bodyPr>
+          <a:lstStyle>
+            <a:lvl1pPr algn="l" defTabSz="914400" rtl="0" eaLnBrk="1" latinLnBrk="0" hangingPunct="1">
+              <a:lnSpc>
+                <a:spcPct val="90000"/>
+              </a:lnSpc>
+              <a:spcBef>
+                <a:spcPct val="0"/>
+              </a:spcBef>
+              <a:buNone/>
+              <a:defRPr sz="4400" kern="1200">
+                <a:solidFill>
+                  <a:schemeClr val="tx1"/>
+                </a:solidFill>
+                <a:latin typeface="+mj-lt"/>
+                <a:ea typeface="+mj-ea"/>
+                <a:cs typeface="+mj-cs"/>
+              </a:defRPr>
+            </a:lvl1pPr>
+          </a:lstStyle>
+          <a:p>
+            <a:pPr algn="ctr"/>
+            <a:r>
+              <a:rPr lang="pt-BR" sz="4000" smtClean="0">
+                <a:latin typeface="Rockwell Condensed" panose="02060603050405020104" pitchFamily="18" charset="0"/>
+                <a:cs typeface="Times New Roman" panose="02020603050405020304" pitchFamily="18" charset="0"/>
+              </a:rPr>
+              <a:t>METODOLOGIA E DESENVOLVIMENTO</a:t>
+            </a:r>
+            <a:endParaRPr lang="pt-BR" sz="4000" dirty="0">
+              <a:latin typeface="Rockwell Condensed" panose="02060603050405020104" pitchFamily="18" charset="0"/>
+              <a:cs typeface="Times New Roman" panose="02020603050405020304" pitchFamily="18" charset="0"/>
+            </a:endParaRPr>
+          </a:p>
+        </p:txBody>
+      </p:sp>
+      <p:pic>
+        <p:nvPicPr>
+          <p:cNvPr id="18" name="Picture 2"/>
+          <p:cNvPicPr>
+            <a:picLocks noChangeAspect="1" noChangeArrowheads="1"/>
+          </p:cNvPicPr>
+          <p:nvPr/>
+        </p:nvPicPr>
         <p:blipFill rotWithShape="1">
-          <a:blip r:embed="rId2" cstate="print">
+          <a:blip r:embed="rId4" cstate="print">
             <a:extLst>
               <a:ext uri="{28A0092B-C50C-407E-A947-70E740481C1C}">
                 <a14:useLocalDpi xmlns:a14="http://schemas.microsoft.com/office/drawing/2010/main" val="0"/>
@@ -4470,7 +4761,7 @@
         </p:blipFill>
         <p:spPr bwMode="auto">
           <a:xfrm>
-            <a:off x="4802675" y="5090541"/>
+            <a:off x="4311395" y="5124007"/>
             <a:ext cx="2730843" cy="560930"/>
           </a:xfrm>
           <a:prstGeom prst="rect">
@@ -4511,318 +4802,6 @@
           </a:extLst>
         </p:spPr>
       </p:pic>
-      <p:sp>
-        <p:nvSpPr>
-          <p:cNvPr id="11" name="CaixaDeTexto 10"/>
-          <p:cNvSpPr txBox="1"/>
-          <p:nvPr/>
-        </p:nvSpPr>
-        <p:spPr>
-          <a:xfrm>
-            <a:off x="837126" y="5546226"/>
-            <a:ext cx="3319237" cy="738664"/>
-          </a:xfrm>
-          <a:prstGeom prst="rect">
-            <a:avLst/>
-          </a:prstGeom>
-          <a:noFill/>
-        </p:spPr>
-        <p:txBody>
-          <a:bodyPr wrap="square" rtlCol="0">
-            <a:spAutoFit/>
-          </a:bodyPr>
-          <a:lstStyle/>
-          <a:p>
-            <a:pPr algn="ctr"/>
-            <a:r>
-              <a:rPr lang="pt-BR" sz="1400" dirty="0" smtClean="0"/>
-              <a:t>Figura </a:t>
-            </a:r>
-            <a:r>
-              <a:rPr lang="pt-BR" sz="1400" dirty="0" smtClean="0"/>
-              <a:t>10 – Esquema elétrico da placa de cadastro de usuários.</a:t>
-            </a:r>
-            <a:endParaRPr lang="pt-BR" sz="1400" dirty="0" smtClean="0"/>
-          </a:p>
-          <a:p>
-            <a:pPr algn="ctr"/>
-            <a:r>
-              <a:rPr lang="pt-BR" sz="1400" dirty="0" smtClean="0"/>
-              <a:t>Fonte</a:t>
-            </a:r>
-            <a:r>
-              <a:rPr lang="pt-BR" sz="1400" dirty="0"/>
-              <a:t>: </a:t>
-            </a:r>
-            <a:r>
-              <a:rPr lang="pt-BR" sz="1400" dirty="0" smtClean="0"/>
-              <a:t>Autor</a:t>
-            </a:r>
-            <a:r>
-              <a:rPr lang="pt-BR" sz="1400" dirty="0" smtClean="0"/>
-              <a:t>.</a:t>
-            </a:r>
-            <a:endParaRPr lang="pt-BR" dirty="0"/>
-          </a:p>
-        </p:txBody>
-      </p:sp>
-      <p:pic>
-        <p:nvPicPr>
-          <p:cNvPr id="3074" name="Picture 2" descr="placa menor"/>
-          <p:cNvPicPr>
-            <a:picLocks noChangeAspect="1" noChangeArrowheads="1"/>
-          </p:cNvPicPr>
-          <p:nvPr/>
-        </p:nvPicPr>
-        <p:blipFill>
-          <a:blip r:embed="rId3">
-            <a:extLst>
-              <a:ext uri="{28A0092B-C50C-407E-A947-70E740481C1C}">
-                <a14:useLocalDpi xmlns:a14="http://schemas.microsoft.com/office/drawing/2010/main" val="0"/>
-              </a:ext>
-            </a:extLst>
-          </a:blip>
-          <a:srcRect/>
-          <a:stretch>
-            <a:fillRect/>
-          </a:stretch>
-        </p:blipFill>
-        <p:spPr bwMode="auto">
-          <a:xfrm>
-            <a:off x="670213" y="2176284"/>
-            <a:ext cx="3486150" cy="3369942"/>
-          </a:xfrm>
-          <a:prstGeom prst="rect">
-            <a:avLst/>
-          </a:prstGeom>
-          <a:noFill/>
-          <a:ln>
-            <a:noFill/>
-          </a:ln>
-          <a:extLst>
-            <a:ext uri="{909E8E84-426E-40DD-AFC4-6F175D3DCCD1}">
-              <a14:hiddenFill xmlns:a14="http://schemas.microsoft.com/office/drawing/2010/main">
-                <a:solidFill>
-                  <a:srgbClr val="FFFFFF"/>
-                </a:solidFill>
-              </a14:hiddenFill>
-            </a:ext>
-            <a:ext uri="{91240B29-F687-4F45-9708-019B960494DF}">
-              <a14:hiddenLine xmlns:a14="http://schemas.microsoft.com/office/drawing/2010/main" w="9525">
-                <a:solidFill>
-                  <a:srgbClr val="000000"/>
-                </a:solidFill>
-                <a:miter lim="800000"/>
-                <a:headEnd/>
-                <a:tailEnd/>
-              </a14:hiddenLine>
-            </a:ext>
-          </a:extLst>
-        </p:spPr>
-      </p:pic>
-      <p:pic>
-        <p:nvPicPr>
-          <p:cNvPr id="3075" name="Picture 3" descr="placa maior"/>
-          <p:cNvPicPr>
-            <a:picLocks noChangeAspect="1" noChangeArrowheads="1"/>
-          </p:cNvPicPr>
-          <p:nvPr/>
-        </p:nvPicPr>
-        <p:blipFill>
-          <a:blip r:embed="rId4">
-            <a:extLst>
-              <a:ext uri="{28A0092B-C50C-407E-A947-70E740481C1C}">
-                <a14:useLocalDpi xmlns:a14="http://schemas.microsoft.com/office/drawing/2010/main" val="0"/>
-              </a:ext>
-            </a:extLst>
-          </a:blip>
-          <a:srcRect/>
-          <a:stretch>
-            <a:fillRect/>
-          </a:stretch>
-        </p:blipFill>
-        <p:spPr bwMode="auto">
-          <a:xfrm>
-            <a:off x="6091706" y="2176284"/>
-            <a:ext cx="5598067" cy="2914258"/>
-          </a:xfrm>
-          <a:prstGeom prst="rect">
-            <a:avLst/>
-          </a:prstGeom>
-          <a:noFill/>
-          <a:ln>
-            <a:noFill/>
-          </a:ln>
-          <a:extLst>
-            <a:ext uri="{909E8E84-426E-40DD-AFC4-6F175D3DCCD1}">
-              <a14:hiddenFill xmlns:a14="http://schemas.microsoft.com/office/drawing/2010/main">
-                <a:solidFill>
-                  <a:srgbClr val="FFFFFF"/>
-                </a:solidFill>
-              </a14:hiddenFill>
-            </a:ext>
-            <a:ext uri="{91240B29-F687-4F45-9708-019B960494DF}">
-              <a14:hiddenLine xmlns:a14="http://schemas.microsoft.com/office/drawing/2010/main" w="9525">
-                <a:solidFill>
-                  <a:srgbClr val="000000"/>
-                </a:solidFill>
-                <a:miter lim="800000"/>
-                <a:headEnd/>
-                <a:tailEnd/>
-              </a14:hiddenLine>
-            </a:ext>
-          </a:extLst>
-        </p:spPr>
-      </p:pic>
-      <p:sp>
-        <p:nvSpPr>
-          <p:cNvPr id="14" name="Retângulo 13"/>
-          <p:cNvSpPr/>
-          <p:nvPr/>
-        </p:nvSpPr>
-        <p:spPr>
-          <a:xfrm>
-            <a:off x="837127" y="2176284"/>
-            <a:ext cx="9990085" cy="1015663"/>
-          </a:xfrm>
-          <a:prstGeom prst="rect">
-            <a:avLst/>
-          </a:prstGeom>
-        </p:spPr>
-        <p:txBody>
-          <a:bodyPr wrap="square">
-            <a:spAutoFit/>
-          </a:bodyPr>
-          <a:lstStyle/>
-          <a:p>
-            <a:pPr marL="109728" indent="0" algn="ctr">
-              <a:buNone/>
-            </a:pPr>
-            <a:r>
-              <a:rPr lang="pt-BR" sz="3200" dirty="0" smtClean="0">
-                <a:solidFill>
-                  <a:srgbClr val="FF0000"/>
-                </a:solidFill>
-                <a:latin typeface="Rockwell Condensed" panose="02060603050405020104" pitchFamily="18" charset="0"/>
-              </a:rPr>
-              <a:t>Circuito Eletrônico</a:t>
-            </a:r>
-          </a:p>
-          <a:p>
-            <a:pPr marL="109728" indent="0" algn="ctr">
-              <a:buNone/>
-            </a:pPr>
-            <a:endParaRPr lang="pt-BR" sz="2800" dirty="0" smtClean="0">
-              <a:latin typeface="Rockwell Condensed" panose="02060603050405020104" pitchFamily="18" charset="0"/>
-            </a:endParaRPr>
-          </a:p>
-        </p:txBody>
-      </p:sp>
-      <p:sp>
-        <p:nvSpPr>
-          <p:cNvPr id="15" name="Retângulo 14"/>
-          <p:cNvSpPr/>
-          <p:nvPr/>
-        </p:nvSpPr>
-        <p:spPr>
-          <a:xfrm>
-            <a:off x="566670" y="1694329"/>
-            <a:ext cx="11050073" cy="4590561"/>
-          </a:xfrm>
-          <a:prstGeom prst="rect">
-            <a:avLst/>
-          </a:prstGeom>
-          <a:noFill/>
-          <a:ln w="28575">
-            <a:solidFill>
-              <a:srgbClr val="7030A0"/>
-            </a:solidFill>
-          </a:ln>
-        </p:spPr>
-        <p:style>
-          <a:lnRef idx="2">
-            <a:schemeClr val="accent1">
-              <a:shade val="50000"/>
-            </a:schemeClr>
-          </a:lnRef>
-          <a:fillRef idx="1">
-            <a:schemeClr val="accent1"/>
-          </a:fillRef>
-          <a:effectRef idx="0">
-            <a:schemeClr val="accent1"/>
-          </a:effectRef>
-          <a:fontRef idx="minor">
-            <a:schemeClr val="lt1"/>
-          </a:fontRef>
-        </p:style>
-        <p:txBody>
-          <a:bodyPr rtlCol="0" anchor="ctr"/>
-          <a:lstStyle/>
-          <a:p>
-            <a:pPr algn="ctr"/>
-            <a:endParaRPr lang="pt-BR"/>
-          </a:p>
-        </p:txBody>
-      </p:sp>
-      <p:sp>
-        <p:nvSpPr>
-          <p:cNvPr id="17" name="Título 1"/>
-          <p:cNvSpPr txBox="1">
-            <a:spLocks/>
-          </p:cNvSpPr>
-          <p:nvPr/>
-        </p:nvSpPr>
-        <p:spPr>
-          <a:xfrm>
-            <a:off x="3730222" y="1240972"/>
-            <a:ext cx="4291200" cy="935312"/>
-          </a:xfrm>
-          <a:prstGeom prst="flowChartAlternateProcess">
-            <a:avLst/>
-          </a:prstGeom>
-          <a:solidFill>
-            <a:srgbClr val="D7AFFF"/>
-          </a:solidFill>
-        </p:spPr>
-        <p:txBody>
-          <a:bodyPr vert="horz" lIns="91440" tIns="45720" rIns="91440" bIns="45720" rtlCol="0" anchor="ctr">
-            <a:normAutofit fontScale="82500" lnSpcReduction="20000"/>
-          </a:bodyPr>
-          <a:lstStyle>
-            <a:lvl1pPr algn="l" defTabSz="914400" rtl="0" eaLnBrk="1" latinLnBrk="0" hangingPunct="1">
-              <a:lnSpc>
-                <a:spcPct val="90000"/>
-              </a:lnSpc>
-              <a:spcBef>
-                <a:spcPct val="0"/>
-              </a:spcBef>
-              <a:buNone/>
-              <a:defRPr sz="4400" kern="1200">
-                <a:solidFill>
-                  <a:schemeClr val="tx1"/>
-                </a:solidFill>
-                <a:latin typeface="+mj-lt"/>
-                <a:ea typeface="+mj-ea"/>
-                <a:cs typeface="+mj-cs"/>
-              </a:defRPr>
-            </a:lvl1pPr>
-          </a:lstStyle>
-          <a:p>
-            <a:pPr algn="ctr"/>
-            <a:r>
-              <a:rPr lang="pt-BR" sz="4000" smtClean="0">
-                <a:latin typeface="Rockwell Condensed" panose="02060603050405020104" pitchFamily="18" charset="0"/>
-                <a:cs typeface="Times New Roman" panose="02020603050405020304" pitchFamily="18" charset="0"/>
-              </a:rPr>
-              <a:t>METODOLOGIA E DESENVOLVIMENTO</a:t>
-            </a:r>
-            <a:endParaRPr lang="pt-BR" sz="4000" dirty="0">
-              <a:latin typeface="Rockwell Condensed" panose="02060603050405020104" pitchFamily="18" charset="0"/>
-              <a:cs typeface="Times New Roman" panose="02020603050405020304" pitchFamily="18" charset="0"/>
-            </a:endParaRPr>
-          </a:p>
-        </p:txBody>
-      </p:sp>
     </p:spTree>
     <p:extLst>
       <p:ext uri="{BB962C8B-B14F-4D97-AF65-F5344CB8AC3E}">
@@ -4845,6 +4824,9 @@
                     <p:cTn id="3" fill="hold">
                       <p:stCondLst>
                         <p:cond delay="indefinite"/>
+                        <p:cond evt="onBegin" delay="0">
+                          <p:tn val="2"/>
+                        </p:cond>
                       </p:stCondLst>
                       <p:childTnLst>
                         <p:par>
@@ -4854,7 +4836,7 @@
                             </p:stCondLst>
                             <p:childTnLst>
                               <p:par>
-                                <p:cTn id="5" presetID="22" presetClass="entr" presetSubtype="4" fill="hold" nodeType="clickEffect">
+                                <p:cTn id="5" presetID="22" presetClass="entr" presetSubtype="4" fill="hold" grpId="0" nodeType="withEffect">
                                   <p:stCondLst>
                                     <p:cond delay="0"/>
                                   </p:stCondLst>
@@ -4867,7 +4849,7 @@
                                           </p:stCondLst>
                                         </p:cTn>
                                         <p:tgtEl>
-                                          <p:spTgt spid="8194"/>
+                                          <p:spTgt spid="13"/>
                                         </p:tgtEl>
                                         <p:attrNameLst>
                                           <p:attrName>style.visibility</p:attrName>
@@ -4881,7 +4863,7 @@
                                       <p:cBhvr>
                                         <p:cTn id="7" dur="500"/>
                                         <p:tgtEl>
-                                          <p:spTgt spid="8194"/>
+                                          <p:spTgt spid="13"/>
                                         </p:tgtEl>
                                       </p:cBhvr>
                                     </p:animEffect>
@@ -4902,7 +4884,7 @@
                                           </p:stCondLst>
                                         </p:cTn>
                                         <p:tgtEl>
-                                          <p:spTgt spid="13"/>
+                                          <p:spTgt spid="12"/>
                                         </p:tgtEl>
                                         <p:attrNameLst>
                                           <p:attrName>style.visibility</p:attrName>
@@ -4916,7 +4898,7 @@
                                       <p:cBhvr>
                                         <p:cTn id="10" dur="500"/>
                                         <p:tgtEl>
-                                          <p:spTgt spid="13"/>
+                                          <p:spTgt spid="12"/>
                                         </p:tgtEl>
                                       </p:cBhvr>
                                     </p:animEffect>
@@ -4937,7 +4919,7 @@
                                           </p:stCondLst>
                                         </p:cTn>
                                         <p:tgtEl>
-                                          <p:spTgt spid="12"/>
+                                          <p:spTgt spid="11"/>
                                         </p:tgtEl>
                                         <p:attrNameLst>
                                           <p:attrName>style.visibility</p:attrName>
@@ -4951,28 +4933,46 @@
                                       <p:cBhvr>
                                         <p:cTn id="13" dur="500"/>
                                         <p:tgtEl>
-                                          <p:spTgt spid="12"/>
+                                          <p:spTgt spid="11"/>
                                         </p:tgtEl>
                                       </p:cBhvr>
                                     </p:animEffect>
                                   </p:childTnLst>
                                 </p:cTn>
                               </p:par>
+                            </p:childTnLst>
+                          </p:cTn>
+                        </p:par>
+                      </p:childTnLst>
+                    </p:cTn>
+                  </p:par>
+                  <p:par>
+                    <p:cTn id="14" fill="hold">
+                      <p:stCondLst>
+                        <p:cond delay="indefinite"/>
+                      </p:stCondLst>
+                      <p:childTnLst>
+                        <p:par>
+                          <p:cTn id="15" fill="hold">
+                            <p:stCondLst>
+                              <p:cond delay="0"/>
+                            </p:stCondLst>
+                            <p:childTnLst>
                               <p:par>
-                                <p:cTn id="14" presetID="22" presetClass="entr" presetSubtype="4" fill="hold" grpId="0" nodeType="withEffect">
+                                <p:cTn id="16" presetID="22" presetClass="entr" presetSubtype="4" fill="hold" nodeType="clickEffect">
                                   <p:stCondLst>
                                     <p:cond delay="0"/>
                                   </p:stCondLst>
                                   <p:childTnLst>
                                     <p:set>
                                       <p:cBhvr>
-                                        <p:cTn id="15" dur="1" fill="hold">
+                                        <p:cTn id="17" dur="1" fill="hold">
                                           <p:stCondLst>
                                             <p:cond delay="0"/>
                                           </p:stCondLst>
                                         </p:cTn>
                                         <p:tgtEl>
-                                          <p:spTgt spid="11"/>
+                                          <p:spTgt spid="18"/>
                                         </p:tgtEl>
                                         <p:attrNameLst>
                                           <p:attrName>style.visibility</p:attrName>
@@ -4984,9 +4984,9 @@
                                     </p:set>
                                     <p:animEffect transition="in" filter="wipe(down)">
                                       <p:cBhvr>
-                                        <p:cTn id="16" dur="500"/>
+                                        <p:cTn id="18" dur="500"/>
                                         <p:tgtEl>
-                                          <p:spTgt spid="11"/>
+                                          <p:spTgt spid="18"/>
                                         </p:tgtEl>
                                       </p:cBhvr>
                                     </p:animEffect>
@@ -5217,16 +5217,7 @@
                 </a:solidFill>
                 <a:latin typeface="Rockwell Condensed" panose="02060603050405020104" pitchFamily="18" charset="0"/>
               </a:rPr>
-              <a:t>Comunicação </a:t>
-            </a:r>
-            <a:r>
-              <a:rPr lang="pt-BR" sz="3200" dirty="0" smtClean="0">
-                <a:solidFill>
-                  <a:srgbClr val="FF0000"/>
-                </a:solidFill>
-                <a:latin typeface="Rockwell Condensed" panose="02060603050405020104" pitchFamily="18" charset="0"/>
-              </a:rPr>
-              <a:t>entre o sistema web e a </a:t>
+              <a:t>Comunicação entre o sistema web e a </a:t>
             </a:r>
             <a:r>
               <a:rPr lang="pt-BR" sz="3200" dirty="0" err="1" smtClean="0">
@@ -5264,17 +5255,8 @@
               <a:rPr lang="pt-BR" sz="2800" dirty="0" smtClean="0">
                 <a:latin typeface="Rockwell Condensed" panose="02060603050405020104" pitchFamily="18" charset="0"/>
               </a:rPr>
-              <a:t>Requisições HTTPS </a:t>
-            </a:r>
-            <a:r>
-              <a:rPr lang="pt-BR" sz="2800" dirty="0" smtClean="0">
-                <a:latin typeface="Rockwell Condensed" panose="02060603050405020104" pitchFamily="18" charset="0"/>
-              </a:rPr>
-              <a:t>– Requisições POST</a:t>
-            </a:r>
-            <a:endParaRPr lang="pt-BR" sz="2800" dirty="0" smtClean="0">
-              <a:latin typeface="Rockwell Condensed" panose="02060603050405020104" pitchFamily="18" charset="0"/>
-            </a:endParaRPr>
+              <a:t>Requisições HTTPS – Requisições POST</a:t>
+            </a:r>
           </a:p>
           <a:p>
             <a:pPr marL="566928" indent="-457200" algn="just">
@@ -5294,13 +5276,7 @@
               <a:rPr lang="pt-BR" sz="2800" dirty="0" smtClean="0">
                 <a:latin typeface="Rockwell Condensed" panose="02060603050405020104" pitchFamily="18" charset="0"/>
               </a:rPr>
-              <a:t>Arquivos JSON</a:t>
-            </a:r>
-            <a:r>
-              <a:rPr lang="pt-BR" sz="2800" dirty="0" smtClean="0">
-                <a:latin typeface="Rockwell Condensed" panose="02060603050405020104" pitchFamily="18" charset="0"/>
-              </a:rPr>
-              <a:t>;</a:t>
+              <a:t>Arquivos JSON;</a:t>
             </a:r>
           </a:p>
           <a:p>
@@ -5377,13 +5353,8 @@
             <a:pPr algn="ctr"/>
             <a:r>
               <a:rPr lang="pt-BR" sz="1400" dirty="0" smtClean="0"/>
-              <a:t>Figura 13 - </a:t>
-            </a:r>
-            <a:r>
-              <a:rPr lang="pt-BR" sz="1400" dirty="0" smtClean="0"/>
-              <a:t>Formato de um arquivo JSON</a:t>
-            </a:r>
-            <a:endParaRPr lang="pt-BR" sz="1400" dirty="0" smtClean="0"/>
+              <a:t>Figura 13 - Formato de um arquivo JSON</a:t>
+            </a:r>
           </a:p>
           <a:p>
             <a:pPr algn="ctr"/>
@@ -5708,13 +5679,8 @@
             <a:pPr algn="ctr"/>
             <a:r>
               <a:rPr lang="pt-BR" sz="1400" dirty="0" smtClean="0"/>
-              <a:t>Figura </a:t>
-            </a:r>
-            <a:r>
-              <a:rPr lang="pt-BR" sz="1400" dirty="0" smtClean="0"/>
-              <a:t>14 - Fechadura utilizada para testes.</a:t>
-            </a:r>
-            <a:endParaRPr lang="pt-BR" sz="1400" dirty="0" smtClean="0"/>
+              <a:t>Figura 14 - Fechadura utilizada para testes.</a:t>
+            </a:r>
           </a:p>
           <a:p>
             <a:pPr algn="ctr"/>
@@ -5728,13 +5694,8 @@
             </a:r>
             <a:r>
               <a:rPr lang="pt-BR" sz="1400" dirty="0" smtClean="0"/>
-              <a:t>Autor</a:t>
-            </a:r>
-            <a:r>
-              <a:rPr lang="pt-BR" sz="1400" dirty="0" smtClean="0"/>
-              <a:t>.</a:t>
-            </a:r>
-            <a:endParaRPr lang="pt-BR" sz="1400" dirty="0" smtClean="0"/>
+              <a:t>Autor.</a:t>
+            </a:r>
           </a:p>
         </p:txBody>
       </p:sp>
@@ -5970,7 +5931,7 @@
         </p:nvSpPr>
         <p:spPr>
           <a:xfrm>
-            <a:off x="566670" y="1694329"/>
+            <a:off x="566669" y="1694328"/>
             <a:ext cx="11050073" cy="4590561"/>
           </a:xfrm>
           <a:prstGeom prst="rect">
@@ -5979,7 +5940,7 @@
           <a:noFill/>
           <a:ln w="28575">
             <a:solidFill>
-              <a:srgbClr val="00FFCC"/>
+              <a:srgbClr val="7030A0"/>
             </a:solidFill>
           </a:ln>
         </p:spPr>
@@ -6020,19 +5981,19 @@
         </p:nvSpPr>
         <p:spPr>
           <a:xfrm>
-            <a:off x="3730222" y="1276729"/>
-            <a:ext cx="4291200" cy="835200"/>
+            <a:off x="3730222" y="1227910"/>
+            <a:ext cx="4291200" cy="948374"/>
           </a:xfrm>
           <a:prstGeom prst="flowChartAlternateProcess">
             <a:avLst/>
           </a:prstGeom>
           <a:solidFill>
-            <a:srgbClr val="00FFCC"/>
+            <a:srgbClr val="D7AFFF"/>
           </a:solidFill>
         </p:spPr>
         <p:txBody>
           <a:bodyPr>
-            <a:normAutofit/>
+            <a:normAutofit fontScale="90000"/>
           </a:bodyPr>
           <a:lstStyle/>
           <a:p>
@@ -6042,7 +6003,7 @@
                 <a:latin typeface="Rockwell Condensed" panose="02060603050405020104" pitchFamily="18" charset="0"/>
                 <a:cs typeface="Times New Roman" panose="02020603050405020304" pitchFamily="18" charset="0"/>
               </a:rPr>
-              <a:t>RESULTADOS</a:t>
+              <a:t>METODOLOGIA E DESENVOLVIMENTO</a:t>
             </a:r>
             <a:endParaRPr lang="pt-BR" sz="4000" dirty="0">
               <a:latin typeface="Rockwell Condensed" panose="02060603050405020104" pitchFamily="18" charset="0"/>
@@ -6053,14 +6014,14 @@
       </p:sp>
       <p:sp>
         <p:nvSpPr>
-          <p:cNvPr id="9" name="Retângulo 8"/>
+          <p:cNvPr id="17" name="Retângulo 16"/>
           <p:cNvSpPr/>
           <p:nvPr/>
         </p:nvSpPr>
         <p:spPr>
           <a:xfrm>
-            <a:off x="837127" y="2176284"/>
-            <a:ext cx="9990085" cy="3970318"/>
+            <a:off x="874120" y="2176284"/>
+            <a:ext cx="9990085" cy="1508105"/>
           </a:xfrm>
           <a:prstGeom prst="rect">
             <a:avLst/>
@@ -6072,137 +6033,2777 @@
           </a:bodyPr>
           <a:lstStyle/>
           <a:p>
-            <a:pPr marL="566928" indent="-457200" algn="just">
-              <a:buFont typeface="Arial" pitchFamily="34" charset="0"/>
-              <a:buChar char="•"/>
-            </a:pPr>
-            <a:endParaRPr lang="pt-BR" sz="2800" dirty="0" smtClean="0">
-              <a:latin typeface="Rockwell Condensed" panose="02060603050405020104" pitchFamily="18" charset="0"/>
-            </a:endParaRPr>
-          </a:p>
-          <a:p>
-            <a:pPr marL="566928" indent="-457200" algn="just">
-              <a:buFont typeface="Arial" pitchFamily="34" charset="0"/>
-              <a:buChar char="•"/>
-            </a:pPr>
-            <a:r>
-              <a:rPr lang="pt-BR" sz="2800" dirty="0" smtClean="0">
+            <a:pPr marL="109728" algn="ctr"/>
+            <a:r>
+              <a:rPr lang="pt-BR" sz="3200" dirty="0" smtClean="0">
+                <a:solidFill>
+                  <a:srgbClr val="FF0000"/>
+                </a:solidFill>
                 <a:latin typeface="Rockwell Condensed" panose="02060603050405020104" pitchFamily="18" charset="0"/>
               </a:rPr>
-              <a:t>Controle dos acessos aos laboratórios através do módulo MFRC 522</a:t>
-            </a:r>
-            <a:r>
-              <a:rPr lang="pt-BR" sz="2800" dirty="0" smtClean="0">
-                <a:latin typeface="Rockwell Condensed" panose="02060603050405020104" pitchFamily="18" charset="0"/>
-              </a:rPr>
-              <a:t>;</a:t>
-            </a:r>
-            <a:endParaRPr lang="pt-BR" sz="2800" dirty="0" smtClean="0">
-              <a:latin typeface="Rockwell Condensed" panose="02060603050405020104" pitchFamily="18" charset="0"/>
-            </a:endParaRPr>
-          </a:p>
-          <a:p>
-            <a:pPr marL="566928" indent="-457200" algn="just">
-              <a:buFont typeface="Arial" pitchFamily="34" charset="0"/>
-              <a:buChar char="•"/>
-            </a:pPr>
-            <a:endParaRPr lang="pt-BR" sz="2800" dirty="0" smtClean="0">
-              <a:latin typeface="Rockwell Condensed" panose="02060603050405020104" pitchFamily="18" charset="0"/>
-            </a:endParaRPr>
-          </a:p>
-          <a:p>
-            <a:pPr marL="566928" indent="-457200" algn="just">
-              <a:buFont typeface="Arial" pitchFamily="34" charset="0"/>
-              <a:buChar char="•"/>
-            </a:pPr>
-            <a:r>
-              <a:rPr lang="pt-BR" sz="2800" dirty="0" smtClean="0">
-                <a:latin typeface="Rockwell Condensed" panose="02060603050405020104" pitchFamily="18" charset="0"/>
-              </a:rPr>
-              <a:t>Reservas</a:t>
-            </a:r>
-            <a:r>
-              <a:rPr lang="pt-BR" sz="2800" dirty="0" smtClean="0">
-                <a:latin typeface="Rockwell Condensed" panose="02060603050405020104" pitchFamily="18" charset="0"/>
-              </a:rPr>
-              <a:t>;</a:t>
-            </a:r>
-            <a:endParaRPr lang="pt-BR" sz="2800" dirty="0" smtClean="0">
-              <a:latin typeface="Rockwell Condensed" panose="02060603050405020104" pitchFamily="18" charset="0"/>
-            </a:endParaRPr>
-          </a:p>
-          <a:p>
-            <a:pPr marL="566928" indent="-457200" algn="just">
-              <a:buFont typeface="Arial" pitchFamily="34" charset="0"/>
-              <a:buChar char="•"/>
-            </a:pPr>
-            <a:endParaRPr lang="pt-BR" sz="2800" dirty="0">
-              <a:latin typeface="Rockwell Condensed" panose="02060603050405020104" pitchFamily="18" charset="0"/>
-            </a:endParaRPr>
-          </a:p>
-          <a:p>
-            <a:pPr marL="566928" indent="-457200" algn="just">
-              <a:buFont typeface="Arial" pitchFamily="34" charset="0"/>
-              <a:buChar char="•"/>
-            </a:pPr>
-            <a:r>
-              <a:rPr lang="pt-BR" sz="2800" dirty="0" smtClean="0">
-                <a:latin typeface="Rockwell Condensed" panose="02060603050405020104" pitchFamily="18" charset="0"/>
-              </a:rPr>
-              <a:t>Interface web interativa, com boa estética e fácil de se trabalhar;</a:t>
-            </a:r>
-            <a:endParaRPr lang="pt-BR" sz="2800" dirty="0" smtClean="0">
-              <a:latin typeface="Rockwell Condensed" panose="02060603050405020104" pitchFamily="18" charset="0"/>
-            </a:endParaRPr>
-          </a:p>
-          <a:p>
-            <a:pPr marL="566928" indent="-457200" algn="just">
-              <a:buFont typeface="Arial" pitchFamily="34" charset="0"/>
-              <a:buChar char="•"/>
-            </a:pPr>
-            <a:endParaRPr lang="pt-BR" sz="2800" dirty="0">
-              <a:latin typeface="Rockwell Condensed" panose="02060603050405020104" pitchFamily="18" charset="0"/>
-            </a:endParaRPr>
-          </a:p>
-          <a:p>
-            <a:pPr marL="566928" indent="-457200" algn="just">
-              <a:buFont typeface="Arial" pitchFamily="34" charset="0"/>
-              <a:buChar char="•"/>
-            </a:pPr>
-            <a:r>
-              <a:rPr lang="pt-BR" sz="2800" dirty="0" smtClean="0">
-                <a:latin typeface="Rockwell Condensed" panose="02060603050405020104" pitchFamily="18" charset="0"/>
-              </a:rPr>
-              <a:t>Utilização do controle de acesso mesmo sem o funcionamento da rede</a:t>
-            </a:r>
-            <a:r>
-              <a:rPr lang="pt-BR" sz="2800" dirty="0" smtClean="0">
-                <a:latin typeface="Rockwell Condensed" panose="02060603050405020104" pitchFamily="18" charset="0"/>
-              </a:rPr>
-              <a:t>.</a:t>
-            </a:r>
-            <a:endParaRPr lang="pt-BR" sz="2800" dirty="0">
-              <a:latin typeface="Rockwell Condensed" panose="02060603050405020104" pitchFamily="18" charset="0"/>
-            </a:endParaRPr>
-          </a:p>
-          <a:p>
-            <a:pPr marL="566928" indent="-457200" algn="just">
-              <a:buFont typeface="Arial" pitchFamily="34" charset="0"/>
-              <a:buChar char="•"/>
-            </a:pPr>
-            <a:endParaRPr lang="pt-BR" sz="2800" dirty="0" smtClean="0">
+              <a:t>Fluxograma de funcionamento</a:t>
+            </a:r>
+            <a:endParaRPr lang="pt-BR" sz="3200" dirty="0">
               <a:solidFill>
                 <a:srgbClr val="FF0000"/>
               </a:solidFill>
               <a:latin typeface="Rockwell Condensed" panose="02060603050405020104" pitchFamily="18" charset="0"/>
             </a:endParaRPr>
           </a:p>
-        </p:txBody>
-      </p:sp>
+          <a:p>
+            <a:pPr marL="109728" algn="ctr"/>
+            <a:endParaRPr lang="pt-BR" sz="3200" dirty="0">
+              <a:solidFill>
+                <a:srgbClr val="FF0000"/>
+              </a:solidFill>
+              <a:latin typeface="Rockwell Condensed" panose="02060603050405020104" pitchFamily="18" charset="0"/>
+            </a:endParaRPr>
+          </a:p>
+          <a:p>
+            <a:pPr marL="109728" indent="0" algn="ctr">
+              <a:buNone/>
+            </a:pPr>
+            <a:endParaRPr lang="pt-BR" sz="2800" dirty="0" smtClean="0">
+              <a:latin typeface="Rockwell Condensed" panose="02060603050405020104" pitchFamily="18" charset="0"/>
+            </a:endParaRPr>
+          </a:p>
+        </p:txBody>
+      </p:sp>
+      <p:sp>
+        <p:nvSpPr>
+          <p:cNvPr id="2" name="Retângulo 1"/>
+          <p:cNvSpPr/>
+          <p:nvPr/>
+        </p:nvSpPr>
+        <p:spPr>
+          <a:xfrm>
+            <a:off x="3088023" y="2643073"/>
+            <a:ext cx="757253" cy="322118"/>
+          </a:xfrm>
+          <a:prstGeom prst="rect">
+            <a:avLst/>
+          </a:prstGeom>
+        </p:spPr>
+        <p:style>
+          <a:lnRef idx="2">
+            <a:schemeClr val="accent1">
+              <a:shade val="50000"/>
+            </a:schemeClr>
+          </a:lnRef>
+          <a:fillRef idx="1">
+            <a:schemeClr val="accent1"/>
+          </a:fillRef>
+          <a:effectRef idx="0">
+            <a:schemeClr val="accent1"/>
+          </a:effectRef>
+          <a:fontRef idx="minor">
+            <a:schemeClr val="lt1"/>
+          </a:fontRef>
+        </p:style>
+        <p:txBody>
+          <a:bodyPr rtlCol="0" anchor="ctr"/>
+          <a:lstStyle/>
+          <a:p>
+            <a:pPr algn="ctr"/>
+            <a:r>
+              <a:rPr lang="pt-BR" dirty="0" smtClean="0"/>
+              <a:t>inicio</a:t>
+            </a:r>
+            <a:endParaRPr lang="pt-BR" dirty="0"/>
+          </a:p>
+        </p:txBody>
+      </p:sp>
+      <p:sp>
+        <p:nvSpPr>
+          <p:cNvPr id="3" name="Elipse 2"/>
+          <p:cNvSpPr/>
+          <p:nvPr/>
+        </p:nvSpPr>
+        <p:spPr>
+          <a:xfrm>
+            <a:off x="3362739" y="3214473"/>
+            <a:ext cx="213655" cy="238991"/>
+          </a:xfrm>
+          <a:prstGeom prst="ellipse">
+            <a:avLst/>
+          </a:prstGeom>
+        </p:spPr>
+        <p:style>
+          <a:lnRef idx="2">
+            <a:schemeClr val="accent1">
+              <a:shade val="50000"/>
+            </a:schemeClr>
+          </a:lnRef>
+          <a:fillRef idx="1">
+            <a:schemeClr val="accent1"/>
+          </a:fillRef>
+          <a:effectRef idx="0">
+            <a:schemeClr val="accent1"/>
+          </a:effectRef>
+          <a:fontRef idx="minor">
+            <a:schemeClr val="lt1"/>
+          </a:fontRef>
+        </p:style>
+        <p:txBody>
+          <a:bodyPr rtlCol="0" anchor="ctr"/>
+          <a:lstStyle/>
+          <a:p>
+            <a:pPr algn="ctr"/>
+            <a:r>
+              <a:rPr lang="pt-BR" dirty="0"/>
+              <a:t>A</a:t>
+            </a:r>
+          </a:p>
+        </p:txBody>
+      </p:sp>
+      <p:cxnSp>
+        <p:nvCxnSpPr>
+          <p:cNvPr id="6" name="Conector de seta reta 5"/>
+          <p:cNvCxnSpPr>
+            <a:stCxn id="2" idx="2"/>
+            <a:endCxn id="3" idx="0"/>
+          </p:cNvCxnSpPr>
+          <p:nvPr/>
+        </p:nvCxnSpPr>
+        <p:spPr>
+          <a:xfrm>
+            <a:off x="3466650" y="2965191"/>
+            <a:ext cx="2917" cy="249282"/>
+          </a:xfrm>
+          <a:prstGeom prst="straightConnector1">
+            <a:avLst/>
+          </a:prstGeom>
+          <a:ln>
+            <a:tailEnd type="arrow"/>
+          </a:ln>
+        </p:spPr>
+        <p:style>
+          <a:lnRef idx="1">
+            <a:schemeClr val="accent1"/>
+          </a:lnRef>
+          <a:fillRef idx="0">
+            <a:schemeClr val="accent1"/>
+          </a:fillRef>
+          <a:effectRef idx="0">
+            <a:schemeClr val="accent1"/>
+          </a:effectRef>
+          <a:fontRef idx="minor">
+            <a:schemeClr val="tx1"/>
+          </a:fontRef>
+        </p:style>
+      </p:cxnSp>
+      <p:sp>
+        <p:nvSpPr>
+          <p:cNvPr id="7" name="Losango 6"/>
+          <p:cNvSpPr/>
+          <p:nvPr/>
+        </p:nvSpPr>
+        <p:spPr>
+          <a:xfrm>
+            <a:off x="2805618" y="3673296"/>
+            <a:ext cx="1327897" cy="843045"/>
+          </a:xfrm>
+          <a:prstGeom prst="diamond">
+            <a:avLst/>
+          </a:prstGeom>
+        </p:spPr>
+        <p:style>
+          <a:lnRef idx="2">
+            <a:schemeClr val="accent1">
+              <a:shade val="50000"/>
+            </a:schemeClr>
+          </a:lnRef>
+          <a:fillRef idx="1">
+            <a:schemeClr val="accent1"/>
+          </a:fillRef>
+          <a:effectRef idx="0">
+            <a:schemeClr val="accent1"/>
+          </a:effectRef>
+          <a:fontRef idx="minor">
+            <a:schemeClr val="lt1"/>
+          </a:fontRef>
+        </p:style>
+        <p:txBody>
+          <a:bodyPr rtlCol="0" anchor="ctr"/>
+          <a:lstStyle/>
+          <a:p>
+            <a:pPr algn="ctr"/>
+            <a:r>
+              <a:rPr lang="pt-BR" dirty="0" smtClean="0"/>
+              <a:t>Tem </a:t>
+            </a:r>
+            <a:r>
+              <a:rPr lang="pt-BR" dirty="0" err="1" smtClean="0"/>
+              <a:t>tag</a:t>
+            </a:r>
+            <a:r>
+              <a:rPr lang="pt-BR" dirty="0" smtClean="0"/>
+              <a:t>?</a:t>
+            </a:r>
+            <a:endParaRPr lang="pt-BR" dirty="0"/>
+          </a:p>
+        </p:txBody>
+      </p:sp>
+      <p:cxnSp>
+        <p:nvCxnSpPr>
+          <p:cNvPr id="14" name="Conector de seta reta 13"/>
+          <p:cNvCxnSpPr>
+            <a:stCxn id="3" idx="4"/>
+            <a:endCxn id="7" idx="0"/>
+          </p:cNvCxnSpPr>
+          <p:nvPr/>
+        </p:nvCxnSpPr>
+        <p:spPr>
+          <a:xfrm>
+            <a:off x="3469567" y="3453464"/>
+            <a:ext cx="0" cy="219832"/>
+          </a:xfrm>
+          <a:prstGeom prst="straightConnector1">
+            <a:avLst/>
+          </a:prstGeom>
+          <a:ln>
+            <a:tailEnd type="arrow"/>
+          </a:ln>
+        </p:spPr>
+        <p:style>
+          <a:lnRef idx="1">
+            <a:schemeClr val="accent1"/>
+          </a:lnRef>
+          <a:fillRef idx="0">
+            <a:schemeClr val="accent1"/>
+          </a:fillRef>
+          <a:effectRef idx="0">
+            <a:schemeClr val="accent1"/>
+          </a:effectRef>
+          <a:fontRef idx="minor">
+            <a:schemeClr val="tx1"/>
+          </a:fontRef>
+        </p:style>
+      </p:cxnSp>
+      <p:sp>
+        <p:nvSpPr>
+          <p:cNvPr id="21" name="CaixaDeTexto 20"/>
+          <p:cNvSpPr txBox="1"/>
+          <p:nvPr/>
+        </p:nvSpPr>
+        <p:spPr>
+          <a:xfrm>
+            <a:off x="4133515" y="3688071"/>
+            <a:ext cx="333746" cy="369332"/>
+          </a:xfrm>
+          <a:prstGeom prst="rect">
+            <a:avLst/>
+          </a:prstGeom>
+          <a:noFill/>
+        </p:spPr>
+        <p:txBody>
+          <a:bodyPr wrap="none" rtlCol="0">
+            <a:spAutoFit/>
+          </a:bodyPr>
+          <a:lstStyle/>
+          <a:p>
+            <a:r>
+              <a:rPr lang="pt-BR" dirty="0" smtClean="0"/>
+              <a:t>N</a:t>
+            </a:r>
+            <a:endParaRPr lang="pt-BR" dirty="0"/>
+          </a:p>
+        </p:txBody>
+      </p:sp>
+      <p:cxnSp>
+        <p:nvCxnSpPr>
+          <p:cNvPr id="23" name="Conector angulado 22"/>
+          <p:cNvCxnSpPr>
+            <a:stCxn id="7" idx="3"/>
+            <a:endCxn id="3" idx="6"/>
+          </p:cNvCxnSpPr>
+          <p:nvPr/>
+        </p:nvCxnSpPr>
+        <p:spPr>
+          <a:xfrm flipH="1" flipV="1">
+            <a:off x="3576394" y="3333969"/>
+            <a:ext cx="557121" cy="760850"/>
+          </a:xfrm>
+          <a:prstGeom prst="bentConnector3">
+            <a:avLst>
+              <a:gd name="adj1" fmla="val -54088"/>
+            </a:avLst>
+          </a:prstGeom>
+          <a:ln>
+            <a:tailEnd type="arrow"/>
+          </a:ln>
+        </p:spPr>
+        <p:style>
+          <a:lnRef idx="1">
+            <a:schemeClr val="accent1"/>
+          </a:lnRef>
+          <a:fillRef idx="0">
+            <a:schemeClr val="accent1"/>
+          </a:fillRef>
+          <a:effectRef idx="0">
+            <a:schemeClr val="accent1"/>
+          </a:effectRef>
+          <a:fontRef idx="minor">
+            <a:schemeClr val="tx1"/>
+          </a:fontRef>
+        </p:style>
+      </p:cxnSp>
+      <p:sp>
+        <p:nvSpPr>
+          <p:cNvPr id="27" name="CaixaDeTexto 26"/>
+          <p:cNvSpPr txBox="1"/>
+          <p:nvPr/>
+        </p:nvSpPr>
+        <p:spPr>
+          <a:xfrm>
+            <a:off x="3700044" y="4404975"/>
+            <a:ext cx="290464" cy="369332"/>
+          </a:xfrm>
+          <a:prstGeom prst="rect">
+            <a:avLst/>
+          </a:prstGeom>
+          <a:noFill/>
+        </p:spPr>
+        <p:txBody>
+          <a:bodyPr wrap="none" rtlCol="0">
+            <a:spAutoFit/>
+          </a:bodyPr>
+          <a:lstStyle/>
+          <a:p>
+            <a:r>
+              <a:rPr lang="pt-BR" dirty="0"/>
+              <a:t>S</a:t>
+            </a:r>
+          </a:p>
+        </p:txBody>
+      </p:sp>
+      <p:sp>
+        <p:nvSpPr>
+          <p:cNvPr id="28" name="Losango 27"/>
+          <p:cNvSpPr/>
+          <p:nvPr/>
+        </p:nvSpPr>
+        <p:spPr>
+          <a:xfrm>
+            <a:off x="2719264" y="4699557"/>
+            <a:ext cx="1494770" cy="843045"/>
+          </a:xfrm>
+          <a:prstGeom prst="diamond">
+            <a:avLst/>
+          </a:prstGeom>
+        </p:spPr>
+        <p:style>
+          <a:lnRef idx="2">
+            <a:schemeClr val="accent1">
+              <a:shade val="50000"/>
+            </a:schemeClr>
+          </a:lnRef>
+          <a:fillRef idx="1">
+            <a:schemeClr val="accent1"/>
+          </a:fillRef>
+          <a:effectRef idx="0">
+            <a:schemeClr val="accent1"/>
+          </a:effectRef>
+          <a:fontRef idx="minor">
+            <a:schemeClr val="lt1"/>
+          </a:fontRef>
+        </p:style>
+        <p:txBody>
+          <a:bodyPr rtlCol="0" anchor="ctr"/>
+          <a:lstStyle/>
+          <a:p>
+            <a:pPr algn="ctr"/>
+            <a:r>
+              <a:rPr lang="pt-BR" dirty="0" smtClean="0"/>
+              <a:t>Tem rede?</a:t>
+            </a:r>
+            <a:endParaRPr lang="pt-BR" dirty="0"/>
+          </a:p>
+        </p:txBody>
+      </p:sp>
+      <p:cxnSp>
+        <p:nvCxnSpPr>
+          <p:cNvPr id="29" name="Conector de seta reta 28"/>
+          <p:cNvCxnSpPr>
+            <a:endCxn id="28" idx="0"/>
+          </p:cNvCxnSpPr>
+          <p:nvPr/>
+        </p:nvCxnSpPr>
+        <p:spPr>
+          <a:xfrm flipH="1">
+            <a:off x="3466649" y="4479725"/>
+            <a:ext cx="4818" cy="219832"/>
+          </a:xfrm>
+          <a:prstGeom prst="straightConnector1">
+            <a:avLst/>
+          </a:prstGeom>
+          <a:ln>
+            <a:tailEnd type="arrow"/>
+          </a:ln>
+        </p:spPr>
+        <p:style>
+          <a:lnRef idx="1">
+            <a:schemeClr val="accent1"/>
+          </a:lnRef>
+          <a:fillRef idx="0">
+            <a:schemeClr val="accent1"/>
+          </a:fillRef>
+          <a:effectRef idx="0">
+            <a:schemeClr val="accent1"/>
+          </a:effectRef>
+          <a:fontRef idx="minor">
+            <a:schemeClr val="tx1"/>
+          </a:fontRef>
+        </p:style>
+      </p:cxnSp>
+      <p:cxnSp>
+        <p:nvCxnSpPr>
+          <p:cNvPr id="30" name="Conector de seta reta 29"/>
+          <p:cNvCxnSpPr/>
+          <p:nvPr/>
+        </p:nvCxnSpPr>
+        <p:spPr>
+          <a:xfrm>
+            <a:off x="4133515" y="5121644"/>
+            <a:ext cx="333746" cy="0"/>
+          </a:xfrm>
+          <a:prstGeom prst="straightConnector1">
+            <a:avLst/>
+          </a:prstGeom>
+          <a:ln>
+            <a:tailEnd type="arrow"/>
+          </a:ln>
+        </p:spPr>
+        <p:style>
+          <a:lnRef idx="1">
+            <a:schemeClr val="accent1"/>
+          </a:lnRef>
+          <a:fillRef idx="0">
+            <a:schemeClr val="accent1"/>
+          </a:fillRef>
+          <a:effectRef idx="0">
+            <a:schemeClr val="accent1"/>
+          </a:effectRef>
+          <a:fontRef idx="minor">
+            <a:schemeClr val="tx1"/>
+          </a:fontRef>
+        </p:style>
+      </p:cxnSp>
+      <p:sp>
+        <p:nvSpPr>
+          <p:cNvPr id="37" name="CaixaDeTexto 36"/>
+          <p:cNvSpPr txBox="1"/>
+          <p:nvPr/>
+        </p:nvSpPr>
+        <p:spPr>
+          <a:xfrm>
+            <a:off x="4237213" y="4699557"/>
+            <a:ext cx="333746" cy="369332"/>
+          </a:xfrm>
+          <a:prstGeom prst="rect">
+            <a:avLst/>
+          </a:prstGeom>
+          <a:noFill/>
+        </p:spPr>
+        <p:txBody>
+          <a:bodyPr wrap="none" rtlCol="0">
+            <a:spAutoFit/>
+          </a:bodyPr>
+          <a:lstStyle/>
+          <a:p>
+            <a:r>
+              <a:rPr lang="pt-BR" dirty="0" smtClean="0"/>
+              <a:t>N</a:t>
+            </a:r>
+            <a:endParaRPr lang="pt-BR" dirty="0"/>
+          </a:p>
+        </p:txBody>
+      </p:sp>
+      <p:sp>
+        <p:nvSpPr>
+          <p:cNvPr id="38" name="Losango 37"/>
+          <p:cNvSpPr/>
+          <p:nvPr/>
+        </p:nvSpPr>
+        <p:spPr>
+          <a:xfrm>
+            <a:off x="4467260" y="4709350"/>
+            <a:ext cx="1528295" cy="843045"/>
+          </a:xfrm>
+          <a:prstGeom prst="diamond">
+            <a:avLst/>
+          </a:prstGeom>
+        </p:spPr>
+        <p:style>
+          <a:lnRef idx="2">
+            <a:schemeClr val="accent1">
+              <a:shade val="50000"/>
+            </a:schemeClr>
+          </a:lnRef>
+          <a:fillRef idx="1">
+            <a:schemeClr val="accent1"/>
+          </a:fillRef>
+          <a:effectRef idx="0">
+            <a:schemeClr val="accent1"/>
+          </a:effectRef>
+          <a:fontRef idx="minor">
+            <a:schemeClr val="lt1"/>
+          </a:fontRef>
+        </p:style>
+        <p:txBody>
+          <a:bodyPr rtlCol="0" anchor="ctr"/>
+          <a:lstStyle/>
+          <a:p>
+            <a:pPr algn="ctr"/>
+            <a:r>
+              <a:rPr lang="pt-BR" dirty="0" smtClean="0"/>
+              <a:t>É o </a:t>
+            </a:r>
+            <a:r>
+              <a:rPr lang="pt-BR" dirty="0" err="1" smtClean="0"/>
+              <a:t>Adm</a:t>
+            </a:r>
+            <a:r>
+              <a:rPr lang="pt-BR" dirty="0" smtClean="0"/>
+              <a:t>?</a:t>
+            </a:r>
+            <a:endParaRPr lang="pt-BR" dirty="0"/>
+          </a:p>
+        </p:txBody>
+      </p:sp>
+      <p:sp>
+        <p:nvSpPr>
+          <p:cNvPr id="5123" name="Retângulo 5122"/>
+          <p:cNvSpPr/>
+          <p:nvPr/>
+        </p:nvSpPr>
+        <p:spPr>
+          <a:xfrm>
+            <a:off x="4404087" y="5829300"/>
+            <a:ext cx="1687618" cy="290945"/>
+          </a:xfrm>
+          <a:prstGeom prst="rect">
+            <a:avLst/>
+          </a:prstGeom>
+        </p:spPr>
+        <p:style>
+          <a:lnRef idx="2">
+            <a:schemeClr val="accent1">
+              <a:shade val="50000"/>
+            </a:schemeClr>
+          </a:lnRef>
+          <a:fillRef idx="1">
+            <a:schemeClr val="accent1"/>
+          </a:fillRef>
+          <a:effectRef idx="0">
+            <a:schemeClr val="accent1"/>
+          </a:effectRef>
+          <a:fontRef idx="minor">
+            <a:schemeClr val="lt1"/>
+          </a:fontRef>
+        </p:style>
+        <p:txBody>
+          <a:bodyPr rtlCol="0" anchor="ctr"/>
+          <a:lstStyle/>
+          <a:p>
+            <a:pPr algn="ctr"/>
+            <a:r>
+              <a:rPr lang="pt-BR" dirty="0" smtClean="0"/>
+              <a:t>Modo PGM</a:t>
+            </a:r>
+            <a:endParaRPr lang="pt-BR" dirty="0"/>
+          </a:p>
+        </p:txBody>
+      </p:sp>
+      <p:cxnSp>
+        <p:nvCxnSpPr>
+          <p:cNvPr id="5125" name="Conector de seta reta 5124"/>
+          <p:cNvCxnSpPr>
+            <a:stCxn id="38" idx="2"/>
+            <a:endCxn id="5123" idx="0"/>
+          </p:cNvCxnSpPr>
+          <p:nvPr/>
+        </p:nvCxnSpPr>
+        <p:spPr>
+          <a:xfrm>
+            <a:off x="5231408" y="5552395"/>
+            <a:ext cx="16488" cy="276905"/>
+          </a:xfrm>
+          <a:prstGeom prst="straightConnector1">
+            <a:avLst/>
+          </a:prstGeom>
+          <a:ln>
+            <a:tailEnd type="arrow"/>
+          </a:ln>
+        </p:spPr>
+        <p:style>
+          <a:lnRef idx="1">
+            <a:schemeClr val="accent1"/>
+          </a:lnRef>
+          <a:fillRef idx="0">
+            <a:schemeClr val="accent1"/>
+          </a:fillRef>
+          <a:effectRef idx="0">
+            <a:schemeClr val="accent1"/>
+          </a:effectRef>
+          <a:fontRef idx="minor">
+            <a:schemeClr val="tx1"/>
+          </a:fontRef>
+        </p:style>
+      </p:cxnSp>
+      <p:cxnSp>
+        <p:nvCxnSpPr>
+          <p:cNvPr id="5128" name="Conector angulado 5127"/>
+          <p:cNvCxnSpPr>
+            <a:stCxn id="38" idx="3"/>
+          </p:cNvCxnSpPr>
+          <p:nvPr/>
+        </p:nvCxnSpPr>
+        <p:spPr>
+          <a:xfrm flipV="1">
+            <a:off x="5995555" y="4589641"/>
+            <a:ext cx="197427" cy="541232"/>
+          </a:xfrm>
+          <a:prstGeom prst="bentConnector2">
+            <a:avLst/>
+          </a:prstGeom>
+          <a:ln>
+            <a:tailEnd type="arrow"/>
+          </a:ln>
+        </p:spPr>
+        <p:style>
+          <a:lnRef idx="1">
+            <a:schemeClr val="accent1"/>
+          </a:lnRef>
+          <a:fillRef idx="0">
+            <a:schemeClr val="accent1"/>
+          </a:fillRef>
+          <a:effectRef idx="0">
+            <a:schemeClr val="accent1"/>
+          </a:effectRef>
+          <a:fontRef idx="minor">
+            <a:schemeClr val="tx1"/>
+          </a:fontRef>
+        </p:style>
+      </p:cxnSp>
+      <p:sp>
+        <p:nvSpPr>
+          <p:cNvPr id="45" name="CaixaDeTexto 44"/>
+          <p:cNvSpPr txBox="1"/>
+          <p:nvPr/>
+        </p:nvSpPr>
+        <p:spPr>
+          <a:xfrm>
+            <a:off x="5390298" y="5459968"/>
+            <a:ext cx="290464" cy="369332"/>
+          </a:xfrm>
+          <a:prstGeom prst="rect">
+            <a:avLst/>
+          </a:prstGeom>
+          <a:noFill/>
+        </p:spPr>
+        <p:txBody>
+          <a:bodyPr wrap="none" rtlCol="0">
+            <a:spAutoFit/>
+          </a:bodyPr>
+          <a:lstStyle/>
+          <a:p>
+            <a:r>
+              <a:rPr lang="pt-BR" dirty="0"/>
+              <a:t>S</a:t>
+            </a:r>
+          </a:p>
+        </p:txBody>
+      </p:sp>
+      <p:sp>
+        <p:nvSpPr>
+          <p:cNvPr id="46" name="Elipse 45"/>
+          <p:cNvSpPr/>
+          <p:nvPr/>
+        </p:nvSpPr>
+        <p:spPr>
+          <a:xfrm>
+            <a:off x="6383030" y="5855276"/>
+            <a:ext cx="213655" cy="238991"/>
+          </a:xfrm>
+          <a:prstGeom prst="ellipse">
+            <a:avLst/>
+          </a:prstGeom>
+        </p:spPr>
+        <p:style>
+          <a:lnRef idx="2">
+            <a:schemeClr val="accent1">
+              <a:shade val="50000"/>
+            </a:schemeClr>
+          </a:lnRef>
+          <a:fillRef idx="1">
+            <a:schemeClr val="accent1"/>
+          </a:fillRef>
+          <a:effectRef idx="0">
+            <a:schemeClr val="accent1"/>
+          </a:effectRef>
+          <a:fontRef idx="minor">
+            <a:schemeClr val="lt1"/>
+          </a:fontRef>
+        </p:style>
+        <p:txBody>
+          <a:bodyPr rtlCol="0" anchor="ctr"/>
+          <a:lstStyle/>
+          <a:p>
+            <a:pPr algn="ctr"/>
+            <a:endParaRPr lang="pt-BR" dirty="0"/>
+          </a:p>
+        </p:txBody>
+      </p:sp>
+      <p:cxnSp>
+        <p:nvCxnSpPr>
+          <p:cNvPr id="5130" name="Conector de seta reta 5129"/>
+          <p:cNvCxnSpPr>
+            <a:stCxn id="5123" idx="3"/>
+            <a:endCxn id="46" idx="2"/>
+          </p:cNvCxnSpPr>
+          <p:nvPr/>
+        </p:nvCxnSpPr>
+        <p:spPr>
+          <a:xfrm flipV="1">
+            <a:off x="6091705" y="5974772"/>
+            <a:ext cx="291325" cy="1"/>
+          </a:xfrm>
+          <a:prstGeom prst="straightConnector1">
+            <a:avLst/>
+          </a:prstGeom>
+          <a:ln>
+            <a:tailEnd type="arrow"/>
+          </a:ln>
+        </p:spPr>
+        <p:style>
+          <a:lnRef idx="1">
+            <a:schemeClr val="accent1"/>
+          </a:lnRef>
+          <a:fillRef idx="0">
+            <a:schemeClr val="accent1"/>
+          </a:fillRef>
+          <a:effectRef idx="0">
+            <a:schemeClr val="accent1"/>
+          </a:effectRef>
+          <a:fontRef idx="minor">
+            <a:schemeClr val="tx1"/>
+          </a:fontRef>
+        </p:style>
+      </p:cxnSp>
+      <p:sp>
+        <p:nvSpPr>
+          <p:cNvPr id="49" name="CaixaDeTexto 48"/>
+          <p:cNvSpPr txBox="1"/>
+          <p:nvPr/>
+        </p:nvSpPr>
+        <p:spPr>
+          <a:xfrm>
+            <a:off x="5760522" y="4699557"/>
+            <a:ext cx="333746" cy="369332"/>
+          </a:xfrm>
+          <a:prstGeom prst="rect">
+            <a:avLst/>
+          </a:prstGeom>
+          <a:noFill/>
+        </p:spPr>
+        <p:txBody>
+          <a:bodyPr wrap="none" rtlCol="0">
+            <a:spAutoFit/>
+          </a:bodyPr>
+          <a:lstStyle/>
+          <a:p>
+            <a:r>
+              <a:rPr lang="pt-BR" dirty="0" smtClean="0"/>
+              <a:t>N</a:t>
+            </a:r>
+            <a:endParaRPr lang="pt-BR" dirty="0"/>
+          </a:p>
+        </p:txBody>
+      </p:sp>
+      <p:cxnSp>
+        <p:nvCxnSpPr>
+          <p:cNvPr id="5132" name="Conector angulado 5131"/>
+          <p:cNvCxnSpPr>
+            <a:stCxn id="28" idx="2"/>
+          </p:cNvCxnSpPr>
+          <p:nvPr/>
+        </p:nvCxnSpPr>
+        <p:spPr>
+          <a:xfrm rot="16200000" flipH="1">
+            <a:off x="3325709" y="5683542"/>
+            <a:ext cx="286698" cy="4818"/>
+          </a:xfrm>
+          <a:prstGeom prst="bentConnector3">
+            <a:avLst/>
+          </a:prstGeom>
+          <a:ln>
+            <a:tailEnd type="arrow"/>
+          </a:ln>
+        </p:spPr>
+        <p:style>
+          <a:lnRef idx="1">
+            <a:schemeClr val="accent1"/>
+          </a:lnRef>
+          <a:fillRef idx="0">
+            <a:schemeClr val="accent1"/>
+          </a:fillRef>
+          <a:effectRef idx="0">
+            <a:schemeClr val="accent1"/>
+          </a:effectRef>
+          <a:fontRef idx="minor">
+            <a:schemeClr val="tx1"/>
+          </a:fontRef>
+        </p:style>
+      </p:cxnSp>
+      <p:sp>
+        <p:nvSpPr>
+          <p:cNvPr id="53" name="Retângulo 52"/>
+          <p:cNvSpPr/>
+          <p:nvPr/>
+        </p:nvSpPr>
+        <p:spPr>
+          <a:xfrm>
+            <a:off x="2627658" y="5829298"/>
+            <a:ext cx="1687618" cy="290945"/>
+          </a:xfrm>
+          <a:prstGeom prst="rect">
+            <a:avLst/>
+          </a:prstGeom>
+        </p:spPr>
+        <p:style>
+          <a:lnRef idx="2">
+            <a:schemeClr val="accent1">
+              <a:shade val="50000"/>
+            </a:schemeClr>
+          </a:lnRef>
+          <a:fillRef idx="1">
+            <a:schemeClr val="accent1"/>
+          </a:fillRef>
+          <a:effectRef idx="0">
+            <a:schemeClr val="accent1"/>
+          </a:effectRef>
+          <a:fontRef idx="minor">
+            <a:schemeClr val="lt1"/>
+          </a:fontRef>
+        </p:style>
+        <p:txBody>
+          <a:bodyPr rtlCol="0" anchor="ctr"/>
+          <a:lstStyle/>
+          <a:p>
+            <a:pPr algn="ctr"/>
+            <a:r>
+              <a:rPr lang="pt-BR" dirty="0" smtClean="0"/>
+              <a:t>Consulta banco</a:t>
+            </a:r>
+            <a:endParaRPr lang="pt-BR" dirty="0"/>
+          </a:p>
+        </p:txBody>
+      </p:sp>
+      <p:cxnSp>
+        <p:nvCxnSpPr>
+          <p:cNvPr id="5136" name="Conector angulado 5135"/>
+          <p:cNvCxnSpPr>
+            <a:stCxn id="53" idx="1"/>
+            <a:endCxn id="60" idx="3"/>
+          </p:cNvCxnSpPr>
+          <p:nvPr/>
+        </p:nvCxnSpPr>
+        <p:spPr>
+          <a:xfrm rot="10800000">
+            <a:off x="2344550" y="5721281"/>
+            <a:ext cx="283108" cy="253490"/>
+          </a:xfrm>
+          <a:prstGeom prst="bentConnector3">
+            <a:avLst>
+              <a:gd name="adj1" fmla="val 50000"/>
+            </a:avLst>
+          </a:prstGeom>
+          <a:ln>
+            <a:tailEnd type="arrow"/>
+          </a:ln>
+        </p:spPr>
+        <p:style>
+          <a:lnRef idx="1">
+            <a:schemeClr val="accent1"/>
+          </a:lnRef>
+          <a:fillRef idx="0">
+            <a:schemeClr val="accent1"/>
+          </a:fillRef>
+          <a:effectRef idx="0">
+            <a:schemeClr val="accent1"/>
+          </a:effectRef>
+          <a:fontRef idx="minor">
+            <a:schemeClr val="tx1"/>
+          </a:fontRef>
+        </p:style>
+      </p:cxnSp>
+      <p:sp>
+        <p:nvSpPr>
+          <p:cNvPr id="60" name="Losango 59"/>
+          <p:cNvSpPr/>
+          <p:nvPr/>
+        </p:nvSpPr>
+        <p:spPr>
+          <a:xfrm>
+            <a:off x="849780" y="5249580"/>
+            <a:ext cx="1494770" cy="943402"/>
+          </a:xfrm>
+          <a:prstGeom prst="diamond">
+            <a:avLst/>
+          </a:prstGeom>
+        </p:spPr>
+        <p:style>
+          <a:lnRef idx="2">
+            <a:schemeClr val="accent1">
+              <a:shade val="50000"/>
+            </a:schemeClr>
+          </a:lnRef>
+          <a:fillRef idx="1">
+            <a:schemeClr val="accent1"/>
+          </a:fillRef>
+          <a:effectRef idx="0">
+            <a:schemeClr val="accent1"/>
+          </a:effectRef>
+          <a:fontRef idx="minor">
+            <a:schemeClr val="lt1"/>
+          </a:fontRef>
+        </p:style>
+        <p:txBody>
+          <a:bodyPr rtlCol="0" anchor="ctr"/>
+          <a:lstStyle/>
+          <a:p>
+            <a:pPr algn="ctr"/>
+            <a:r>
+              <a:rPr lang="pt-BR" dirty="0" err="1" smtClean="0"/>
+              <a:t>Tag</a:t>
+            </a:r>
+            <a:r>
+              <a:rPr lang="pt-BR" dirty="0" smtClean="0"/>
+              <a:t> habilitada?</a:t>
+            </a:r>
+            <a:endParaRPr lang="pt-BR" dirty="0"/>
+          </a:p>
+        </p:txBody>
+      </p:sp>
+      <p:cxnSp>
+        <p:nvCxnSpPr>
+          <p:cNvPr id="40" name="Conector angulado 39"/>
+          <p:cNvCxnSpPr>
+            <a:stCxn id="60" idx="0"/>
+            <a:endCxn id="81" idx="2"/>
+          </p:cNvCxnSpPr>
+          <p:nvPr/>
+        </p:nvCxnSpPr>
+        <p:spPr>
+          <a:xfrm rot="5400000" flipH="1" flipV="1">
+            <a:off x="1772568" y="4559711"/>
+            <a:ext cx="514467" cy="865273"/>
+          </a:xfrm>
+          <a:prstGeom prst="bentConnector3">
+            <a:avLst>
+              <a:gd name="adj1" fmla="val 50000"/>
+            </a:avLst>
+          </a:prstGeom>
+          <a:ln>
+            <a:tailEnd type="arrow"/>
+          </a:ln>
+        </p:spPr>
+        <p:style>
+          <a:lnRef idx="1">
+            <a:schemeClr val="accent1"/>
+          </a:lnRef>
+          <a:fillRef idx="0">
+            <a:schemeClr val="accent1"/>
+          </a:fillRef>
+          <a:effectRef idx="0">
+            <a:schemeClr val="accent1"/>
+          </a:effectRef>
+          <a:fontRef idx="minor">
+            <a:schemeClr val="tx1"/>
+          </a:fontRef>
+        </p:style>
+      </p:cxnSp>
+      <p:sp>
+        <p:nvSpPr>
+          <p:cNvPr id="81" name="Retângulo 80"/>
+          <p:cNvSpPr/>
+          <p:nvPr/>
+        </p:nvSpPr>
+        <p:spPr>
+          <a:xfrm>
+            <a:off x="1995055" y="4444168"/>
+            <a:ext cx="934765" cy="290945"/>
+          </a:xfrm>
+          <a:prstGeom prst="rect">
+            <a:avLst/>
+          </a:prstGeom>
+        </p:spPr>
+        <p:style>
+          <a:lnRef idx="2">
+            <a:schemeClr val="accent1">
+              <a:shade val="50000"/>
+            </a:schemeClr>
+          </a:lnRef>
+          <a:fillRef idx="1">
+            <a:schemeClr val="accent1"/>
+          </a:fillRef>
+          <a:effectRef idx="0">
+            <a:schemeClr val="accent1"/>
+          </a:effectRef>
+          <a:fontRef idx="minor">
+            <a:schemeClr val="lt1"/>
+          </a:fontRef>
+        </p:style>
+        <p:txBody>
+          <a:bodyPr rtlCol="0" anchor="ctr"/>
+          <a:lstStyle/>
+          <a:p>
+            <a:pPr algn="ctr"/>
+            <a:r>
+              <a:rPr lang="pt-BR" dirty="0" smtClean="0"/>
+              <a:t>libera</a:t>
+            </a:r>
+            <a:endParaRPr lang="pt-BR" dirty="0"/>
+          </a:p>
+        </p:txBody>
+      </p:sp>
+      <p:sp>
+        <p:nvSpPr>
+          <p:cNvPr id="88" name="Retângulo 87"/>
+          <p:cNvSpPr/>
+          <p:nvPr/>
+        </p:nvSpPr>
+        <p:spPr>
+          <a:xfrm>
+            <a:off x="693364" y="4444167"/>
+            <a:ext cx="1125045" cy="290945"/>
+          </a:xfrm>
+          <a:prstGeom prst="rect">
+            <a:avLst/>
+          </a:prstGeom>
+        </p:spPr>
+        <p:style>
+          <a:lnRef idx="2">
+            <a:schemeClr val="accent1">
+              <a:shade val="50000"/>
+            </a:schemeClr>
+          </a:lnRef>
+          <a:fillRef idx="1">
+            <a:schemeClr val="accent1"/>
+          </a:fillRef>
+          <a:effectRef idx="0">
+            <a:schemeClr val="accent1"/>
+          </a:effectRef>
+          <a:fontRef idx="minor">
+            <a:schemeClr val="lt1"/>
+          </a:fontRef>
+        </p:style>
+        <p:txBody>
+          <a:bodyPr rtlCol="0" anchor="ctr"/>
+          <a:lstStyle/>
+          <a:p>
+            <a:pPr algn="ctr"/>
+            <a:r>
+              <a:rPr lang="pt-BR" dirty="0" smtClean="0"/>
+              <a:t>bloqueia</a:t>
+            </a:r>
+            <a:endParaRPr lang="pt-BR" dirty="0"/>
+          </a:p>
+        </p:txBody>
+      </p:sp>
+      <p:cxnSp>
+        <p:nvCxnSpPr>
+          <p:cNvPr id="58" name="Conector angulado 57"/>
+          <p:cNvCxnSpPr>
+            <a:stCxn id="60" idx="1"/>
+            <a:endCxn id="88" idx="2"/>
+          </p:cNvCxnSpPr>
+          <p:nvPr/>
+        </p:nvCxnSpPr>
+        <p:spPr>
+          <a:xfrm rot="10800000" flipH="1">
+            <a:off x="849779" y="4735113"/>
+            <a:ext cx="406107" cy="986169"/>
+          </a:xfrm>
+          <a:prstGeom prst="bentConnector4">
+            <a:avLst>
+              <a:gd name="adj1" fmla="val -56291"/>
+              <a:gd name="adj2" fmla="val 73916"/>
+            </a:avLst>
+          </a:prstGeom>
+          <a:ln>
+            <a:tailEnd type="arrow"/>
+          </a:ln>
+        </p:spPr>
+        <p:style>
+          <a:lnRef idx="1">
+            <a:schemeClr val="accent1"/>
+          </a:lnRef>
+          <a:fillRef idx="0">
+            <a:schemeClr val="accent1"/>
+          </a:fillRef>
+          <a:effectRef idx="0">
+            <a:schemeClr val="accent1"/>
+          </a:effectRef>
+          <a:fontRef idx="minor">
+            <a:schemeClr val="tx1"/>
+          </a:fontRef>
+        </p:style>
+      </p:cxnSp>
+      <p:sp>
+        <p:nvSpPr>
+          <p:cNvPr id="94" name="CaixaDeTexto 93"/>
+          <p:cNvSpPr txBox="1"/>
+          <p:nvPr/>
+        </p:nvSpPr>
+        <p:spPr>
+          <a:xfrm>
+            <a:off x="1884569" y="5054794"/>
+            <a:ext cx="290464" cy="369332"/>
+          </a:xfrm>
+          <a:prstGeom prst="rect">
+            <a:avLst/>
+          </a:prstGeom>
+          <a:noFill/>
+        </p:spPr>
+        <p:txBody>
+          <a:bodyPr wrap="none" rtlCol="0">
+            <a:spAutoFit/>
+          </a:bodyPr>
+          <a:lstStyle/>
+          <a:p>
+            <a:r>
+              <a:rPr lang="pt-BR" dirty="0"/>
+              <a:t>S</a:t>
+            </a:r>
+          </a:p>
+        </p:txBody>
+      </p:sp>
+      <p:sp>
+        <p:nvSpPr>
+          <p:cNvPr id="95" name="CaixaDeTexto 94"/>
+          <p:cNvSpPr txBox="1"/>
+          <p:nvPr/>
+        </p:nvSpPr>
+        <p:spPr>
+          <a:xfrm>
+            <a:off x="682906" y="5247794"/>
+            <a:ext cx="333746" cy="369332"/>
+          </a:xfrm>
+          <a:prstGeom prst="rect">
+            <a:avLst/>
+          </a:prstGeom>
+          <a:noFill/>
+        </p:spPr>
+        <p:txBody>
+          <a:bodyPr wrap="none" rtlCol="0">
+            <a:spAutoFit/>
+          </a:bodyPr>
+          <a:lstStyle/>
+          <a:p>
+            <a:r>
+              <a:rPr lang="pt-BR" dirty="0" smtClean="0"/>
+              <a:t>N</a:t>
+            </a:r>
+            <a:endParaRPr lang="pt-BR" dirty="0"/>
+          </a:p>
+        </p:txBody>
+      </p:sp>
+      <p:sp>
+        <p:nvSpPr>
+          <p:cNvPr id="97" name="Elipse 96"/>
+          <p:cNvSpPr/>
+          <p:nvPr/>
+        </p:nvSpPr>
+        <p:spPr>
+          <a:xfrm>
+            <a:off x="1777741" y="3753241"/>
+            <a:ext cx="213655" cy="238991"/>
+          </a:xfrm>
+          <a:prstGeom prst="ellipse">
+            <a:avLst/>
+          </a:prstGeom>
+        </p:spPr>
+        <p:style>
+          <a:lnRef idx="2">
+            <a:schemeClr val="accent1">
+              <a:shade val="50000"/>
+            </a:schemeClr>
+          </a:lnRef>
+          <a:fillRef idx="1">
+            <a:schemeClr val="accent1"/>
+          </a:fillRef>
+          <a:effectRef idx="0">
+            <a:schemeClr val="accent1"/>
+          </a:effectRef>
+          <a:fontRef idx="minor">
+            <a:schemeClr val="lt1"/>
+          </a:fontRef>
+        </p:style>
+        <p:txBody>
+          <a:bodyPr rtlCol="0" anchor="ctr"/>
+          <a:lstStyle/>
+          <a:p>
+            <a:pPr algn="ctr"/>
+            <a:endParaRPr lang="pt-BR" dirty="0"/>
+          </a:p>
+        </p:txBody>
+      </p:sp>
+      <p:cxnSp>
+        <p:nvCxnSpPr>
+          <p:cNvPr id="62" name="Conector angulado 61"/>
+          <p:cNvCxnSpPr>
+            <a:stCxn id="81" idx="0"/>
+            <a:endCxn id="97" idx="6"/>
+          </p:cNvCxnSpPr>
+          <p:nvPr/>
+        </p:nvCxnSpPr>
+        <p:spPr>
+          <a:xfrm rot="16200000" flipV="1">
+            <a:off x="1941202" y="3922932"/>
+            <a:ext cx="571431" cy="471042"/>
+          </a:xfrm>
+          <a:prstGeom prst="bentConnector2">
+            <a:avLst/>
+          </a:prstGeom>
+          <a:ln>
+            <a:tailEnd type="arrow"/>
+          </a:ln>
+        </p:spPr>
+        <p:style>
+          <a:lnRef idx="1">
+            <a:schemeClr val="accent1"/>
+          </a:lnRef>
+          <a:fillRef idx="0">
+            <a:schemeClr val="accent1"/>
+          </a:fillRef>
+          <a:effectRef idx="0">
+            <a:schemeClr val="accent1"/>
+          </a:effectRef>
+          <a:fontRef idx="minor">
+            <a:schemeClr val="tx1"/>
+          </a:fontRef>
+        </p:style>
+      </p:cxnSp>
+      <p:cxnSp>
+        <p:nvCxnSpPr>
+          <p:cNvPr id="65" name="Conector angulado 64"/>
+          <p:cNvCxnSpPr>
+            <a:stCxn id="88" idx="0"/>
+            <a:endCxn id="97" idx="2"/>
+          </p:cNvCxnSpPr>
+          <p:nvPr/>
+        </p:nvCxnSpPr>
+        <p:spPr>
+          <a:xfrm rot="5400000" flipH="1" flipV="1">
+            <a:off x="1231099" y="3897525"/>
+            <a:ext cx="571430" cy="521854"/>
+          </a:xfrm>
+          <a:prstGeom prst="bentConnector2">
+            <a:avLst/>
+          </a:prstGeom>
+          <a:ln>
+            <a:tailEnd type="arrow"/>
+          </a:ln>
+        </p:spPr>
+        <p:style>
+          <a:lnRef idx="1">
+            <a:schemeClr val="accent1"/>
+          </a:lnRef>
+          <a:fillRef idx="0">
+            <a:schemeClr val="accent1"/>
+          </a:fillRef>
+          <a:effectRef idx="0">
+            <a:schemeClr val="accent1"/>
+          </a:effectRef>
+          <a:fontRef idx="minor">
+            <a:schemeClr val="tx1"/>
+          </a:fontRef>
+        </p:style>
+      </p:cxnSp>
+      <p:cxnSp>
+        <p:nvCxnSpPr>
+          <p:cNvPr id="67" name="Conector angulado 66"/>
+          <p:cNvCxnSpPr>
+            <a:stCxn id="97" idx="0"/>
+            <a:endCxn id="3" idx="2"/>
+          </p:cNvCxnSpPr>
+          <p:nvPr/>
+        </p:nvCxnSpPr>
+        <p:spPr>
+          <a:xfrm rot="5400000" flipH="1" flipV="1">
+            <a:off x="2414018" y="2804520"/>
+            <a:ext cx="419272" cy="1478170"/>
+          </a:xfrm>
+          <a:prstGeom prst="bentConnector2">
+            <a:avLst/>
+          </a:prstGeom>
+          <a:ln>
+            <a:tailEnd type="arrow"/>
+          </a:ln>
+        </p:spPr>
+        <p:style>
+          <a:lnRef idx="1">
+            <a:schemeClr val="accent1"/>
+          </a:lnRef>
+          <a:fillRef idx="0">
+            <a:schemeClr val="accent1"/>
+          </a:fillRef>
+          <a:effectRef idx="0">
+            <a:schemeClr val="accent1"/>
+          </a:effectRef>
+          <a:fontRef idx="minor">
+            <a:schemeClr val="tx1"/>
+          </a:fontRef>
+        </p:style>
+      </p:cxnSp>
+      <p:sp>
+        <p:nvSpPr>
+          <p:cNvPr id="105" name="Losango 104"/>
+          <p:cNvSpPr/>
+          <p:nvPr/>
+        </p:nvSpPr>
+        <p:spPr>
+          <a:xfrm>
+            <a:off x="4800600" y="3760944"/>
+            <a:ext cx="2660074" cy="843045"/>
+          </a:xfrm>
+          <a:prstGeom prst="diamond">
+            <a:avLst/>
+          </a:prstGeom>
+        </p:spPr>
+        <p:style>
+          <a:lnRef idx="2">
+            <a:schemeClr val="accent1">
+              <a:shade val="50000"/>
+            </a:schemeClr>
+          </a:lnRef>
+          <a:fillRef idx="1">
+            <a:schemeClr val="accent1"/>
+          </a:fillRef>
+          <a:effectRef idx="0">
+            <a:schemeClr val="accent1"/>
+          </a:effectRef>
+          <a:fontRef idx="minor">
+            <a:schemeClr val="lt1"/>
+          </a:fontRef>
+        </p:style>
+        <p:txBody>
+          <a:bodyPr rtlCol="0" anchor="ctr"/>
+          <a:lstStyle/>
+          <a:p>
+            <a:pPr algn="ctr"/>
+            <a:r>
+              <a:rPr lang="pt-BR" dirty="0" err="1" smtClean="0"/>
+              <a:t>Tag</a:t>
+            </a:r>
+            <a:r>
+              <a:rPr lang="pt-BR" dirty="0" smtClean="0"/>
+              <a:t> cadastrada?</a:t>
+            </a:r>
+            <a:endParaRPr lang="pt-BR" dirty="0"/>
+          </a:p>
+        </p:txBody>
+      </p:sp>
+      <p:sp>
+        <p:nvSpPr>
+          <p:cNvPr id="107" name="Elipse 106"/>
+          <p:cNvSpPr/>
+          <p:nvPr/>
+        </p:nvSpPr>
+        <p:spPr>
+          <a:xfrm>
+            <a:off x="6032682" y="2726955"/>
+            <a:ext cx="213655" cy="238991"/>
+          </a:xfrm>
+          <a:prstGeom prst="ellipse">
+            <a:avLst/>
+          </a:prstGeom>
+        </p:spPr>
+        <p:style>
+          <a:lnRef idx="2">
+            <a:schemeClr val="accent1">
+              <a:shade val="50000"/>
+            </a:schemeClr>
+          </a:lnRef>
+          <a:fillRef idx="1">
+            <a:schemeClr val="accent1"/>
+          </a:fillRef>
+          <a:effectRef idx="0">
+            <a:schemeClr val="accent1"/>
+          </a:effectRef>
+          <a:fontRef idx="minor">
+            <a:schemeClr val="lt1"/>
+          </a:fontRef>
+        </p:style>
+        <p:txBody>
+          <a:bodyPr rtlCol="0" anchor="ctr"/>
+          <a:lstStyle/>
+          <a:p>
+            <a:pPr algn="ctr"/>
+            <a:r>
+              <a:rPr lang="pt-BR" dirty="0"/>
+              <a:t>A</a:t>
+            </a:r>
+          </a:p>
+        </p:txBody>
+      </p:sp>
+      <p:sp>
+        <p:nvSpPr>
+          <p:cNvPr id="108" name="Retângulo 107"/>
+          <p:cNvSpPr/>
+          <p:nvPr/>
+        </p:nvSpPr>
+        <p:spPr>
+          <a:xfrm>
+            <a:off x="5672127" y="3272435"/>
+            <a:ext cx="934765" cy="290945"/>
+          </a:xfrm>
+          <a:prstGeom prst="rect">
+            <a:avLst/>
+          </a:prstGeom>
+        </p:spPr>
+        <p:style>
+          <a:lnRef idx="2">
+            <a:schemeClr val="accent1">
+              <a:shade val="50000"/>
+            </a:schemeClr>
+          </a:lnRef>
+          <a:fillRef idx="1">
+            <a:schemeClr val="accent1"/>
+          </a:fillRef>
+          <a:effectRef idx="0">
+            <a:schemeClr val="accent1"/>
+          </a:effectRef>
+          <a:fontRef idx="minor">
+            <a:schemeClr val="lt1"/>
+          </a:fontRef>
+        </p:style>
+        <p:txBody>
+          <a:bodyPr rtlCol="0" anchor="ctr"/>
+          <a:lstStyle/>
+          <a:p>
+            <a:pPr algn="ctr"/>
+            <a:r>
+              <a:rPr lang="pt-BR" dirty="0" smtClean="0"/>
+              <a:t>libera</a:t>
+            </a:r>
+            <a:endParaRPr lang="pt-BR" dirty="0"/>
+          </a:p>
+        </p:txBody>
+      </p:sp>
+      <p:sp>
+        <p:nvSpPr>
+          <p:cNvPr id="109" name="Retângulo 108"/>
+          <p:cNvSpPr/>
+          <p:nvPr/>
+        </p:nvSpPr>
+        <p:spPr>
+          <a:xfrm>
+            <a:off x="7183654" y="3269024"/>
+            <a:ext cx="1125045" cy="290945"/>
+          </a:xfrm>
+          <a:prstGeom prst="rect">
+            <a:avLst/>
+          </a:prstGeom>
+        </p:spPr>
+        <p:style>
+          <a:lnRef idx="2">
+            <a:schemeClr val="accent1">
+              <a:shade val="50000"/>
+            </a:schemeClr>
+          </a:lnRef>
+          <a:fillRef idx="1">
+            <a:schemeClr val="accent1"/>
+          </a:fillRef>
+          <a:effectRef idx="0">
+            <a:schemeClr val="accent1"/>
+          </a:effectRef>
+          <a:fontRef idx="minor">
+            <a:schemeClr val="lt1"/>
+          </a:fontRef>
+        </p:style>
+        <p:txBody>
+          <a:bodyPr rtlCol="0" anchor="ctr"/>
+          <a:lstStyle/>
+          <a:p>
+            <a:pPr algn="ctr"/>
+            <a:r>
+              <a:rPr lang="pt-BR" dirty="0" smtClean="0"/>
+              <a:t>bloqueia</a:t>
+            </a:r>
+            <a:endParaRPr lang="pt-BR" dirty="0"/>
+          </a:p>
+        </p:txBody>
+      </p:sp>
+      <p:cxnSp>
+        <p:nvCxnSpPr>
+          <p:cNvPr id="69" name="Conector de seta reta 68"/>
+          <p:cNvCxnSpPr>
+            <a:stCxn id="105" idx="0"/>
+            <a:endCxn id="108" idx="2"/>
+          </p:cNvCxnSpPr>
+          <p:nvPr/>
+        </p:nvCxnSpPr>
+        <p:spPr>
+          <a:xfrm flipV="1">
+            <a:off x="6130637" y="3563380"/>
+            <a:ext cx="8873" cy="197564"/>
+          </a:xfrm>
+          <a:prstGeom prst="straightConnector1">
+            <a:avLst/>
+          </a:prstGeom>
+          <a:ln>
+            <a:tailEnd type="arrow"/>
+          </a:ln>
+        </p:spPr>
+        <p:style>
+          <a:lnRef idx="1">
+            <a:schemeClr val="accent1"/>
+          </a:lnRef>
+          <a:fillRef idx="0">
+            <a:schemeClr val="accent1"/>
+          </a:fillRef>
+          <a:effectRef idx="0">
+            <a:schemeClr val="accent1"/>
+          </a:effectRef>
+          <a:fontRef idx="minor">
+            <a:schemeClr val="tx1"/>
+          </a:fontRef>
+        </p:style>
+      </p:cxnSp>
+      <p:cxnSp>
+        <p:nvCxnSpPr>
+          <p:cNvPr id="73" name="Conector de seta reta 72"/>
+          <p:cNvCxnSpPr>
+            <a:stCxn id="108" idx="0"/>
+            <a:endCxn id="107" idx="4"/>
+          </p:cNvCxnSpPr>
+          <p:nvPr/>
+        </p:nvCxnSpPr>
+        <p:spPr>
+          <a:xfrm flipV="1">
+            <a:off x="6139510" y="2965946"/>
+            <a:ext cx="0" cy="306489"/>
+          </a:xfrm>
+          <a:prstGeom prst="straightConnector1">
+            <a:avLst/>
+          </a:prstGeom>
+          <a:ln>
+            <a:tailEnd type="arrow"/>
+          </a:ln>
+        </p:spPr>
+        <p:style>
+          <a:lnRef idx="1">
+            <a:schemeClr val="accent1"/>
+          </a:lnRef>
+          <a:fillRef idx="0">
+            <a:schemeClr val="accent1"/>
+          </a:fillRef>
+          <a:effectRef idx="0">
+            <a:schemeClr val="accent1"/>
+          </a:effectRef>
+          <a:fontRef idx="minor">
+            <a:schemeClr val="tx1"/>
+          </a:fontRef>
+        </p:style>
+      </p:cxnSp>
+      <p:sp>
+        <p:nvSpPr>
+          <p:cNvPr id="118" name="CaixaDeTexto 117"/>
+          <p:cNvSpPr txBox="1"/>
+          <p:nvPr/>
+        </p:nvSpPr>
+        <p:spPr>
+          <a:xfrm>
+            <a:off x="5615290" y="3529728"/>
+            <a:ext cx="290464" cy="369332"/>
+          </a:xfrm>
+          <a:prstGeom prst="rect">
+            <a:avLst/>
+          </a:prstGeom>
+          <a:noFill/>
+        </p:spPr>
+        <p:txBody>
+          <a:bodyPr wrap="none" rtlCol="0">
+            <a:spAutoFit/>
+          </a:bodyPr>
+          <a:lstStyle/>
+          <a:p>
+            <a:r>
+              <a:rPr lang="pt-BR" dirty="0"/>
+              <a:t>S</a:t>
+            </a:r>
+          </a:p>
+        </p:txBody>
+      </p:sp>
+      <p:cxnSp>
+        <p:nvCxnSpPr>
+          <p:cNvPr id="77" name="Conector de seta reta 76"/>
+          <p:cNvCxnSpPr>
+            <a:stCxn id="105" idx="3"/>
+            <a:endCxn id="105" idx="3"/>
+          </p:cNvCxnSpPr>
+          <p:nvPr/>
+        </p:nvCxnSpPr>
+        <p:spPr>
+          <a:xfrm>
+            <a:off x="7460674" y="4182467"/>
+            <a:ext cx="0" cy="0"/>
+          </a:xfrm>
+          <a:prstGeom prst="straightConnector1">
+            <a:avLst/>
+          </a:prstGeom>
+          <a:ln>
+            <a:tailEnd type="arrow"/>
+          </a:ln>
+        </p:spPr>
+        <p:style>
+          <a:lnRef idx="1">
+            <a:schemeClr val="accent1"/>
+          </a:lnRef>
+          <a:fillRef idx="0">
+            <a:schemeClr val="accent1"/>
+          </a:fillRef>
+          <a:effectRef idx="0">
+            <a:schemeClr val="accent1"/>
+          </a:effectRef>
+          <a:fontRef idx="minor">
+            <a:schemeClr val="tx1"/>
+          </a:fontRef>
+        </p:style>
+      </p:cxnSp>
+      <p:cxnSp>
+        <p:nvCxnSpPr>
+          <p:cNvPr id="79" name="Conector angulado 78"/>
+          <p:cNvCxnSpPr>
+            <a:stCxn id="105" idx="3"/>
+            <a:endCxn id="109" idx="2"/>
+          </p:cNvCxnSpPr>
+          <p:nvPr/>
+        </p:nvCxnSpPr>
+        <p:spPr>
+          <a:xfrm flipV="1">
+            <a:off x="7460674" y="3559969"/>
+            <a:ext cx="285503" cy="622498"/>
+          </a:xfrm>
+          <a:prstGeom prst="bentConnector2">
+            <a:avLst/>
+          </a:prstGeom>
+          <a:ln>
+            <a:tailEnd type="arrow"/>
+          </a:ln>
+        </p:spPr>
+        <p:style>
+          <a:lnRef idx="1">
+            <a:schemeClr val="accent1"/>
+          </a:lnRef>
+          <a:fillRef idx="0">
+            <a:schemeClr val="accent1"/>
+          </a:fillRef>
+          <a:effectRef idx="0">
+            <a:schemeClr val="accent1"/>
+          </a:effectRef>
+          <a:fontRef idx="minor">
+            <a:schemeClr val="tx1"/>
+          </a:fontRef>
+        </p:style>
+      </p:cxnSp>
+      <p:cxnSp>
+        <p:nvCxnSpPr>
+          <p:cNvPr id="82" name="Conector angulado 81"/>
+          <p:cNvCxnSpPr>
+            <a:stCxn id="109" idx="0"/>
+            <a:endCxn id="107" idx="6"/>
+          </p:cNvCxnSpPr>
+          <p:nvPr/>
+        </p:nvCxnSpPr>
+        <p:spPr>
+          <a:xfrm rot="16200000" flipV="1">
+            <a:off x="6784971" y="2307818"/>
+            <a:ext cx="422573" cy="1499840"/>
+          </a:xfrm>
+          <a:prstGeom prst="bentConnector2">
+            <a:avLst/>
+          </a:prstGeom>
+          <a:ln>
+            <a:tailEnd type="arrow"/>
+          </a:ln>
+        </p:spPr>
+        <p:style>
+          <a:lnRef idx="1">
+            <a:schemeClr val="accent1"/>
+          </a:lnRef>
+          <a:fillRef idx="0">
+            <a:schemeClr val="accent1"/>
+          </a:fillRef>
+          <a:effectRef idx="0">
+            <a:schemeClr val="accent1"/>
+          </a:effectRef>
+          <a:fontRef idx="minor">
+            <a:schemeClr val="tx1"/>
+          </a:fontRef>
+        </p:style>
+      </p:cxnSp>
+      <p:sp>
+        <p:nvSpPr>
+          <p:cNvPr id="125" name="CaixaDeTexto 124"/>
+          <p:cNvSpPr txBox="1"/>
+          <p:nvPr/>
+        </p:nvSpPr>
+        <p:spPr>
+          <a:xfrm>
+            <a:off x="7412430" y="3804942"/>
+            <a:ext cx="333746" cy="369332"/>
+          </a:xfrm>
+          <a:prstGeom prst="rect">
+            <a:avLst/>
+          </a:prstGeom>
+          <a:noFill/>
+        </p:spPr>
+        <p:txBody>
+          <a:bodyPr wrap="none" rtlCol="0">
+            <a:spAutoFit/>
+          </a:bodyPr>
+          <a:lstStyle/>
+          <a:p>
+            <a:r>
+              <a:rPr lang="pt-BR" dirty="0" smtClean="0"/>
+              <a:t>N</a:t>
+            </a:r>
+            <a:endParaRPr lang="pt-BR" dirty="0"/>
+          </a:p>
+        </p:txBody>
+      </p:sp>
+      <p:sp>
+        <p:nvSpPr>
+          <p:cNvPr id="126" name="Losango 125"/>
+          <p:cNvSpPr/>
+          <p:nvPr/>
+        </p:nvSpPr>
+        <p:spPr>
+          <a:xfrm>
+            <a:off x="6794753" y="5103171"/>
+            <a:ext cx="1528295" cy="843045"/>
+          </a:xfrm>
+          <a:prstGeom prst="diamond">
+            <a:avLst/>
+          </a:prstGeom>
+        </p:spPr>
+        <p:style>
+          <a:lnRef idx="2">
+            <a:schemeClr val="accent1">
+              <a:shade val="50000"/>
+            </a:schemeClr>
+          </a:lnRef>
+          <a:fillRef idx="1">
+            <a:schemeClr val="accent1"/>
+          </a:fillRef>
+          <a:effectRef idx="0">
+            <a:schemeClr val="accent1"/>
+          </a:effectRef>
+          <a:fontRef idx="minor">
+            <a:schemeClr val="lt1"/>
+          </a:fontRef>
+        </p:style>
+        <p:txBody>
+          <a:bodyPr rtlCol="0" anchor="ctr"/>
+          <a:lstStyle/>
+          <a:p>
+            <a:pPr algn="ctr"/>
+            <a:r>
+              <a:rPr lang="pt-BR" dirty="0" smtClean="0"/>
+              <a:t>Tem </a:t>
+            </a:r>
+            <a:r>
+              <a:rPr lang="pt-BR" dirty="0" err="1" smtClean="0"/>
+              <a:t>tag</a:t>
+            </a:r>
+            <a:r>
+              <a:rPr lang="pt-BR" dirty="0" smtClean="0"/>
+              <a:t>?</a:t>
+            </a:r>
+            <a:endParaRPr lang="pt-BR" dirty="0"/>
+          </a:p>
+        </p:txBody>
+      </p:sp>
+      <p:cxnSp>
+        <p:nvCxnSpPr>
+          <p:cNvPr id="84" name="Conector angulado 83"/>
+          <p:cNvCxnSpPr>
+            <a:stCxn id="46" idx="6"/>
+            <a:endCxn id="126" idx="1"/>
+          </p:cNvCxnSpPr>
+          <p:nvPr/>
+        </p:nvCxnSpPr>
+        <p:spPr>
+          <a:xfrm flipV="1">
+            <a:off x="6596685" y="5524694"/>
+            <a:ext cx="198068" cy="450078"/>
+          </a:xfrm>
+          <a:prstGeom prst="bentConnector3">
+            <a:avLst>
+              <a:gd name="adj1" fmla="val 23769"/>
+            </a:avLst>
+          </a:prstGeom>
+          <a:ln>
+            <a:tailEnd type="arrow"/>
+          </a:ln>
+        </p:spPr>
+        <p:style>
+          <a:lnRef idx="1">
+            <a:schemeClr val="accent1"/>
+          </a:lnRef>
+          <a:fillRef idx="0">
+            <a:schemeClr val="accent1"/>
+          </a:fillRef>
+          <a:effectRef idx="0">
+            <a:schemeClr val="accent1"/>
+          </a:effectRef>
+          <a:fontRef idx="minor">
+            <a:schemeClr val="tx1"/>
+          </a:fontRef>
+        </p:style>
+      </p:cxnSp>
+      <p:cxnSp>
+        <p:nvCxnSpPr>
+          <p:cNvPr id="86" name="Conector angulado 85"/>
+          <p:cNvCxnSpPr>
+            <a:stCxn id="126" idx="0"/>
+            <a:endCxn id="46" idx="4"/>
+          </p:cNvCxnSpPr>
+          <p:nvPr/>
+        </p:nvCxnSpPr>
+        <p:spPr>
+          <a:xfrm rot="16200000" flipH="1" flipV="1">
+            <a:off x="6528832" y="5064197"/>
+            <a:ext cx="991096" cy="1069043"/>
+          </a:xfrm>
+          <a:prstGeom prst="bentConnector5">
+            <a:avLst>
+              <a:gd name="adj1" fmla="val 109037"/>
+              <a:gd name="adj2" fmla="val 80743"/>
+              <a:gd name="adj3" fmla="val 109435"/>
+            </a:avLst>
+          </a:prstGeom>
+          <a:ln>
+            <a:tailEnd type="arrow"/>
+          </a:ln>
+        </p:spPr>
+        <p:style>
+          <a:lnRef idx="1">
+            <a:schemeClr val="accent1"/>
+          </a:lnRef>
+          <a:fillRef idx="0">
+            <a:schemeClr val="accent1"/>
+          </a:fillRef>
+          <a:effectRef idx="0">
+            <a:schemeClr val="accent1"/>
+          </a:effectRef>
+          <a:fontRef idx="minor">
+            <a:schemeClr val="tx1"/>
+          </a:fontRef>
+        </p:style>
+      </p:cxnSp>
+      <p:sp>
+        <p:nvSpPr>
+          <p:cNvPr id="132" name="Losango 131"/>
+          <p:cNvSpPr/>
+          <p:nvPr/>
+        </p:nvSpPr>
+        <p:spPr>
+          <a:xfrm>
+            <a:off x="8724449" y="5102656"/>
+            <a:ext cx="1528295" cy="843045"/>
+          </a:xfrm>
+          <a:prstGeom prst="diamond">
+            <a:avLst/>
+          </a:prstGeom>
+        </p:spPr>
+        <p:style>
+          <a:lnRef idx="2">
+            <a:schemeClr val="accent1">
+              <a:shade val="50000"/>
+            </a:schemeClr>
+          </a:lnRef>
+          <a:fillRef idx="1">
+            <a:schemeClr val="accent1"/>
+          </a:fillRef>
+          <a:effectRef idx="0">
+            <a:schemeClr val="accent1"/>
+          </a:effectRef>
+          <a:fontRef idx="minor">
+            <a:schemeClr val="lt1"/>
+          </a:fontRef>
+        </p:style>
+        <p:txBody>
+          <a:bodyPr rtlCol="0" anchor="ctr"/>
+          <a:lstStyle/>
+          <a:p>
+            <a:pPr algn="ctr"/>
+            <a:r>
+              <a:rPr lang="pt-BR" dirty="0" smtClean="0"/>
+              <a:t>É o </a:t>
+            </a:r>
+            <a:r>
+              <a:rPr lang="pt-BR" dirty="0" err="1" smtClean="0"/>
+              <a:t>Adm</a:t>
+            </a:r>
+            <a:r>
+              <a:rPr lang="pt-BR" dirty="0" smtClean="0"/>
+              <a:t>?</a:t>
+            </a:r>
+            <a:endParaRPr lang="pt-BR" dirty="0"/>
+          </a:p>
+        </p:txBody>
+      </p:sp>
+      <p:cxnSp>
+        <p:nvCxnSpPr>
+          <p:cNvPr id="89" name="Conector de seta reta 88"/>
+          <p:cNvCxnSpPr>
+            <a:stCxn id="126" idx="3"/>
+            <a:endCxn id="132" idx="1"/>
+          </p:cNvCxnSpPr>
+          <p:nvPr/>
+        </p:nvCxnSpPr>
+        <p:spPr>
+          <a:xfrm flipV="1">
+            <a:off x="8323048" y="5524179"/>
+            <a:ext cx="401401" cy="515"/>
+          </a:xfrm>
+          <a:prstGeom prst="straightConnector1">
+            <a:avLst/>
+          </a:prstGeom>
+          <a:ln>
+            <a:tailEnd type="arrow"/>
+          </a:ln>
+        </p:spPr>
+        <p:style>
+          <a:lnRef idx="1">
+            <a:schemeClr val="accent1"/>
+          </a:lnRef>
+          <a:fillRef idx="0">
+            <a:schemeClr val="accent1"/>
+          </a:fillRef>
+          <a:effectRef idx="0">
+            <a:schemeClr val="accent1"/>
+          </a:effectRef>
+          <a:fontRef idx="minor">
+            <a:schemeClr val="tx1"/>
+          </a:fontRef>
+        </p:style>
+      </p:cxnSp>
+      <p:sp>
+        <p:nvSpPr>
+          <p:cNvPr id="135" name="CaixaDeTexto 134"/>
+          <p:cNvSpPr txBox="1"/>
+          <p:nvPr/>
+        </p:nvSpPr>
+        <p:spPr>
+          <a:xfrm>
+            <a:off x="8302646" y="5112196"/>
+            <a:ext cx="290464" cy="369332"/>
+          </a:xfrm>
+          <a:prstGeom prst="rect">
+            <a:avLst/>
+          </a:prstGeom>
+          <a:noFill/>
+        </p:spPr>
+        <p:txBody>
+          <a:bodyPr wrap="none" rtlCol="0">
+            <a:spAutoFit/>
+          </a:bodyPr>
+          <a:lstStyle/>
+          <a:p>
+            <a:r>
+              <a:rPr lang="pt-BR" dirty="0"/>
+              <a:t>S</a:t>
+            </a:r>
+          </a:p>
+        </p:txBody>
+      </p:sp>
+      <p:sp>
+        <p:nvSpPr>
+          <p:cNvPr id="136" name="Losango 135"/>
+          <p:cNvSpPr/>
+          <p:nvPr/>
+        </p:nvSpPr>
+        <p:spPr>
+          <a:xfrm>
+            <a:off x="8620679" y="4010461"/>
+            <a:ext cx="1735833" cy="843045"/>
+          </a:xfrm>
+          <a:prstGeom prst="diamond">
+            <a:avLst/>
+          </a:prstGeom>
+        </p:spPr>
+        <p:style>
+          <a:lnRef idx="2">
+            <a:schemeClr val="accent1">
+              <a:shade val="50000"/>
+            </a:schemeClr>
+          </a:lnRef>
+          <a:fillRef idx="1">
+            <a:schemeClr val="accent1"/>
+          </a:fillRef>
+          <a:effectRef idx="0">
+            <a:schemeClr val="accent1"/>
+          </a:effectRef>
+          <a:fontRef idx="minor">
+            <a:schemeClr val="lt1"/>
+          </a:fontRef>
+        </p:style>
+        <p:txBody>
+          <a:bodyPr rtlCol="0" anchor="ctr"/>
+          <a:lstStyle/>
+          <a:p>
+            <a:pPr algn="ctr"/>
+            <a:r>
+              <a:rPr lang="pt-BR" dirty="0" err="1" smtClean="0"/>
+              <a:t>Tag</a:t>
+            </a:r>
+            <a:r>
+              <a:rPr lang="pt-BR" dirty="0" smtClean="0"/>
+              <a:t> existe?</a:t>
+            </a:r>
+            <a:endParaRPr lang="pt-BR" dirty="0"/>
+          </a:p>
+        </p:txBody>
+      </p:sp>
+      <p:cxnSp>
+        <p:nvCxnSpPr>
+          <p:cNvPr id="91" name="Conector de seta reta 90"/>
+          <p:cNvCxnSpPr>
+            <a:stCxn id="132" idx="0"/>
+            <a:endCxn id="136" idx="2"/>
+          </p:cNvCxnSpPr>
+          <p:nvPr/>
+        </p:nvCxnSpPr>
+        <p:spPr>
+          <a:xfrm flipH="1" flipV="1">
+            <a:off x="9488596" y="4853506"/>
+            <a:ext cx="1" cy="249150"/>
+          </a:xfrm>
+          <a:prstGeom prst="straightConnector1">
+            <a:avLst/>
+          </a:prstGeom>
+          <a:ln>
+            <a:tailEnd type="arrow"/>
+          </a:ln>
+        </p:spPr>
+        <p:style>
+          <a:lnRef idx="1">
+            <a:schemeClr val="accent1"/>
+          </a:lnRef>
+          <a:fillRef idx="0">
+            <a:schemeClr val="accent1"/>
+          </a:fillRef>
+          <a:effectRef idx="0">
+            <a:schemeClr val="accent1"/>
+          </a:effectRef>
+          <a:fontRef idx="minor">
+            <a:schemeClr val="tx1"/>
+          </a:fontRef>
+        </p:style>
+      </p:cxnSp>
+      <p:sp>
+        <p:nvSpPr>
+          <p:cNvPr id="139" name="CaixaDeTexto 138"/>
+          <p:cNvSpPr txBox="1"/>
+          <p:nvPr/>
+        </p:nvSpPr>
+        <p:spPr>
+          <a:xfrm>
+            <a:off x="9081488" y="4784248"/>
+            <a:ext cx="333746" cy="369332"/>
+          </a:xfrm>
+          <a:prstGeom prst="rect">
+            <a:avLst/>
+          </a:prstGeom>
+          <a:noFill/>
+        </p:spPr>
+        <p:txBody>
+          <a:bodyPr wrap="none" rtlCol="0">
+            <a:spAutoFit/>
+          </a:bodyPr>
+          <a:lstStyle/>
+          <a:p>
+            <a:r>
+              <a:rPr lang="pt-BR" dirty="0" smtClean="0"/>
+              <a:t>N</a:t>
+            </a:r>
+            <a:endParaRPr lang="pt-BR" dirty="0"/>
+          </a:p>
+        </p:txBody>
+      </p:sp>
+      <p:sp>
+        <p:nvSpPr>
+          <p:cNvPr id="146" name="CaixaDeTexto 145"/>
+          <p:cNvSpPr txBox="1"/>
+          <p:nvPr/>
+        </p:nvSpPr>
+        <p:spPr>
+          <a:xfrm>
+            <a:off x="6954819" y="5807298"/>
+            <a:ext cx="333746" cy="369332"/>
+          </a:xfrm>
+          <a:prstGeom prst="rect">
+            <a:avLst/>
+          </a:prstGeom>
+          <a:noFill/>
+        </p:spPr>
+        <p:txBody>
+          <a:bodyPr wrap="none" rtlCol="0">
+            <a:spAutoFit/>
+          </a:bodyPr>
+          <a:lstStyle/>
+          <a:p>
+            <a:r>
+              <a:rPr lang="pt-BR" dirty="0" smtClean="0"/>
+              <a:t>N</a:t>
+            </a:r>
+            <a:endParaRPr lang="pt-BR" dirty="0"/>
+          </a:p>
+        </p:txBody>
+      </p:sp>
+      <p:cxnSp>
+        <p:nvCxnSpPr>
+          <p:cNvPr id="103" name="Conector de seta reta 102"/>
+          <p:cNvCxnSpPr>
+            <a:stCxn id="132" idx="3"/>
+          </p:cNvCxnSpPr>
+          <p:nvPr/>
+        </p:nvCxnSpPr>
+        <p:spPr>
+          <a:xfrm>
+            <a:off x="10252744" y="5524179"/>
+            <a:ext cx="238953" cy="16299"/>
+          </a:xfrm>
+          <a:prstGeom prst="straightConnector1">
+            <a:avLst/>
+          </a:prstGeom>
+          <a:ln>
+            <a:tailEnd type="arrow"/>
+          </a:ln>
+        </p:spPr>
+        <p:style>
+          <a:lnRef idx="1">
+            <a:schemeClr val="accent1"/>
+          </a:lnRef>
+          <a:fillRef idx="0">
+            <a:schemeClr val="accent1"/>
+          </a:fillRef>
+          <a:effectRef idx="0">
+            <a:schemeClr val="accent1"/>
+          </a:effectRef>
+          <a:fontRef idx="minor">
+            <a:schemeClr val="tx1"/>
+          </a:fontRef>
+        </p:style>
+      </p:cxnSp>
+      <p:sp>
+        <p:nvSpPr>
+          <p:cNvPr id="151" name="CaixaDeTexto 150"/>
+          <p:cNvSpPr txBox="1"/>
+          <p:nvPr/>
+        </p:nvSpPr>
+        <p:spPr>
+          <a:xfrm>
+            <a:off x="6996379" y="4840740"/>
+            <a:ext cx="333746" cy="369332"/>
+          </a:xfrm>
+          <a:prstGeom prst="rect">
+            <a:avLst/>
+          </a:prstGeom>
+          <a:noFill/>
+        </p:spPr>
+        <p:txBody>
+          <a:bodyPr wrap="none" rtlCol="0">
+            <a:spAutoFit/>
+          </a:bodyPr>
+          <a:lstStyle/>
+          <a:p>
+            <a:r>
+              <a:rPr lang="pt-BR" dirty="0" smtClean="0"/>
+              <a:t>N</a:t>
+            </a:r>
+            <a:endParaRPr lang="pt-BR" dirty="0"/>
+          </a:p>
+        </p:txBody>
+      </p:sp>
+      <p:sp>
+        <p:nvSpPr>
+          <p:cNvPr id="152" name="Elipse 151"/>
+          <p:cNvSpPr/>
+          <p:nvPr/>
+        </p:nvSpPr>
+        <p:spPr>
+          <a:xfrm>
+            <a:off x="10491697" y="5413077"/>
+            <a:ext cx="213655" cy="238991"/>
+          </a:xfrm>
+          <a:prstGeom prst="ellipse">
+            <a:avLst/>
+          </a:prstGeom>
+        </p:spPr>
+        <p:style>
+          <a:lnRef idx="2">
+            <a:schemeClr val="accent1">
+              <a:shade val="50000"/>
+            </a:schemeClr>
+          </a:lnRef>
+          <a:fillRef idx="1">
+            <a:schemeClr val="accent1"/>
+          </a:fillRef>
+          <a:effectRef idx="0">
+            <a:schemeClr val="accent1"/>
+          </a:effectRef>
+          <a:fontRef idx="minor">
+            <a:schemeClr val="lt1"/>
+          </a:fontRef>
+        </p:style>
+        <p:txBody>
+          <a:bodyPr rtlCol="0" anchor="ctr"/>
+          <a:lstStyle/>
+          <a:p>
+            <a:pPr algn="ctr"/>
+            <a:r>
+              <a:rPr lang="pt-BR" dirty="0"/>
+              <a:t>A</a:t>
+            </a:r>
+          </a:p>
+        </p:txBody>
+      </p:sp>
+      <p:sp>
+        <p:nvSpPr>
+          <p:cNvPr id="153" name="CaixaDeTexto 152"/>
+          <p:cNvSpPr txBox="1"/>
+          <p:nvPr/>
+        </p:nvSpPr>
+        <p:spPr>
+          <a:xfrm>
+            <a:off x="10201233" y="5090636"/>
+            <a:ext cx="290464" cy="369332"/>
+          </a:xfrm>
+          <a:prstGeom prst="rect">
+            <a:avLst/>
+          </a:prstGeom>
+          <a:noFill/>
+        </p:spPr>
+        <p:txBody>
+          <a:bodyPr wrap="none" rtlCol="0">
+            <a:spAutoFit/>
+          </a:bodyPr>
+          <a:lstStyle/>
+          <a:p>
+            <a:r>
+              <a:rPr lang="pt-BR" dirty="0"/>
+              <a:t>S</a:t>
+            </a:r>
+          </a:p>
+        </p:txBody>
+      </p:sp>
+      <p:sp>
+        <p:nvSpPr>
+          <p:cNvPr id="154" name="Retângulo 153"/>
+          <p:cNvSpPr/>
+          <p:nvPr/>
+        </p:nvSpPr>
+        <p:spPr>
+          <a:xfrm>
+            <a:off x="10598523" y="4174274"/>
+            <a:ext cx="934765" cy="487797"/>
+          </a:xfrm>
+          <a:prstGeom prst="rect">
+            <a:avLst/>
+          </a:prstGeom>
+        </p:spPr>
+        <p:style>
+          <a:lnRef idx="2">
+            <a:schemeClr val="accent1">
+              <a:shade val="50000"/>
+            </a:schemeClr>
+          </a:lnRef>
+          <a:fillRef idx="1">
+            <a:schemeClr val="accent1"/>
+          </a:fillRef>
+          <a:effectRef idx="0">
+            <a:schemeClr val="accent1"/>
+          </a:effectRef>
+          <a:fontRef idx="minor">
+            <a:schemeClr val="lt1"/>
+          </a:fontRef>
+        </p:style>
+        <p:txBody>
+          <a:bodyPr rtlCol="0" anchor="ctr"/>
+          <a:lstStyle/>
+          <a:p>
+            <a:pPr algn="ctr"/>
+            <a:r>
+              <a:rPr lang="pt-BR" dirty="0" smtClean="0"/>
+              <a:t>Apaga </a:t>
+            </a:r>
+            <a:r>
+              <a:rPr lang="pt-BR" dirty="0" err="1" smtClean="0"/>
+              <a:t>tag</a:t>
+            </a:r>
+            <a:endParaRPr lang="pt-BR" dirty="0"/>
+          </a:p>
+        </p:txBody>
+      </p:sp>
+      <p:cxnSp>
+        <p:nvCxnSpPr>
+          <p:cNvPr id="110" name="Conector de seta reta 109"/>
+          <p:cNvCxnSpPr>
+            <a:stCxn id="136" idx="3"/>
+            <a:endCxn id="154" idx="1"/>
+          </p:cNvCxnSpPr>
+          <p:nvPr/>
+        </p:nvCxnSpPr>
+        <p:spPr>
+          <a:xfrm flipV="1">
+            <a:off x="10356512" y="4418173"/>
+            <a:ext cx="242011" cy="13811"/>
+          </a:xfrm>
+          <a:prstGeom prst="straightConnector1">
+            <a:avLst/>
+          </a:prstGeom>
+          <a:ln>
+            <a:tailEnd type="arrow"/>
+          </a:ln>
+        </p:spPr>
+        <p:style>
+          <a:lnRef idx="1">
+            <a:schemeClr val="accent1"/>
+          </a:lnRef>
+          <a:fillRef idx="0">
+            <a:schemeClr val="accent1"/>
+          </a:fillRef>
+          <a:effectRef idx="0">
+            <a:schemeClr val="accent1"/>
+          </a:effectRef>
+          <a:fontRef idx="minor">
+            <a:schemeClr val="tx1"/>
+          </a:fontRef>
+        </p:style>
+      </p:cxnSp>
+      <p:sp>
+        <p:nvSpPr>
+          <p:cNvPr id="159" name="CaixaDeTexto 158"/>
+          <p:cNvSpPr txBox="1"/>
+          <p:nvPr/>
+        </p:nvSpPr>
+        <p:spPr>
+          <a:xfrm>
+            <a:off x="10263135" y="3973786"/>
+            <a:ext cx="290464" cy="369332"/>
+          </a:xfrm>
+          <a:prstGeom prst="rect">
+            <a:avLst/>
+          </a:prstGeom>
+          <a:noFill/>
+        </p:spPr>
+        <p:txBody>
+          <a:bodyPr wrap="none" rtlCol="0">
+            <a:spAutoFit/>
+          </a:bodyPr>
+          <a:lstStyle/>
+          <a:p>
+            <a:r>
+              <a:rPr lang="pt-BR" dirty="0"/>
+              <a:t>S</a:t>
+            </a:r>
+          </a:p>
+        </p:txBody>
+      </p:sp>
+      <p:sp>
+        <p:nvSpPr>
+          <p:cNvPr id="161" name="Retângulo 160"/>
+          <p:cNvSpPr/>
+          <p:nvPr/>
+        </p:nvSpPr>
+        <p:spPr>
+          <a:xfrm>
+            <a:off x="9021214" y="3265445"/>
+            <a:ext cx="934765" cy="487797"/>
+          </a:xfrm>
+          <a:prstGeom prst="rect">
+            <a:avLst/>
+          </a:prstGeom>
+        </p:spPr>
+        <p:style>
+          <a:lnRef idx="2">
+            <a:schemeClr val="accent1">
+              <a:shade val="50000"/>
+            </a:schemeClr>
+          </a:lnRef>
+          <a:fillRef idx="1">
+            <a:schemeClr val="accent1"/>
+          </a:fillRef>
+          <a:effectRef idx="0">
+            <a:schemeClr val="accent1"/>
+          </a:effectRef>
+          <a:fontRef idx="minor">
+            <a:schemeClr val="lt1"/>
+          </a:fontRef>
+        </p:style>
+        <p:txBody>
+          <a:bodyPr rtlCol="0" anchor="ctr"/>
+          <a:lstStyle/>
+          <a:p>
+            <a:pPr algn="ctr"/>
+            <a:r>
+              <a:rPr lang="pt-BR" dirty="0" smtClean="0"/>
+              <a:t>insere </a:t>
+            </a:r>
+            <a:r>
+              <a:rPr lang="pt-BR" dirty="0" err="1" smtClean="0"/>
+              <a:t>tag</a:t>
+            </a:r>
+            <a:endParaRPr lang="pt-BR" dirty="0"/>
+          </a:p>
+        </p:txBody>
+      </p:sp>
+      <p:sp>
+        <p:nvSpPr>
+          <p:cNvPr id="162" name="Elipse 161"/>
+          <p:cNvSpPr/>
+          <p:nvPr/>
+        </p:nvSpPr>
+        <p:spPr>
+          <a:xfrm>
+            <a:off x="10094405" y="2571941"/>
+            <a:ext cx="213655" cy="238991"/>
+          </a:xfrm>
+          <a:prstGeom prst="ellipse">
+            <a:avLst/>
+          </a:prstGeom>
+        </p:spPr>
+        <p:style>
+          <a:lnRef idx="2">
+            <a:schemeClr val="accent1">
+              <a:shade val="50000"/>
+            </a:schemeClr>
+          </a:lnRef>
+          <a:fillRef idx="1">
+            <a:schemeClr val="accent1"/>
+          </a:fillRef>
+          <a:effectRef idx="0">
+            <a:schemeClr val="accent1"/>
+          </a:effectRef>
+          <a:fontRef idx="minor">
+            <a:schemeClr val="lt1"/>
+          </a:fontRef>
+        </p:style>
+        <p:txBody>
+          <a:bodyPr rtlCol="0" anchor="ctr"/>
+          <a:lstStyle/>
+          <a:p>
+            <a:pPr algn="ctr"/>
+            <a:endParaRPr lang="pt-BR" dirty="0"/>
+          </a:p>
+        </p:txBody>
+      </p:sp>
+      <p:cxnSp>
+        <p:nvCxnSpPr>
+          <p:cNvPr id="114" name="Conector de seta reta 113"/>
+          <p:cNvCxnSpPr>
+            <a:stCxn id="136" idx="0"/>
+            <a:endCxn id="161" idx="2"/>
+          </p:cNvCxnSpPr>
+          <p:nvPr/>
+        </p:nvCxnSpPr>
+        <p:spPr>
+          <a:xfrm flipV="1">
+            <a:off x="9488596" y="3753242"/>
+            <a:ext cx="1" cy="257219"/>
+          </a:xfrm>
+          <a:prstGeom prst="straightConnector1">
+            <a:avLst/>
+          </a:prstGeom>
+          <a:ln>
+            <a:tailEnd type="arrow"/>
+          </a:ln>
+        </p:spPr>
+        <p:style>
+          <a:lnRef idx="1">
+            <a:schemeClr val="accent1"/>
+          </a:lnRef>
+          <a:fillRef idx="0">
+            <a:schemeClr val="accent1"/>
+          </a:fillRef>
+          <a:effectRef idx="0">
+            <a:schemeClr val="accent1"/>
+          </a:effectRef>
+          <a:fontRef idx="minor">
+            <a:schemeClr val="tx1"/>
+          </a:fontRef>
+        </p:style>
+      </p:cxnSp>
+      <p:sp>
+        <p:nvSpPr>
+          <p:cNvPr id="167" name="CaixaDeTexto 166"/>
+          <p:cNvSpPr txBox="1"/>
+          <p:nvPr/>
+        </p:nvSpPr>
+        <p:spPr>
+          <a:xfrm>
+            <a:off x="9623928" y="3760944"/>
+            <a:ext cx="333746" cy="369332"/>
+          </a:xfrm>
+          <a:prstGeom prst="rect">
+            <a:avLst/>
+          </a:prstGeom>
+          <a:noFill/>
+        </p:spPr>
+        <p:txBody>
+          <a:bodyPr wrap="none" rtlCol="0">
+            <a:spAutoFit/>
+          </a:bodyPr>
+          <a:lstStyle/>
+          <a:p>
+            <a:r>
+              <a:rPr lang="pt-BR" dirty="0" smtClean="0"/>
+              <a:t>N</a:t>
+            </a:r>
+            <a:endParaRPr lang="pt-BR" dirty="0"/>
+          </a:p>
+        </p:txBody>
+      </p:sp>
+      <p:cxnSp>
+        <p:nvCxnSpPr>
+          <p:cNvPr id="119" name="Conector angulado 118"/>
+          <p:cNvCxnSpPr>
+            <a:stCxn id="161" idx="0"/>
+            <a:endCxn id="162" idx="2"/>
+          </p:cNvCxnSpPr>
+          <p:nvPr/>
+        </p:nvCxnSpPr>
+        <p:spPr>
+          <a:xfrm rot="5400000" flipH="1" flipV="1">
+            <a:off x="9504497" y="2675537"/>
+            <a:ext cx="574008" cy="605808"/>
+          </a:xfrm>
+          <a:prstGeom prst="bentConnector2">
+            <a:avLst/>
+          </a:prstGeom>
+          <a:ln>
+            <a:tailEnd type="arrow"/>
+          </a:ln>
+        </p:spPr>
+        <p:style>
+          <a:lnRef idx="1">
+            <a:schemeClr val="accent1"/>
+          </a:lnRef>
+          <a:fillRef idx="0">
+            <a:schemeClr val="accent1"/>
+          </a:fillRef>
+          <a:effectRef idx="0">
+            <a:schemeClr val="accent1"/>
+          </a:effectRef>
+          <a:fontRef idx="minor">
+            <a:schemeClr val="tx1"/>
+          </a:fontRef>
+        </p:style>
+      </p:cxnSp>
+      <p:cxnSp>
+        <p:nvCxnSpPr>
+          <p:cNvPr id="121" name="Conector angulado 120"/>
+          <p:cNvCxnSpPr>
+            <a:stCxn id="154" idx="0"/>
+            <a:endCxn id="162" idx="6"/>
+          </p:cNvCxnSpPr>
+          <p:nvPr/>
+        </p:nvCxnSpPr>
+        <p:spPr>
+          <a:xfrm rot="16200000" flipV="1">
+            <a:off x="9945565" y="3053933"/>
+            <a:ext cx="1482837" cy="757846"/>
+          </a:xfrm>
+          <a:prstGeom prst="bentConnector2">
+            <a:avLst/>
+          </a:prstGeom>
+          <a:ln>
+            <a:tailEnd type="arrow"/>
+          </a:ln>
+        </p:spPr>
+        <p:style>
+          <a:lnRef idx="1">
+            <a:schemeClr val="accent1"/>
+          </a:lnRef>
+          <a:fillRef idx="0">
+            <a:schemeClr val="accent1"/>
+          </a:fillRef>
+          <a:effectRef idx="0">
+            <a:schemeClr val="accent1"/>
+          </a:effectRef>
+          <a:fontRef idx="minor">
+            <a:schemeClr val="tx1"/>
+          </a:fontRef>
+        </p:style>
+      </p:cxnSp>
+      <p:cxnSp>
+        <p:nvCxnSpPr>
+          <p:cNvPr id="129" name="Conector reto 128"/>
+          <p:cNvCxnSpPr>
+            <a:stCxn id="162" idx="0"/>
+          </p:cNvCxnSpPr>
+          <p:nvPr/>
+        </p:nvCxnSpPr>
+        <p:spPr>
+          <a:xfrm flipH="1" flipV="1">
+            <a:off x="10201232" y="2265218"/>
+            <a:ext cx="1" cy="306723"/>
+          </a:xfrm>
+          <a:prstGeom prst="line">
+            <a:avLst/>
+          </a:prstGeom>
+        </p:spPr>
+        <p:style>
+          <a:lnRef idx="1">
+            <a:schemeClr val="accent1"/>
+          </a:lnRef>
+          <a:fillRef idx="0">
+            <a:schemeClr val="accent1"/>
+          </a:fillRef>
+          <a:effectRef idx="0">
+            <a:schemeClr val="accent1"/>
+          </a:effectRef>
+          <a:fontRef idx="minor">
+            <a:schemeClr val="tx1"/>
+          </a:fontRef>
+        </p:style>
+      </p:cxnSp>
+      <p:cxnSp>
+        <p:nvCxnSpPr>
+          <p:cNvPr id="134" name="Conector reto 133"/>
+          <p:cNvCxnSpPr/>
+          <p:nvPr/>
+        </p:nvCxnSpPr>
+        <p:spPr>
+          <a:xfrm flipH="1">
+            <a:off x="8541088" y="2265218"/>
+            <a:ext cx="1660146" cy="0"/>
+          </a:xfrm>
+          <a:prstGeom prst="line">
+            <a:avLst/>
+          </a:prstGeom>
+        </p:spPr>
+        <p:style>
+          <a:lnRef idx="1">
+            <a:schemeClr val="accent1"/>
+          </a:lnRef>
+          <a:fillRef idx="0">
+            <a:schemeClr val="accent1"/>
+          </a:fillRef>
+          <a:effectRef idx="0">
+            <a:schemeClr val="accent1"/>
+          </a:effectRef>
+          <a:fontRef idx="minor">
+            <a:schemeClr val="tx1"/>
+          </a:fontRef>
+        </p:style>
+      </p:cxnSp>
+      <p:cxnSp>
+        <p:nvCxnSpPr>
+          <p:cNvPr id="141" name="Conector reto 140"/>
+          <p:cNvCxnSpPr/>
+          <p:nvPr/>
+        </p:nvCxnSpPr>
+        <p:spPr>
+          <a:xfrm flipH="1">
+            <a:off x="8523748" y="2265218"/>
+            <a:ext cx="34681" cy="2396853"/>
+          </a:xfrm>
+          <a:prstGeom prst="line">
+            <a:avLst/>
+          </a:prstGeom>
+        </p:spPr>
+        <p:style>
+          <a:lnRef idx="1">
+            <a:schemeClr val="accent1"/>
+          </a:lnRef>
+          <a:fillRef idx="0">
+            <a:schemeClr val="accent1"/>
+          </a:fillRef>
+          <a:effectRef idx="0">
+            <a:schemeClr val="accent1"/>
+          </a:effectRef>
+          <a:fontRef idx="minor">
+            <a:schemeClr val="tx1"/>
+          </a:fontRef>
+        </p:style>
+      </p:cxnSp>
+      <p:cxnSp>
+        <p:nvCxnSpPr>
+          <p:cNvPr id="145" name="Conector reto 144"/>
+          <p:cNvCxnSpPr/>
+          <p:nvPr/>
+        </p:nvCxnSpPr>
+        <p:spPr>
+          <a:xfrm flipH="1" flipV="1">
+            <a:off x="6489857" y="4603989"/>
+            <a:ext cx="2033891" cy="58082"/>
+          </a:xfrm>
+          <a:prstGeom prst="line">
+            <a:avLst/>
+          </a:prstGeom>
+        </p:spPr>
+        <p:style>
+          <a:lnRef idx="1">
+            <a:schemeClr val="accent1"/>
+          </a:lnRef>
+          <a:fillRef idx="0">
+            <a:schemeClr val="accent1"/>
+          </a:fillRef>
+          <a:effectRef idx="0">
+            <a:schemeClr val="accent1"/>
+          </a:effectRef>
+          <a:fontRef idx="minor">
+            <a:schemeClr val="tx1"/>
+          </a:fontRef>
+        </p:style>
+      </p:cxnSp>
+      <p:cxnSp>
+        <p:nvCxnSpPr>
+          <p:cNvPr id="149" name="Conector de seta reta 148"/>
+          <p:cNvCxnSpPr>
+            <a:endCxn id="46" idx="0"/>
+          </p:cNvCxnSpPr>
+          <p:nvPr/>
+        </p:nvCxnSpPr>
+        <p:spPr>
+          <a:xfrm>
+            <a:off x="6489857" y="4603989"/>
+            <a:ext cx="1" cy="1251287"/>
+          </a:xfrm>
+          <a:prstGeom prst="straightConnector1">
+            <a:avLst/>
+          </a:prstGeom>
+          <a:ln>
+            <a:tailEnd type="arrow"/>
+          </a:ln>
+        </p:spPr>
+        <p:style>
+          <a:lnRef idx="1">
+            <a:schemeClr val="accent1"/>
+          </a:lnRef>
+          <a:fillRef idx="0">
+            <a:schemeClr val="accent1"/>
+          </a:fillRef>
+          <a:effectRef idx="0">
+            <a:schemeClr val="accent1"/>
+          </a:effectRef>
+          <a:fontRef idx="minor">
+            <a:schemeClr val="tx1"/>
+          </a:fontRef>
+        </p:style>
+      </p:cxnSp>
     </p:spTree>
     <p:extLst>
       <p:ext uri="{BB962C8B-B14F-4D97-AF65-F5344CB8AC3E}">
-        <p14:creationId xmlns:p14="http://schemas.microsoft.com/office/powerpoint/2010/main" val="2177054180"/>
+        <p14:creationId xmlns:p14="http://schemas.microsoft.com/office/powerpoint/2010/main" val="3650030162"/>
       </p:ext>
     </p:extLst>
   </p:cSld>
@@ -6378,6 +8979,304 @@
       </p:sp>
       <p:sp>
         <p:nvSpPr>
+          <p:cNvPr id="9" name="Retângulo 8"/>
+          <p:cNvSpPr/>
+          <p:nvPr/>
+        </p:nvSpPr>
+        <p:spPr>
+          <a:xfrm>
+            <a:off x="837127" y="2176284"/>
+            <a:ext cx="9990085" cy="3970318"/>
+          </a:xfrm>
+          <a:prstGeom prst="rect">
+            <a:avLst/>
+          </a:prstGeom>
+        </p:spPr>
+        <p:txBody>
+          <a:bodyPr wrap="square">
+            <a:spAutoFit/>
+          </a:bodyPr>
+          <a:lstStyle/>
+          <a:p>
+            <a:pPr marL="566928" indent="-457200" algn="just">
+              <a:buFont typeface="Arial" pitchFamily="34" charset="0"/>
+              <a:buChar char="•"/>
+            </a:pPr>
+            <a:endParaRPr lang="pt-BR" sz="2800" dirty="0" smtClean="0">
+              <a:latin typeface="Rockwell Condensed" panose="02060603050405020104" pitchFamily="18" charset="0"/>
+            </a:endParaRPr>
+          </a:p>
+          <a:p>
+            <a:pPr marL="566928" indent="-457200" algn="just">
+              <a:buFont typeface="Arial" pitchFamily="34" charset="0"/>
+              <a:buChar char="•"/>
+            </a:pPr>
+            <a:r>
+              <a:rPr lang="pt-BR" sz="2800" dirty="0" smtClean="0">
+                <a:latin typeface="Rockwell Condensed" panose="02060603050405020104" pitchFamily="18" charset="0"/>
+              </a:rPr>
+              <a:t>Controle dos acessos aos laboratórios através do módulo MFRC 522;</a:t>
+            </a:r>
+          </a:p>
+          <a:p>
+            <a:pPr marL="566928" indent="-457200" algn="just">
+              <a:buFont typeface="Arial" pitchFamily="34" charset="0"/>
+              <a:buChar char="•"/>
+            </a:pPr>
+            <a:endParaRPr lang="pt-BR" sz="2800" dirty="0" smtClean="0">
+              <a:latin typeface="Rockwell Condensed" panose="02060603050405020104" pitchFamily="18" charset="0"/>
+            </a:endParaRPr>
+          </a:p>
+          <a:p>
+            <a:pPr marL="566928" indent="-457200" algn="just">
+              <a:buFont typeface="Arial" pitchFamily="34" charset="0"/>
+              <a:buChar char="•"/>
+            </a:pPr>
+            <a:r>
+              <a:rPr lang="pt-BR" sz="2800" dirty="0" smtClean="0">
+                <a:latin typeface="Rockwell Condensed" panose="02060603050405020104" pitchFamily="18" charset="0"/>
+              </a:rPr>
+              <a:t>Reservas;</a:t>
+            </a:r>
+          </a:p>
+          <a:p>
+            <a:pPr marL="566928" indent="-457200" algn="just">
+              <a:buFont typeface="Arial" pitchFamily="34" charset="0"/>
+              <a:buChar char="•"/>
+            </a:pPr>
+            <a:endParaRPr lang="pt-BR" sz="2800" dirty="0">
+              <a:latin typeface="Rockwell Condensed" panose="02060603050405020104" pitchFamily="18" charset="0"/>
+            </a:endParaRPr>
+          </a:p>
+          <a:p>
+            <a:pPr marL="566928" indent="-457200" algn="just">
+              <a:buFont typeface="Arial" pitchFamily="34" charset="0"/>
+              <a:buChar char="•"/>
+            </a:pPr>
+            <a:r>
+              <a:rPr lang="pt-BR" sz="2800" dirty="0" smtClean="0">
+                <a:latin typeface="Rockwell Condensed" panose="02060603050405020104" pitchFamily="18" charset="0"/>
+              </a:rPr>
+              <a:t>Interface web interativa, com boa estética e fácil de se trabalhar;</a:t>
+            </a:r>
+          </a:p>
+          <a:p>
+            <a:pPr marL="566928" indent="-457200" algn="just">
+              <a:buFont typeface="Arial" pitchFamily="34" charset="0"/>
+              <a:buChar char="•"/>
+            </a:pPr>
+            <a:endParaRPr lang="pt-BR" sz="2800" dirty="0">
+              <a:latin typeface="Rockwell Condensed" panose="02060603050405020104" pitchFamily="18" charset="0"/>
+            </a:endParaRPr>
+          </a:p>
+          <a:p>
+            <a:pPr marL="566928" indent="-457200" algn="just">
+              <a:buFont typeface="Arial" pitchFamily="34" charset="0"/>
+              <a:buChar char="•"/>
+            </a:pPr>
+            <a:r>
+              <a:rPr lang="pt-BR" sz="2800" dirty="0" smtClean="0">
+                <a:latin typeface="Rockwell Condensed" panose="02060603050405020104" pitchFamily="18" charset="0"/>
+              </a:rPr>
+              <a:t>Utilização do controle de acesso mesmo sem o funcionamento da rede.</a:t>
+            </a:r>
+            <a:endParaRPr lang="pt-BR" sz="2800" dirty="0">
+              <a:latin typeface="Rockwell Condensed" panose="02060603050405020104" pitchFamily="18" charset="0"/>
+            </a:endParaRPr>
+          </a:p>
+          <a:p>
+            <a:pPr marL="566928" indent="-457200" algn="just">
+              <a:buFont typeface="Arial" pitchFamily="34" charset="0"/>
+              <a:buChar char="•"/>
+            </a:pPr>
+            <a:endParaRPr lang="pt-BR" sz="2800" dirty="0" smtClean="0">
+              <a:solidFill>
+                <a:srgbClr val="FF0000"/>
+              </a:solidFill>
+              <a:latin typeface="Rockwell Condensed" panose="02060603050405020104" pitchFamily="18" charset="0"/>
+            </a:endParaRPr>
+          </a:p>
+        </p:txBody>
+      </p:sp>
+    </p:spTree>
+    <p:extLst>
+      <p:ext uri="{BB962C8B-B14F-4D97-AF65-F5344CB8AC3E}">
+        <p14:creationId xmlns:p14="http://schemas.microsoft.com/office/powerpoint/2010/main" val="2177054180"/>
+      </p:ext>
+    </p:extLst>
+  </p:cSld>
+  <p:clrMapOvr>
+    <a:masterClrMapping/>
+  </p:clrMapOvr>
+  <p:timing>
+    <p:tnLst>
+      <p:par>
+        <p:cTn id="1" dur="indefinite" restart="never" nodeType="tmRoot"/>
+      </p:par>
+    </p:tnLst>
+  </p:timing>
+</p:sld>
+</file>
+
+<file path=ppt/slides/slide16.xml><?xml version="1.0" encoding="utf-8"?>
+<p:sld xmlns:a="http://schemas.openxmlformats.org/drawingml/2006/main" xmlns:r="http://schemas.openxmlformats.org/officeDocument/2006/relationships" xmlns:p="http://schemas.openxmlformats.org/presentationml/2006/main">
+  <p:cSld>
+    <p:spTree>
+      <p:nvGrpSpPr>
+        <p:cNvPr id="1" name=""/>
+        <p:cNvGrpSpPr/>
+        <p:nvPr/>
+      </p:nvGrpSpPr>
+      <p:grpSpPr>
+        <a:xfrm>
+          <a:off x="0" y="0"/>
+          <a:ext cx="0" cy="0"/>
+          <a:chOff x="0" y="0"/>
+          <a:chExt cx="0" cy="0"/>
+        </a:xfrm>
+      </p:grpSpPr>
+      <p:sp>
+        <p:nvSpPr>
+          <p:cNvPr id="5" name="Espaço Reservado para Número de Slide 4"/>
+          <p:cNvSpPr>
+            <a:spLocks noGrp="1"/>
+          </p:cNvSpPr>
+          <p:nvPr>
+            <p:ph type="sldNum" sz="quarter" idx="12"/>
+          </p:nvPr>
+        </p:nvSpPr>
+        <p:spPr/>
+        <p:txBody>
+          <a:bodyPr/>
+          <a:lstStyle/>
+          <a:p>
+            <a:fld id="{07E976CE-6A88-4DF5-9FE0-D445D452ABB2}" type="slidenum">
+              <a:rPr lang="pt-BR" smtClean="0"/>
+              <a:t>16</a:t>
+            </a:fld>
+            <a:endParaRPr lang="pt-BR" dirty="0"/>
+          </a:p>
+        </p:txBody>
+      </p:sp>
+      <p:sp>
+        <p:nvSpPr>
+          <p:cNvPr id="8" name="Espaço Reservado para Rodapé 9"/>
+          <p:cNvSpPr>
+            <a:spLocks noGrp="1"/>
+          </p:cNvSpPr>
+          <p:nvPr>
+            <p:ph type="ftr" sz="quarter" idx="11"/>
+          </p:nvPr>
+        </p:nvSpPr>
+        <p:spPr>
+          <a:xfrm>
+            <a:off x="4038600" y="6356350"/>
+            <a:ext cx="4114800" cy="365125"/>
+          </a:xfrm>
+        </p:spPr>
+        <p:txBody>
+          <a:bodyPr/>
+          <a:lstStyle/>
+          <a:p>
+            <a:r>
+              <a:rPr lang="pt-BR" dirty="0" smtClean="0"/>
+              <a:t>Manaus (AM) – Fevereiro de 2018</a:t>
+            </a:r>
+            <a:endParaRPr lang="pt-BR" dirty="0"/>
+          </a:p>
+        </p:txBody>
+      </p:sp>
+      <p:sp>
+        <p:nvSpPr>
+          <p:cNvPr id="10" name="Retângulo 9"/>
+          <p:cNvSpPr/>
+          <p:nvPr/>
+        </p:nvSpPr>
+        <p:spPr>
+          <a:xfrm>
+            <a:off x="566670" y="1694329"/>
+            <a:ext cx="11050073" cy="4590561"/>
+          </a:xfrm>
+          <a:prstGeom prst="rect">
+            <a:avLst/>
+          </a:prstGeom>
+          <a:noFill/>
+          <a:ln w="28575">
+            <a:solidFill>
+              <a:srgbClr val="00FFCC"/>
+            </a:solidFill>
+          </a:ln>
+        </p:spPr>
+        <p:style>
+          <a:lnRef idx="2">
+            <a:schemeClr val="accent1">
+              <a:shade val="50000"/>
+            </a:schemeClr>
+          </a:lnRef>
+          <a:fillRef idx="1">
+            <a:schemeClr val="accent1"/>
+          </a:fillRef>
+          <a:effectRef idx="0">
+            <a:schemeClr val="accent1"/>
+          </a:effectRef>
+          <a:fontRef idx="minor">
+            <a:schemeClr val="lt1"/>
+          </a:fontRef>
+        </p:style>
+        <p:txBody>
+          <a:bodyPr rtlCol="0" anchor="ctr"/>
+          <a:lstStyle/>
+          <a:p>
+            <a:pPr algn="ctr"/>
+            <a:endParaRPr lang="pt-BR"/>
+          </a:p>
+        </p:txBody>
+      </p:sp>
+      <p:sp>
+        <p:nvSpPr>
+          <p:cNvPr id="11" name="Título 1"/>
+          <p:cNvSpPr>
+            <a:spLocks noGrp="1"/>
+          </p:cNvSpPr>
+          <p:nvPr>
+            <p:ph type="title"/>
+          </p:nvPr>
+        </p:nvSpPr>
+        <p:spPr>
+          <a:xfrm>
+            <a:off x="3730222" y="1276729"/>
+            <a:ext cx="4291200" cy="835200"/>
+          </a:xfrm>
+          <a:prstGeom prst="flowChartAlternateProcess">
+            <a:avLst/>
+          </a:prstGeom>
+          <a:solidFill>
+            <a:srgbClr val="00FFCC"/>
+          </a:solidFill>
+        </p:spPr>
+        <p:txBody>
+          <a:bodyPr>
+            <a:normAutofit/>
+          </a:bodyPr>
+          <a:lstStyle/>
+          <a:p>
+            <a:pPr algn="ctr"/>
+            <a:r>
+              <a:rPr lang="pt-BR" sz="4000" dirty="0" smtClean="0">
+                <a:latin typeface="Rockwell Condensed" panose="02060603050405020104" pitchFamily="18" charset="0"/>
+                <a:cs typeface="Times New Roman" panose="02020603050405020304" pitchFamily="18" charset="0"/>
+              </a:rPr>
+              <a:t>RESULTADOS</a:t>
+            </a:r>
+            <a:endParaRPr lang="pt-BR" sz="4000" dirty="0">
+              <a:latin typeface="Rockwell Condensed" panose="02060603050405020104" pitchFamily="18" charset="0"/>
+              <a:cs typeface="Times New Roman" panose="02020603050405020304" pitchFamily="18" charset="0"/>
+            </a:endParaRPr>
+          </a:p>
+        </p:txBody>
+      </p:sp>
+      <p:sp>
+        <p:nvSpPr>
           <p:cNvPr id="7" name="Retângulo 6"/>
           <p:cNvSpPr/>
           <p:nvPr/>
@@ -6525,11 +9424,7 @@
             <a:pPr algn="ctr"/>
             <a:r>
               <a:rPr lang="pt-BR" sz="1400" dirty="0" smtClean="0"/>
-              <a:t>Figura </a:t>
-            </a:r>
-            <a:r>
-              <a:rPr lang="pt-BR" sz="1400" dirty="0" smtClean="0"/>
-              <a:t>16</a:t>
+              <a:t>Figura 16</a:t>
             </a:r>
             <a:r>
               <a:rPr lang="pt-BR" sz="1400" dirty="0"/>
@@ -6537,13 +9432,8 @@
             </a:r>
             <a:r>
               <a:rPr lang="pt-BR" sz="1400" dirty="0" smtClean="0"/>
-              <a:t>–</a:t>
-            </a:r>
-            <a:r>
-              <a:rPr lang="pt-BR" sz="1400" dirty="0" smtClean="0"/>
-              <a:t> Placa para o controle de acesso.</a:t>
-            </a:r>
-            <a:endParaRPr lang="pt-BR" sz="1400" dirty="0" smtClean="0"/>
+              <a:t>– Placa para o controle de acesso.</a:t>
+            </a:r>
           </a:p>
           <a:p>
             <a:pPr algn="ctr"/>
@@ -6580,17 +9470,8 @@
             <a:pPr algn="ctr"/>
             <a:r>
               <a:rPr lang="pt-BR" sz="1400" dirty="0" smtClean="0"/>
-              <a:t>Figura </a:t>
-            </a:r>
-            <a:r>
-              <a:rPr lang="pt-BR" sz="1400" dirty="0" smtClean="0"/>
-              <a:t>15 –</a:t>
-            </a:r>
-            <a:r>
-              <a:rPr lang="pt-BR" sz="1400" dirty="0" smtClean="0"/>
-              <a:t> Placa para o cadastro de usuários.</a:t>
-            </a:r>
-            <a:endParaRPr lang="pt-BR" sz="1400" dirty="0" smtClean="0"/>
+              <a:t>Figura 15 – Placa para o cadastro de usuários.</a:t>
+            </a:r>
           </a:p>
           <a:p>
             <a:pPr algn="ctr"/>
@@ -6936,7 +9817,7 @@
 </p:sld>
 </file>
 
-<file path=ppt/slides/slide16.xml><?xml version="1.0" encoding="utf-8"?>
+<file path=ppt/slides/slide17.xml><?xml version="1.0" encoding="utf-8"?>
 <p:sld xmlns:a="http://schemas.openxmlformats.org/drawingml/2006/main" xmlns:r="http://schemas.openxmlformats.org/officeDocument/2006/relationships" xmlns:p="http://schemas.openxmlformats.org/presentationml/2006/main">
   <p:cSld>
     <p:spTree>
@@ -6970,7 +9851,7 @@
           <a:p>
             <a:fld id="{07E976CE-6A88-4DF5-9FE0-D445D452ABB2}" type="slidenum">
               <a:rPr lang="pt-BR" smtClean="0"/>
-              <a:t>16</a:t>
+              <a:t>17</a:t>
             </a:fld>
             <a:endParaRPr lang="pt-BR" dirty="0"/>
           </a:p>
@@ -7245,17 +10126,8 @@
             <a:pPr algn="ctr"/>
             <a:r>
               <a:rPr lang="pt-BR" sz="1400" dirty="0" smtClean="0"/>
-              <a:t>Figura </a:t>
-            </a:r>
-            <a:r>
-              <a:rPr lang="pt-BR" sz="1400" dirty="0" smtClean="0"/>
-              <a:t>17 –</a:t>
-            </a:r>
-            <a:r>
-              <a:rPr lang="pt-BR" sz="1400" dirty="0" smtClean="0"/>
-              <a:t> Página de cadastro de usuários.</a:t>
-            </a:r>
-            <a:endParaRPr lang="pt-BR" sz="1400" dirty="0" smtClean="0"/>
+              <a:t>Figura 17 – Página de cadastro de usuários.</a:t>
+            </a:r>
           </a:p>
           <a:p>
             <a:pPr algn="ctr"/>
@@ -7341,7 +10213,7 @@
 </p:sld>
 </file>
 
-<file path=ppt/slides/slide17.xml><?xml version="1.0" encoding="utf-8"?>
+<file path=ppt/slides/slide18.xml><?xml version="1.0" encoding="utf-8"?>
 <p:sld xmlns:a="http://schemas.openxmlformats.org/drawingml/2006/main" xmlns:r="http://schemas.openxmlformats.org/officeDocument/2006/relationships" xmlns:p="http://schemas.openxmlformats.org/presentationml/2006/main">
   <p:cSld>
     <p:spTree>
@@ -7375,7 +10247,7 @@
           <a:p>
             <a:fld id="{07E976CE-6A88-4DF5-9FE0-D445D452ABB2}" type="slidenum">
               <a:rPr lang="pt-BR" smtClean="0"/>
-              <a:t>17</a:t>
+              <a:t>18</a:t>
             </a:fld>
             <a:endParaRPr lang="pt-BR" dirty="0"/>
           </a:p>
@@ -7650,17 +10522,8 @@
             <a:pPr algn="ctr"/>
             <a:r>
               <a:rPr lang="pt-BR" sz="1400" dirty="0" smtClean="0"/>
-              <a:t>Figura </a:t>
-            </a:r>
-            <a:r>
-              <a:rPr lang="pt-BR" sz="1400" dirty="0" smtClean="0"/>
-              <a:t>18 –</a:t>
-            </a:r>
-            <a:r>
-              <a:rPr lang="pt-BR" sz="1400" dirty="0" smtClean="0"/>
-              <a:t> Página da lista de usuários.</a:t>
-            </a:r>
-            <a:endParaRPr lang="pt-BR" sz="1400" dirty="0" smtClean="0"/>
+              <a:t>Figura 18 – Página da lista de usuários.</a:t>
+            </a:r>
           </a:p>
           <a:p>
             <a:pPr algn="ctr"/>
@@ -7746,7 +10609,7 @@
 </p:sld>
 </file>
 
-<file path=ppt/slides/slide18.xml><?xml version="1.0" encoding="utf-8"?>
+<file path=ppt/slides/slide19.xml><?xml version="1.0" encoding="utf-8"?>
 <p:sld xmlns:a="http://schemas.openxmlformats.org/drawingml/2006/main" xmlns:r="http://schemas.openxmlformats.org/officeDocument/2006/relationships" xmlns:p="http://schemas.openxmlformats.org/presentationml/2006/main">
   <p:cSld>
     <p:spTree>
@@ -7780,7 +10643,7 @@
           <a:p>
             <a:fld id="{07E976CE-6A88-4DF5-9FE0-D445D452ABB2}" type="slidenum">
               <a:rPr lang="pt-BR" smtClean="0"/>
-              <a:t>18</a:t>
+              <a:t>19</a:t>
             </a:fld>
             <a:endParaRPr lang="pt-BR" dirty="0"/>
           </a:p>
@@ -8055,17 +10918,8 @@
             <a:pPr algn="ctr"/>
             <a:r>
               <a:rPr lang="pt-BR" sz="1400" dirty="0" smtClean="0"/>
-              <a:t>Figura </a:t>
-            </a:r>
-            <a:r>
-              <a:rPr lang="pt-BR" sz="1400" dirty="0" smtClean="0"/>
-              <a:t>19 –</a:t>
-            </a:r>
-            <a:r>
-              <a:rPr lang="pt-BR" sz="1400" dirty="0" smtClean="0"/>
-              <a:t> Página de cadastrar Reservas.</a:t>
-            </a:r>
-            <a:endParaRPr lang="pt-BR" sz="1400" dirty="0" smtClean="0"/>
+              <a:t>Figura 19 – Página de cadastrar Reservas.</a:t>
+            </a:r>
           </a:p>
           <a:p>
             <a:pPr algn="ctr"/>
@@ -8159,415 +11013,6 @@
 </p:sld>
 </file>
 
-<file path=ppt/slides/slide19.xml><?xml version="1.0" encoding="utf-8"?>
-<p:sld xmlns:a="http://schemas.openxmlformats.org/drawingml/2006/main" xmlns:r="http://schemas.openxmlformats.org/officeDocument/2006/relationships" xmlns:p="http://schemas.openxmlformats.org/presentationml/2006/main">
-  <p:cSld>
-    <p:spTree>
-      <p:nvGrpSpPr>
-        <p:cNvPr id="1" name=""/>
-        <p:cNvGrpSpPr/>
-        <p:nvPr/>
-      </p:nvGrpSpPr>
-      <p:grpSpPr>
-        <a:xfrm>
-          <a:off x="0" y="0"/>
-          <a:ext cx="0" cy="0"/>
-          <a:chOff x="0" y="0"/>
-          <a:chExt cx="0" cy="0"/>
-        </a:xfrm>
-      </p:grpSpPr>
-      <p:sp>
-        <p:nvSpPr>
-          <p:cNvPr id="5" name="Espaço Reservado para Número de Slide 4"/>
-          <p:cNvSpPr>
-            <a:spLocks noGrp="1"/>
-          </p:cNvSpPr>
-          <p:nvPr>
-            <p:ph type="sldNum" sz="quarter" idx="12"/>
-          </p:nvPr>
-        </p:nvSpPr>
-        <p:spPr/>
-        <p:txBody>
-          <a:bodyPr/>
-          <a:lstStyle/>
-          <a:p>
-            <a:fld id="{07E976CE-6A88-4DF5-9FE0-D445D452ABB2}" type="slidenum">
-              <a:rPr lang="pt-BR" smtClean="0"/>
-              <a:t>19</a:t>
-            </a:fld>
-            <a:endParaRPr lang="pt-BR" dirty="0"/>
-          </a:p>
-        </p:txBody>
-      </p:sp>
-      <p:sp>
-        <p:nvSpPr>
-          <p:cNvPr id="8" name="Espaço Reservado para Rodapé 9"/>
-          <p:cNvSpPr>
-            <a:spLocks noGrp="1"/>
-          </p:cNvSpPr>
-          <p:nvPr>
-            <p:ph type="ftr" sz="quarter" idx="11"/>
-          </p:nvPr>
-        </p:nvSpPr>
-        <p:spPr>
-          <a:xfrm>
-            <a:off x="4038600" y="6356350"/>
-            <a:ext cx="4114800" cy="365125"/>
-          </a:xfrm>
-        </p:spPr>
-        <p:txBody>
-          <a:bodyPr/>
-          <a:lstStyle/>
-          <a:p>
-            <a:r>
-              <a:rPr lang="pt-BR" dirty="0" smtClean="0"/>
-              <a:t>Manaus (AM) – Fevereiro de 2018</a:t>
-            </a:r>
-            <a:endParaRPr lang="pt-BR" dirty="0"/>
-          </a:p>
-        </p:txBody>
-      </p:sp>
-      <p:sp>
-        <p:nvSpPr>
-          <p:cNvPr id="10" name="Retângulo 9"/>
-          <p:cNvSpPr/>
-          <p:nvPr/>
-        </p:nvSpPr>
-        <p:spPr>
-          <a:xfrm>
-            <a:off x="566670" y="1694329"/>
-            <a:ext cx="11050073" cy="4590561"/>
-          </a:xfrm>
-          <a:prstGeom prst="rect">
-            <a:avLst/>
-          </a:prstGeom>
-          <a:noFill/>
-          <a:ln w="28575">
-            <a:solidFill>
-              <a:srgbClr val="00FFCC"/>
-            </a:solidFill>
-          </a:ln>
-        </p:spPr>
-        <p:style>
-          <a:lnRef idx="2">
-            <a:schemeClr val="accent1">
-              <a:shade val="50000"/>
-            </a:schemeClr>
-          </a:lnRef>
-          <a:fillRef idx="1">
-            <a:schemeClr val="accent1"/>
-          </a:fillRef>
-          <a:effectRef idx="0">
-            <a:schemeClr val="accent1"/>
-          </a:effectRef>
-          <a:fontRef idx="minor">
-            <a:schemeClr val="lt1"/>
-          </a:fontRef>
-        </p:style>
-        <p:txBody>
-          <a:bodyPr rtlCol="0" anchor="ctr"/>
-          <a:lstStyle/>
-          <a:p>
-            <a:pPr algn="ctr"/>
-            <a:endParaRPr lang="pt-BR"/>
-          </a:p>
-        </p:txBody>
-      </p:sp>
-      <p:sp>
-        <p:nvSpPr>
-          <p:cNvPr id="11" name="Título 1"/>
-          <p:cNvSpPr>
-            <a:spLocks noGrp="1"/>
-          </p:cNvSpPr>
-          <p:nvPr>
-            <p:ph type="title"/>
-          </p:nvPr>
-        </p:nvSpPr>
-        <p:spPr>
-          <a:xfrm>
-            <a:off x="3730222" y="1276729"/>
-            <a:ext cx="4291200" cy="835200"/>
-          </a:xfrm>
-          <a:prstGeom prst="flowChartAlternateProcess">
-            <a:avLst/>
-          </a:prstGeom>
-          <a:solidFill>
-            <a:srgbClr val="00FFCC"/>
-          </a:solidFill>
-        </p:spPr>
-        <p:txBody>
-          <a:bodyPr>
-            <a:normAutofit/>
-          </a:bodyPr>
-          <a:lstStyle/>
-          <a:p>
-            <a:pPr algn="ctr"/>
-            <a:r>
-              <a:rPr lang="pt-BR" sz="4000" dirty="0" smtClean="0">
-                <a:latin typeface="Rockwell Condensed" panose="02060603050405020104" pitchFamily="18" charset="0"/>
-                <a:cs typeface="Times New Roman" panose="02020603050405020304" pitchFamily="18" charset="0"/>
-              </a:rPr>
-              <a:t>RESULTADOS</a:t>
-            </a:r>
-            <a:endParaRPr lang="pt-BR" sz="4000" dirty="0">
-              <a:latin typeface="Rockwell Condensed" panose="02060603050405020104" pitchFamily="18" charset="0"/>
-              <a:cs typeface="Times New Roman" panose="02020603050405020304" pitchFamily="18" charset="0"/>
-            </a:endParaRPr>
-          </a:p>
-        </p:txBody>
-      </p:sp>
-      <p:sp>
-        <p:nvSpPr>
-          <p:cNvPr id="7" name="Retângulo 6"/>
-          <p:cNvSpPr/>
-          <p:nvPr/>
-        </p:nvSpPr>
-        <p:spPr>
-          <a:xfrm>
-            <a:off x="837127" y="2055201"/>
-            <a:ext cx="9990085" cy="1938992"/>
-          </a:xfrm>
-          <a:prstGeom prst="rect">
-            <a:avLst/>
-          </a:prstGeom>
-        </p:spPr>
-        <p:txBody>
-          <a:bodyPr wrap="square">
-            <a:spAutoFit/>
-          </a:bodyPr>
-          <a:lstStyle/>
-          <a:p>
-            <a:pPr marL="109728" indent="0" algn="ctr">
-              <a:buNone/>
-            </a:pPr>
-            <a:r>
-              <a:rPr lang="pt-BR" sz="3200" dirty="0" smtClean="0">
-                <a:solidFill>
-                  <a:srgbClr val="FF0000"/>
-                </a:solidFill>
-                <a:latin typeface="Rockwell Condensed" panose="02060603050405020104" pitchFamily="18" charset="0"/>
-              </a:rPr>
-              <a:t>Sistema web</a:t>
-            </a:r>
-          </a:p>
-          <a:p>
-            <a:pPr marL="566928" indent="-457200" algn="just">
-              <a:buFont typeface="Arial" pitchFamily="34" charset="0"/>
-              <a:buChar char="•"/>
-            </a:pPr>
-            <a:endParaRPr lang="pt-BR" sz="2800" dirty="0" smtClean="0">
-              <a:latin typeface="Rockwell Condensed" panose="02060603050405020104" pitchFamily="18" charset="0"/>
-            </a:endParaRPr>
-          </a:p>
-          <a:p>
-            <a:pPr marL="109728" indent="0" algn="just">
-              <a:buNone/>
-            </a:pPr>
-            <a:endParaRPr lang="pt-BR" sz="3200" i="1" dirty="0" smtClean="0">
-              <a:solidFill>
-                <a:srgbClr val="FF0000"/>
-              </a:solidFill>
-              <a:latin typeface="Rockwell Condensed" panose="02060603050405020104" pitchFamily="18" charset="0"/>
-            </a:endParaRPr>
-          </a:p>
-          <a:p>
-            <a:pPr marL="109728" indent="0" algn="ctr">
-              <a:buNone/>
-            </a:pPr>
-            <a:endParaRPr lang="pt-BR" sz="2800" dirty="0" smtClean="0">
-              <a:latin typeface="Rockwell Condensed" panose="02060603050405020104" pitchFamily="18" charset="0"/>
-            </a:endParaRPr>
-          </a:p>
-        </p:txBody>
-      </p:sp>
-      <p:sp>
-        <p:nvSpPr>
-          <p:cNvPr id="2" name="Rectangle 4"/>
-          <p:cNvSpPr>
-            <a:spLocks noChangeArrowheads="1"/>
-          </p:cNvSpPr>
-          <p:nvPr/>
-        </p:nvSpPr>
-        <p:spPr bwMode="auto">
-          <a:xfrm>
-            <a:off x="0" y="0"/>
-            <a:ext cx="12192000" cy="0"/>
-          </a:xfrm>
-          <a:prstGeom prst="rect">
-            <a:avLst/>
-          </a:prstGeom>
-          <a:noFill/>
-          <a:ln>
-            <a:noFill/>
-          </a:ln>
-          <a:effectLst/>
-          <a:extLst>
-            <a:ext uri="{909E8E84-426E-40DD-AFC4-6F175D3DCCD1}">
-              <a14:hiddenFill xmlns:a14="http://schemas.microsoft.com/office/drawing/2010/main">
-                <a:solidFill>
-                  <a:schemeClr val="accent1"/>
-                </a:solidFill>
-              </a14:hiddenFill>
-            </a:ext>
-            <a:ext uri="{91240B29-F687-4F45-9708-019B960494DF}">
-              <a14:hiddenLine xmlns:a14="http://schemas.microsoft.com/office/drawing/2010/main" w="9525">
-                <a:solidFill>
-                  <a:schemeClr val="tx1"/>
-                </a:solidFill>
-                <a:miter lim="800000"/>
-                <a:headEnd/>
-                <a:tailEnd/>
-              </a14:hiddenLine>
-            </a:ext>
-            <a:ext uri="{AF507438-7753-43E0-B8FC-AC1667EBCBE1}">
-              <a14:hiddenEffects xmlns:a14="http://schemas.microsoft.com/office/drawing/2010/main">
-                <a:effectLst>
-                  <a:outerShdw dist="35921" dir="2700000" algn="ctr" rotWithShape="0">
-                    <a:schemeClr val="bg2"/>
-                  </a:outerShdw>
-                </a:effectLst>
-              </a14:hiddenEffects>
-            </a:ext>
-          </a:extLst>
-        </p:spPr>
-        <p:txBody>
-          <a:bodyPr vert="horz" wrap="none" lIns="91440" tIns="45720" rIns="91440" bIns="45720" numCol="1" anchor="ctr" anchorCtr="0" compatLnSpc="1">
-            <a:prstTxWarp prst="textNoShape">
-              <a:avLst/>
-            </a:prstTxWarp>
-            <a:spAutoFit/>
-          </a:bodyPr>
-          <a:lstStyle/>
-          <a:p>
-            <a:endParaRPr lang="pt-BR"/>
-          </a:p>
-        </p:txBody>
-      </p:sp>
-      <p:sp>
-        <p:nvSpPr>
-          <p:cNvPr id="12" name="CaixaDeTexto 11"/>
-          <p:cNvSpPr txBox="1"/>
-          <p:nvPr/>
-        </p:nvSpPr>
-        <p:spPr>
-          <a:xfrm>
-            <a:off x="4444251" y="5745995"/>
-            <a:ext cx="3585853" cy="523220"/>
-          </a:xfrm>
-          <a:prstGeom prst="rect">
-            <a:avLst/>
-          </a:prstGeom>
-          <a:noFill/>
-        </p:spPr>
-        <p:txBody>
-          <a:bodyPr wrap="square" rtlCol="0">
-            <a:spAutoFit/>
-          </a:bodyPr>
-          <a:lstStyle/>
-          <a:p>
-            <a:pPr algn="ctr"/>
-            <a:r>
-              <a:rPr lang="pt-BR" sz="1400" dirty="0" smtClean="0"/>
-              <a:t>Figura </a:t>
-            </a:r>
-            <a:r>
-              <a:rPr lang="pt-BR" sz="1400" dirty="0" smtClean="0"/>
-              <a:t>20</a:t>
-            </a:r>
-            <a:r>
-              <a:rPr lang="pt-BR" sz="1400" dirty="0" smtClean="0"/>
-              <a:t> –</a:t>
-            </a:r>
-            <a:r>
-              <a:rPr lang="pt-BR" sz="1400" dirty="0" smtClean="0"/>
-              <a:t> Página de listar Laboratórios.</a:t>
-            </a:r>
-            <a:endParaRPr lang="pt-BR" sz="1400" dirty="0" smtClean="0"/>
-          </a:p>
-          <a:p>
-            <a:pPr algn="ctr"/>
-            <a:r>
-              <a:rPr lang="pt-BR" sz="1400" dirty="0" smtClean="0"/>
-              <a:t>Fonte: Autor.</a:t>
-            </a:r>
-            <a:endParaRPr lang="pt-BR" sz="1400" dirty="0"/>
-          </a:p>
-        </p:txBody>
-      </p:sp>
-      <p:pic>
-        <p:nvPicPr>
-          <p:cNvPr id="9218" name="Picture 2" descr="listar_laboratorios"/>
-          <p:cNvPicPr>
-            <a:picLocks noChangeAspect="1" noChangeArrowheads="1"/>
-          </p:cNvPicPr>
-          <p:nvPr/>
-        </p:nvPicPr>
-        <p:blipFill>
-          <a:blip r:embed="rId2" cstate="print">
-            <a:extLst>
-              <a:ext uri="{28A0092B-C50C-407E-A947-70E740481C1C}">
-                <a14:useLocalDpi xmlns:a14="http://schemas.microsoft.com/office/drawing/2010/main" val="0"/>
-              </a:ext>
-            </a:extLst>
-          </a:blip>
-          <a:srcRect/>
-          <a:stretch>
-            <a:fillRect/>
-          </a:stretch>
-        </p:blipFill>
-        <p:spPr bwMode="auto">
-          <a:xfrm>
-            <a:off x="2576945" y="2528022"/>
-            <a:ext cx="6421581" cy="3217973"/>
-          </a:xfrm>
-          <a:prstGeom prst="rect">
-            <a:avLst/>
-          </a:prstGeom>
-          <a:noFill/>
-          <a:ln>
-            <a:noFill/>
-          </a:ln>
-          <a:extLst>
-            <a:ext uri="{909E8E84-426E-40DD-AFC4-6F175D3DCCD1}">
-              <a14:hiddenFill xmlns:a14="http://schemas.microsoft.com/office/drawing/2010/main">
-                <a:solidFill>
-                  <a:srgbClr val="FFFFFF"/>
-                </a:solidFill>
-              </a14:hiddenFill>
-            </a:ext>
-            <a:ext uri="{91240B29-F687-4F45-9708-019B960494DF}">
-              <a14:hiddenLine xmlns:a14="http://schemas.microsoft.com/office/drawing/2010/main" w="9525">
-                <a:solidFill>
-                  <a:srgbClr val="000000"/>
-                </a:solidFill>
-                <a:miter lim="800000"/>
-                <a:headEnd/>
-                <a:tailEnd/>
-              </a14:hiddenLine>
-            </a:ext>
-          </a:extLst>
-        </p:spPr>
-      </p:pic>
-    </p:spTree>
-    <p:extLst>
-      <p:ext uri="{BB962C8B-B14F-4D97-AF65-F5344CB8AC3E}">
-        <p14:creationId xmlns:p14="http://schemas.microsoft.com/office/powerpoint/2010/main" val="3998326343"/>
-      </p:ext>
-    </p:extLst>
-  </p:cSld>
-  <p:clrMapOvr>
-    <a:masterClrMapping/>
-  </p:clrMapOvr>
-  <p:timing>
-    <p:tnLst>
-      <p:par>
-        <p:cTn id="1" dur="indefinite" restart="never" nodeType="tmRoot"/>
-      </p:par>
-    </p:tnLst>
-  </p:timing>
-</p:sld>
-</file>
-
 <file path=ppt/slides/slide2.xml><?xml version="1.0" encoding="utf-8"?>
 <p:sld xmlns:a="http://schemas.openxmlformats.org/drawingml/2006/main" xmlns:r="http://schemas.openxmlformats.org/officeDocument/2006/relationships" xmlns:p="http://schemas.openxmlformats.org/presentationml/2006/main">
   <p:cSld>
@@ -8869,23 +11314,8 @@
               <a:rPr lang="pt-BR" sz="2800" dirty="0" smtClean="0">
                 <a:latin typeface="Rockwell Condensed" panose="02060603050405020104" pitchFamily="18" charset="0"/>
               </a:rPr>
-              <a:t>rotocolos </a:t>
-            </a:r>
-            <a:r>
-              <a:rPr lang="pt-BR" sz="2800" dirty="0" smtClean="0">
-                <a:latin typeface="Rockwell Condensed" panose="02060603050405020104" pitchFamily="18" charset="0"/>
-              </a:rPr>
-              <a:t>de </a:t>
-            </a:r>
-            <a:r>
-              <a:rPr lang="pt-BR" sz="2800" dirty="0" smtClean="0">
-                <a:latin typeface="Rockwell Condensed" panose="02060603050405020104" pitchFamily="18" charset="0"/>
-              </a:rPr>
-              <a:t>comunicação.</a:t>
-            </a:r>
-            <a:endParaRPr lang="pt-BR" sz="2800" dirty="0" smtClean="0">
-              <a:latin typeface="Rockwell Condensed" panose="02060603050405020104" pitchFamily="18" charset="0"/>
-            </a:endParaRPr>
+              <a:t>rotocolos de comunicação.</a:t>
+            </a:r>
           </a:p>
           <a:p>
             <a:pPr marL="452628" indent="-342900" algn="just">
@@ -9327,21 +11757,8 @@
             <a:pPr algn="ctr"/>
             <a:r>
               <a:rPr lang="pt-BR" sz="1400" dirty="0" smtClean="0"/>
-              <a:t>Figura </a:t>
-            </a:r>
-            <a:r>
-              <a:rPr lang="pt-BR" sz="1400" dirty="0" smtClean="0"/>
-              <a:t>21</a:t>
-            </a:r>
-            <a:r>
-              <a:rPr lang="pt-BR" sz="1400" dirty="0" smtClean="0"/>
-              <a:t> –</a:t>
-            </a:r>
-            <a:r>
-              <a:rPr lang="pt-BR" sz="1400" dirty="0" smtClean="0"/>
-              <a:t> Página de listar Acessos.</a:t>
-            </a:r>
-            <a:endParaRPr lang="pt-BR" sz="1400" dirty="0" smtClean="0"/>
+              <a:t>Figura 20 – Página de listar Laboratórios.</a:t>
+            </a:r>
           </a:p>
           <a:p>
             <a:pPr algn="ctr"/>
@@ -9355,7 +11772,7 @@
       </p:sp>
       <p:pic>
         <p:nvPicPr>
-          <p:cNvPr id="10242" name="Imagem 1"/>
+          <p:cNvPr id="9218" name="Picture 2" descr="listar_laboratorios"/>
           <p:cNvPicPr>
             <a:picLocks noChangeAspect="1" noChangeArrowheads="1"/>
           </p:cNvPicPr>
@@ -9369,15 +11786,15 @@
               </a:ext>
             </a:extLst>
           </a:blip>
-          <a:srcRect t="3253" b="5141"/>
+          <a:srcRect/>
           <a:stretch>
             <a:fillRect/>
           </a:stretch>
         </p:blipFill>
         <p:spPr bwMode="auto">
           <a:xfrm>
-            <a:off x="2791114" y="2618509"/>
-            <a:ext cx="6280150" cy="3161116"/>
+            <a:off x="2576945" y="2528022"/>
+            <a:ext cx="6421581" cy="3217973"/>
           </a:xfrm>
           <a:prstGeom prst="rect">
             <a:avLst/>
@@ -9410,7 +11827,7 @@
     </p:spTree>
     <p:extLst>
       <p:ext uri="{BB962C8B-B14F-4D97-AF65-F5344CB8AC3E}">
-        <p14:creationId xmlns:p14="http://schemas.microsoft.com/office/powerpoint/2010/main" val="2965080846"/>
+        <p14:creationId xmlns:p14="http://schemas.microsoft.com/office/powerpoint/2010/main" val="3998326343"/>
       </p:ext>
     </p:extLst>
   </p:cSld>
@@ -9512,10 +11929,7 @@
           <a:noFill/>
           <a:ln w="28575">
             <a:solidFill>
-              <a:schemeClr val="accent1">
-                <a:lumMod val="20000"/>
-                <a:lumOff val="80000"/>
-              </a:schemeClr>
+              <a:srgbClr val="00FFCC"/>
             </a:solidFill>
           </a:ln>
         </p:spPr>
@@ -9563,10 +11977,7 @@
             <a:avLst/>
           </a:prstGeom>
           <a:solidFill>
-            <a:schemeClr val="accent1">
-              <a:lumMod val="20000"/>
-              <a:lumOff val="80000"/>
-            </a:schemeClr>
+            <a:srgbClr val="00FFCC"/>
           </a:solidFill>
         </p:spPr>
         <p:txBody>
@@ -9581,7 +11992,7 @@
                 <a:latin typeface="Rockwell Condensed" panose="02060603050405020104" pitchFamily="18" charset="0"/>
                 <a:cs typeface="Times New Roman" panose="02020603050405020304" pitchFamily="18" charset="0"/>
               </a:rPr>
-              <a:t>CONCLUSÃO</a:t>
+              <a:t>RESULTADOS</a:t>
             </a:r>
             <a:endParaRPr lang="pt-BR" sz="4000" dirty="0">
               <a:latin typeface="Rockwell Condensed" panose="02060603050405020104" pitchFamily="18" charset="0"/>
@@ -9598,8 +12009,8 @@
         </p:nvSpPr>
         <p:spPr>
           <a:xfrm>
-            <a:off x="837126" y="1978576"/>
-            <a:ext cx="10259241" cy="5509200"/>
+            <a:off x="837127" y="2055201"/>
+            <a:ext cx="9990085" cy="1938992"/>
           </a:xfrm>
           <a:prstGeom prst="rect">
             <a:avLst/>
@@ -9611,136 +12022,18 @@
           </a:bodyPr>
           <a:lstStyle/>
           <a:p>
-            <a:pPr marL="109728" algn="just"/>
-            <a:endParaRPr lang="pt-BR" sz="2800" dirty="0" smtClean="0">
-              <a:latin typeface="Rockwell Condensed" panose="02060603050405020104" pitchFamily="18" charset="0"/>
-            </a:endParaRPr>
-          </a:p>
-          <a:p>
-            <a:pPr marL="566928" indent="-457200" algn="just">
-              <a:buFont typeface="Arial" pitchFamily="34" charset="0"/>
-              <a:buChar char="•"/>
+            <a:pPr marL="109728" indent="0" algn="ctr">
+              <a:buNone/>
             </a:pPr>
             <a:r>
-              <a:rPr lang="pt-BR" sz="2400" dirty="0" smtClean="0">
-                <a:latin typeface="Rockwell Condensed" panose="02060603050405020104" pitchFamily="18" charset="0"/>
-              </a:rPr>
-              <a:t>O sistema está em funcionamento e já é possível o teste em um dos laboratórios;</a:t>
-            </a:r>
-            <a:endParaRPr lang="pt-BR" sz="2400" dirty="0" smtClean="0">
-              <a:latin typeface="Rockwell Condensed" panose="02060603050405020104" pitchFamily="18" charset="0"/>
-            </a:endParaRPr>
-          </a:p>
-          <a:p>
-            <a:pPr marL="566928" indent="-457200" algn="just">
-              <a:buFont typeface="Arial" pitchFamily="34" charset="0"/>
-              <a:buChar char="•"/>
-            </a:pPr>
-            <a:endParaRPr lang="pt-BR" sz="2400" dirty="0" smtClean="0">
-              <a:latin typeface="Rockwell Condensed" panose="02060603050405020104" pitchFamily="18" charset="0"/>
-            </a:endParaRPr>
-          </a:p>
-          <a:p>
-            <a:pPr marL="566928" indent="-457200" algn="just">
-              <a:buFont typeface="Arial" pitchFamily="34" charset="0"/>
-              <a:buChar char="•"/>
-            </a:pPr>
-            <a:r>
-              <a:rPr lang="pt-BR" sz="2400" dirty="0" smtClean="0">
-                <a:latin typeface="Rockwell Condensed" panose="02060603050405020104" pitchFamily="18" charset="0"/>
-              </a:rPr>
-              <a:t>Aplicação e instalação em diversos </a:t>
-            </a:r>
-            <a:r>
-              <a:rPr lang="pt-BR" sz="2400" dirty="0" smtClean="0">
-                <a:latin typeface="Rockwell Condensed" panose="02060603050405020104" pitchFamily="18" charset="0"/>
-              </a:rPr>
-              <a:t>ambientes. Necessitando apenas de ajustes no sistema web.</a:t>
-            </a:r>
-            <a:endParaRPr lang="pt-BR" sz="2400" dirty="0" smtClean="0">
-              <a:latin typeface="Rockwell Condensed" panose="02060603050405020104" pitchFamily="18" charset="0"/>
-            </a:endParaRPr>
-          </a:p>
-          <a:p>
-            <a:pPr marL="566928" indent="-457200" algn="just">
-              <a:buFont typeface="Arial" pitchFamily="34" charset="0"/>
-              <a:buChar char="•"/>
-            </a:pPr>
-            <a:endParaRPr lang="pt-BR" sz="2400" dirty="0" smtClean="0">
-              <a:latin typeface="Rockwell Condensed" panose="02060603050405020104" pitchFamily="18" charset="0"/>
-            </a:endParaRPr>
-          </a:p>
-          <a:p>
-            <a:pPr marL="109728" algn="ctr"/>
-            <a:r>
-              <a:rPr lang="pt-BR" sz="2400" dirty="0" smtClean="0">
+              <a:rPr lang="pt-BR" sz="3200" dirty="0" smtClean="0">
                 <a:solidFill>
                   <a:srgbClr val="FF0000"/>
                 </a:solidFill>
                 <a:latin typeface="Rockwell Condensed" panose="02060603050405020104" pitchFamily="18" charset="0"/>
               </a:rPr>
-              <a:t>Trabalhos Futuros</a:t>
-            </a:r>
-            <a:endParaRPr lang="pt-BR" sz="2400" dirty="0">
-              <a:solidFill>
-                <a:srgbClr val="FF0000"/>
-              </a:solidFill>
-              <a:latin typeface="Rockwell Condensed" panose="02060603050405020104" pitchFamily="18" charset="0"/>
-            </a:endParaRPr>
-          </a:p>
-          <a:p>
-            <a:pPr marL="566928" indent="-457200" algn="just">
-              <a:buFont typeface="Arial" pitchFamily="34" charset="0"/>
-              <a:buChar char="•"/>
-            </a:pPr>
-            <a:r>
-              <a:rPr lang="pt-BR" sz="2400" dirty="0" smtClean="0">
-                <a:latin typeface="Rockwell Condensed" panose="02060603050405020104" pitchFamily="18" charset="0"/>
-              </a:rPr>
-              <a:t>Implementação de </a:t>
-            </a:r>
-            <a:r>
-              <a:rPr lang="pt-BR" sz="2400" dirty="0" smtClean="0">
-                <a:latin typeface="Rockwell Condensed" panose="02060603050405020104" pitchFamily="18" charset="0"/>
-              </a:rPr>
-              <a:t>um modelo de consulta local mais robusto, no momento do acesso, na ocasião em que a rede não esteja funcionando;</a:t>
-            </a:r>
-            <a:endParaRPr lang="pt-BR" sz="2400" dirty="0" smtClean="0">
-              <a:latin typeface="Rockwell Condensed" panose="02060603050405020104" pitchFamily="18" charset="0"/>
-            </a:endParaRPr>
-          </a:p>
-          <a:p>
-            <a:pPr marL="566928" indent="-457200" algn="just">
-              <a:buFont typeface="Arial" pitchFamily="34" charset="0"/>
-              <a:buChar char="•"/>
-            </a:pPr>
-            <a:endParaRPr lang="pt-BR" sz="2400" dirty="0" smtClean="0">
-              <a:latin typeface="Rockwell Condensed" panose="02060603050405020104" pitchFamily="18" charset="0"/>
-            </a:endParaRPr>
-          </a:p>
-          <a:p>
-            <a:pPr marL="566928" indent="-457200" algn="just">
-              <a:buFont typeface="Arial" pitchFamily="34" charset="0"/>
-              <a:buChar char="•"/>
-            </a:pPr>
-            <a:r>
-              <a:rPr lang="pt-BR" sz="2400" dirty="0" smtClean="0">
-                <a:latin typeface="Rockwell Condensed" panose="02060603050405020104" pitchFamily="18" charset="0"/>
-              </a:rPr>
-              <a:t>Expandir ainda mais a rede de internet das coisas da instituição para outros dispositivos, como, lâmpadas, condicionares de ar e etc.  </a:t>
-            </a:r>
-            <a:endParaRPr lang="pt-BR" sz="2400" dirty="0" smtClean="0">
-              <a:latin typeface="Rockwell Condensed" panose="02060603050405020104" pitchFamily="18" charset="0"/>
-            </a:endParaRPr>
-          </a:p>
-          <a:p>
-            <a:pPr marL="566928" indent="-457200" algn="just">
-              <a:buFont typeface="Arial" pitchFamily="34" charset="0"/>
-              <a:buChar char="•"/>
-            </a:pPr>
-            <a:endParaRPr lang="pt-BR" sz="2800" dirty="0">
-              <a:latin typeface="Rockwell Condensed" panose="02060603050405020104" pitchFamily="18" charset="0"/>
-            </a:endParaRPr>
+              <a:t>Sistema web</a:t>
+            </a:r>
           </a:p>
           <a:p>
             <a:pPr marL="566928" indent="-457200" algn="just">
@@ -9748,6 +12041,17 @@
               <a:buChar char="•"/>
             </a:pPr>
             <a:endParaRPr lang="pt-BR" sz="2800" dirty="0" smtClean="0">
+              <a:latin typeface="Rockwell Condensed" panose="02060603050405020104" pitchFamily="18" charset="0"/>
+            </a:endParaRPr>
+          </a:p>
+          <a:p>
+            <a:pPr marL="109728" indent="0" algn="just">
+              <a:buNone/>
+            </a:pPr>
+            <a:endParaRPr lang="pt-BR" sz="3200" i="1" dirty="0" smtClean="0">
+              <a:solidFill>
+                <a:srgbClr val="FF0000"/>
+              </a:solidFill>
               <a:latin typeface="Rockwell Condensed" panose="02060603050405020104" pitchFamily="18" charset="0"/>
             </a:endParaRPr>
           </a:p>
@@ -9824,10 +12128,102 @@
           </a:p>
         </p:txBody>
       </p:sp>
+      <p:sp>
+        <p:nvSpPr>
+          <p:cNvPr id="12" name="CaixaDeTexto 11"/>
+          <p:cNvSpPr txBox="1"/>
+          <p:nvPr/>
+        </p:nvSpPr>
+        <p:spPr>
+          <a:xfrm>
+            <a:off x="4444251" y="5745995"/>
+            <a:ext cx="3585853" cy="523220"/>
+          </a:xfrm>
+          <a:prstGeom prst="rect">
+            <a:avLst/>
+          </a:prstGeom>
+          <a:noFill/>
+        </p:spPr>
+        <p:txBody>
+          <a:bodyPr wrap="square" rtlCol="0">
+            <a:spAutoFit/>
+          </a:bodyPr>
+          <a:lstStyle/>
+          <a:p>
+            <a:pPr algn="ctr"/>
+            <a:r>
+              <a:rPr lang="pt-BR" sz="1400" dirty="0" smtClean="0"/>
+              <a:t>Figura 21 – Página de listar Acessos.</a:t>
+            </a:r>
+          </a:p>
+          <a:p>
+            <a:pPr algn="ctr"/>
+            <a:r>
+              <a:rPr lang="pt-BR" sz="1400" dirty="0" smtClean="0"/>
+              <a:t>Fonte: Autor.</a:t>
+            </a:r>
+            <a:endParaRPr lang="pt-BR" sz="1400" dirty="0"/>
+          </a:p>
+        </p:txBody>
+      </p:sp>
+      <p:pic>
+        <p:nvPicPr>
+          <p:cNvPr id="10242" name="Imagem 1"/>
+          <p:cNvPicPr>
+            <a:picLocks noChangeAspect="1" noChangeArrowheads="1"/>
+          </p:cNvPicPr>
+          <p:nvPr/>
+        </p:nvPicPr>
+        <p:blipFill>
+          <a:blip r:embed="rId2" cstate="print">
+            <a:extLst>
+              <a:ext uri="{28A0092B-C50C-407E-A947-70E740481C1C}">
+                <a14:useLocalDpi xmlns:a14="http://schemas.microsoft.com/office/drawing/2010/main" val="0"/>
+              </a:ext>
+            </a:extLst>
+          </a:blip>
+          <a:srcRect t="3253" b="5141"/>
+          <a:stretch>
+            <a:fillRect/>
+          </a:stretch>
+        </p:blipFill>
+        <p:spPr bwMode="auto">
+          <a:xfrm>
+            <a:off x="2791114" y="2618509"/>
+            <a:ext cx="6280150" cy="3161116"/>
+          </a:xfrm>
+          <a:prstGeom prst="rect">
+            <a:avLst/>
+          </a:prstGeom>
+          <a:noFill/>
+          <a:ln>
+            <a:noFill/>
+          </a:ln>
+          <a:extLst>
+            <a:ext uri="{909E8E84-426E-40DD-AFC4-6F175D3DCCD1}">
+              <a14:hiddenFill xmlns:a14="http://schemas.microsoft.com/office/drawing/2010/main">
+                <a:solidFill>
+                  <a:srgbClr val="FFFFFF"/>
+                </a:solidFill>
+              </a14:hiddenFill>
+            </a:ext>
+            <a:ext uri="{91240B29-F687-4F45-9708-019B960494DF}">
+              <a14:hiddenLine xmlns:a14="http://schemas.microsoft.com/office/drawing/2010/main" w="9525">
+                <a:solidFill>
+                  <a:srgbClr val="000000"/>
+                </a:solidFill>
+                <a:miter lim="800000"/>
+                <a:headEnd/>
+                <a:tailEnd/>
+              </a14:hiddenLine>
+            </a:ext>
+          </a:extLst>
+        </p:spPr>
+      </p:pic>
     </p:spTree>
     <p:extLst>
       <p:ext uri="{BB962C8B-B14F-4D97-AF65-F5344CB8AC3E}">
-        <p14:creationId xmlns:p14="http://schemas.microsoft.com/office/powerpoint/2010/main" val="760787473"/>
+        <p14:creationId xmlns:p14="http://schemas.microsoft.com/office/powerpoint/2010/main" val="2965080846"/>
       </p:ext>
     </p:extLst>
   </p:cSld>
@@ -9998,7 +12394,7 @@
                 <a:latin typeface="Rockwell Condensed" panose="02060603050405020104" pitchFamily="18" charset="0"/>
                 <a:cs typeface="Times New Roman" panose="02020603050405020304" pitchFamily="18" charset="0"/>
               </a:rPr>
-              <a:t>REFERÊNCIAS</a:t>
+              <a:t>CONCLUSÃO</a:t>
             </a:r>
             <a:endParaRPr lang="pt-BR" sz="4000" dirty="0">
               <a:latin typeface="Rockwell Condensed" panose="02060603050405020104" pitchFamily="18" charset="0"/>
@@ -10015,8 +12411,8 @@
         </p:nvSpPr>
         <p:spPr>
           <a:xfrm>
-            <a:off x="679269" y="2096142"/>
-            <a:ext cx="10724605" cy="4893647"/>
+            <a:off x="837126" y="1978576"/>
+            <a:ext cx="10259241" cy="5509200"/>
           </a:xfrm>
           <a:prstGeom prst="rect">
             <a:avLst/>
@@ -10029,241 +12425,118 @@
           <a:lstStyle/>
           <a:p>
             <a:pPr marL="109728" algn="just"/>
-            <a:r>
-              <a:rPr lang="pt-BR" sz="2000" dirty="0" smtClean="0">
-                <a:latin typeface="Rockwell Condensed" panose="02060603050405020104" pitchFamily="18" charset="0"/>
-              </a:rPr>
-              <a:t>[1] </a:t>
-            </a:r>
-            <a:r>
-              <a:rPr lang="pt-BR" sz="2000" dirty="0">
-                <a:latin typeface="Rockwell Condensed" panose="02060603050405020104" pitchFamily="18" charset="0"/>
-              </a:rPr>
-              <a:t>FERRAZ, Reinaldo. Internet das Coisas. 11ª Mostra de Iniciação Científica Júnior, 2016</a:t>
-            </a:r>
-            <a:r>
-              <a:rPr lang="pt-BR" sz="2000" dirty="0" smtClean="0">
-                <a:latin typeface="Rockwell Condensed" panose="02060603050405020104" pitchFamily="18" charset="0"/>
-              </a:rPr>
-              <a:t>.</a:t>
-            </a:r>
-          </a:p>
-          <a:p>
-            <a:pPr marL="109728" algn="just"/>
-            <a:endParaRPr lang="pt-BR" sz="2000" dirty="0" smtClean="0">
+            <a:endParaRPr lang="pt-BR" sz="2800" dirty="0" smtClean="0">
               <a:latin typeface="Rockwell Condensed" panose="02060603050405020104" pitchFamily="18" charset="0"/>
             </a:endParaRPr>
           </a:p>
           <a:p>
-            <a:pPr marL="109728" algn="just"/>
-            <a:r>
-              <a:rPr lang="pt-BR" sz="2000" dirty="0" smtClean="0">
+            <a:pPr marL="566928" indent="-457200" algn="just">
+              <a:buFont typeface="Arial" pitchFamily="34" charset="0"/>
+              <a:buChar char="•"/>
+            </a:pPr>
+            <a:r>
+              <a:rPr lang="pt-BR" sz="2400" dirty="0" smtClean="0">
                 <a:latin typeface="Rockwell Condensed" panose="02060603050405020104" pitchFamily="18" charset="0"/>
               </a:rPr>
-              <a:t>[2] </a:t>
-            </a:r>
-            <a:r>
-              <a:rPr lang="pt-BR" sz="2000" dirty="0" smtClean="0">
-                <a:latin typeface="Rockwell Condensed" panose="02060603050405020104" pitchFamily="18" charset="0"/>
-              </a:rPr>
-              <a:t>Seu Condomínio</a:t>
-            </a:r>
-            <a:r>
-              <a:rPr lang="pt-BR" sz="2000" dirty="0" smtClean="0">
-                <a:latin typeface="Rockwell Condensed" panose="02060603050405020104" pitchFamily="18" charset="0"/>
-              </a:rPr>
-              <a:t>. </a:t>
-            </a:r>
-            <a:r>
-              <a:rPr lang="pt-BR" sz="2000" dirty="0">
-                <a:latin typeface="Rockwell Condensed" panose="02060603050405020104" pitchFamily="18" charset="0"/>
-              </a:rPr>
-              <a:t>Disponível em: </a:t>
-            </a:r>
-            <a:r>
-              <a:rPr lang="pt-BR" sz="2000" dirty="0">
-                <a:latin typeface="Rockwell Condensed" panose="02060603050405020104" pitchFamily="18" charset="0"/>
-              </a:rPr>
-              <a:t>&lt;https://www.seucondominio.com.br/noticias/sistemas-controle&gt;. </a:t>
-            </a:r>
-            <a:r>
-              <a:rPr lang="pt-BR" sz="2000" dirty="0" smtClean="0">
-                <a:latin typeface="Rockwell Condensed" panose="02060603050405020104" pitchFamily="18" charset="0"/>
-              </a:rPr>
-              <a:t>Acesso em: Fevereiro de 2018.</a:t>
-            </a:r>
-          </a:p>
-          <a:p>
-            <a:pPr marL="109728" algn="just"/>
-            <a:endParaRPr lang="pt-BR" sz="2000" dirty="0" smtClean="0">
+              <a:t>O sistema está em funcionamento e já é possível o teste em um dos laboratórios;</a:t>
+            </a:r>
+          </a:p>
+          <a:p>
+            <a:pPr marL="566928" indent="-457200" algn="just">
+              <a:buFont typeface="Arial" pitchFamily="34" charset="0"/>
+              <a:buChar char="•"/>
+            </a:pPr>
+            <a:endParaRPr lang="pt-BR" sz="2400" dirty="0" smtClean="0">
               <a:latin typeface="Rockwell Condensed" panose="02060603050405020104" pitchFamily="18" charset="0"/>
             </a:endParaRPr>
           </a:p>
           <a:p>
-            <a:pPr marL="109728" algn="just"/>
-            <a:r>
-              <a:rPr lang="pt-BR" sz="2000" dirty="0" smtClean="0">
+            <a:pPr marL="566928" indent="-457200" algn="just">
+              <a:buFont typeface="Arial" pitchFamily="34" charset="0"/>
+              <a:buChar char="•"/>
+            </a:pPr>
+            <a:r>
+              <a:rPr lang="pt-BR" sz="2400" dirty="0" smtClean="0">
                 <a:latin typeface="Rockwell Condensed" panose="02060603050405020104" pitchFamily="18" charset="0"/>
               </a:rPr>
-              <a:t>[3] </a:t>
-            </a:r>
-            <a:r>
-              <a:rPr lang="pt-BR" sz="2000" dirty="0">
-                <a:latin typeface="Rockwell Condensed" panose="02060603050405020104" pitchFamily="18" charset="0"/>
-              </a:rPr>
-              <a:t>CRUZ, Ariadne Arrais; LISBOA, Emerson Fausto. </a:t>
-            </a:r>
-            <a:r>
-              <a:rPr lang="pt-BR" sz="2000" dirty="0" err="1" smtClean="0">
-                <a:latin typeface="Rockwell Condensed" panose="02060603050405020104" pitchFamily="18" charset="0"/>
-              </a:rPr>
-              <a:t>Webhome</a:t>
-            </a:r>
-            <a:r>
-              <a:rPr lang="pt-BR" sz="2000" dirty="0" smtClean="0">
-                <a:latin typeface="Rockwell Condensed" panose="02060603050405020104" pitchFamily="18" charset="0"/>
-              </a:rPr>
-              <a:t>-automação </a:t>
-            </a:r>
-            <a:r>
-              <a:rPr lang="pt-BR" sz="2000" dirty="0">
-                <a:latin typeface="Rockwell Condensed" panose="02060603050405020104" pitchFamily="18" charset="0"/>
-              </a:rPr>
-              <a:t>residencial utilizando </a:t>
-            </a:r>
-            <a:r>
-              <a:rPr lang="pt-BR" sz="2000" dirty="0" err="1">
-                <a:latin typeface="Rockwell Condensed" panose="02060603050405020104" pitchFamily="18" charset="0"/>
-              </a:rPr>
-              <a:t>raspberry</a:t>
-            </a:r>
-            <a:r>
-              <a:rPr lang="pt-BR" sz="2000" dirty="0">
-                <a:latin typeface="Rockwell Condensed" panose="02060603050405020104" pitchFamily="18" charset="0"/>
-              </a:rPr>
-              <a:t> </a:t>
-            </a:r>
-            <a:r>
-              <a:rPr lang="pt-BR" sz="2000" dirty="0" err="1">
-                <a:latin typeface="Rockwell Condensed" panose="02060603050405020104" pitchFamily="18" charset="0"/>
-              </a:rPr>
-              <a:t>pi</a:t>
-            </a:r>
-            <a:r>
-              <a:rPr lang="pt-BR" sz="2000" dirty="0">
-                <a:latin typeface="Rockwell Condensed" panose="02060603050405020104" pitchFamily="18" charset="0"/>
-              </a:rPr>
-              <a:t>. Revista Ciência e Tecnologia, v. 17, n. 31, 2014</a:t>
-            </a:r>
-            <a:r>
-              <a:rPr lang="pt-BR" sz="2000" dirty="0" smtClean="0">
-                <a:latin typeface="Rockwell Condensed" panose="02060603050405020104" pitchFamily="18" charset="0"/>
-              </a:rPr>
-              <a:t>.</a:t>
-            </a:r>
-            <a:endParaRPr lang="pt-BR" sz="2000" dirty="0" smtClean="0">
+              <a:t>Aplicação e instalação em diversos ambientes. Necessitando apenas de ajustes no sistema web.</a:t>
+            </a:r>
+          </a:p>
+          <a:p>
+            <a:pPr marL="566928" indent="-457200" algn="just">
+              <a:buFont typeface="Arial" pitchFamily="34" charset="0"/>
+              <a:buChar char="•"/>
+            </a:pPr>
+            <a:endParaRPr lang="pt-BR" sz="2400" dirty="0" smtClean="0">
               <a:latin typeface="Rockwell Condensed" panose="02060603050405020104" pitchFamily="18" charset="0"/>
             </a:endParaRPr>
           </a:p>
           <a:p>
-            <a:pPr marL="109728" algn="just"/>
-            <a:endParaRPr lang="pt-BR" sz="2000" dirty="0" smtClean="0">
+            <a:pPr marL="109728" algn="ctr"/>
+            <a:r>
+              <a:rPr lang="pt-BR" sz="2400" dirty="0" smtClean="0">
+                <a:solidFill>
+                  <a:srgbClr val="FF0000"/>
+                </a:solidFill>
+                <a:latin typeface="Rockwell Condensed" panose="02060603050405020104" pitchFamily="18" charset="0"/>
+              </a:rPr>
+              <a:t>Trabalhos Futuros</a:t>
+            </a:r>
+            <a:endParaRPr lang="pt-BR" sz="2400" dirty="0">
+              <a:solidFill>
+                <a:srgbClr val="FF0000"/>
+              </a:solidFill>
               <a:latin typeface="Rockwell Condensed" panose="02060603050405020104" pitchFamily="18" charset="0"/>
             </a:endParaRPr>
           </a:p>
           <a:p>
-            <a:pPr marL="109728" algn="just"/>
-            <a:r>
-              <a:rPr lang="pt-BR" sz="2000" dirty="0" smtClean="0">
+            <a:pPr marL="566928" indent="-457200" algn="just">
+              <a:buFont typeface="Arial" pitchFamily="34" charset="0"/>
+              <a:buChar char="•"/>
+            </a:pPr>
+            <a:r>
+              <a:rPr lang="pt-BR" sz="2400" dirty="0" smtClean="0">
                 <a:latin typeface="Rockwell Condensed" panose="02060603050405020104" pitchFamily="18" charset="0"/>
               </a:rPr>
-              <a:t>[4] </a:t>
-            </a:r>
-            <a:r>
-              <a:rPr lang="pt-BR" sz="2000" dirty="0" err="1" smtClean="0">
-                <a:latin typeface="Rockwell Condensed" panose="02060603050405020104" pitchFamily="18" charset="0"/>
-              </a:rPr>
-              <a:t>Hobbytronics</a:t>
-            </a:r>
-            <a:r>
-              <a:rPr lang="pt-BR" sz="2000" dirty="0" smtClean="0">
-                <a:latin typeface="Rockwell Condensed" panose="02060603050405020104" pitchFamily="18" charset="0"/>
-              </a:rPr>
-              <a:t>. Disponível em: </a:t>
-            </a:r>
-            <a:r>
-              <a:rPr lang="pt-BR" sz="2000" dirty="0">
-                <a:latin typeface="Rockwell Condensed" panose="02060603050405020104" pitchFamily="18" charset="0"/>
-              </a:rPr>
-              <a:t>&lt;https://hobbytronics.com.pk/product/nodemcu/&gt;. </a:t>
-            </a:r>
-            <a:r>
-              <a:rPr lang="pt-BR" sz="2000" dirty="0" smtClean="0">
-                <a:latin typeface="Rockwell Condensed" panose="02060603050405020104" pitchFamily="18" charset="0"/>
-              </a:rPr>
-              <a:t>Acesso em: Fevereiro de 2018.</a:t>
-            </a:r>
-          </a:p>
-          <a:p>
-            <a:pPr marL="109728" algn="just"/>
-            <a:endParaRPr lang="pt-BR" sz="2000" dirty="0" smtClean="0">
+              <a:t>Implementação de um modelo de consulta local mais robusto, no momento do acesso, na ocasião em que a rede não esteja funcionando;</a:t>
+            </a:r>
+          </a:p>
+          <a:p>
+            <a:pPr marL="566928" indent="-457200" algn="just">
+              <a:buFont typeface="Arial" pitchFamily="34" charset="0"/>
+              <a:buChar char="•"/>
+            </a:pPr>
+            <a:endParaRPr lang="pt-BR" sz="2400" dirty="0" smtClean="0">
               <a:latin typeface="Rockwell Condensed" panose="02060603050405020104" pitchFamily="18" charset="0"/>
             </a:endParaRPr>
           </a:p>
           <a:p>
-            <a:pPr marL="109728" algn="just"/>
-            <a:r>
-              <a:rPr lang="pt-BR" sz="2000" dirty="0" smtClean="0">
+            <a:pPr marL="566928" indent="-457200" algn="just">
+              <a:buFont typeface="Arial" pitchFamily="34" charset="0"/>
+              <a:buChar char="•"/>
+            </a:pPr>
+            <a:r>
+              <a:rPr lang="pt-BR" sz="2400" dirty="0" smtClean="0">
                 <a:latin typeface="Rockwell Condensed" panose="02060603050405020104" pitchFamily="18" charset="0"/>
               </a:rPr>
-              <a:t>[5] </a:t>
-            </a:r>
-            <a:r>
-              <a:rPr lang="pt-BR" sz="2000" dirty="0" err="1" smtClean="0">
-                <a:latin typeface="Rockwell Condensed" panose="02060603050405020104" pitchFamily="18" charset="0"/>
-              </a:rPr>
-              <a:t>FilipeFlop</a:t>
-            </a:r>
-            <a:r>
-              <a:rPr lang="pt-BR" sz="2000" dirty="0" smtClean="0">
-                <a:latin typeface="Rockwell Condensed" panose="02060603050405020104" pitchFamily="18" charset="0"/>
-              </a:rPr>
-              <a:t> </a:t>
-            </a:r>
-            <a:r>
-              <a:rPr lang="pt-BR" sz="2000" dirty="0">
-                <a:latin typeface="Rockwell Condensed" panose="02060603050405020104" pitchFamily="18" charset="0"/>
-              </a:rPr>
-              <a:t>Disponível em: </a:t>
-            </a:r>
-            <a:r>
-              <a:rPr lang="pt-BR" sz="2000" dirty="0">
-                <a:latin typeface="Rockwell Condensed" panose="02060603050405020104" pitchFamily="18" charset="0"/>
-              </a:rPr>
-              <a:t>&lt;https://</a:t>
-            </a:r>
-            <a:r>
-              <a:rPr lang="pt-BR" sz="2000" dirty="0" smtClean="0">
-                <a:latin typeface="Rockwell Condensed" panose="02060603050405020104" pitchFamily="18" charset="0"/>
-              </a:rPr>
-              <a:t>www.filipeflop.com/blog/controle-acesso-leitor-rfid-arduino/&gt;. </a:t>
-            </a:r>
-            <a:r>
-              <a:rPr lang="pt-BR" sz="2000" dirty="0" smtClean="0">
-                <a:latin typeface="Rockwell Condensed" panose="02060603050405020104" pitchFamily="18" charset="0"/>
-              </a:rPr>
-              <a:t>Acesso em: Fevereiro de 2018.</a:t>
-            </a:r>
-          </a:p>
-          <a:p>
-            <a:pPr marL="109728" algn="just"/>
-            <a:endParaRPr lang="pt-BR" sz="2000" dirty="0" smtClean="0">
+              <a:t>Expandir ainda mais a rede de internet das coisas da instituição para outros dispositivos, como, lâmpadas, condicionares de ar e etc.  </a:t>
+            </a:r>
+          </a:p>
+          <a:p>
+            <a:pPr marL="566928" indent="-457200" algn="just">
+              <a:buFont typeface="Arial" pitchFamily="34" charset="0"/>
+              <a:buChar char="•"/>
+            </a:pPr>
+            <a:endParaRPr lang="pt-BR" sz="2800" dirty="0">
               <a:latin typeface="Rockwell Condensed" panose="02060603050405020104" pitchFamily="18" charset="0"/>
             </a:endParaRPr>
           </a:p>
           <a:p>
-            <a:pPr marL="109728" algn="just"/>
-            <a:endParaRPr lang="pt-BR" sz="2400" dirty="0" smtClean="0">
+            <a:pPr marL="566928" indent="-457200" algn="just">
+              <a:buFont typeface="Arial" pitchFamily="34" charset="0"/>
+              <a:buChar char="•"/>
+            </a:pPr>
+            <a:endParaRPr lang="pt-BR" sz="2800" dirty="0" smtClean="0">
               <a:latin typeface="Rockwell Condensed" panose="02060603050405020104" pitchFamily="18" charset="0"/>
             </a:endParaRPr>
           </a:p>
@@ -10343,7 +12616,7 @@
     </p:spTree>
     <p:extLst>
       <p:ext uri="{BB962C8B-B14F-4D97-AF65-F5344CB8AC3E}">
-        <p14:creationId xmlns:p14="http://schemas.microsoft.com/office/powerpoint/2010/main" val="251311220"/>
+        <p14:creationId xmlns:p14="http://schemas.microsoft.com/office/powerpoint/2010/main" val="760787473"/>
       </p:ext>
     </p:extLst>
   </p:cSld>
@@ -10549,49 +12822,19 @@
               <a:rPr lang="pt-BR" sz="2000" dirty="0" smtClean="0">
                 <a:latin typeface="Rockwell Condensed" panose="02060603050405020104" pitchFamily="18" charset="0"/>
               </a:rPr>
-              <a:t>[6] </a:t>
-            </a:r>
-            <a:r>
-              <a:rPr lang="pt-BR" sz="2000" dirty="0" err="1" smtClean="0">
+              <a:t>[1] </a:t>
+            </a:r>
+            <a:r>
+              <a:rPr lang="pt-BR" sz="2000" dirty="0">
                 <a:latin typeface="Rockwell Condensed" panose="02060603050405020104" pitchFamily="18" charset="0"/>
               </a:rPr>
-              <a:t>Angeliski</a:t>
+              <a:t>FERRAZ, Reinaldo. Internet das Coisas. 11ª Mostra de Iniciação Científica Júnior, 2016</a:t>
             </a:r>
             <a:r>
               <a:rPr lang="pt-BR" sz="2000" dirty="0" smtClean="0">
                 <a:latin typeface="Rockwell Condensed" panose="02060603050405020104" pitchFamily="18" charset="0"/>
               </a:rPr>
-              <a:t> </a:t>
-            </a:r>
-            <a:r>
-              <a:rPr lang="pt-BR" sz="2000" dirty="0" smtClean="0">
-                <a:latin typeface="Rockwell Condensed" panose="02060603050405020104" pitchFamily="18" charset="0"/>
-              </a:rPr>
-              <a:t>. </a:t>
-            </a:r>
-            <a:r>
-              <a:rPr lang="pt-BR" sz="2000" dirty="0">
-                <a:latin typeface="Rockwell Condensed" panose="02060603050405020104" pitchFamily="18" charset="0"/>
-              </a:rPr>
-              <a:t>Disponível em: </a:t>
-            </a:r>
-            <a:r>
-              <a:rPr lang="pt-BR" sz="2000" dirty="0">
-                <a:latin typeface="Rockwell Condensed" panose="02060603050405020104" pitchFamily="18" charset="0"/>
-              </a:rPr>
-              <a:t>&lt;https://</a:t>
-            </a:r>
-            <a:r>
-              <a:rPr lang="pt-BR" sz="2000" dirty="0" smtClean="0">
-                <a:latin typeface="Rockwell Condensed" panose="02060603050405020104" pitchFamily="18" charset="0"/>
-              </a:rPr>
-              <a:t>angeliski.com.br/category/angularjs/&gt;. </a:t>
-            </a:r>
-            <a:r>
-              <a:rPr lang="pt-BR" sz="2000" dirty="0" smtClean="0">
-                <a:latin typeface="Rockwell Condensed" panose="02060603050405020104" pitchFamily="18" charset="0"/>
-              </a:rPr>
-              <a:t>Acesso em: Fevereiro de 2018.</a:t>
+              <a:t>.</a:t>
             </a:r>
           </a:p>
           <a:p>
@@ -10606,31 +12849,520 @@
               <a:rPr lang="pt-BR" sz="2000" dirty="0" smtClean="0">
                 <a:latin typeface="Rockwell Condensed" panose="02060603050405020104" pitchFamily="18" charset="0"/>
               </a:rPr>
-              <a:t>[7] </a:t>
+              <a:t>[2] Seu Condomínio. </a:t>
+            </a:r>
+            <a:r>
+              <a:rPr lang="pt-BR" sz="2000" dirty="0">
+                <a:latin typeface="Rockwell Condensed" panose="02060603050405020104" pitchFamily="18" charset="0"/>
+              </a:rPr>
+              <a:t>Disponível em: &lt;https://www.seucondominio.com.br/noticias/sistemas-controle&gt;. </a:t>
+            </a:r>
+            <a:r>
+              <a:rPr lang="pt-BR" sz="2000" dirty="0" smtClean="0">
+                <a:latin typeface="Rockwell Condensed" panose="02060603050405020104" pitchFamily="18" charset="0"/>
+              </a:rPr>
+              <a:t>Acesso em: Fevereiro de 2018.</a:t>
+            </a:r>
+          </a:p>
+          <a:p>
+            <a:pPr marL="109728" algn="just"/>
+            <a:endParaRPr lang="pt-BR" sz="2000" dirty="0" smtClean="0">
+              <a:latin typeface="Rockwell Condensed" panose="02060603050405020104" pitchFamily="18" charset="0"/>
+            </a:endParaRPr>
+          </a:p>
+          <a:p>
+            <a:pPr marL="109728" algn="just"/>
+            <a:r>
+              <a:rPr lang="pt-BR" sz="2000" dirty="0" smtClean="0">
+                <a:latin typeface="Rockwell Condensed" panose="02060603050405020104" pitchFamily="18" charset="0"/>
+              </a:rPr>
+              <a:t>[3] </a:t>
+            </a:r>
+            <a:r>
+              <a:rPr lang="pt-BR" sz="2000" dirty="0">
+                <a:latin typeface="Rockwell Condensed" panose="02060603050405020104" pitchFamily="18" charset="0"/>
+              </a:rPr>
+              <a:t>CRUZ, Ariadne Arrais; LISBOA, Emerson Fausto. </a:t>
             </a:r>
             <a:r>
               <a:rPr lang="pt-BR" sz="2000" dirty="0" err="1" smtClean="0">
                 <a:latin typeface="Rockwell Condensed" panose="02060603050405020104" pitchFamily="18" charset="0"/>
               </a:rPr>
-              <a:t>Matera</a:t>
+              <a:t>Webhome</a:t>
             </a:r>
             <a:r>
               <a:rPr lang="pt-BR" sz="2000" dirty="0" smtClean="0">
                 <a:latin typeface="Rockwell Condensed" panose="02060603050405020104" pitchFamily="18" charset="0"/>
               </a:rPr>
-              <a:t>. </a:t>
+              <a:t>-automação </a:t>
             </a:r>
             <a:r>
               <a:rPr lang="pt-BR" sz="2000" dirty="0">
                 <a:latin typeface="Rockwell Condensed" panose="02060603050405020104" pitchFamily="18" charset="0"/>
               </a:rPr>
-              <a:t>Disponível em: </a:t>
+              <a:t>residencial utilizando </a:t>
+            </a:r>
+            <a:r>
+              <a:rPr lang="pt-BR" sz="2000" dirty="0" err="1">
+                <a:latin typeface="Rockwell Condensed" panose="02060603050405020104" pitchFamily="18" charset="0"/>
+              </a:rPr>
+              <a:t>raspberry</a:t>
             </a:r>
             <a:r>
               <a:rPr lang="pt-BR" sz="2000" dirty="0">
                 <a:latin typeface="Rockwell Condensed" panose="02060603050405020104" pitchFamily="18" charset="0"/>
               </a:rPr>
-              <a:t>&lt;http://matera.com/br/2015/05/26/primeiros-passos-com-node-js/&gt;. </a:t>
+              <a:t> </a:t>
+            </a:r>
+            <a:r>
+              <a:rPr lang="pt-BR" sz="2000" dirty="0" err="1">
+                <a:latin typeface="Rockwell Condensed" panose="02060603050405020104" pitchFamily="18" charset="0"/>
+              </a:rPr>
+              <a:t>pi</a:t>
+            </a:r>
+            <a:r>
+              <a:rPr lang="pt-BR" sz="2000" dirty="0">
+                <a:latin typeface="Rockwell Condensed" panose="02060603050405020104" pitchFamily="18" charset="0"/>
+              </a:rPr>
+              <a:t>. Revista Ciência e Tecnologia, v. 17, n. 31, 2014</a:t>
+            </a:r>
+            <a:r>
+              <a:rPr lang="pt-BR" sz="2000" dirty="0" smtClean="0">
+                <a:latin typeface="Rockwell Condensed" panose="02060603050405020104" pitchFamily="18" charset="0"/>
+              </a:rPr>
+              <a:t>.</a:t>
+            </a:r>
+          </a:p>
+          <a:p>
+            <a:pPr marL="109728" algn="just"/>
+            <a:endParaRPr lang="pt-BR" sz="2000" dirty="0" smtClean="0">
+              <a:latin typeface="Rockwell Condensed" panose="02060603050405020104" pitchFamily="18" charset="0"/>
+            </a:endParaRPr>
+          </a:p>
+          <a:p>
+            <a:pPr marL="109728" algn="just"/>
+            <a:r>
+              <a:rPr lang="pt-BR" sz="2000" dirty="0" smtClean="0">
+                <a:latin typeface="Rockwell Condensed" panose="02060603050405020104" pitchFamily="18" charset="0"/>
+              </a:rPr>
+              <a:t>[4] </a:t>
+            </a:r>
+            <a:r>
+              <a:rPr lang="pt-BR" sz="2000" dirty="0" err="1" smtClean="0">
+                <a:latin typeface="Rockwell Condensed" panose="02060603050405020104" pitchFamily="18" charset="0"/>
+              </a:rPr>
+              <a:t>Hobbytronics</a:t>
+            </a:r>
+            <a:r>
+              <a:rPr lang="pt-BR" sz="2000" dirty="0" smtClean="0">
+                <a:latin typeface="Rockwell Condensed" panose="02060603050405020104" pitchFamily="18" charset="0"/>
+              </a:rPr>
+              <a:t>. Disponível em: </a:t>
+            </a:r>
+            <a:r>
+              <a:rPr lang="pt-BR" sz="2000" dirty="0">
+                <a:latin typeface="Rockwell Condensed" panose="02060603050405020104" pitchFamily="18" charset="0"/>
+              </a:rPr>
+              <a:t>&lt;https://hobbytronics.com.pk/product/nodemcu/&gt;. </a:t>
+            </a:r>
+            <a:r>
+              <a:rPr lang="pt-BR" sz="2000" dirty="0" smtClean="0">
+                <a:latin typeface="Rockwell Condensed" panose="02060603050405020104" pitchFamily="18" charset="0"/>
+              </a:rPr>
+              <a:t>Acesso em: Fevereiro de 2018.</a:t>
+            </a:r>
+          </a:p>
+          <a:p>
+            <a:pPr marL="109728" algn="just"/>
+            <a:endParaRPr lang="pt-BR" sz="2000" dirty="0" smtClean="0">
+              <a:latin typeface="Rockwell Condensed" panose="02060603050405020104" pitchFamily="18" charset="0"/>
+            </a:endParaRPr>
+          </a:p>
+          <a:p>
+            <a:pPr marL="109728" algn="just"/>
+            <a:r>
+              <a:rPr lang="pt-BR" sz="2000" dirty="0" smtClean="0">
+                <a:latin typeface="Rockwell Condensed" panose="02060603050405020104" pitchFamily="18" charset="0"/>
+              </a:rPr>
+              <a:t>[5] </a:t>
+            </a:r>
+            <a:r>
+              <a:rPr lang="pt-BR" sz="2000" dirty="0" err="1" smtClean="0">
+                <a:latin typeface="Rockwell Condensed" panose="02060603050405020104" pitchFamily="18" charset="0"/>
+              </a:rPr>
+              <a:t>FilipeFlop</a:t>
+            </a:r>
+            <a:r>
+              <a:rPr lang="pt-BR" sz="2000" dirty="0" smtClean="0">
+                <a:latin typeface="Rockwell Condensed" panose="02060603050405020104" pitchFamily="18" charset="0"/>
+              </a:rPr>
+              <a:t> </a:t>
+            </a:r>
+            <a:r>
+              <a:rPr lang="pt-BR" sz="2000" dirty="0">
+                <a:latin typeface="Rockwell Condensed" panose="02060603050405020104" pitchFamily="18" charset="0"/>
+              </a:rPr>
+              <a:t>Disponível em: &lt;https://</a:t>
+            </a:r>
+            <a:r>
+              <a:rPr lang="pt-BR" sz="2000" dirty="0" smtClean="0">
+                <a:latin typeface="Rockwell Condensed" panose="02060603050405020104" pitchFamily="18" charset="0"/>
+              </a:rPr>
+              <a:t>www.filipeflop.com/blog/controle-acesso-leitor-rfid-arduino/&gt;. Acesso em: Fevereiro de 2018.</a:t>
+            </a:r>
+          </a:p>
+          <a:p>
+            <a:pPr marL="109728" algn="just"/>
+            <a:endParaRPr lang="pt-BR" sz="2000" dirty="0" smtClean="0">
+              <a:latin typeface="Rockwell Condensed" panose="02060603050405020104" pitchFamily="18" charset="0"/>
+            </a:endParaRPr>
+          </a:p>
+          <a:p>
+            <a:pPr marL="109728" algn="just"/>
+            <a:endParaRPr lang="pt-BR" sz="2400" dirty="0" smtClean="0">
+              <a:latin typeface="Rockwell Condensed" panose="02060603050405020104" pitchFamily="18" charset="0"/>
+            </a:endParaRPr>
+          </a:p>
+          <a:p>
+            <a:pPr marL="109728" indent="0" algn="ctr">
+              <a:buNone/>
+            </a:pPr>
+            <a:endParaRPr lang="pt-BR" sz="2800" dirty="0" smtClean="0">
+              <a:latin typeface="Rockwell Condensed" panose="02060603050405020104" pitchFamily="18" charset="0"/>
+            </a:endParaRPr>
+          </a:p>
+        </p:txBody>
+      </p:sp>
+      <p:sp>
+        <p:nvSpPr>
+          <p:cNvPr id="2" name="Rectangle 4"/>
+          <p:cNvSpPr>
+            <a:spLocks noChangeArrowheads="1"/>
+          </p:cNvSpPr>
+          <p:nvPr/>
+        </p:nvSpPr>
+        <p:spPr bwMode="auto">
+          <a:xfrm>
+            <a:off x="0" y="0"/>
+            <a:ext cx="12192000" cy="0"/>
+          </a:xfrm>
+          <a:prstGeom prst="rect">
+            <a:avLst/>
+          </a:prstGeom>
+          <a:noFill/>
+          <a:ln>
+            <a:noFill/>
+          </a:ln>
+          <a:effectLst/>
+          <a:extLst>
+            <a:ext uri="{909E8E84-426E-40DD-AFC4-6F175D3DCCD1}">
+              <a14:hiddenFill xmlns:a14="http://schemas.microsoft.com/office/drawing/2010/main">
+                <a:solidFill>
+                  <a:schemeClr val="accent1"/>
+                </a:solidFill>
+              </a14:hiddenFill>
+            </a:ext>
+            <a:ext uri="{91240B29-F687-4F45-9708-019B960494DF}">
+              <a14:hiddenLine xmlns:a14="http://schemas.microsoft.com/office/drawing/2010/main" w="9525">
+                <a:solidFill>
+                  <a:schemeClr val="tx1"/>
+                </a:solidFill>
+                <a:miter lim="800000"/>
+                <a:headEnd/>
+                <a:tailEnd/>
+              </a14:hiddenLine>
+            </a:ext>
+            <a:ext uri="{AF507438-7753-43E0-B8FC-AC1667EBCBE1}">
+              <a14:hiddenEffects xmlns:a14="http://schemas.microsoft.com/office/drawing/2010/main">
+                <a:effectLst>
+                  <a:outerShdw dist="35921" dir="2700000" algn="ctr" rotWithShape="0">
+                    <a:schemeClr val="bg2"/>
+                  </a:outerShdw>
+                </a:effectLst>
+              </a14:hiddenEffects>
+            </a:ext>
+          </a:extLst>
+        </p:spPr>
+        <p:txBody>
+          <a:bodyPr vert="horz" wrap="none" lIns="91440" tIns="45720" rIns="91440" bIns="45720" numCol="1" anchor="ctr" anchorCtr="0" compatLnSpc="1">
+            <a:prstTxWarp prst="textNoShape">
+              <a:avLst/>
+            </a:prstTxWarp>
+            <a:spAutoFit/>
+          </a:bodyPr>
+          <a:lstStyle/>
+          <a:p>
+            <a:endParaRPr lang="pt-BR"/>
+          </a:p>
+        </p:txBody>
+      </p:sp>
+    </p:spTree>
+    <p:extLst>
+      <p:ext uri="{BB962C8B-B14F-4D97-AF65-F5344CB8AC3E}">
+        <p14:creationId xmlns:p14="http://schemas.microsoft.com/office/powerpoint/2010/main" val="251311220"/>
+      </p:ext>
+    </p:extLst>
+  </p:cSld>
+  <p:clrMapOvr>
+    <a:masterClrMapping/>
+  </p:clrMapOvr>
+  <p:timing>
+    <p:tnLst>
+      <p:par>
+        <p:cTn id="1" dur="indefinite" restart="never" nodeType="tmRoot"/>
+      </p:par>
+    </p:tnLst>
+  </p:timing>
+</p:sld>
+</file>
+
+<file path=ppt/slides/slide24.xml><?xml version="1.0" encoding="utf-8"?>
+<p:sld xmlns:a="http://schemas.openxmlformats.org/drawingml/2006/main" xmlns:r="http://schemas.openxmlformats.org/officeDocument/2006/relationships" xmlns:p="http://schemas.openxmlformats.org/presentationml/2006/main">
+  <p:cSld>
+    <p:spTree>
+      <p:nvGrpSpPr>
+        <p:cNvPr id="1" name=""/>
+        <p:cNvGrpSpPr/>
+        <p:nvPr/>
+      </p:nvGrpSpPr>
+      <p:grpSpPr>
+        <a:xfrm>
+          <a:off x="0" y="0"/>
+          <a:ext cx="0" cy="0"/>
+          <a:chOff x="0" y="0"/>
+          <a:chExt cx="0" cy="0"/>
+        </a:xfrm>
+      </p:grpSpPr>
+      <p:sp>
+        <p:nvSpPr>
+          <p:cNvPr id="5" name="Espaço Reservado para Número de Slide 4"/>
+          <p:cNvSpPr>
+            <a:spLocks noGrp="1"/>
+          </p:cNvSpPr>
+          <p:nvPr>
+            <p:ph type="sldNum" sz="quarter" idx="12"/>
+          </p:nvPr>
+        </p:nvSpPr>
+        <p:spPr/>
+        <p:txBody>
+          <a:bodyPr/>
+          <a:lstStyle/>
+          <a:p>
+            <a:fld id="{07E976CE-6A88-4DF5-9FE0-D445D452ABB2}" type="slidenum">
+              <a:rPr lang="pt-BR" smtClean="0"/>
+              <a:t>24</a:t>
+            </a:fld>
+            <a:endParaRPr lang="pt-BR" dirty="0"/>
+          </a:p>
+        </p:txBody>
+      </p:sp>
+      <p:sp>
+        <p:nvSpPr>
+          <p:cNvPr id="8" name="Espaço Reservado para Rodapé 9"/>
+          <p:cNvSpPr>
+            <a:spLocks noGrp="1"/>
+          </p:cNvSpPr>
+          <p:nvPr>
+            <p:ph type="ftr" sz="quarter" idx="11"/>
+          </p:nvPr>
+        </p:nvSpPr>
+        <p:spPr>
+          <a:xfrm>
+            <a:off x="4038600" y="6356350"/>
+            <a:ext cx="4114800" cy="365125"/>
+          </a:xfrm>
+        </p:spPr>
+        <p:txBody>
+          <a:bodyPr/>
+          <a:lstStyle/>
+          <a:p>
+            <a:r>
+              <a:rPr lang="pt-BR" dirty="0" smtClean="0"/>
+              <a:t>Manaus (AM) – Fevereiro de 2018</a:t>
+            </a:r>
+            <a:endParaRPr lang="pt-BR" dirty="0"/>
+          </a:p>
+        </p:txBody>
+      </p:sp>
+      <p:sp>
+        <p:nvSpPr>
+          <p:cNvPr id="10" name="Retângulo 9"/>
+          <p:cNvSpPr/>
+          <p:nvPr/>
+        </p:nvSpPr>
+        <p:spPr>
+          <a:xfrm>
+            <a:off x="566670" y="1694329"/>
+            <a:ext cx="11050073" cy="4590561"/>
+          </a:xfrm>
+          <a:prstGeom prst="rect">
+            <a:avLst/>
+          </a:prstGeom>
+          <a:noFill/>
+          <a:ln w="28575">
+            <a:solidFill>
+              <a:schemeClr val="accent1">
+                <a:lumMod val="20000"/>
+                <a:lumOff val="80000"/>
+              </a:schemeClr>
+            </a:solidFill>
+          </a:ln>
+        </p:spPr>
+        <p:style>
+          <a:lnRef idx="2">
+            <a:schemeClr val="accent1">
+              <a:shade val="50000"/>
+            </a:schemeClr>
+          </a:lnRef>
+          <a:fillRef idx="1">
+            <a:schemeClr val="accent1"/>
+          </a:fillRef>
+          <a:effectRef idx="0">
+            <a:schemeClr val="accent1"/>
+          </a:effectRef>
+          <a:fontRef idx="minor">
+            <a:schemeClr val="lt1"/>
+          </a:fontRef>
+        </p:style>
+        <p:txBody>
+          <a:bodyPr rtlCol="0" anchor="ctr"/>
+          <a:lstStyle/>
+          <a:p>
+            <a:pPr algn="ctr"/>
+            <a:endParaRPr lang="pt-BR"/>
+          </a:p>
+        </p:txBody>
+      </p:sp>
+      <p:sp>
+        <p:nvSpPr>
+          <p:cNvPr id="11" name="Título 1"/>
+          <p:cNvSpPr>
+            <a:spLocks noGrp="1"/>
+          </p:cNvSpPr>
+          <p:nvPr>
+            <p:ph type="title"/>
+          </p:nvPr>
+        </p:nvSpPr>
+        <p:spPr>
+          <a:xfrm>
+            <a:off x="3730222" y="1276729"/>
+            <a:ext cx="4291200" cy="835200"/>
+          </a:xfrm>
+          <a:prstGeom prst="flowChartAlternateProcess">
+            <a:avLst/>
+          </a:prstGeom>
+          <a:solidFill>
+            <a:schemeClr val="accent1">
+              <a:lumMod val="20000"/>
+              <a:lumOff val="80000"/>
+            </a:schemeClr>
+          </a:solidFill>
+        </p:spPr>
+        <p:txBody>
+          <a:bodyPr>
+            <a:normAutofit/>
+          </a:bodyPr>
+          <a:lstStyle/>
+          <a:p>
+            <a:pPr algn="ctr"/>
+            <a:r>
+              <a:rPr lang="pt-BR" sz="4000" dirty="0" smtClean="0">
+                <a:latin typeface="Rockwell Condensed" panose="02060603050405020104" pitchFamily="18" charset="0"/>
+                <a:cs typeface="Times New Roman" panose="02020603050405020304" pitchFamily="18" charset="0"/>
+              </a:rPr>
+              <a:t>REFERÊNCIAS</a:t>
+            </a:r>
+            <a:endParaRPr lang="pt-BR" sz="4000" dirty="0">
+              <a:latin typeface="Rockwell Condensed" panose="02060603050405020104" pitchFamily="18" charset="0"/>
+              <a:cs typeface="Times New Roman" panose="02020603050405020304" pitchFamily="18" charset="0"/>
+            </a:endParaRPr>
+          </a:p>
+        </p:txBody>
+      </p:sp>
+      <p:sp>
+        <p:nvSpPr>
+          <p:cNvPr id="7" name="Retângulo 6"/>
+          <p:cNvSpPr/>
+          <p:nvPr/>
+        </p:nvSpPr>
+        <p:spPr>
+          <a:xfrm>
+            <a:off x="679269" y="2096142"/>
+            <a:ext cx="10724605" cy="4893647"/>
+          </a:xfrm>
+          <a:prstGeom prst="rect">
+            <a:avLst/>
+          </a:prstGeom>
+        </p:spPr>
+        <p:txBody>
+          <a:bodyPr wrap="square">
+            <a:spAutoFit/>
+          </a:bodyPr>
+          <a:lstStyle/>
+          <a:p>
+            <a:pPr marL="109728" algn="just"/>
+            <a:r>
+              <a:rPr lang="pt-BR" sz="2000" dirty="0" smtClean="0">
+                <a:latin typeface="Rockwell Condensed" panose="02060603050405020104" pitchFamily="18" charset="0"/>
+              </a:rPr>
+              <a:t>[6] </a:t>
+            </a:r>
+            <a:r>
+              <a:rPr lang="pt-BR" sz="2000" dirty="0" err="1" smtClean="0">
+                <a:latin typeface="Rockwell Condensed" panose="02060603050405020104" pitchFamily="18" charset="0"/>
+              </a:rPr>
+              <a:t>Angeliski</a:t>
+            </a:r>
+            <a:r>
+              <a:rPr lang="pt-BR" sz="2000" dirty="0" smtClean="0">
+                <a:latin typeface="Rockwell Condensed" panose="02060603050405020104" pitchFamily="18" charset="0"/>
+              </a:rPr>
+              <a:t> . </a:t>
+            </a:r>
+            <a:r>
+              <a:rPr lang="pt-BR" sz="2000" dirty="0">
+                <a:latin typeface="Rockwell Condensed" panose="02060603050405020104" pitchFamily="18" charset="0"/>
+              </a:rPr>
+              <a:t>Disponível em: &lt;https://</a:t>
+            </a:r>
+            <a:r>
+              <a:rPr lang="pt-BR" sz="2000" dirty="0" smtClean="0">
+                <a:latin typeface="Rockwell Condensed" panose="02060603050405020104" pitchFamily="18" charset="0"/>
+              </a:rPr>
+              <a:t>angeliski.com.br/category/angularjs/&gt;. Acesso em: Fevereiro de 2018.</a:t>
+            </a:r>
+          </a:p>
+          <a:p>
+            <a:pPr marL="109728" algn="just"/>
+            <a:endParaRPr lang="pt-BR" sz="2000" dirty="0" smtClean="0">
+              <a:latin typeface="Rockwell Condensed" panose="02060603050405020104" pitchFamily="18" charset="0"/>
+            </a:endParaRPr>
+          </a:p>
+          <a:p>
+            <a:pPr marL="109728" algn="just"/>
+            <a:r>
+              <a:rPr lang="pt-BR" sz="2000" dirty="0" smtClean="0">
+                <a:latin typeface="Rockwell Condensed" panose="02060603050405020104" pitchFamily="18" charset="0"/>
+              </a:rPr>
+              <a:t>[7] </a:t>
+            </a:r>
+            <a:r>
+              <a:rPr lang="pt-BR" sz="2000" dirty="0" err="1" smtClean="0">
+                <a:latin typeface="Rockwell Condensed" panose="02060603050405020104" pitchFamily="18" charset="0"/>
+              </a:rPr>
+              <a:t>Matera</a:t>
+            </a:r>
+            <a:r>
+              <a:rPr lang="pt-BR" sz="2000" dirty="0" smtClean="0">
+                <a:latin typeface="Rockwell Condensed" panose="02060603050405020104" pitchFamily="18" charset="0"/>
+              </a:rPr>
+              <a:t>. </a:t>
+            </a:r>
+            <a:r>
+              <a:rPr lang="pt-BR" sz="2000" dirty="0">
+                <a:latin typeface="Rockwell Condensed" panose="02060603050405020104" pitchFamily="18" charset="0"/>
+              </a:rPr>
+              <a:t>Disponível em: &lt;http://matera.com/br/2015/05/26/primeiros-passos-com-node-js/&gt;. </a:t>
             </a:r>
             <a:r>
               <a:rPr lang="pt-BR" sz="2000" dirty="0" smtClean="0">
@@ -11123,12 +13855,6 @@
               </a:rPr>
               <a:t>Sistema de Controle de Acesso </a:t>
             </a:r>
-            <a:endParaRPr lang="pt-BR" sz="3200" dirty="0" smtClean="0">
-              <a:solidFill>
-                <a:srgbClr val="FF0000"/>
-              </a:solidFill>
-              <a:latin typeface="Rockwell Condensed" panose="02060603050405020104" pitchFamily="18" charset="0"/>
-            </a:endParaRPr>
           </a:p>
           <a:p>
             <a:pPr marL="109728" indent="0" algn="ctr">
@@ -11149,9 +13875,6 @@
               </a:rPr>
               <a:t>Restrição de acesso e Modernização;</a:t>
             </a:r>
-            <a:endParaRPr lang="pt-BR" sz="2800" dirty="0" smtClean="0">
-              <a:latin typeface="Rockwell Condensed" panose="02060603050405020104" pitchFamily="18" charset="0"/>
-            </a:endParaRPr>
           </a:p>
           <a:p>
             <a:pPr marL="4567238" indent="-342900">
@@ -11171,11 +13894,20 @@
               <a:rPr lang="pt-BR" sz="2800" dirty="0" smtClean="0">
                 <a:latin typeface="Rockwell Condensed" panose="02060603050405020104" pitchFamily="18" charset="0"/>
               </a:rPr>
-              <a:t>Facilidades no histórico de acessos;</a:t>
-            </a:r>
-            <a:endParaRPr lang="pt-BR" sz="2800" dirty="0" smtClean="0">
-              <a:latin typeface="Rockwell Condensed" panose="02060603050405020104" pitchFamily="18" charset="0"/>
-            </a:endParaRPr>
+              <a:t>Facilidades </a:t>
+            </a:r>
+            <a:r>
+              <a:rPr lang="pt-BR" sz="2800" smtClean="0">
+                <a:latin typeface="Rockwell Condensed" panose="02060603050405020104" pitchFamily="18" charset="0"/>
+              </a:rPr>
+              <a:t>ao controlar os </a:t>
+            </a:r>
+            <a:r>
+              <a:rPr lang="pt-BR" sz="2800" dirty="0" smtClean="0">
+                <a:latin typeface="Rockwell Condensed" panose="02060603050405020104" pitchFamily="18" charset="0"/>
+              </a:rPr>
+              <a:t>acessos;</a:t>
+            </a:r>
           </a:p>
           <a:p>
             <a:pPr marL="4567238" indent="-342900">
@@ -11228,11 +13960,7 @@
             <a:pPr algn="ctr"/>
             <a:r>
               <a:rPr lang="pt-BR" sz="1400" dirty="0" smtClean="0"/>
-              <a:t>Figura </a:t>
-            </a:r>
-            <a:r>
-              <a:rPr lang="pt-BR" sz="1400" dirty="0" smtClean="0"/>
-              <a:t>2 – Controle de acesso.</a:t>
+              <a:t>Figura 2 – Controle de acesso.</a:t>
             </a:r>
             <a:endParaRPr lang="pt-BR" sz="1400" dirty="0"/>
           </a:p>
@@ -11483,10 +14211,6 @@
               </a:rPr>
               <a:t>;</a:t>
             </a:r>
-            <a:endParaRPr lang="pt-BR" sz="2800" dirty="0" smtClean="0">
-              <a:latin typeface="Rockwell Condensed" panose="02060603050405020104" pitchFamily="18" charset="0"/>
-              <a:cs typeface="Times New Roman" pitchFamily="18" charset="0"/>
-            </a:endParaRPr>
           </a:p>
           <a:p>
             <a:pPr marL="457200" indent="-457200" algn="just">
@@ -11576,10 +14300,6 @@
               </a:rPr>
               <a:t>;</a:t>
             </a:r>
-            <a:endParaRPr lang="pt-BR" sz="2800" dirty="0" smtClean="0">
-              <a:latin typeface="Rockwell Condensed" panose="02060603050405020104" pitchFamily="18" charset="0"/>
-              <a:cs typeface="Times New Roman" pitchFamily="18" charset="0"/>
-            </a:endParaRPr>
           </a:p>
           <a:p>
             <a:pPr marL="457200" indent="-457200" algn="just">
@@ -12337,11 +15057,7 @@
             <a:pPr algn="ctr"/>
             <a:r>
               <a:rPr lang="pt-BR" sz="1400" dirty="0" smtClean="0"/>
-              <a:t>Figura </a:t>
-            </a:r>
-            <a:r>
-              <a:rPr lang="pt-BR" sz="1400" dirty="0" smtClean="0"/>
-              <a:t>4 - </a:t>
+              <a:t>Figura 4 - </a:t>
             </a:r>
             <a:r>
               <a:rPr lang="pt-BR" sz="1400" dirty="0" err="1" smtClean="0"/>
@@ -12392,11 +15108,7 @@
             <a:pPr algn="ctr"/>
             <a:r>
               <a:rPr lang="pt-BR" sz="1400" dirty="0" smtClean="0"/>
-              <a:t>Figura </a:t>
-            </a:r>
-            <a:r>
-              <a:rPr lang="pt-BR" sz="1400" dirty="0" smtClean="0"/>
-              <a:t>3 – </a:t>
+              <a:t>Figura 3 – </a:t>
             </a:r>
             <a:r>
               <a:rPr lang="pt-BR" sz="1400" dirty="0" err="1" smtClean="0"/>
@@ -12414,7 +15126,6 @@
               <a:rPr lang="pt-BR" sz="1400" dirty="0" smtClean="0"/>
               <a:t> 3</a:t>
             </a:r>
-            <a:endParaRPr lang="pt-BR" sz="1400" dirty="0" smtClean="0"/>
           </a:p>
           <a:p>
             <a:pPr algn="ctr"/>
@@ -12459,13 +15170,8 @@
             <a:pPr algn="ctr"/>
             <a:r>
               <a:rPr lang="pt-BR" sz="1400" dirty="0" smtClean="0"/>
-              <a:t>Figura </a:t>
-            </a:r>
-            <a:r>
-              <a:rPr lang="pt-BR" sz="1400" dirty="0" smtClean="0"/>
-              <a:t>5 – Módulo MFRC522</a:t>
-            </a:r>
-            <a:endParaRPr lang="pt-BR" sz="1400" dirty="0" smtClean="0"/>
+              <a:t>Figura 5 – Módulo MFRC522</a:t>
+            </a:r>
           </a:p>
           <a:p>
             <a:pPr algn="ctr"/>
@@ -13083,11 +15789,7 @@
             <a:pPr algn="ctr"/>
             <a:r>
               <a:rPr lang="pt-BR" sz="1400" dirty="0" smtClean="0"/>
-              <a:t>Figura </a:t>
-            </a:r>
-            <a:r>
-              <a:rPr lang="pt-BR" sz="1400" dirty="0" smtClean="0"/>
-              <a:t>7 – </a:t>
+              <a:t>Figura 7 – </a:t>
             </a:r>
             <a:r>
               <a:rPr lang="pt-BR" sz="1400" dirty="0" err="1" smtClean="0"/>
@@ -13148,7 +15850,6 @@
               <a:rPr lang="pt-BR" sz="1400" dirty="0" smtClean="0"/>
               <a:t> – MySQL</a:t>
             </a:r>
-            <a:endParaRPr lang="pt-BR" sz="1400" dirty="0" smtClean="0"/>
           </a:p>
           <a:p>
             <a:pPr algn="ctr"/>
@@ -13796,14 +16497,7 @@
                 <a:latin typeface="Rockwell Condensed" panose="02060603050405020104" pitchFamily="18" charset="0"/>
                 <a:cs typeface="Times New Roman" pitchFamily="18" charset="0"/>
               </a:rPr>
-              <a:t>Programação </a:t>
-            </a:r>
-            <a:r>
-              <a:rPr lang="pt-BR" sz="2800" dirty="0" smtClean="0">
-                <a:latin typeface="Rockwell Condensed" panose="02060603050405020104" pitchFamily="18" charset="0"/>
-                <a:cs typeface="Times New Roman" pitchFamily="18" charset="0"/>
-              </a:rPr>
-              <a:t>do </a:t>
+              <a:t>Programação do </a:t>
             </a:r>
             <a:r>
               <a:rPr lang="pt-BR" sz="2800" dirty="0" err="1" smtClean="0">
@@ -13914,10 +16608,6 @@
               </a:rPr>
               <a:t>;</a:t>
             </a:r>
-            <a:endParaRPr lang="pt-BR" sz="2800" dirty="0" smtClean="0">
-              <a:latin typeface="Rockwell Condensed" panose="02060603050405020104" pitchFamily="18" charset="0"/>
-              <a:cs typeface="Times New Roman" pitchFamily="18" charset="0"/>
-            </a:endParaRPr>
           </a:p>
           <a:p>
             <a:pPr marL="457200" indent="-457200" algn="just">
@@ -13984,10 +16674,6 @@
               </a:rPr>
               <a:t>;</a:t>
             </a:r>
-            <a:endParaRPr lang="pt-BR" sz="2800" dirty="0" smtClean="0">
-              <a:latin typeface="Rockwell Condensed" panose="02060603050405020104" pitchFamily="18" charset="0"/>
-              <a:cs typeface="Times New Roman" pitchFamily="18" charset="0"/>
-            </a:endParaRPr>
           </a:p>
           <a:p>
             <a:pPr marL="457200" indent="-457200" algn="just">
@@ -14343,14 +17029,7 @@
                 <a:latin typeface="Rockwell Condensed" panose="02060603050405020104" pitchFamily="18" charset="0"/>
                 <a:cs typeface="Times New Roman" pitchFamily="18" charset="0"/>
               </a:rPr>
-              <a:t>Desenvolvimento do sistema web</a:t>
-            </a:r>
-            <a:r>
-              <a:rPr lang="pt-BR" sz="2800" dirty="0" smtClean="0">
-                <a:latin typeface="Rockwell Condensed" panose="02060603050405020104" pitchFamily="18" charset="0"/>
-                <a:cs typeface="Times New Roman" pitchFamily="18" charset="0"/>
-              </a:rPr>
-              <a:t>;</a:t>
+              <a:t>Desenvolvimento do sistema web;</a:t>
             </a:r>
           </a:p>
           <a:p>
@@ -14688,7 +17367,7 @@
   <a:extraClrSchemeLst/>
   <a:extLst>
     <a:ext uri="{05A4C25C-085E-4340-85A3-A5531E510DB2}">
-      <thm15:themeFamily xmlns:thm15="http://schemas.microsoft.com/office/thememl/2012/main" xmlns="" name="Office Theme" id="{62F939B6-93AF-4DB8-9C6B-D6C7DFDC589F}" vid="{4A3C46E8-61CC-4603-A589-7422A47A8E4A}"/>
+      <thm15:themeFamily xmlns="" xmlns:thm15="http://schemas.microsoft.com/office/thememl/2012/main" name="Office Theme" id="{62F939B6-93AF-4DB8-9C6B-D6C7DFDC589F}" vid="{4A3C46E8-61CC-4603-A589-7422A47A8E4A}"/>
     </a:ext>
   </a:extLst>
 </a:theme>
@@ -14949,7 +17628,7 @@
   <a:extraClrSchemeLst/>
   <a:extLst>
     <a:ext uri="{05A4C25C-085E-4340-85A3-A5531E510DB2}">
-      <thm15:themeFamily xmlns:thm15="http://schemas.microsoft.com/office/thememl/2012/main" xmlns="" name="Office Theme" id="{62F939B6-93AF-4DB8-9C6B-D6C7DFDC589F}" vid="{4A3C46E8-61CC-4603-A589-7422A47A8E4A}"/>
+      <thm15:themeFamily xmlns="" xmlns:thm15="http://schemas.microsoft.com/office/thememl/2012/main" name="Office Theme" id="{62F939B6-93AF-4DB8-9C6B-D6C7DFDC589F}" vid="{4A3C46E8-61CC-4603-A589-7422A47A8E4A}"/>
     </a:ext>
   </a:extLst>
 </a:theme>

--- a/apresentação/Apresentação.pptx
+++ b/apresentação/Apresentação.pptx
@@ -5,7 +5,7 @@
     <p:sldMasterId id="2147483702" r:id="rId1"/>
   </p:sldMasterIdLst>
   <p:notesMasterIdLst>
-    <p:notesMasterId r:id="rId26"/>
+    <p:notesMasterId r:id="rId28"/>
   </p:notesMasterIdLst>
   <p:sldIdLst>
     <p:sldId id="265" r:id="rId2"/>
@@ -22,16 +22,18 @@
     <p:sldId id="344" r:id="rId13"/>
     <p:sldId id="358" r:id="rId14"/>
     <p:sldId id="369" r:id="rId15"/>
-    <p:sldId id="349" r:id="rId16"/>
-    <p:sldId id="350" r:id="rId17"/>
-    <p:sldId id="351" r:id="rId18"/>
-    <p:sldId id="365" r:id="rId19"/>
-    <p:sldId id="366" r:id="rId20"/>
-    <p:sldId id="367" r:id="rId21"/>
-    <p:sldId id="368" r:id="rId22"/>
-    <p:sldId id="354" r:id="rId23"/>
-    <p:sldId id="359" r:id="rId24"/>
-    <p:sldId id="360" r:id="rId25"/>
+    <p:sldId id="370" r:id="rId16"/>
+    <p:sldId id="371" r:id="rId17"/>
+    <p:sldId id="349" r:id="rId18"/>
+    <p:sldId id="350" r:id="rId19"/>
+    <p:sldId id="351" r:id="rId20"/>
+    <p:sldId id="365" r:id="rId21"/>
+    <p:sldId id="366" r:id="rId22"/>
+    <p:sldId id="367" r:id="rId23"/>
+    <p:sldId id="368" r:id="rId24"/>
+    <p:sldId id="354" r:id="rId25"/>
+    <p:sldId id="359" r:id="rId26"/>
+    <p:sldId id="360" r:id="rId27"/>
   </p:sldIdLst>
   <p:sldSz cx="12192000" cy="6858000"/>
   <p:notesSz cx="6858000" cy="9144000"/>
@@ -132,7 +134,7 @@
   </p:defaultTextStyle>
   <p:extLst>
     <p:ext uri="{EFAFB233-063F-42B5-8137-9DF3F51BA10A}">
-      <p15:sldGuideLst xmlns="" xmlns:p15="http://schemas.microsoft.com/office/powerpoint/2012/main">
+      <p15:sldGuideLst xmlns:p15="http://schemas.microsoft.com/office/powerpoint/2012/main" xmlns="">
         <p15:guide id="1" orient="horz" pos="2160">
           <p15:clr>
             <a:srgbClr val="A4A3A4"/>
@@ -232,7 +234,7 @@
             <a:fld id="{218263C8-CAE2-452B-807D-4C703AE228A9}" type="datetimeFigureOut">
               <a:rPr lang="pt-BR" smtClean="0"/>
               <a:pPr/>
-              <a:t>23/02/2018</a:t>
+              <a:t>02/03/2018</a:t>
             </a:fld>
             <a:endParaRPr lang="pt-BR"/>
           </a:p>
@@ -718,7 +720,7 @@
             <a:fld id="{1D7B8B0D-CDBB-4942-BC3E-BDC885F34957}" type="datetime1">
               <a:rPr lang="pt-BR" smtClean="0"/>
               <a:pPr/>
-              <a:t>23/02/2018</a:t>
+              <a:t>02/03/2018</a:t>
             </a:fld>
             <a:endParaRPr lang="pt-BR"/>
           </a:p>
@@ -894,7 +896,7 @@
             <a:fld id="{B075492A-4FA5-4A15-91D8-9462636EA097}" type="datetime1">
               <a:rPr lang="pt-BR" smtClean="0"/>
               <a:pPr/>
-              <a:t>23/02/2018</a:t>
+              <a:t>02/03/2018</a:t>
             </a:fld>
             <a:endParaRPr lang="pt-BR"/>
           </a:p>
@@ -1080,7 +1082,7 @@
             <a:fld id="{D7D750F9-D17F-4A3A-B336-82E9E5E36056}" type="datetime1">
               <a:rPr lang="pt-BR" smtClean="0"/>
               <a:pPr/>
-              <a:t>23/02/2018</a:t>
+              <a:t>02/03/2018</a:t>
             </a:fld>
             <a:endParaRPr lang="pt-BR"/>
           </a:p>
@@ -1256,7 +1258,7 @@
             <a:fld id="{F18B65B7-74A1-4119-84DA-90926486EA44}" type="datetime1">
               <a:rPr lang="pt-BR" smtClean="0"/>
               <a:pPr/>
-              <a:t>23/02/2018</a:t>
+              <a:t>02/03/2018</a:t>
             </a:fld>
             <a:endParaRPr lang="pt-BR"/>
           </a:p>
@@ -1538,7 +1540,7 @@
             <a:fld id="{FDD286B5-6D8D-4EA5-8AAB-CDA8C13F810D}" type="datetime1">
               <a:rPr lang="pt-BR" smtClean="0"/>
               <a:pPr/>
-              <a:t>23/02/2018</a:t>
+              <a:t>02/03/2018</a:t>
             </a:fld>
             <a:endParaRPr lang="pt-BR"/>
           </a:p>
@@ -1776,7 +1778,7 @@
             <a:fld id="{BC63E735-0179-41E7-8DC3-74CED378217D}" type="datetime1">
               <a:rPr lang="pt-BR" smtClean="0"/>
               <a:pPr/>
-              <a:t>23/02/2018</a:t>
+              <a:t>02/03/2018</a:t>
             </a:fld>
             <a:endParaRPr lang="pt-BR"/>
           </a:p>
@@ -2149,7 +2151,7 @@
             <a:fld id="{59AA998E-87EE-4A03-B319-74F214514B6B}" type="datetime1">
               <a:rPr lang="pt-BR" smtClean="0"/>
               <a:pPr/>
-              <a:t>23/02/2018</a:t>
+              <a:t>02/03/2018</a:t>
             </a:fld>
             <a:endParaRPr lang="pt-BR"/>
           </a:p>
@@ -2273,7 +2275,7 @@
             <a:fld id="{BEE091FC-907C-4326-AFD0-FCF8C2FCD8C6}" type="datetime1">
               <a:rPr lang="pt-BR" smtClean="0"/>
               <a:pPr/>
-              <a:t>23/02/2018</a:t>
+              <a:t>02/03/2018</a:t>
             </a:fld>
             <a:endParaRPr lang="pt-BR"/>
           </a:p>
@@ -2374,7 +2376,7 @@
             <a:fld id="{88CA3AC6-0146-4B9A-8317-06DA962E26B3}" type="datetime1">
               <a:rPr lang="pt-BR" smtClean="0"/>
               <a:pPr/>
-              <a:t>23/02/2018</a:t>
+              <a:t>02/03/2018</a:t>
             </a:fld>
             <a:endParaRPr lang="pt-BR"/>
           </a:p>
@@ -2657,7 +2659,7 @@
             <a:fld id="{6AA6AB33-8A5F-4EB0-8265-64AD54D2922F}" type="datetime1">
               <a:rPr lang="pt-BR" smtClean="0"/>
               <a:pPr/>
-              <a:t>23/02/2018</a:t>
+              <a:t>02/03/2018</a:t>
             </a:fld>
             <a:endParaRPr lang="pt-BR"/>
           </a:p>
@@ -2916,7 +2918,7 @@
             <a:fld id="{59D83328-E52B-496D-8D9B-1EB9C9BF2321}" type="datetime1">
               <a:rPr lang="pt-BR" smtClean="0"/>
               <a:pPr/>
-              <a:t>23/02/2018</a:t>
+              <a:t>02/03/2018</a:t>
             </a:fld>
             <a:endParaRPr lang="pt-BR"/>
           </a:p>
@@ -3135,7 +3137,7 @@
             <a:fld id="{884AA605-E3A0-4E4E-A893-06E068C17BFB}" type="datetime1">
               <a:rPr lang="pt-BR" smtClean="0"/>
               <a:pPr/>
-              <a:t>23/02/2018</a:t>
+              <a:t>02/03/2018</a:t>
             </a:fld>
             <a:endParaRPr lang="pt-BR"/>
           </a:p>
@@ -8800,6 +8802,35 @@
           </a:fontRef>
         </p:style>
       </p:cxnSp>
+      <p:sp>
+        <p:nvSpPr>
+          <p:cNvPr id="80" name="CaixaDeTexto 79"/>
+          <p:cNvSpPr txBox="1"/>
+          <p:nvPr/>
+        </p:nvSpPr>
+        <p:spPr>
+          <a:xfrm>
+            <a:off x="3642043" y="5467402"/>
+            <a:ext cx="290464" cy="369332"/>
+          </a:xfrm>
+          <a:prstGeom prst="rect">
+            <a:avLst/>
+          </a:prstGeom>
+          <a:noFill/>
+        </p:spPr>
+        <p:txBody>
+          <a:bodyPr wrap="none" rtlCol="0">
+            <a:spAutoFit/>
+          </a:bodyPr>
+          <a:lstStyle/>
+          <a:p>
+            <a:r>
+              <a:rPr lang="pt-BR" dirty="0"/>
+              <a:t>S</a:t>
+            </a:r>
+          </a:p>
+        </p:txBody>
+      </p:sp>
     </p:spTree>
     <p:extLst>
       <p:ext uri="{BB962C8B-B14F-4D97-AF65-F5344CB8AC3E}">
@@ -8896,7 +8927,7 @@
         </p:nvSpPr>
         <p:spPr>
           <a:xfrm>
-            <a:off x="566670" y="1694329"/>
+            <a:off x="566669" y="1694328"/>
             <a:ext cx="11050073" cy="4590561"/>
           </a:xfrm>
           <a:prstGeom prst="rect">
@@ -8905,7 +8936,7 @@
           <a:noFill/>
           <a:ln w="28575">
             <a:solidFill>
-              <a:srgbClr val="00FFCC"/>
+              <a:srgbClr val="7030A0"/>
             </a:solidFill>
           </a:ln>
         </p:spPr>
@@ -8936,57 +8967,14 @@
       </p:sp>
       <p:sp>
         <p:nvSpPr>
-          <p:cNvPr id="11" name="Título 1"/>
-          <p:cNvSpPr>
-            <a:spLocks noGrp="1"/>
-          </p:cNvSpPr>
-          <p:nvPr>
-            <p:ph type="title"/>
-          </p:nvPr>
-        </p:nvSpPr>
-        <p:spPr>
-          <a:xfrm>
-            <a:off x="3730222" y="1276729"/>
-            <a:ext cx="4291200" cy="835200"/>
-          </a:xfrm>
-          <a:prstGeom prst="flowChartAlternateProcess">
-            <a:avLst/>
-          </a:prstGeom>
-          <a:solidFill>
-            <a:srgbClr val="00FFCC"/>
-          </a:solidFill>
-        </p:spPr>
-        <p:txBody>
-          <a:bodyPr>
-            <a:normAutofit/>
-          </a:bodyPr>
-          <a:lstStyle/>
-          <a:p>
-            <a:pPr algn="ctr"/>
-            <a:r>
-              <a:rPr lang="pt-BR" sz="4000" dirty="0" smtClean="0">
-                <a:latin typeface="Rockwell Condensed" panose="02060603050405020104" pitchFamily="18" charset="0"/>
-                <a:cs typeface="Times New Roman" panose="02020603050405020304" pitchFamily="18" charset="0"/>
-              </a:rPr>
-              <a:t>RESULTADOS</a:t>
-            </a:r>
-            <a:endParaRPr lang="pt-BR" sz="4000" dirty="0">
-              <a:latin typeface="Rockwell Condensed" panose="02060603050405020104" pitchFamily="18" charset="0"/>
-              <a:cs typeface="Times New Roman" panose="02020603050405020304" pitchFamily="18" charset="0"/>
-            </a:endParaRPr>
-          </a:p>
-        </p:txBody>
-      </p:sp>
-      <p:sp>
-        <p:nvSpPr>
-          <p:cNvPr id="9" name="Retângulo 8"/>
+          <p:cNvPr id="17" name="Retângulo 16"/>
           <p:cNvSpPr/>
           <p:nvPr/>
         </p:nvSpPr>
         <p:spPr>
           <a:xfrm>
-            <a:off x="837127" y="2176284"/>
-            <a:ext cx="9990085" cy="3970318"/>
+            <a:off x="1037639" y="1817888"/>
+            <a:ext cx="9990085" cy="1508105"/>
           </a:xfrm>
           <a:prstGeom prst="rect">
             <a:avLst/>
@@ -8998,110 +8986,2824 @@
           </a:bodyPr>
           <a:lstStyle/>
           <a:p>
-            <a:pPr marL="566928" indent="-457200" algn="just">
-              <a:buFont typeface="Arial" pitchFamily="34" charset="0"/>
-              <a:buChar char="•"/>
-            </a:pPr>
-            <a:endParaRPr lang="pt-BR" sz="2800" dirty="0" smtClean="0">
-              <a:latin typeface="Rockwell Condensed" panose="02060603050405020104" pitchFamily="18" charset="0"/>
-            </a:endParaRPr>
-          </a:p>
-          <a:p>
-            <a:pPr marL="566928" indent="-457200" algn="just">
-              <a:buFont typeface="Arial" pitchFamily="34" charset="0"/>
-              <a:buChar char="•"/>
-            </a:pPr>
-            <a:r>
-              <a:rPr lang="pt-BR" sz="2800" dirty="0" smtClean="0">
+            <a:pPr marL="109728" algn="ctr"/>
+            <a:r>
+              <a:rPr lang="pt-BR" sz="3200" dirty="0" smtClean="0">
+                <a:solidFill>
+                  <a:srgbClr val="FF0000"/>
+                </a:solidFill>
                 <a:latin typeface="Rockwell Condensed" panose="02060603050405020104" pitchFamily="18" charset="0"/>
               </a:rPr>
-              <a:t>Controle dos acessos aos laboratórios através do módulo MFRC 522;</a:t>
-            </a:r>
-          </a:p>
-          <a:p>
-            <a:pPr marL="566928" indent="-457200" algn="just">
-              <a:buFont typeface="Arial" pitchFamily="34" charset="0"/>
-              <a:buChar char="•"/>
-            </a:pPr>
-            <a:endParaRPr lang="pt-BR" sz="2800" dirty="0" smtClean="0">
-              <a:latin typeface="Rockwell Condensed" panose="02060603050405020104" pitchFamily="18" charset="0"/>
-            </a:endParaRPr>
-          </a:p>
-          <a:p>
-            <a:pPr marL="566928" indent="-457200" algn="just">
-              <a:buFont typeface="Arial" pitchFamily="34" charset="0"/>
-              <a:buChar char="•"/>
-            </a:pPr>
-            <a:r>
-              <a:rPr lang="pt-BR" sz="2800" dirty="0" smtClean="0">
+              <a:t>Fluxograma </a:t>
+            </a:r>
+            <a:r>
+              <a:rPr lang="pt-BR" sz="3200" dirty="0" smtClean="0">
+                <a:solidFill>
+                  <a:srgbClr val="FF0000"/>
+                </a:solidFill>
                 <a:latin typeface="Rockwell Condensed" panose="02060603050405020104" pitchFamily="18" charset="0"/>
               </a:rPr>
-              <a:t>Reservas;</a:t>
-            </a:r>
-          </a:p>
-          <a:p>
-            <a:pPr marL="566928" indent="-457200" algn="just">
-              <a:buFont typeface="Arial" pitchFamily="34" charset="0"/>
-              <a:buChar char="•"/>
-            </a:pPr>
-            <a:endParaRPr lang="pt-BR" sz="2800" dirty="0">
-              <a:latin typeface="Rockwell Condensed" panose="02060603050405020104" pitchFamily="18" charset="0"/>
-            </a:endParaRPr>
-          </a:p>
-          <a:p>
-            <a:pPr marL="566928" indent="-457200" algn="just">
-              <a:buFont typeface="Arial" pitchFamily="34" charset="0"/>
-              <a:buChar char="•"/>
-            </a:pPr>
-            <a:r>
-              <a:rPr lang="pt-BR" sz="2800" dirty="0" smtClean="0">
+              <a:t>do código do </a:t>
+            </a:r>
+            <a:r>
+              <a:rPr lang="pt-BR" sz="3200" dirty="0" err="1" smtClean="0">
+                <a:solidFill>
+                  <a:srgbClr val="FF0000"/>
+                </a:solidFill>
                 <a:latin typeface="Rockwell Condensed" panose="02060603050405020104" pitchFamily="18" charset="0"/>
               </a:rPr>
-              <a:t>Interface web interativa, com boa estética e fácil de se trabalhar;</a:t>
-            </a:r>
-          </a:p>
-          <a:p>
-            <a:pPr marL="566928" indent="-457200" algn="just">
-              <a:buFont typeface="Arial" pitchFamily="34" charset="0"/>
-              <a:buChar char="•"/>
-            </a:pPr>
-            <a:endParaRPr lang="pt-BR" sz="2800" dirty="0">
-              <a:latin typeface="Rockwell Condensed" panose="02060603050405020104" pitchFamily="18" charset="0"/>
-            </a:endParaRPr>
-          </a:p>
-          <a:p>
-            <a:pPr marL="566928" indent="-457200" algn="just">
-              <a:buFont typeface="Arial" pitchFamily="34" charset="0"/>
-              <a:buChar char="•"/>
-            </a:pPr>
-            <a:r>
-              <a:rPr lang="pt-BR" sz="2800" dirty="0" smtClean="0">
-                <a:latin typeface="Rockwell Condensed" panose="02060603050405020104" pitchFamily="18" charset="0"/>
-              </a:rPr>
-              <a:t>Utilização do controle de acesso mesmo sem o funcionamento da rede.</a:t>
-            </a:r>
-            <a:endParaRPr lang="pt-BR" sz="2800" dirty="0">
-              <a:latin typeface="Rockwell Condensed" panose="02060603050405020104" pitchFamily="18" charset="0"/>
-            </a:endParaRPr>
-          </a:p>
-          <a:p>
-            <a:pPr marL="566928" indent="-457200" algn="just">
-              <a:buFont typeface="Arial" pitchFamily="34" charset="0"/>
-              <a:buChar char="•"/>
-            </a:pPr>
-            <a:endParaRPr lang="pt-BR" sz="2800" dirty="0" smtClean="0">
+              <a:t>NodeMCU</a:t>
+            </a:r>
+            <a:endParaRPr lang="pt-BR" sz="3200" dirty="0">
               <a:solidFill>
                 <a:srgbClr val="FF0000"/>
               </a:solidFill>
               <a:latin typeface="Rockwell Condensed" panose="02060603050405020104" pitchFamily="18" charset="0"/>
             </a:endParaRPr>
           </a:p>
+          <a:p>
+            <a:pPr marL="109728" algn="ctr"/>
+            <a:endParaRPr lang="pt-BR" sz="3200" dirty="0">
+              <a:solidFill>
+                <a:srgbClr val="FF0000"/>
+              </a:solidFill>
+              <a:latin typeface="Rockwell Condensed" panose="02060603050405020104" pitchFamily="18" charset="0"/>
+            </a:endParaRPr>
+          </a:p>
+          <a:p>
+            <a:pPr marL="109728" indent="0" algn="ctr">
+              <a:buNone/>
+            </a:pPr>
+            <a:endParaRPr lang="pt-BR" sz="2800" dirty="0" smtClean="0">
+              <a:latin typeface="Rockwell Condensed" panose="02060603050405020104" pitchFamily="18" charset="0"/>
+            </a:endParaRPr>
+          </a:p>
+        </p:txBody>
+      </p:sp>
+      <p:sp>
+        <p:nvSpPr>
+          <p:cNvPr id="2" name="Retângulo 1"/>
+          <p:cNvSpPr/>
+          <p:nvPr/>
+        </p:nvSpPr>
+        <p:spPr>
+          <a:xfrm>
+            <a:off x="3088023" y="2643073"/>
+            <a:ext cx="757253" cy="322118"/>
+          </a:xfrm>
+          <a:prstGeom prst="rect">
+            <a:avLst/>
+          </a:prstGeom>
+        </p:spPr>
+        <p:style>
+          <a:lnRef idx="2">
+            <a:schemeClr val="accent1">
+              <a:shade val="50000"/>
+            </a:schemeClr>
+          </a:lnRef>
+          <a:fillRef idx="1">
+            <a:schemeClr val="accent1"/>
+          </a:fillRef>
+          <a:effectRef idx="0">
+            <a:schemeClr val="accent1"/>
+          </a:effectRef>
+          <a:fontRef idx="minor">
+            <a:schemeClr val="lt1"/>
+          </a:fontRef>
+        </p:style>
+        <p:txBody>
+          <a:bodyPr rtlCol="0" anchor="ctr"/>
+          <a:lstStyle/>
+          <a:p>
+            <a:pPr algn="ctr"/>
+            <a:r>
+              <a:rPr lang="pt-BR" dirty="0" smtClean="0"/>
+              <a:t>inicio</a:t>
+            </a:r>
+            <a:endParaRPr lang="pt-BR" dirty="0"/>
+          </a:p>
+        </p:txBody>
+      </p:sp>
+      <p:sp>
+        <p:nvSpPr>
+          <p:cNvPr id="3" name="Elipse 2"/>
+          <p:cNvSpPr/>
+          <p:nvPr/>
+        </p:nvSpPr>
+        <p:spPr>
+          <a:xfrm>
+            <a:off x="3362739" y="3214473"/>
+            <a:ext cx="213655" cy="238991"/>
+          </a:xfrm>
+          <a:prstGeom prst="ellipse">
+            <a:avLst/>
+          </a:prstGeom>
+        </p:spPr>
+        <p:style>
+          <a:lnRef idx="2">
+            <a:schemeClr val="accent1">
+              <a:shade val="50000"/>
+            </a:schemeClr>
+          </a:lnRef>
+          <a:fillRef idx="1">
+            <a:schemeClr val="accent1"/>
+          </a:fillRef>
+          <a:effectRef idx="0">
+            <a:schemeClr val="accent1"/>
+          </a:effectRef>
+          <a:fontRef idx="minor">
+            <a:schemeClr val="lt1"/>
+          </a:fontRef>
+        </p:style>
+        <p:txBody>
+          <a:bodyPr rtlCol="0" anchor="ctr"/>
+          <a:lstStyle/>
+          <a:p>
+            <a:pPr algn="ctr"/>
+            <a:r>
+              <a:rPr lang="pt-BR" dirty="0"/>
+              <a:t>A</a:t>
+            </a:r>
+          </a:p>
+        </p:txBody>
+      </p:sp>
+      <p:cxnSp>
+        <p:nvCxnSpPr>
+          <p:cNvPr id="6" name="Conector de seta reta 5"/>
+          <p:cNvCxnSpPr>
+            <a:stCxn id="2" idx="2"/>
+            <a:endCxn id="3" idx="0"/>
+          </p:cNvCxnSpPr>
+          <p:nvPr/>
+        </p:nvCxnSpPr>
+        <p:spPr>
+          <a:xfrm>
+            <a:off x="3466650" y="2965191"/>
+            <a:ext cx="2917" cy="249282"/>
+          </a:xfrm>
+          <a:prstGeom prst="straightConnector1">
+            <a:avLst/>
+          </a:prstGeom>
+          <a:ln>
+            <a:tailEnd type="arrow"/>
+          </a:ln>
+        </p:spPr>
+        <p:style>
+          <a:lnRef idx="1">
+            <a:schemeClr val="accent1"/>
+          </a:lnRef>
+          <a:fillRef idx="0">
+            <a:schemeClr val="accent1"/>
+          </a:fillRef>
+          <a:effectRef idx="0">
+            <a:schemeClr val="accent1"/>
+          </a:effectRef>
+          <a:fontRef idx="minor">
+            <a:schemeClr val="tx1"/>
+          </a:fontRef>
+        </p:style>
+      </p:cxnSp>
+      <p:sp>
+        <p:nvSpPr>
+          <p:cNvPr id="7" name="Losango 6"/>
+          <p:cNvSpPr/>
+          <p:nvPr/>
+        </p:nvSpPr>
+        <p:spPr>
+          <a:xfrm>
+            <a:off x="2805618" y="3673296"/>
+            <a:ext cx="1327897" cy="843045"/>
+          </a:xfrm>
+          <a:prstGeom prst="diamond">
+            <a:avLst/>
+          </a:prstGeom>
+        </p:spPr>
+        <p:style>
+          <a:lnRef idx="2">
+            <a:schemeClr val="accent1">
+              <a:shade val="50000"/>
+            </a:schemeClr>
+          </a:lnRef>
+          <a:fillRef idx="1">
+            <a:schemeClr val="accent1"/>
+          </a:fillRef>
+          <a:effectRef idx="0">
+            <a:schemeClr val="accent1"/>
+          </a:effectRef>
+          <a:fontRef idx="minor">
+            <a:schemeClr val="lt1"/>
+          </a:fontRef>
+        </p:style>
+        <p:txBody>
+          <a:bodyPr rtlCol="0" anchor="ctr"/>
+          <a:lstStyle/>
+          <a:p>
+            <a:pPr algn="ctr"/>
+            <a:r>
+              <a:rPr lang="pt-BR" dirty="0" smtClean="0"/>
+              <a:t>Tem </a:t>
+            </a:r>
+            <a:r>
+              <a:rPr lang="pt-BR" dirty="0" err="1" smtClean="0"/>
+              <a:t>tag</a:t>
+            </a:r>
+            <a:r>
+              <a:rPr lang="pt-BR" dirty="0" smtClean="0"/>
+              <a:t>?</a:t>
+            </a:r>
+            <a:endParaRPr lang="pt-BR" dirty="0"/>
+          </a:p>
+        </p:txBody>
+      </p:sp>
+      <p:cxnSp>
+        <p:nvCxnSpPr>
+          <p:cNvPr id="14" name="Conector de seta reta 13"/>
+          <p:cNvCxnSpPr>
+            <a:stCxn id="3" idx="4"/>
+            <a:endCxn id="7" idx="0"/>
+          </p:cNvCxnSpPr>
+          <p:nvPr/>
+        </p:nvCxnSpPr>
+        <p:spPr>
+          <a:xfrm>
+            <a:off x="3469567" y="3453464"/>
+            <a:ext cx="0" cy="219832"/>
+          </a:xfrm>
+          <a:prstGeom prst="straightConnector1">
+            <a:avLst/>
+          </a:prstGeom>
+          <a:ln>
+            <a:tailEnd type="arrow"/>
+          </a:ln>
+        </p:spPr>
+        <p:style>
+          <a:lnRef idx="1">
+            <a:schemeClr val="accent1"/>
+          </a:lnRef>
+          <a:fillRef idx="0">
+            <a:schemeClr val="accent1"/>
+          </a:fillRef>
+          <a:effectRef idx="0">
+            <a:schemeClr val="accent1"/>
+          </a:effectRef>
+          <a:fontRef idx="minor">
+            <a:schemeClr val="tx1"/>
+          </a:fontRef>
+        </p:style>
+      </p:cxnSp>
+      <p:sp>
+        <p:nvSpPr>
+          <p:cNvPr id="21" name="CaixaDeTexto 20"/>
+          <p:cNvSpPr txBox="1"/>
+          <p:nvPr/>
+        </p:nvSpPr>
+        <p:spPr>
+          <a:xfrm>
+            <a:off x="4133515" y="3688071"/>
+            <a:ext cx="333746" cy="369332"/>
+          </a:xfrm>
+          <a:prstGeom prst="rect">
+            <a:avLst/>
+          </a:prstGeom>
+          <a:noFill/>
+        </p:spPr>
+        <p:txBody>
+          <a:bodyPr wrap="none" rtlCol="0">
+            <a:spAutoFit/>
+          </a:bodyPr>
+          <a:lstStyle/>
+          <a:p>
+            <a:r>
+              <a:rPr lang="pt-BR" dirty="0" smtClean="0"/>
+              <a:t>N</a:t>
+            </a:r>
+            <a:endParaRPr lang="pt-BR" dirty="0"/>
+          </a:p>
+        </p:txBody>
+      </p:sp>
+      <p:cxnSp>
+        <p:nvCxnSpPr>
+          <p:cNvPr id="23" name="Conector angulado 22"/>
+          <p:cNvCxnSpPr>
+            <a:stCxn id="7" idx="3"/>
+            <a:endCxn id="3" idx="6"/>
+          </p:cNvCxnSpPr>
+          <p:nvPr/>
+        </p:nvCxnSpPr>
+        <p:spPr>
+          <a:xfrm flipH="1" flipV="1">
+            <a:off x="3576394" y="3333969"/>
+            <a:ext cx="557121" cy="760850"/>
+          </a:xfrm>
+          <a:prstGeom prst="bentConnector3">
+            <a:avLst>
+              <a:gd name="adj1" fmla="val -54088"/>
+            </a:avLst>
+          </a:prstGeom>
+          <a:ln>
+            <a:tailEnd type="arrow"/>
+          </a:ln>
+        </p:spPr>
+        <p:style>
+          <a:lnRef idx="1">
+            <a:schemeClr val="accent1"/>
+          </a:lnRef>
+          <a:fillRef idx="0">
+            <a:schemeClr val="accent1"/>
+          </a:fillRef>
+          <a:effectRef idx="0">
+            <a:schemeClr val="accent1"/>
+          </a:effectRef>
+          <a:fontRef idx="minor">
+            <a:schemeClr val="tx1"/>
+          </a:fontRef>
+        </p:style>
+      </p:cxnSp>
+      <p:sp>
+        <p:nvSpPr>
+          <p:cNvPr id="27" name="CaixaDeTexto 26"/>
+          <p:cNvSpPr txBox="1"/>
+          <p:nvPr/>
+        </p:nvSpPr>
+        <p:spPr>
+          <a:xfrm>
+            <a:off x="3700044" y="4404975"/>
+            <a:ext cx="290464" cy="369332"/>
+          </a:xfrm>
+          <a:prstGeom prst="rect">
+            <a:avLst/>
+          </a:prstGeom>
+          <a:noFill/>
+        </p:spPr>
+        <p:txBody>
+          <a:bodyPr wrap="none" rtlCol="0">
+            <a:spAutoFit/>
+          </a:bodyPr>
+          <a:lstStyle/>
+          <a:p>
+            <a:r>
+              <a:rPr lang="pt-BR" dirty="0"/>
+              <a:t>S</a:t>
+            </a:r>
+          </a:p>
+        </p:txBody>
+      </p:sp>
+      <p:sp>
+        <p:nvSpPr>
+          <p:cNvPr id="28" name="Losango 27"/>
+          <p:cNvSpPr/>
+          <p:nvPr/>
+        </p:nvSpPr>
+        <p:spPr>
+          <a:xfrm>
+            <a:off x="2719264" y="4699557"/>
+            <a:ext cx="1494770" cy="843045"/>
+          </a:xfrm>
+          <a:prstGeom prst="diamond">
+            <a:avLst/>
+          </a:prstGeom>
+        </p:spPr>
+        <p:style>
+          <a:lnRef idx="2">
+            <a:schemeClr val="accent1">
+              <a:shade val="50000"/>
+            </a:schemeClr>
+          </a:lnRef>
+          <a:fillRef idx="1">
+            <a:schemeClr val="accent1"/>
+          </a:fillRef>
+          <a:effectRef idx="0">
+            <a:schemeClr val="accent1"/>
+          </a:effectRef>
+          <a:fontRef idx="minor">
+            <a:schemeClr val="lt1"/>
+          </a:fontRef>
+        </p:style>
+        <p:txBody>
+          <a:bodyPr rtlCol="0" anchor="ctr"/>
+          <a:lstStyle/>
+          <a:p>
+            <a:pPr algn="ctr"/>
+            <a:r>
+              <a:rPr lang="pt-BR" dirty="0" smtClean="0"/>
+              <a:t>Tem rede?</a:t>
+            </a:r>
+            <a:endParaRPr lang="pt-BR" dirty="0"/>
+          </a:p>
+        </p:txBody>
+      </p:sp>
+      <p:cxnSp>
+        <p:nvCxnSpPr>
+          <p:cNvPr id="29" name="Conector de seta reta 28"/>
+          <p:cNvCxnSpPr>
+            <a:endCxn id="28" idx="0"/>
+          </p:cNvCxnSpPr>
+          <p:nvPr/>
+        </p:nvCxnSpPr>
+        <p:spPr>
+          <a:xfrm flipH="1">
+            <a:off x="3466649" y="4479725"/>
+            <a:ext cx="4818" cy="219832"/>
+          </a:xfrm>
+          <a:prstGeom prst="straightConnector1">
+            <a:avLst/>
+          </a:prstGeom>
+          <a:ln>
+            <a:tailEnd type="arrow"/>
+          </a:ln>
+        </p:spPr>
+        <p:style>
+          <a:lnRef idx="1">
+            <a:schemeClr val="accent1"/>
+          </a:lnRef>
+          <a:fillRef idx="0">
+            <a:schemeClr val="accent1"/>
+          </a:fillRef>
+          <a:effectRef idx="0">
+            <a:schemeClr val="accent1"/>
+          </a:effectRef>
+          <a:fontRef idx="minor">
+            <a:schemeClr val="tx1"/>
+          </a:fontRef>
+        </p:style>
+      </p:cxnSp>
+      <p:cxnSp>
+        <p:nvCxnSpPr>
+          <p:cNvPr id="30" name="Conector de seta reta 29"/>
+          <p:cNvCxnSpPr/>
+          <p:nvPr/>
+        </p:nvCxnSpPr>
+        <p:spPr>
+          <a:xfrm>
+            <a:off x="4133515" y="5121644"/>
+            <a:ext cx="333746" cy="0"/>
+          </a:xfrm>
+          <a:prstGeom prst="straightConnector1">
+            <a:avLst/>
+          </a:prstGeom>
+          <a:ln>
+            <a:tailEnd type="arrow"/>
+          </a:ln>
+        </p:spPr>
+        <p:style>
+          <a:lnRef idx="1">
+            <a:schemeClr val="accent1"/>
+          </a:lnRef>
+          <a:fillRef idx="0">
+            <a:schemeClr val="accent1"/>
+          </a:fillRef>
+          <a:effectRef idx="0">
+            <a:schemeClr val="accent1"/>
+          </a:effectRef>
+          <a:fontRef idx="minor">
+            <a:schemeClr val="tx1"/>
+          </a:fontRef>
+        </p:style>
+      </p:cxnSp>
+      <p:sp>
+        <p:nvSpPr>
+          <p:cNvPr id="37" name="CaixaDeTexto 36"/>
+          <p:cNvSpPr txBox="1"/>
+          <p:nvPr/>
+        </p:nvSpPr>
+        <p:spPr>
+          <a:xfrm>
+            <a:off x="4237213" y="4699557"/>
+            <a:ext cx="333746" cy="369332"/>
+          </a:xfrm>
+          <a:prstGeom prst="rect">
+            <a:avLst/>
+          </a:prstGeom>
+          <a:noFill/>
+        </p:spPr>
+        <p:txBody>
+          <a:bodyPr wrap="none" rtlCol="0">
+            <a:spAutoFit/>
+          </a:bodyPr>
+          <a:lstStyle/>
+          <a:p>
+            <a:r>
+              <a:rPr lang="pt-BR" dirty="0" smtClean="0"/>
+              <a:t>N</a:t>
+            </a:r>
+            <a:endParaRPr lang="pt-BR" dirty="0"/>
+          </a:p>
+        </p:txBody>
+      </p:sp>
+      <p:sp>
+        <p:nvSpPr>
+          <p:cNvPr id="38" name="Losango 37"/>
+          <p:cNvSpPr/>
+          <p:nvPr/>
+        </p:nvSpPr>
+        <p:spPr>
+          <a:xfrm>
+            <a:off x="4467260" y="4709350"/>
+            <a:ext cx="1528295" cy="843045"/>
+          </a:xfrm>
+          <a:prstGeom prst="diamond">
+            <a:avLst/>
+          </a:prstGeom>
+        </p:spPr>
+        <p:style>
+          <a:lnRef idx="2">
+            <a:schemeClr val="accent1">
+              <a:shade val="50000"/>
+            </a:schemeClr>
+          </a:lnRef>
+          <a:fillRef idx="1">
+            <a:schemeClr val="accent1"/>
+          </a:fillRef>
+          <a:effectRef idx="0">
+            <a:schemeClr val="accent1"/>
+          </a:effectRef>
+          <a:fontRef idx="minor">
+            <a:schemeClr val="lt1"/>
+          </a:fontRef>
+        </p:style>
+        <p:txBody>
+          <a:bodyPr rtlCol="0" anchor="ctr"/>
+          <a:lstStyle/>
+          <a:p>
+            <a:pPr algn="ctr"/>
+            <a:r>
+              <a:rPr lang="pt-BR" dirty="0" smtClean="0"/>
+              <a:t>É o </a:t>
+            </a:r>
+            <a:r>
+              <a:rPr lang="pt-BR" dirty="0" err="1" smtClean="0"/>
+              <a:t>Adm</a:t>
+            </a:r>
+            <a:r>
+              <a:rPr lang="pt-BR" dirty="0" smtClean="0"/>
+              <a:t>?</a:t>
+            </a:r>
+            <a:endParaRPr lang="pt-BR" dirty="0"/>
+          </a:p>
+        </p:txBody>
+      </p:sp>
+      <p:sp>
+        <p:nvSpPr>
+          <p:cNvPr id="5123" name="Retângulo 5122"/>
+          <p:cNvSpPr/>
+          <p:nvPr/>
+        </p:nvSpPr>
+        <p:spPr>
+          <a:xfrm>
+            <a:off x="4404087" y="5829300"/>
+            <a:ext cx="1687618" cy="290945"/>
+          </a:xfrm>
+          <a:prstGeom prst="rect">
+            <a:avLst/>
+          </a:prstGeom>
+        </p:spPr>
+        <p:style>
+          <a:lnRef idx="2">
+            <a:schemeClr val="accent1">
+              <a:shade val="50000"/>
+            </a:schemeClr>
+          </a:lnRef>
+          <a:fillRef idx="1">
+            <a:schemeClr val="accent1"/>
+          </a:fillRef>
+          <a:effectRef idx="0">
+            <a:schemeClr val="accent1"/>
+          </a:effectRef>
+          <a:fontRef idx="minor">
+            <a:schemeClr val="lt1"/>
+          </a:fontRef>
+        </p:style>
+        <p:txBody>
+          <a:bodyPr rtlCol="0" anchor="ctr"/>
+          <a:lstStyle/>
+          <a:p>
+            <a:pPr algn="ctr"/>
+            <a:r>
+              <a:rPr lang="pt-BR" dirty="0" smtClean="0"/>
+              <a:t>Modo PGM</a:t>
+            </a:r>
+            <a:endParaRPr lang="pt-BR" dirty="0"/>
+          </a:p>
+        </p:txBody>
+      </p:sp>
+      <p:cxnSp>
+        <p:nvCxnSpPr>
+          <p:cNvPr id="5125" name="Conector de seta reta 5124"/>
+          <p:cNvCxnSpPr>
+            <a:stCxn id="38" idx="2"/>
+            <a:endCxn id="5123" idx="0"/>
+          </p:cNvCxnSpPr>
+          <p:nvPr/>
+        </p:nvCxnSpPr>
+        <p:spPr>
+          <a:xfrm>
+            <a:off x="5231408" y="5552395"/>
+            <a:ext cx="16488" cy="276905"/>
+          </a:xfrm>
+          <a:prstGeom prst="straightConnector1">
+            <a:avLst/>
+          </a:prstGeom>
+          <a:ln>
+            <a:tailEnd type="arrow"/>
+          </a:ln>
+        </p:spPr>
+        <p:style>
+          <a:lnRef idx="1">
+            <a:schemeClr val="accent1"/>
+          </a:lnRef>
+          <a:fillRef idx="0">
+            <a:schemeClr val="accent1"/>
+          </a:fillRef>
+          <a:effectRef idx="0">
+            <a:schemeClr val="accent1"/>
+          </a:effectRef>
+          <a:fontRef idx="minor">
+            <a:schemeClr val="tx1"/>
+          </a:fontRef>
+        </p:style>
+      </p:cxnSp>
+      <p:cxnSp>
+        <p:nvCxnSpPr>
+          <p:cNvPr id="5128" name="Conector angulado 5127"/>
+          <p:cNvCxnSpPr>
+            <a:stCxn id="38" idx="3"/>
+          </p:cNvCxnSpPr>
+          <p:nvPr/>
+        </p:nvCxnSpPr>
+        <p:spPr>
+          <a:xfrm flipV="1">
+            <a:off x="5995555" y="4589641"/>
+            <a:ext cx="197427" cy="541232"/>
+          </a:xfrm>
+          <a:prstGeom prst="bentConnector2">
+            <a:avLst/>
+          </a:prstGeom>
+          <a:ln>
+            <a:tailEnd type="arrow"/>
+          </a:ln>
+        </p:spPr>
+        <p:style>
+          <a:lnRef idx="1">
+            <a:schemeClr val="accent1"/>
+          </a:lnRef>
+          <a:fillRef idx="0">
+            <a:schemeClr val="accent1"/>
+          </a:fillRef>
+          <a:effectRef idx="0">
+            <a:schemeClr val="accent1"/>
+          </a:effectRef>
+          <a:fontRef idx="minor">
+            <a:schemeClr val="tx1"/>
+          </a:fontRef>
+        </p:style>
+      </p:cxnSp>
+      <p:sp>
+        <p:nvSpPr>
+          <p:cNvPr id="45" name="CaixaDeTexto 44"/>
+          <p:cNvSpPr txBox="1"/>
+          <p:nvPr/>
+        </p:nvSpPr>
+        <p:spPr>
+          <a:xfrm>
+            <a:off x="5390298" y="5459968"/>
+            <a:ext cx="290464" cy="369332"/>
+          </a:xfrm>
+          <a:prstGeom prst="rect">
+            <a:avLst/>
+          </a:prstGeom>
+          <a:noFill/>
+        </p:spPr>
+        <p:txBody>
+          <a:bodyPr wrap="none" rtlCol="0">
+            <a:spAutoFit/>
+          </a:bodyPr>
+          <a:lstStyle/>
+          <a:p>
+            <a:r>
+              <a:rPr lang="pt-BR" dirty="0"/>
+              <a:t>S</a:t>
+            </a:r>
+          </a:p>
+        </p:txBody>
+      </p:sp>
+      <p:sp>
+        <p:nvSpPr>
+          <p:cNvPr id="46" name="Elipse 45"/>
+          <p:cNvSpPr/>
+          <p:nvPr/>
+        </p:nvSpPr>
+        <p:spPr>
+          <a:xfrm>
+            <a:off x="6383030" y="5855276"/>
+            <a:ext cx="213655" cy="238991"/>
+          </a:xfrm>
+          <a:prstGeom prst="ellipse">
+            <a:avLst/>
+          </a:prstGeom>
+        </p:spPr>
+        <p:style>
+          <a:lnRef idx="2">
+            <a:schemeClr val="accent1">
+              <a:shade val="50000"/>
+            </a:schemeClr>
+          </a:lnRef>
+          <a:fillRef idx="1">
+            <a:schemeClr val="accent1"/>
+          </a:fillRef>
+          <a:effectRef idx="0">
+            <a:schemeClr val="accent1"/>
+          </a:effectRef>
+          <a:fontRef idx="minor">
+            <a:schemeClr val="lt1"/>
+          </a:fontRef>
+        </p:style>
+        <p:txBody>
+          <a:bodyPr rtlCol="0" anchor="ctr"/>
+          <a:lstStyle/>
+          <a:p>
+            <a:pPr algn="ctr"/>
+            <a:endParaRPr lang="pt-BR" dirty="0"/>
+          </a:p>
+        </p:txBody>
+      </p:sp>
+      <p:cxnSp>
+        <p:nvCxnSpPr>
+          <p:cNvPr id="5130" name="Conector de seta reta 5129"/>
+          <p:cNvCxnSpPr>
+            <a:stCxn id="5123" idx="3"/>
+            <a:endCxn id="46" idx="2"/>
+          </p:cNvCxnSpPr>
+          <p:nvPr/>
+        </p:nvCxnSpPr>
+        <p:spPr>
+          <a:xfrm flipV="1">
+            <a:off x="6091705" y="5974772"/>
+            <a:ext cx="291325" cy="1"/>
+          </a:xfrm>
+          <a:prstGeom prst="straightConnector1">
+            <a:avLst/>
+          </a:prstGeom>
+          <a:ln>
+            <a:tailEnd type="arrow"/>
+          </a:ln>
+        </p:spPr>
+        <p:style>
+          <a:lnRef idx="1">
+            <a:schemeClr val="accent1"/>
+          </a:lnRef>
+          <a:fillRef idx="0">
+            <a:schemeClr val="accent1"/>
+          </a:fillRef>
+          <a:effectRef idx="0">
+            <a:schemeClr val="accent1"/>
+          </a:effectRef>
+          <a:fontRef idx="minor">
+            <a:schemeClr val="tx1"/>
+          </a:fontRef>
+        </p:style>
+      </p:cxnSp>
+      <p:sp>
+        <p:nvSpPr>
+          <p:cNvPr id="49" name="CaixaDeTexto 48"/>
+          <p:cNvSpPr txBox="1"/>
+          <p:nvPr/>
+        </p:nvSpPr>
+        <p:spPr>
+          <a:xfrm>
+            <a:off x="5760522" y="4699557"/>
+            <a:ext cx="333746" cy="369332"/>
+          </a:xfrm>
+          <a:prstGeom prst="rect">
+            <a:avLst/>
+          </a:prstGeom>
+          <a:noFill/>
+        </p:spPr>
+        <p:txBody>
+          <a:bodyPr wrap="none" rtlCol="0">
+            <a:spAutoFit/>
+          </a:bodyPr>
+          <a:lstStyle/>
+          <a:p>
+            <a:r>
+              <a:rPr lang="pt-BR" dirty="0" smtClean="0"/>
+              <a:t>N</a:t>
+            </a:r>
+            <a:endParaRPr lang="pt-BR" dirty="0"/>
+          </a:p>
+        </p:txBody>
+      </p:sp>
+      <p:cxnSp>
+        <p:nvCxnSpPr>
+          <p:cNvPr id="5132" name="Conector angulado 5131"/>
+          <p:cNvCxnSpPr>
+            <a:stCxn id="28" idx="2"/>
+          </p:cNvCxnSpPr>
+          <p:nvPr/>
+        </p:nvCxnSpPr>
+        <p:spPr>
+          <a:xfrm rot="16200000" flipH="1">
+            <a:off x="3325709" y="5683542"/>
+            <a:ext cx="286698" cy="4818"/>
+          </a:xfrm>
+          <a:prstGeom prst="bentConnector3">
+            <a:avLst/>
+          </a:prstGeom>
+          <a:ln>
+            <a:tailEnd type="arrow"/>
+          </a:ln>
+        </p:spPr>
+        <p:style>
+          <a:lnRef idx="1">
+            <a:schemeClr val="accent1"/>
+          </a:lnRef>
+          <a:fillRef idx="0">
+            <a:schemeClr val="accent1"/>
+          </a:fillRef>
+          <a:effectRef idx="0">
+            <a:schemeClr val="accent1"/>
+          </a:effectRef>
+          <a:fontRef idx="minor">
+            <a:schemeClr val="tx1"/>
+          </a:fontRef>
+        </p:style>
+      </p:cxnSp>
+      <p:sp>
+        <p:nvSpPr>
+          <p:cNvPr id="53" name="Retângulo 52"/>
+          <p:cNvSpPr/>
+          <p:nvPr/>
+        </p:nvSpPr>
+        <p:spPr>
+          <a:xfrm>
+            <a:off x="2627658" y="5829298"/>
+            <a:ext cx="1687618" cy="290945"/>
+          </a:xfrm>
+          <a:prstGeom prst="rect">
+            <a:avLst/>
+          </a:prstGeom>
+        </p:spPr>
+        <p:style>
+          <a:lnRef idx="2">
+            <a:schemeClr val="accent1">
+              <a:shade val="50000"/>
+            </a:schemeClr>
+          </a:lnRef>
+          <a:fillRef idx="1">
+            <a:schemeClr val="accent1"/>
+          </a:fillRef>
+          <a:effectRef idx="0">
+            <a:schemeClr val="accent1"/>
+          </a:effectRef>
+          <a:fontRef idx="minor">
+            <a:schemeClr val="lt1"/>
+          </a:fontRef>
+        </p:style>
+        <p:txBody>
+          <a:bodyPr rtlCol="0" anchor="ctr"/>
+          <a:lstStyle/>
+          <a:p>
+            <a:pPr algn="ctr"/>
+            <a:r>
+              <a:rPr lang="pt-BR" dirty="0" smtClean="0"/>
+              <a:t>Consulta banco</a:t>
+            </a:r>
+            <a:endParaRPr lang="pt-BR" dirty="0"/>
+          </a:p>
+        </p:txBody>
+      </p:sp>
+      <p:cxnSp>
+        <p:nvCxnSpPr>
+          <p:cNvPr id="5136" name="Conector angulado 5135"/>
+          <p:cNvCxnSpPr>
+            <a:stCxn id="53" idx="1"/>
+            <a:endCxn id="60" idx="3"/>
+          </p:cNvCxnSpPr>
+          <p:nvPr/>
+        </p:nvCxnSpPr>
+        <p:spPr>
+          <a:xfrm rot="10800000">
+            <a:off x="2344550" y="5721281"/>
+            <a:ext cx="283108" cy="253490"/>
+          </a:xfrm>
+          <a:prstGeom prst="bentConnector3">
+            <a:avLst>
+              <a:gd name="adj1" fmla="val 50000"/>
+            </a:avLst>
+          </a:prstGeom>
+          <a:ln>
+            <a:tailEnd type="arrow"/>
+          </a:ln>
+        </p:spPr>
+        <p:style>
+          <a:lnRef idx="1">
+            <a:schemeClr val="accent1"/>
+          </a:lnRef>
+          <a:fillRef idx="0">
+            <a:schemeClr val="accent1"/>
+          </a:fillRef>
+          <a:effectRef idx="0">
+            <a:schemeClr val="accent1"/>
+          </a:effectRef>
+          <a:fontRef idx="minor">
+            <a:schemeClr val="tx1"/>
+          </a:fontRef>
+        </p:style>
+      </p:cxnSp>
+      <p:sp>
+        <p:nvSpPr>
+          <p:cNvPr id="60" name="Losango 59"/>
+          <p:cNvSpPr/>
+          <p:nvPr/>
+        </p:nvSpPr>
+        <p:spPr>
+          <a:xfrm>
+            <a:off x="849780" y="5249580"/>
+            <a:ext cx="1494770" cy="943402"/>
+          </a:xfrm>
+          <a:prstGeom prst="diamond">
+            <a:avLst/>
+          </a:prstGeom>
+        </p:spPr>
+        <p:style>
+          <a:lnRef idx="2">
+            <a:schemeClr val="accent1">
+              <a:shade val="50000"/>
+            </a:schemeClr>
+          </a:lnRef>
+          <a:fillRef idx="1">
+            <a:schemeClr val="accent1"/>
+          </a:fillRef>
+          <a:effectRef idx="0">
+            <a:schemeClr val="accent1"/>
+          </a:effectRef>
+          <a:fontRef idx="minor">
+            <a:schemeClr val="lt1"/>
+          </a:fontRef>
+        </p:style>
+        <p:txBody>
+          <a:bodyPr rtlCol="0" anchor="ctr"/>
+          <a:lstStyle/>
+          <a:p>
+            <a:pPr algn="ctr"/>
+            <a:r>
+              <a:rPr lang="pt-BR" dirty="0" err="1" smtClean="0"/>
+              <a:t>Tag</a:t>
+            </a:r>
+            <a:r>
+              <a:rPr lang="pt-BR" dirty="0" smtClean="0"/>
+              <a:t> habilitada?</a:t>
+            </a:r>
+            <a:endParaRPr lang="pt-BR" dirty="0"/>
+          </a:p>
+        </p:txBody>
+      </p:sp>
+      <p:cxnSp>
+        <p:nvCxnSpPr>
+          <p:cNvPr id="40" name="Conector angulado 39"/>
+          <p:cNvCxnSpPr>
+            <a:stCxn id="60" idx="0"/>
+            <a:endCxn id="81" idx="2"/>
+          </p:cNvCxnSpPr>
+          <p:nvPr/>
+        </p:nvCxnSpPr>
+        <p:spPr>
+          <a:xfrm rot="5400000" flipH="1" flipV="1">
+            <a:off x="1772568" y="4559711"/>
+            <a:ext cx="514467" cy="865273"/>
+          </a:xfrm>
+          <a:prstGeom prst="bentConnector3">
+            <a:avLst>
+              <a:gd name="adj1" fmla="val 50000"/>
+            </a:avLst>
+          </a:prstGeom>
+          <a:ln>
+            <a:tailEnd type="arrow"/>
+          </a:ln>
+        </p:spPr>
+        <p:style>
+          <a:lnRef idx="1">
+            <a:schemeClr val="accent1"/>
+          </a:lnRef>
+          <a:fillRef idx="0">
+            <a:schemeClr val="accent1"/>
+          </a:fillRef>
+          <a:effectRef idx="0">
+            <a:schemeClr val="accent1"/>
+          </a:effectRef>
+          <a:fontRef idx="minor">
+            <a:schemeClr val="tx1"/>
+          </a:fontRef>
+        </p:style>
+      </p:cxnSp>
+      <p:sp>
+        <p:nvSpPr>
+          <p:cNvPr id="81" name="Retângulo 80"/>
+          <p:cNvSpPr/>
+          <p:nvPr/>
+        </p:nvSpPr>
+        <p:spPr>
+          <a:xfrm>
+            <a:off x="1995055" y="4444168"/>
+            <a:ext cx="934765" cy="290945"/>
+          </a:xfrm>
+          <a:prstGeom prst="rect">
+            <a:avLst/>
+          </a:prstGeom>
+        </p:spPr>
+        <p:style>
+          <a:lnRef idx="2">
+            <a:schemeClr val="accent1">
+              <a:shade val="50000"/>
+            </a:schemeClr>
+          </a:lnRef>
+          <a:fillRef idx="1">
+            <a:schemeClr val="accent1"/>
+          </a:fillRef>
+          <a:effectRef idx="0">
+            <a:schemeClr val="accent1"/>
+          </a:effectRef>
+          <a:fontRef idx="minor">
+            <a:schemeClr val="lt1"/>
+          </a:fontRef>
+        </p:style>
+        <p:txBody>
+          <a:bodyPr rtlCol="0" anchor="ctr"/>
+          <a:lstStyle/>
+          <a:p>
+            <a:pPr algn="ctr"/>
+            <a:r>
+              <a:rPr lang="pt-BR" dirty="0" smtClean="0"/>
+              <a:t>libera</a:t>
+            </a:r>
+            <a:endParaRPr lang="pt-BR" dirty="0"/>
+          </a:p>
+        </p:txBody>
+      </p:sp>
+      <p:sp>
+        <p:nvSpPr>
+          <p:cNvPr id="88" name="Retângulo 87"/>
+          <p:cNvSpPr/>
+          <p:nvPr/>
+        </p:nvSpPr>
+        <p:spPr>
+          <a:xfrm>
+            <a:off x="693364" y="4444167"/>
+            <a:ext cx="1125045" cy="290945"/>
+          </a:xfrm>
+          <a:prstGeom prst="rect">
+            <a:avLst/>
+          </a:prstGeom>
+        </p:spPr>
+        <p:style>
+          <a:lnRef idx="2">
+            <a:schemeClr val="accent1">
+              <a:shade val="50000"/>
+            </a:schemeClr>
+          </a:lnRef>
+          <a:fillRef idx="1">
+            <a:schemeClr val="accent1"/>
+          </a:fillRef>
+          <a:effectRef idx="0">
+            <a:schemeClr val="accent1"/>
+          </a:effectRef>
+          <a:fontRef idx="minor">
+            <a:schemeClr val="lt1"/>
+          </a:fontRef>
+        </p:style>
+        <p:txBody>
+          <a:bodyPr rtlCol="0" anchor="ctr"/>
+          <a:lstStyle/>
+          <a:p>
+            <a:pPr algn="ctr"/>
+            <a:r>
+              <a:rPr lang="pt-BR" dirty="0" smtClean="0"/>
+              <a:t>bloqueia</a:t>
+            </a:r>
+            <a:endParaRPr lang="pt-BR" dirty="0"/>
+          </a:p>
+        </p:txBody>
+      </p:sp>
+      <p:cxnSp>
+        <p:nvCxnSpPr>
+          <p:cNvPr id="58" name="Conector angulado 57"/>
+          <p:cNvCxnSpPr>
+            <a:stCxn id="60" idx="1"/>
+            <a:endCxn id="88" idx="2"/>
+          </p:cNvCxnSpPr>
+          <p:nvPr/>
+        </p:nvCxnSpPr>
+        <p:spPr>
+          <a:xfrm rot="10800000" flipH="1">
+            <a:off x="849779" y="4735113"/>
+            <a:ext cx="406107" cy="986169"/>
+          </a:xfrm>
+          <a:prstGeom prst="bentConnector4">
+            <a:avLst>
+              <a:gd name="adj1" fmla="val -56291"/>
+              <a:gd name="adj2" fmla="val 73916"/>
+            </a:avLst>
+          </a:prstGeom>
+          <a:ln>
+            <a:tailEnd type="arrow"/>
+          </a:ln>
+        </p:spPr>
+        <p:style>
+          <a:lnRef idx="1">
+            <a:schemeClr val="accent1"/>
+          </a:lnRef>
+          <a:fillRef idx="0">
+            <a:schemeClr val="accent1"/>
+          </a:fillRef>
+          <a:effectRef idx="0">
+            <a:schemeClr val="accent1"/>
+          </a:effectRef>
+          <a:fontRef idx="minor">
+            <a:schemeClr val="tx1"/>
+          </a:fontRef>
+        </p:style>
+      </p:cxnSp>
+      <p:sp>
+        <p:nvSpPr>
+          <p:cNvPr id="94" name="CaixaDeTexto 93"/>
+          <p:cNvSpPr txBox="1"/>
+          <p:nvPr/>
+        </p:nvSpPr>
+        <p:spPr>
+          <a:xfrm>
+            <a:off x="1884569" y="5054794"/>
+            <a:ext cx="290464" cy="369332"/>
+          </a:xfrm>
+          <a:prstGeom prst="rect">
+            <a:avLst/>
+          </a:prstGeom>
+          <a:noFill/>
+        </p:spPr>
+        <p:txBody>
+          <a:bodyPr wrap="none" rtlCol="0">
+            <a:spAutoFit/>
+          </a:bodyPr>
+          <a:lstStyle/>
+          <a:p>
+            <a:r>
+              <a:rPr lang="pt-BR" dirty="0"/>
+              <a:t>S</a:t>
+            </a:r>
+          </a:p>
+        </p:txBody>
+      </p:sp>
+      <p:sp>
+        <p:nvSpPr>
+          <p:cNvPr id="95" name="CaixaDeTexto 94"/>
+          <p:cNvSpPr txBox="1"/>
+          <p:nvPr/>
+        </p:nvSpPr>
+        <p:spPr>
+          <a:xfrm>
+            <a:off x="682906" y="5247794"/>
+            <a:ext cx="333746" cy="369332"/>
+          </a:xfrm>
+          <a:prstGeom prst="rect">
+            <a:avLst/>
+          </a:prstGeom>
+          <a:noFill/>
+        </p:spPr>
+        <p:txBody>
+          <a:bodyPr wrap="none" rtlCol="0">
+            <a:spAutoFit/>
+          </a:bodyPr>
+          <a:lstStyle/>
+          <a:p>
+            <a:r>
+              <a:rPr lang="pt-BR" dirty="0" smtClean="0"/>
+              <a:t>N</a:t>
+            </a:r>
+            <a:endParaRPr lang="pt-BR" dirty="0"/>
+          </a:p>
+        </p:txBody>
+      </p:sp>
+      <p:sp>
+        <p:nvSpPr>
+          <p:cNvPr id="97" name="Elipse 96"/>
+          <p:cNvSpPr/>
+          <p:nvPr/>
+        </p:nvSpPr>
+        <p:spPr>
+          <a:xfrm>
+            <a:off x="1777741" y="3753241"/>
+            <a:ext cx="213655" cy="238991"/>
+          </a:xfrm>
+          <a:prstGeom prst="ellipse">
+            <a:avLst/>
+          </a:prstGeom>
+        </p:spPr>
+        <p:style>
+          <a:lnRef idx="2">
+            <a:schemeClr val="accent1">
+              <a:shade val="50000"/>
+            </a:schemeClr>
+          </a:lnRef>
+          <a:fillRef idx="1">
+            <a:schemeClr val="accent1"/>
+          </a:fillRef>
+          <a:effectRef idx="0">
+            <a:schemeClr val="accent1"/>
+          </a:effectRef>
+          <a:fontRef idx="minor">
+            <a:schemeClr val="lt1"/>
+          </a:fontRef>
+        </p:style>
+        <p:txBody>
+          <a:bodyPr rtlCol="0" anchor="ctr"/>
+          <a:lstStyle/>
+          <a:p>
+            <a:pPr algn="ctr"/>
+            <a:endParaRPr lang="pt-BR" dirty="0"/>
+          </a:p>
+        </p:txBody>
+      </p:sp>
+      <p:cxnSp>
+        <p:nvCxnSpPr>
+          <p:cNvPr id="62" name="Conector angulado 61"/>
+          <p:cNvCxnSpPr>
+            <a:stCxn id="81" idx="0"/>
+            <a:endCxn id="97" idx="6"/>
+          </p:cNvCxnSpPr>
+          <p:nvPr/>
+        </p:nvCxnSpPr>
+        <p:spPr>
+          <a:xfrm rot="16200000" flipV="1">
+            <a:off x="1941202" y="3922932"/>
+            <a:ext cx="571431" cy="471042"/>
+          </a:xfrm>
+          <a:prstGeom prst="bentConnector2">
+            <a:avLst/>
+          </a:prstGeom>
+          <a:ln>
+            <a:tailEnd type="arrow"/>
+          </a:ln>
+        </p:spPr>
+        <p:style>
+          <a:lnRef idx="1">
+            <a:schemeClr val="accent1"/>
+          </a:lnRef>
+          <a:fillRef idx="0">
+            <a:schemeClr val="accent1"/>
+          </a:fillRef>
+          <a:effectRef idx="0">
+            <a:schemeClr val="accent1"/>
+          </a:effectRef>
+          <a:fontRef idx="minor">
+            <a:schemeClr val="tx1"/>
+          </a:fontRef>
+        </p:style>
+      </p:cxnSp>
+      <p:cxnSp>
+        <p:nvCxnSpPr>
+          <p:cNvPr id="65" name="Conector angulado 64"/>
+          <p:cNvCxnSpPr>
+            <a:stCxn id="88" idx="0"/>
+            <a:endCxn id="97" idx="2"/>
+          </p:cNvCxnSpPr>
+          <p:nvPr/>
+        </p:nvCxnSpPr>
+        <p:spPr>
+          <a:xfrm rot="5400000" flipH="1" flipV="1">
+            <a:off x="1231099" y="3897525"/>
+            <a:ext cx="571430" cy="521854"/>
+          </a:xfrm>
+          <a:prstGeom prst="bentConnector2">
+            <a:avLst/>
+          </a:prstGeom>
+          <a:ln>
+            <a:tailEnd type="arrow"/>
+          </a:ln>
+        </p:spPr>
+        <p:style>
+          <a:lnRef idx="1">
+            <a:schemeClr val="accent1"/>
+          </a:lnRef>
+          <a:fillRef idx="0">
+            <a:schemeClr val="accent1"/>
+          </a:fillRef>
+          <a:effectRef idx="0">
+            <a:schemeClr val="accent1"/>
+          </a:effectRef>
+          <a:fontRef idx="minor">
+            <a:schemeClr val="tx1"/>
+          </a:fontRef>
+        </p:style>
+      </p:cxnSp>
+      <p:cxnSp>
+        <p:nvCxnSpPr>
+          <p:cNvPr id="67" name="Conector angulado 66"/>
+          <p:cNvCxnSpPr>
+            <a:stCxn id="97" idx="0"/>
+            <a:endCxn id="3" idx="2"/>
+          </p:cNvCxnSpPr>
+          <p:nvPr/>
+        </p:nvCxnSpPr>
+        <p:spPr>
+          <a:xfrm rot="5400000" flipH="1" flipV="1">
+            <a:off x="2414018" y="2804520"/>
+            <a:ext cx="419272" cy="1478170"/>
+          </a:xfrm>
+          <a:prstGeom prst="bentConnector2">
+            <a:avLst/>
+          </a:prstGeom>
+          <a:ln>
+            <a:tailEnd type="arrow"/>
+          </a:ln>
+        </p:spPr>
+        <p:style>
+          <a:lnRef idx="1">
+            <a:schemeClr val="accent1"/>
+          </a:lnRef>
+          <a:fillRef idx="0">
+            <a:schemeClr val="accent1"/>
+          </a:fillRef>
+          <a:effectRef idx="0">
+            <a:schemeClr val="accent1"/>
+          </a:effectRef>
+          <a:fontRef idx="minor">
+            <a:schemeClr val="tx1"/>
+          </a:fontRef>
+        </p:style>
+      </p:cxnSp>
+      <p:sp>
+        <p:nvSpPr>
+          <p:cNvPr id="105" name="Losango 104"/>
+          <p:cNvSpPr/>
+          <p:nvPr/>
+        </p:nvSpPr>
+        <p:spPr>
+          <a:xfrm>
+            <a:off x="4800600" y="3760944"/>
+            <a:ext cx="2660074" cy="843045"/>
+          </a:xfrm>
+          <a:prstGeom prst="diamond">
+            <a:avLst/>
+          </a:prstGeom>
+        </p:spPr>
+        <p:style>
+          <a:lnRef idx="2">
+            <a:schemeClr val="accent1">
+              <a:shade val="50000"/>
+            </a:schemeClr>
+          </a:lnRef>
+          <a:fillRef idx="1">
+            <a:schemeClr val="accent1"/>
+          </a:fillRef>
+          <a:effectRef idx="0">
+            <a:schemeClr val="accent1"/>
+          </a:effectRef>
+          <a:fontRef idx="minor">
+            <a:schemeClr val="lt1"/>
+          </a:fontRef>
+        </p:style>
+        <p:txBody>
+          <a:bodyPr rtlCol="0" anchor="ctr"/>
+          <a:lstStyle/>
+          <a:p>
+            <a:pPr algn="ctr"/>
+            <a:r>
+              <a:rPr lang="pt-BR" dirty="0" err="1" smtClean="0"/>
+              <a:t>Tag</a:t>
+            </a:r>
+            <a:r>
+              <a:rPr lang="pt-BR" dirty="0" smtClean="0"/>
+              <a:t> cadastrada?</a:t>
+            </a:r>
+            <a:endParaRPr lang="pt-BR" dirty="0"/>
+          </a:p>
+        </p:txBody>
+      </p:sp>
+      <p:sp>
+        <p:nvSpPr>
+          <p:cNvPr id="107" name="Elipse 106"/>
+          <p:cNvSpPr/>
+          <p:nvPr/>
+        </p:nvSpPr>
+        <p:spPr>
+          <a:xfrm>
+            <a:off x="6032682" y="2726955"/>
+            <a:ext cx="213655" cy="238991"/>
+          </a:xfrm>
+          <a:prstGeom prst="ellipse">
+            <a:avLst/>
+          </a:prstGeom>
+        </p:spPr>
+        <p:style>
+          <a:lnRef idx="2">
+            <a:schemeClr val="accent1">
+              <a:shade val="50000"/>
+            </a:schemeClr>
+          </a:lnRef>
+          <a:fillRef idx="1">
+            <a:schemeClr val="accent1"/>
+          </a:fillRef>
+          <a:effectRef idx="0">
+            <a:schemeClr val="accent1"/>
+          </a:effectRef>
+          <a:fontRef idx="minor">
+            <a:schemeClr val="lt1"/>
+          </a:fontRef>
+        </p:style>
+        <p:txBody>
+          <a:bodyPr rtlCol="0" anchor="ctr"/>
+          <a:lstStyle/>
+          <a:p>
+            <a:pPr algn="ctr"/>
+            <a:r>
+              <a:rPr lang="pt-BR" dirty="0"/>
+              <a:t>A</a:t>
+            </a:r>
+          </a:p>
+        </p:txBody>
+      </p:sp>
+      <p:sp>
+        <p:nvSpPr>
+          <p:cNvPr id="108" name="Retângulo 107"/>
+          <p:cNvSpPr/>
+          <p:nvPr/>
+        </p:nvSpPr>
+        <p:spPr>
+          <a:xfrm>
+            <a:off x="5672127" y="3272435"/>
+            <a:ext cx="934765" cy="290945"/>
+          </a:xfrm>
+          <a:prstGeom prst="rect">
+            <a:avLst/>
+          </a:prstGeom>
+        </p:spPr>
+        <p:style>
+          <a:lnRef idx="2">
+            <a:schemeClr val="accent1">
+              <a:shade val="50000"/>
+            </a:schemeClr>
+          </a:lnRef>
+          <a:fillRef idx="1">
+            <a:schemeClr val="accent1"/>
+          </a:fillRef>
+          <a:effectRef idx="0">
+            <a:schemeClr val="accent1"/>
+          </a:effectRef>
+          <a:fontRef idx="minor">
+            <a:schemeClr val="lt1"/>
+          </a:fontRef>
+        </p:style>
+        <p:txBody>
+          <a:bodyPr rtlCol="0" anchor="ctr"/>
+          <a:lstStyle/>
+          <a:p>
+            <a:pPr algn="ctr"/>
+            <a:r>
+              <a:rPr lang="pt-BR" dirty="0" smtClean="0"/>
+              <a:t>libera</a:t>
+            </a:r>
+            <a:endParaRPr lang="pt-BR" dirty="0"/>
+          </a:p>
+        </p:txBody>
+      </p:sp>
+      <p:sp>
+        <p:nvSpPr>
+          <p:cNvPr id="109" name="Retângulo 108"/>
+          <p:cNvSpPr/>
+          <p:nvPr/>
+        </p:nvSpPr>
+        <p:spPr>
+          <a:xfrm>
+            <a:off x="7183654" y="3269024"/>
+            <a:ext cx="1125045" cy="290945"/>
+          </a:xfrm>
+          <a:prstGeom prst="rect">
+            <a:avLst/>
+          </a:prstGeom>
+        </p:spPr>
+        <p:style>
+          <a:lnRef idx="2">
+            <a:schemeClr val="accent1">
+              <a:shade val="50000"/>
+            </a:schemeClr>
+          </a:lnRef>
+          <a:fillRef idx="1">
+            <a:schemeClr val="accent1"/>
+          </a:fillRef>
+          <a:effectRef idx="0">
+            <a:schemeClr val="accent1"/>
+          </a:effectRef>
+          <a:fontRef idx="minor">
+            <a:schemeClr val="lt1"/>
+          </a:fontRef>
+        </p:style>
+        <p:txBody>
+          <a:bodyPr rtlCol="0" anchor="ctr"/>
+          <a:lstStyle/>
+          <a:p>
+            <a:pPr algn="ctr"/>
+            <a:r>
+              <a:rPr lang="pt-BR" dirty="0" smtClean="0"/>
+              <a:t>bloqueia</a:t>
+            </a:r>
+            <a:endParaRPr lang="pt-BR" dirty="0"/>
+          </a:p>
+        </p:txBody>
+      </p:sp>
+      <p:cxnSp>
+        <p:nvCxnSpPr>
+          <p:cNvPr id="69" name="Conector de seta reta 68"/>
+          <p:cNvCxnSpPr>
+            <a:stCxn id="105" idx="0"/>
+            <a:endCxn id="108" idx="2"/>
+          </p:cNvCxnSpPr>
+          <p:nvPr/>
+        </p:nvCxnSpPr>
+        <p:spPr>
+          <a:xfrm flipV="1">
+            <a:off x="6130637" y="3563380"/>
+            <a:ext cx="8873" cy="197564"/>
+          </a:xfrm>
+          <a:prstGeom prst="straightConnector1">
+            <a:avLst/>
+          </a:prstGeom>
+          <a:ln>
+            <a:tailEnd type="arrow"/>
+          </a:ln>
+        </p:spPr>
+        <p:style>
+          <a:lnRef idx="1">
+            <a:schemeClr val="accent1"/>
+          </a:lnRef>
+          <a:fillRef idx="0">
+            <a:schemeClr val="accent1"/>
+          </a:fillRef>
+          <a:effectRef idx="0">
+            <a:schemeClr val="accent1"/>
+          </a:effectRef>
+          <a:fontRef idx="minor">
+            <a:schemeClr val="tx1"/>
+          </a:fontRef>
+        </p:style>
+      </p:cxnSp>
+      <p:cxnSp>
+        <p:nvCxnSpPr>
+          <p:cNvPr id="73" name="Conector de seta reta 72"/>
+          <p:cNvCxnSpPr>
+            <a:stCxn id="108" idx="0"/>
+            <a:endCxn id="107" idx="4"/>
+          </p:cNvCxnSpPr>
+          <p:nvPr/>
+        </p:nvCxnSpPr>
+        <p:spPr>
+          <a:xfrm flipV="1">
+            <a:off x="6139510" y="2965946"/>
+            <a:ext cx="0" cy="306489"/>
+          </a:xfrm>
+          <a:prstGeom prst="straightConnector1">
+            <a:avLst/>
+          </a:prstGeom>
+          <a:ln>
+            <a:tailEnd type="arrow"/>
+          </a:ln>
+        </p:spPr>
+        <p:style>
+          <a:lnRef idx="1">
+            <a:schemeClr val="accent1"/>
+          </a:lnRef>
+          <a:fillRef idx="0">
+            <a:schemeClr val="accent1"/>
+          </a:fillRef>
+          <a:effectRef idx="0">
+            <a:schemeClr val="accent1"/>
+          </a:effectRef>
+          <a:fontRef idx="minor">
+            <a:schemeClr val="tx1"/>
+          </a:fontRef>
+        </p:style>
+      </p:cxnSp>
+      <p:sp>
+        <p:nvSpPr>
+          <p:cNvPr id="118" name="CaixaDeTexto 117"/>
+          <p:cNvSpPr txBox="1"/>
+          <p:nvPr/>
+        </p:nvSpPr>
+        <p:spPr>
+          <a:xfrm>
+            <a:off x="5615290" y="3529728"/>
+            <a:ext cx="290464" cy="369332"/>
+          </a:xfrm>
+          <a:prstGeom prst="rect">
+            <a:avLst/>
+          </a:prstGeom>
+          <a:noFill/>
+        </p:spPr>
+        <p:txBody>
+          <a:bodyPr wrap="none" rtlCol="0">
+            <a:spAutoFit/>
+          </a:bodyPr>
+          <a:lstStyle/>
+          <a:p>
+            <a:r>
+              <a:rPr lang="pt-BR" dirty="0"/>
+              <a:t>S</a:t>
+            </a:r>
+          </a:p>
+        </p:txBody>
+      </p:sp>
+      <p:cxnSp>
+        <p:nvCxnSpPr>
+          <p:cNvPr id="77" name="Conector de seta reta 76"/>
+          <p:cNvCxnSpPr>
+            <a:stCxn id="105" idx="3"/>
+            <a:endCxn id="105" idx="3"/>
+          </p:cNvCxnSpPr>
+          <p:nvPr/>
+        </p:nvCxnSpPr>
+        <p:spPr>
+          <a:xfrm>
+            <a:off x="7460674" y="4182467"/>
+            <a:ext cx="0" cy="0"/>
+          </a:xfrm>
+          <a:prstGeom prst="straightConnector1">
+            <a:avLst/>
+          </a:prstGeom>
+          <a:ln>
+            <a:tailEnd type="arrow"/>
+          </a:ln>
+        </p:spPr>
+        <p:style>
+          <a:lnRef idx="1">
+            <a:schemeClr val="accent1"/>
+          </a:lnRef>
+          <a:fillRef idx="0">
+            <a:schemeClr val="accent1"/>
+          </a:fillRef>
+          <a:effectRef idx="0">
+            <a:schemeClr val="accent1"/>
+          </a:effectRef>
+          <a:fontRef idx="minor">
+            <a:schemeClr val="tx1"/>
+          </a:fontRef>
+        </p:style>
+      </p:cxnSp>
+      <p:cxnSp>
+        <p:nvCxnSpPr>
+          <p:cNvPr id="79" name="Conector angulado 78"/>
+          <p:cNvCxnSpPr>
+            <a:stCxn id="105" idx="3"/>
+            <a:endCxn id="109" idx="2"/>
+          </p:cNvCxnSpPr>
+          <p:nvPr/>
+        </p:nvCxnSpPr>
+        <p:spPr>
+          <a:xfrm flipV="1">
+            <a:off x="7460674" y="3559969"/>
+            <a:ext cx="285503" cy="622498"/>
+          </a:xfrm>
+          <a:prstGeom prst="bentConnector2">
+            <a:avLst/>
+          </a:prstGeom>
+          <a:ln>
+            <a:tailEnd type="arrow"/>
+          </a:ln>
+        </p:spPr>
+        <p:style>
+          <a:lnRef idx="1">
+            <a:schemeClr val="accent1"/>
+          </a:lnRef>
+          <a:fillRef idx="0">
+            <a:schemeClr val="accent1"/>
+          </a:fillRef>
+          <a:effectRef idx="0">
+            <a:schemeClr val="accent1"/>
+          </a:effectRef>
+          <a:fontRef idx="minor">
+            <a:schemeClr val="tx1"/>
+          </a:fontRef>
+        </p:style>
+      </p:cxnSp>
+      <p:cxnSp>
+        <p:nvCxnSpPr>
+          <p:cNvPr id="82" name="Conector angulado 81"/>
+          <p:cNvCxnSpPr>
+            <a:stCxn id="109" idx="0"/>
+            <a:endCxn id="107" idx="6"/>
+          </p:cNvCxnSpPr>
+          <p:nvPr/>
+        </p:nvCxnSpPr>
+        <p:spPr>
+          <a:xfrm rot="16200000" flipV="1">
+            <a:off x="6784971" y="2307818"/>
+            <a:ext cx="422573" cy="1499840"/>
+          </a:xfrm>
+          <a:prstGeom prst="bentConnector2">
+            <a:avLst/>
+          </a:prstGeom>
+          <a:ln>
+            <a:tailEnd type="arrow"/>
+          </a:ln>
+        </p:spPr>
+        <p:style>
+          <a:lnRef idx="1">
+            <a:schemeClr val="accent1"/>
+          </a:lnRef>
+          <a:fillRef idx="0">
+            <a:schemeClr val="accent1"/>
+          </a:fillRef>
+          <a:effectRef idx="0">
+            <a:schemeClr val="accent1"/>
+          </a:effectRef>
+          <a:fontRef idx="minor">
+            <a:schemeClr val="tx1"/>
+          </a:fontRef>
+        </p:style>
+      </p:cxnSp>
+      <p:sp>
+        <p:nvSpPr>
+          <p:cNvPr id="125" name="CaixaDeTexto 124"/>
+          <p:cNvSpPr txBox="1"/>
+          <p:nvPr/>
+        </p:nvSpPr>
+        <p:spPr>
+          <a:xfrm>
+            <a:off x="7412430" y="3804942"/>
+            <a:ext cx="333746" cy="369332"/>
+          </a:xfrm>
+          <a:prstGeom prst="rect">
+            <a:avLst/>
+          </a:prstGeom>
+          <a:noFill/>
+        </p:spPr>
+        <p:txBody>
+          <a:bodyPr wrap="none" rtlCol="0">
+            <a:spAutoFit/>
+          </a:bodyPr>
+          <a:lstStyle/>
+          <a:p>
+            <a:r>
+              <a:rPr lang="pt-BR" dirty="0" smtClean="0"/>
+              <a:t>N</a:t>
+            </a:r>
+            <a:endParaRPr lang="pt-BR" dirty="0"/>
+          </a:p>
+        </p:txBody>
+      </p:sp>
+      <p:sp>
+        <p:nvSpPr>
+          <p:cNvPr id="126" name="Losango 125"/>
+          <p:cNvSpPr/>
+          <p:nvPr/>
+        </p:nvSpPr>
+        <p:spPr>
+          <a:xfrm>
+            <a:off x="6794753" y="5103171"/>
+            <a:ext cx="1528295" cy="843045"/>
+          </a:xfrm>
+          <a:prstGeom prst="diamond">
+            <a:avLst/>
+          </a:prstGeom>
+        </p:spPr>
+        <p:style>
+          <a:lnRef idx="2">
+            <a:schemeClr val="accent1">
+              <a:shade val="50000"/>
+            </a:schemeClr>
+          </a:lnRef>
+          <a:fillRef idx="1">
+            <a:schemeClr val="accent1"/>
+          </a:fillRef>
+          <a:effectRef idx="0">
+            <a:schemeClr val="accent1"/>
+          </a:effectRef>
+          <a:fontRef idx="minor">
+            <a:schemeClr val="lt1"/>
+          </a:fontRef>
+        </p:style>
+        <p:txBody>
+          <a:bodyPr rtlCol="0" anchor="ctr"/>
+          <a:lstStyle/>
+          <a:p>
+            <a:pPr algn="ctr"/>
+            <a:r>
+              <a:rPr lang="pt-BR" dirty="0" smtClean="0"/>
+              <a:t>Tem </a:t>
+            </a:r>
+            <a:r>
+              <a:rPr lang="pt-BR" dirty="0" err="1" smtClean="0"/>
+              <a:t>tag</a:t>
+            </a:r>
+            <a:r>
+              <a:rPr lang="pt-BR" dirty="0" smtClean="0"/>
+              <a:t>?</a:t>
+            </a:r>
+            <a:endParaRPr lang="pt-BR" dirty="0"/>
+          </a:p>
+        </p:txBody>
+      </p:sp>
+      <p:cxnSp>
+        <p:nvCxnSpPr>
+          <p:cNvPr id="84" name="Conector angulado 83"/>
+          <p:cNvCxnSpPr>
+            <a:stCxn id="46" idx="6"/>
+            <a:endCxn id="126" idx="1"/>
+          </p:cNvCxnSpPr>
+          <p:nvPr/>
+        </p:nvCxnSpPr>
+        <p:spPr>
+          <a:xfrm flipV="1">
+            <a:off x="6596685" y="5524694"/>
+            <a:ext cx="198068" cy="450078"/>
+          </a:xfrm>
+          <a:prstGeom prst="bentConnector3">
+            <a:avLst>
+              <a:gd name="adj1" fmla="val 23769"/>
+            </a:avLst>
+          </a:prstGeom>
+          <a:ln>
+            <a:tailEnd type="arrow"/>
+          </a:ln>
+        </p:spPr>
+        <p:style>
+          <a:lnRef idx="1">
+            <a:schemeClr val="accent1"/>
+          </a:lnRef>
+          <a:fillRef idx="0">
+            <a:schemeClr val="accent1"/>
+          </a:fillRef>
+          <a:effectRef idx="0">
+            <a:schemeClr val="accent1"/>
+          </a:effectRef>
+          <a:fontRef idx="minor">
+            <a:schemeClr val="tx1"/>
+          </a:fontRef>
+        </p:style>
+      </p:cxnSp>
+      <p:cxnSp>
+        <p:nvCxnSpPr>
+          <p:cNvPr id="86" name="Conector angulado 85"/>
+          <p:cNvCxnSpPr>
+            <a:stCxn id="126" idx="0"/>
+            <a:endCxn id="46" idx="4"/>
+          </p:cNvCxnSpPr>
+          <p:nvPr/>
+        </p:nvCxnSpPr>
+        <p:spPr>
+          <a:xfrm rot="16200000" flipH="1" flipV="1">
+            <a:off x="6528832" y="5064197"/>
+            <a:ext cx="991096" cy="1069043"/>
+          </a:xfrm>
+          <a:prstGeom prst="bentConnector5">
+            <a:avLst>
+              <a:gd name="adj1" fmla="val 109037"/>
+              <a:gd name="adj2" fmla="val 80743"/>
+              <a:gd name="adj3" fmla="val 109435"/>
+            </a:avLst>
+          </a:prstGeom>
+          <a:ln>
+            <a:tailEnd type="arrow"/>
+          </a:ln>
+        </p:spPr>
+        <p:style>
+          <a:lnRef idx="1">
+            <a:schemeClr val="accent1"/>
+          </a:lnRef>
+          <a:fillRef idx="0">
+            <a:schemeClr val="accent1"/>
+          </a:fillRef>
+          <a:effectRef idx="0">
+            <a:schemeClr val="accent1"/>
+          </a:effectRef>
+          <a:fontRef idx="minor">
+            <a:schemeClr val="tx1"/>
+          </a:fontRef>
+        </p:style>
+      </p:cxnSp>
+      <p:sp>
+        <p:nvSpPr>
+          <p:cNvPr id="132" name="Losango 131"/>
+          <p:cNvSpPr/>
+          <p:nvPr/>
+        </p:nvSpPr>
+        <p:spPr>
+          <a:xfrm>
+            <a:off x="8724449" y="5102656"/>
+            <a:ext cx="1528295" cy="843045"/>
+          </a:xfrm>
+          <a:prstGeom prst="diamond">
+            <a:avLst/>
+          </a:prstGeom>
+        </p:spPr>
+        <p:style>
+          <a:lnRef idx="2">
+            <a:schemeClr val="accent1">
+              <a:shade val="50000"/>
+            </a:schemeClr>
+          </a:lnRef>
+          <a:fillRef idx="1">
+            <a:schemeClr val="accent1"/>
+          </a:fillRef>
+          <a:effectRef idx="0">
+            <a:schemeClr val="accent1"/>
+          </a:effectRef>
+          <a:fontRef idx="minor">
+            <a:schemeClr val="lt1"/>
+          </a:fontRef>
+        </p:style>
+        <p:txBody>
+          <a:bodyPr rtlCol="0" anchor="ctr"/>
+          <a:lstStyle/>
+          <a:p>
+            <a:pPr algn="ctr"/>
+            <a:r>
+              <a:rPr lang="pt-BR" dirty="0" smtClean="0"/>
+              <a:t>É o </a:t>
+            </a:r>
+            <a:r>
+              <a:rPr lang="pt-BR" dirty="0" err="1" smtClean="0"/>
+              <a:t>Adm</a:t>
+            </a:r>
+            <a:r>
+              <a:rPr lang="pt-BR" dirty="0" smtClean="0"/>
+              <a:t>?</a:t>
+            </a:r>
+            <a:endParaRPr lang="pt-BR" dirty="0"/>
+          </a:p>
+        </p:txBody>
+      </p:sp>
+      <p:cxnSp>
+        <p:nvCxnSpPr>
+          <p:cNvPr id="89" name="Conector de seta reta 88"/>
+          <p:cNvCxnSpPr>
+            <a:stCxn id="126" idx="3"/>
+            <a:endCxn id="132" idx="1"/>
+          </p:cNvCxnSpPr>
+          <p:nvPr/>
+        </p:nvCxnSpPr>
+        <p:spPr>
+          <a:xfrm flipV="1">
+            <a:off x="8323048" y="5524179"/>
+            <a:ext cx="401401" cy="515"/>
+          </a:xfrm>
+          <a:prstGeom prst="straightConnector1">
+            <a:avLst/>
+          </a:prstGeom>
+          <a:ln>
+            <a:tailEnd type="arrow"/>
+          </a:ln>
+        </p:spPr>
+        <p:style>
+          <a:lnRef idx="1">
+            <a:schemeClr val="accent1"/>
+          </a:lnRef>
+          <a:fillRef idx="0">
+            <a:schemeClr val="accent1"/>
+          </a:fillRef>
+          <a:effectRef idx="0">
+            <a:schemeClr val="accent1"/>
+          </a:effectRef>
+          <a:fontRef idx="minor">
+            <a:schemeClr val="tx1"/>
+          </a:fontRef>
+        </p:style>
+      </p:cxnSp>
+      <p:sp>
+        <p:nvSpPr>
+          <p:cNvPr id="135" name="CaixaDeTexto 134"/>
+          <p:cNvSpPr txBox="1"/>
+          <p:nvPr/>
+        </p:nvSpPr>
+        <p:spPr>
+          <a:xfrm>
+            <a:off x="8302646" y="5112196"/>
+            <a:ext cx="290464" cy="369332"/>
+          </a:xfrm>
+          <a:prstGeom prst="rect">
+            <a:avLst/>
+          </a:prstGeom>
+          <a:noFill/>
+        </p:spPr>
+        <p:txBody>
+          <a:bodyPr wrap="none" rtlCol="0">
+            <a:spAutoFit/>
+          </a:bodyPr>
+          <a:lstStyle/>
+          <a:p>
+            <a:r>
+              <a:rPr lang="pt-BR" dirty="0"/>
+              <a:t>S</a:t>
+            </a:r>
+          </a:p>
+        </p:txBody>
+      </p:sp>
+      <p:sp>
+        <p:nvSpPr>
+          <p:cNvPr id="136" name="Losango 135"/>
+          <p:cNvSpPr/>
+          <p:nvPr/>
+        </p:nvSpPr>
+        <p:spPr>
+          <a:xfrm>
+            <a:off x="8620679" y="4010461"/>
+            <a:ext cx="1735833" cy="843045"/>
+          </a:xfrm>
+          <a:prstGeom prst="diamond">
+            <a:avLst/>
+          </a:prstGeom>
+        </p:spPr>
+        <p:style>
+          <a:lnRef idx="2">
+            <a:schemeClr val="accent1">
+              <a:shade val="50000"/>
+            </a:schemeClr>
+          </a:lnRef>
+          <a:fillRef idx="1">
+            <a:schemeClr val="accent1"/>
+          </a:fillRef>
+          <a:effectRef idx="0">
+            <a:schemeClr val="accent1"/>
+          </a:effectRef>
+          <a:fontRef idx="minor">
+            <a:schemeClr val="lt1"/>
+          </a:fontRef>
+        </p:style>
+        <p:txBody>
+          <a:bodyPr rtlCol="0" anchor="ctr"/>
+          <a:lstStyle/>
+          <a:p>
+            <a:pPr algn="ctr"/>
+            <a:r>
+              <a:rPr lang="pt-BR" dirty="0" err="1" smtClean="0"/>
+              <a:t>Tag</a:t>
+            </a:r>
+            <a:r>
+              <a:rPr lang="pt-BR" dirty="0" smtClean="0"/>
+              <a:t> existe?</a:t>
+            </a:r>
+            <a:endParaRPr lang="pt-BR" dirty="0"/>
+          </a:p>
+        </p:txBody>
+      </p:sp>
+      <p:cxnSp>
+        <p:nvCxnSpPr>
+          <p:cNvPr id="91" name="Conector de seta reta 90"/>
+          <p:cNvCxnSpPr>
+            <a:stCxn id="132" idx="0"/>
+            <a:endCxn id="136" idx="2"/>
+          </p:cNvCxnSpPr>
+          <p:nvPr/>
+        </p:nvCxnSpPr>
+        <p:spPr>
+          <a:xfrm flipH="1" flipV="1">
+            <a:off x="9488596" y="4853506"/>
+            <a:ext cx="1" cy="249150"/>
+          </a:xfrm>
+          <a:prstGeom prst="straightConnector1">
+            <a:avLst/>
+          </a:prstGeom>
+          <a:ln>
+            <a:tailEnd type="arrow"/>
+          </a:ln>
+        </p:spPr>
+        <p:style>
+          <a:lnRef idx="1">
+            <a:schemeClr val="accent1"/>
+          </a:lnRef>
+          <a:fillRef idx="0">
+            <a:schemeClr val="accent1"/>
+          </a:fillRef>
+          <a:effectRef idx="0">
+            <a:schemeClr val="accent1"/>
+          </a:effectRef>
+          <a:fontRef idx="minor">
+            <a:schemeClr val="tx1"/>
+          </a:fontRef>
+        </p:style>
+      </p:cxnSp>
+      <p:sp>
+        <p:nvSpPr>
+          <p:cNvPr id="139" name="CaixaDeTexto 138"/>
+          <p:cNvSpPr txBox="1"/>
+          <p:nvPr/>
+        </p:nvSpPr>
+        <p:spPr>
+          <a:xfrm>
+            <a:off x="9081488" y="4784248"/>
+            <a:ext cx="333746" cy="369332"/>
+          </a:xfrm>
+          <a:prstGeom prst="rect">
+            <a:avLst/>
+          </a:prstGeom>
+          <a:noFill/>
+        </p:spPr>
+        <p:txBody>
+          <a:bodyPr wrap="none" rtlCol="0">
+            <a:spAutoFit/>
+          </a:bodyPr>
+          <a:lstStyle/>
+          <a:p>
+            <a:r>
+              <a:rPr lang="pt-BR" dirty="0" smtClean="0"/>
+              <a:t>N</a:t>
+            </a:r>
+            <a:endParaRPr lang="pt-BR" dirty="0"/>
+          </a:p>
+        </p:txBody>
+      </p:sp>
+      <p:sp>
+        <p:nvSpPr>
+          <p:cNvPr id="146" name="CaixaDeTexto 145"/>
+          <p:cNvSpPr txBox="1"/>
+          <p:nvPr/>
+        </p:nvSpPr>
+        <p:spPr>
+          <a:xfrm>
+            <a:off x="6954819" y="5807298"/>
+            <a:ext cx="333746" cy="369332"/>
+          </a:xfrm>
+          <a:prstGeom prst="rect">
+            <a:avLst/>
+          </a:prstGeom>
+          <a:noFill/>
+        </p:spPr>
+        <p:txBody>
+          <a:bodyPr wrap="none" rtlCol="0">
+            <a:spAutoFit/>
+          </a:bodyPr>
+          <a:lstStyle/>
+          <a:p>
+            <a:r>
+              <a:rPr lang="pt-BR" dirty="0" smtClean="0"/>
+              <a:t>N</a:t>
+            </a:r>
+            <a:endParaRPr lang="pt-BR" dirty="0"/>
+          </a:p>
+        </p:txBody>
+      </p:sp>
+      <p:cxnSp>
+        <p:nvCxnSpPr>
+          <p:cNvPr id="103" name="Conector de seta reta 102"/>
+          <p:cNvCxnSpPr>
+            <a:stCxn id="132" idx="3"/>
+          </p:cNvCxnSpPr>
+          <p:nvPr/>
+        </p:nvCxnSpPr>
+        <p:spPr>
+          <a:xfrm>
+            <a:off x="10252744" y="5524179"/>
+            <a:ext cx="238953" cy="16299"/>
+          </a:xfrm>
+          <a:prstGeom prst="straightConnector1">
+            <a:avLst/>
+          </a:prstGeom>
+          <a:ln>
+            <a:tailEnd type="arrow"/>
+          </a:ln>
+        </p:spPr>
+        <p:style>
+          <a:lnRef idx="1">
+            <a:schemeClr val="accent1"/>
+          </a:lnRef>
+          <a:fillRef idx="0">
+            <a:schemeClr val="accent1"/>
+          </a:fillRef>
+          <a:effectRef idx="0">
+            <a:schemeClr val="accent1"/>
+          </a:effectRef>
+          <a:fontRef idx="minor">
+            <a:schemeClr val="tx1"/>
+          </a:fontRef>
+        </p:style>
+      </p:cxnSp>
+      <p:sp>
+        <p:nvSpPr>
+          <p:cNvPr id="151" name="CaixaDeTexto 150"/>
+          <p:cNvSpPr txBox="1"/>
+          <p:nvPr/>
+        </p:nvSpPr>
+        <p:spPr>
+          <a:xfrm>
+            <a:off x="6996379" y="4840740"/>
+            <a:ext cx="333746" cy="369332"/>
+          </a:xfrm>
+          <a:prstGeom prst="rect">
+            <a:avLst/>
+          </a:prstGeom>
+          <a:noFill/>
+        </p:spPr>
+        <p:txBody>
+          <a:bodyPr wrap="none" rtlCol="0">
+            <a:spAutoFit/>
+          </a:bodyPr>
+          <a:lstStyle/>
+          <a:p>
+            <a:r>
+              <a:rPr lang="pt-BR" dirty="0" smtClean="0"/>
+              <a:t>N</a:t>
+            </a:r>
+            <a:endParaRPr lang="pt-BR" dirty="0"/>
+          </a:p>
+        </p:txBody>
+      </p:sp>
+      <p:sp>
+        <p:nvSpPr>
+          <p:cNvPr id="152" name="Elipse 151"/>
+          <p:cNvSpPr/>
+          <p:nvPr/>
+        </p:nvSpPr>
+        <p:spPr>
+          <a:xfrm>
+            <a:off x="10491697" y="5413077"/>
+            <a:ext cx="213655" cy="238991"/>
+          </a:xfrm>
+          <a:prstGeom prst="ellipse">
+            <a:avLst/>
+          </a:prstGeom>
+        </p:spPr>
+        <p:style>
+          <a:lnRef idx="2">
+            <a:schemeClr val="accent1">
+              <a:shade val="50000"/>
+            </a:schemeClr>
+          </a:lnRef>
+          <a:fillRef idx="1">
+            <a:schemeClr val="accent1"/>
+          </a:fillRef>
+          <a:effectRef idx="0">
+            <a:schemeClr val="accent1"/>
+          </a:effectRef>
+          <a:fontRef idx="minor">
+            <a:schemeClr val="lt1"/>
+          </a:fontRef>
+        </p:style>
+        <p:txBody>
+          <a:bodyPr rtlCol="0" anchor="ctr"/>
+          <a:lstStyle/>
+          <a:p>
+            <a:pPr algn="ctr"/>
+            <a:r>
+              <a:rPr lang="pt-BR" dirty="0"/>
+              <a:t>A</a:t>
+            </a:r>
+          </a:p>
+        </p:txBody>
+      </p:sp>
+      <p:sp>
+        <p:nvSpPr>
+          <p:cNvPr id="153" name="CaixaDeTexto 152"/>
+          <p:cNvSpPr txBox="1"/>
+          <p:nvPr/>
+        </p:nvSpPr>
+        <p:spPr>
+          <a:xfrm>
+            <a:off x="10201233" y="5090636"/>
+            <a:ext cx="290464" cy="369332"/>
+          </a:xfrm>
+          <a:prstGeom prst="rect">
+            <a:avLst/>
+          </a:prstGeom>
+          <a:noFill/>
+        </p:spPr>
+        <p:txBody>
+          <a:bodyPr wrap="none" rtlCol="0">
+            <a:spAutoFit/>
+          </a:bodyPr>
+          <a:lstStyle/>
+          <a:p>
+            <a:r>
+              <a:rPr lang="pt-BR" dirty="0"/>
+              <a:t>S</a:t>
+            </a:r>
+          </a:p>
+        </p:txBody>
+      </p:sp>
+      <p:sp>
+        <p:nvSpPr>
+          <p:cNvPr id="154" name="Retângulo 153"/>
+          <p:cNvSpPr/>
+          <p:nvPr/>
+        </p:nvSpPr>
+        <p:spPr>
+          <a:xfrm>
+            <a:off x="10598523" y="4174274"/>
+            <a:ext cx="934765" cy="487797"/>
+          </a:xfrm>
+          <a:prstGeom prst="rect">
+            <a:avLst/>
+          </a:prstGeom>
+        </p:spPr>
+        <p:style>
+          <a:lnRef idx="2">
+            <a:schemeClr val="accent1">
+              <a:shade val="50000"/>
+            </a:schemeClr>
+          </a:lnRef>
+          <a:fillRef idx="1">
+            <a:schemeClr val="accent1"/>
+          </a:fillRef>
+          <a:effectRef idx="0">
+            <a:schemeClr val="accent1"/>
+          </a:effectRef>
+          <a:fontRef idx="minor">
+            <a:schemeClr val="lt1"/>
+          </a:fontRef>
+        </p:style>
+        <p:txBody>
+          <a:bodyPr rtlCol="0" anchor="ctr"/>
+          <a:lstStyle/>
+          <a:p>
+            <a:pPr algn="ctr"/>
+            <a:r>
+              <a:rPr lang="pt-BR" dirty="0" smtClean="0"/>
+              <a:t>Apaga </a:t>
+            </a:r>
+            <a:r>
+              <a:rPr lang="pt-BR" dirty="0" err="1" smtClean="0"/>
+              <a:t>tag</a:t>
+            </a:r>
+            <a:endParaRPr lang="pt-BR" dirty="0"/>
+          </a:p>
+        </p:txBody>
+      </p:sp>
+      <p:cxnSp>
+        <p:nvCxnSpPr>
+          <p:cNvPr id="110" name="Conector de seta reta 109"/>
+          <p:cNvCxnSpPr>
+            <a:stCxn id="136" idx="3"/>
+            <a:endCxn id="154" idx="1"/>
+          </p:cNvCxnSpPr>
+          <p:nvPr/>
+        </p:nvCxnSpPr>
+        <p:spPr>
+          <a:xfrm flipV="1">
+            <a:off x="10356512" y="4418173"/>
+            <a:ext cx="242011" cy="13811"/>
+          </a:xfrm>
+          <a:prstGeom prst="straightConnector1">
+            <a:avLst/>
+          </a:prstGeom>
+          <a:ln>
+            <a:tailEnd type="arrow"/>
+          </a:ln>
+        </p:spPr>
+        <p:style>
+          <a:lnRef idx="1">
+            <a:schemeClr val="accent1"/>
+          </a:lnRef>
+          <a:fillRef idx="0">
+            <a:schemeClr val="accent1"/>
+          </a:fillRef>
+          <a:effectRef idx="0">
+            <a:schemeClr val="accent1"/>
+          </a:effectRef>
+          <a:fontRef idx="minor">
+            <a:schemeClr val="tx1"/>
+          </a:fontRef>
+        </p:style>
+      </p:cxnSp>
+      <p:sp>
+        <p:nvSpPr>
+          <p:cNvPr id="159" name="CaixaDeTexto 158"/>
+          <p:cNvSpPr txBox="1"/>
+          <p:nvPr/>
+        </p:nvSpPr>
+        <p:spPr>
+          <a:xfrm>
+            <a:off x="10263135" y="3973786"/>
+            <a:ext cx="290464" cy="369332"/>
+          </a:xfrm>
+          <a:prstGeom prst="rect">
+            <a:avLst/>
+          </a:prstGeom>
+          <a:noFill/>
+        </p:spPr>
+        <p:txBody>
+          <a:bodyPr wrap="none" rtlCol="0">
+            <a:spAutoFit/>
+          </a:bodyPr>
+          <a:lstStyle/>
+          <a:p>
+            <a:r>
+              <a:rPr lang="pt-BR" dirty="0"/>
+              <a:t>S</a:t>
+            </a:r>
+          </a:p>
+        </p:txBody>
+      </p:sp>
+      <p:sp>
+        <p:nvSpPr>
+          <p:cNvPr id="161" name="Retângulo 160"/>
+          <p:cNvSpPr/>
+          <p:nvPr/>
+        </p:nvSpPr>
+        <p:spPr>
+          <a:xfrm>
+            <a:off x="9021214" y="3265445"/>
+            <a:ext cx="934765" cy="487797"/>
+          </a:xfrm>
+          <a:prstGeom prst="rect">
+            <a:avLst/>
+          </a:prstGeom>
+        </p:spPr>
+        <p:style>
+          <a:lnRef idx="2">
+            <a:schemeClr val="accent1">
+              <a:shade val="50000"/>
+            </a:schemeClr>
+          </a:lnRef>
+          <a:fillRef idx="1">
+            <a:schemeClr val="accent1"/>
+          </a:fillRef>
+          <a:effectRef idx="0">
+            <a:schemeClr val="accent1"/>
+          </a:effectRef>
+          <a:fontRef idx="minor">
+            <a:schemeClr val="lt1"/>
+          </a:fontRef>
+        </p:style>
+        <p:txBody>
+          <a:bodyPr rtlCol="0" anchor="ctr"/>
+          <a:lstStyle/>
+          <a:p>
+            <a:pPr algn="ctr"/>
+            <a:r>
+              <a:rPr lang="pt-BR" dirty="0" smtClean="0"/>
+              <a:t>insere </a:t>
+            </a:r>
+            <a:r>
+              <a:rPr lang="pt-BR" dirty="0" err="1" smtClean="0"/>
+              <a:t>tag</a:t>
+            </a:r>
+            <a:endParaRPr lang="pt-BR" dirty="0"/>
+          </a:p>
+        </p:txBody>
+      </p:sp>
+      <p:sp>
+        <p:nvSpPr>
+          <p:cNvPr id="162" name="Elipse 161"/>
+          <p:cNvSpPr/>
+          <p:nvPr/>
+        </p:nvSpPr>
+        <p:spPr>
+          <a:xfrm>
+            <a:off x="10094405" y="2571941"/>
+            <a:ext cx="213655" cy="238991"/>
+          </a:xfrm>
+          <a:prstGeom prst="ellipse">
+            <a:avLst/>
+          </a:prstGeom>
+        </p:spPr>
+        <p:style>
+          <a:lnRef idx="2">
+            <a:schemeClr val="accent1">
+              <a:shade val="50000"/>
+            </a:schemeClr>
+          </a:lnRef>
+          <a:fillRef idx="1">
+            <a:schemeClr val="accent1"/>
+          </a:fillRef>
+          <a:effectRef idx="0">
+            <a:schemeClr val="accent1"/>
+          </a:effectRef>
+          <a:fontRef idx="minor">
+            <a:schemeClr val="lt1"/>
+          </a:fontRef>
+        </p:style>
+        <p:txBody>
+          <a:bodyPr rtlCol="0" anchor="ctr"/>
+          <a:lstStyle/>
+          <a:p>
+            <a:pPr algn="ctr"/>
+            <a:endParaRPr lang="pt-BR" dirty="0"/>
+          </a:p>
+        </p:txBody>
+      </p:sp>
+      <p:cxnSp>
+        <p:nvCxnSpPr>
+          <p:cNvPr id="114" name="Conector de seta reta 113"/>
+          <p:cNvCxnSpPr>
+            <a:stCxn id="136" idx="0"/>
+            <a:endCxn id="161" idx="2"/>
+          </p:cNvCxnSpPr>
+          <p:nvPr/>
+        </p:nvCxnSpPr>
+        <p:spPr>
+          <a:xfrm flipV="1">
+            <a:off x="9488596" y="3753242"/>
+            <a:ext cx="1" cy="257219"/>
+          </a:xfrm>
+          <a:prstGeom prst="straightConnector1">
+            <a:avLst/>
+          </a:prstGeom>
+          <a:ln>
+            <a:tailEnd type="arrow"/>
+          </a:ln>
+        </p:spPr>
+        <p:style>
+          <a:lnRef idx="1">
+            <a:schemeClr val="accent1"/>
+          </a:lnRef>
+          <a:fillRef idx="0">
+            <a:schemeClr val="accent1"/>
+          </a:fillRef>
+          <a:effectRef idx="0">
+            <a:schemeClr val="accent1"/>
+          </a:effectRef>
+          <a:fontRef idx="minor">
+            <a:schemeClr val="tx1"/>
+          </a:fontRef>
+        </p:style>
+      </p:cxnSp>
+      <p:sp>
+        <p:nvSpPr>
+          <p:cNvPr id="167" name="CaixaDeTexto 166"/>
+          <p:cNvSpPr txBox="1"/>
+          <p:nvPr/>
+        </p:nvSpPr>
+        <p:spPr>
+          <a:xfrm>
+            <a:off x="9623928" y="3760944"/>
+            <a:ext cx="333746" cy="369332"/>
+          </a:xfrm>
+          <a:prstGeom prst="rect">
+            <a:avLst/>
+          </a:prstGeom>
+          <a:noFill/>
+        </p:spPr>
+        <p:txBody>
+          <a:bodyPr wrap="none" rtlCol="0">
+            <a:spAutoFit/>
+          </a:bodyPr>
+          <a:lstStyle/>
+          <a:p>
+            <a:r>
+              <a:rPr lang="pt-BR" dirty="0" smtClean="0"/>
+              <a:t>N</a:t>
+            </a:r>
+            <a:endParaRPr lang="pt-BR" dirty="0"/>
+          </a:p>
+        </p:txBody>
+      </p:sp>
+      <p:cxnSp>
+        <p:nvCxnSpPr>
+          <p:cNvPr id="119" name="Conector angulado 118"/>
+          <p:cNvCxnSpPr>
+            <a:stCxn id="161" idx="0"/>
+            <a:endCxn id="162" idx="2"/>
+          </p:cNvCxnSpPr>
+          <p:nvPr/>
+        </p:nvCxnSpPr>
+        <p:spPr>
+          <a:xfrm rot="5400000" flipH="1" flipV="1">
+            <a:off x="9504497" y="2675537"/>
+            <a:ext cx="574008" cy="605808"/>
+          </a:xfrm>
+          <a:prstGeom prst="bentConnector2">
+            <a:avLst/>
+          </a:prstGeom>
+          <a:ln>
+            <a:tailEnd type="arrow"/>
+          </a:ln>
+        </p:spPr>
+        <p:style>
+          <a:lnRef idx="1">
+            <a:schemeClr val="accent1"/>
+          </a:lnRef>
+          <a:fillRef idx="0">
+            <a:schemeClr val="accent1"/>
+          </a:fillRef>
+          <a:effectRef idx="0">
+            <a:schemeClr val="accent1"/>
+          </a:effectRef>
+          <a:fontRef idx="minor">
+            <a:schemeClr val="tx1"/>
+          </a:fontRef>
+        </p:style>
+      </p:cxnSp>
+      <p:cxnSp>
+        <p:nvCxnSpPr>
+          <p:cNvPr id="121" name="Conector angulado 120"/>
+          <p:cNvCxnSpPr>
+            <a:stCxn id="154" idx="0"/>
+            <a:endCxn id="162" idx="6"/>
+          </p:cNvCxnSpPr>
+          <p:nvPr/>
+        </p:nvCxnSpPr>
+        <p:spPr>
+          <a:xfrm rot="16200000" flipV="1">
+            <a:off x="9945565" y="3053933"/>
+            <a:ext cx="1482837" cy="757846"/>
+          </a:xfrm>
+          <a:prstGeom prst="bentConnector2">
+            <a:avLst/>
+          </a:prstGeom>
+          <a:ln>
+            <a:tailEnd type="arrow"/>
+          </a:ln>
+        </p:spPr>
+        <p:style>
+          <a:lnRef idx="1">
+            <a:schemeClr val="accent1"/>
+          </a:lnRef>
+          <a:fillRef idx="0">
+            <a:schemeClr val="accent1"/>
+          </a:fillRef>
+          <a:effectRef idx="0">
+            <a:schemeClr val="accent1"/>
+          </a:effectRef>
+          <a:fontRef idx="minor">
+            <a:schemeClr val="tx1"/>
+          </a:fontRef>
+        </p:style>
+      </p:cxnSp>
+      <p:cxnSp>
+        <p:nvCxnSpPr>
+          <p:cNvPr id="129" name="Conector reto 128"/>
+          <p:cNvCxnSpPr>
+            <a:stCxn id="162" idx="0"/>
+          </p:cNvCxnSpPr>
+          <p:nvPr/>
+        </p:nvCxnSpPr>
+        <p:spPr>
+          <a:xfrm flipH="1" flipV="1">
+            <a:off x="10201232" y="2265218"/>
+            <a:ext cx="1" cy="306723"/>
+          </a:xfrm>
+          <a:prstGeom prst="line">
+            <a:avLst/>
+          </a:prstGeom>
+        </p:spPr>
+        <p:style>
+          <a:lnRef idx="1">
+            <a:schemeClr val="accent1"/>
+          </a:lnRef>
+          <a:fillRef idx="0">
+            <a:schemeClr val="accent1"/>
+          </a:fillRef>
+          <a:effectRef idx="0">
+            <a:schemeClr val="accent1"/>
+          </a:effectRef>
+          <a:fontRef idx="minor">
+            <a:schemeClr val="tx1"/>
+          </a:fontRef>
+        </p:style>
+      </p:cxnSp>
+      <p:cxnSp>
+        <p:nvCxnSpPr>
+          <p:cNvPr id="134" name="Conector reto 133"/>
+          <p:cNvCxnSpPr/>
+          <p:nvPr/>
+        </p:nvCxnSpPr>
+        <p:spPr>
+          <a:xfrm flipH="1">
+            <a:off x="8541088" y="2265218"/>
+            <a:ext cx="1660146" cy="0"/>
+          </a:xfrm>
+          <a:prstGeom prst="line">
+            <a:avLst/>
+          </a:prstGeom>
+        </p:spPr>
+        <p:style>
+          <a:lnRef idx="1">
+            <a:schemeClr val="accent1"/>
+          </a:lnRef>
+          <a:fillRef idx="0">
+            <a:schemeClr val="accent1"/>
+          </a:fillRef>
+          <a:effectRef idx="0">
+            <a:schemeClr val="accent1"/>
+          </a:effectRef>
+          <a:fontRef idx="minor">
+            <a:schemeClr val="tx1"/>
+          </a:fontRef>
+        </p:style>
+      </p:cxnSp>
+      <p:cxnSp>
+        <p:nvCxnSpPr>
+          <p:cNvPr id="141" name="Conector reto 140"/>
+          <p:cNvCxnSpPr/>
+          <p:nvPr/>
+        </p:nvCxnSpPr>
+        <p:spPr>
+          <a:xfrm flipH="1">
+            <a:off x="8523748" y="2265218"/>
+            <a:ext cx="34681" cy="2396853"/>
+          </a:xfrm>
+          <a:prstGeom prst="line">
+            <a:avLst/>
+          </a:prstGeom>
+        </p:spPr>
+        <p:style>
+          <a:lnRef idx="1">
+            <a:schemeClr val="accent1"/>
+          </a:lnRef>
+          <a:fillRef idx="0">
+            <a:schemeClr val="accent1"/>
+          </a:fillRef>
+          <a:effectRef idx="0">
+            <a:schemeClr val="accent1"/>
+          </a:effectRef>
+          <a:fontRef idx="minor">
+            <a:schemeClr val="tx1"/>
+          </a:fontRef>
+        </p:style>
+      </p:cxnSp>
+      <p:cxnSp>
+        <p:nvCxnSpPr>
+          <p:cNvPr id="145" name="Conector reto 144"/>
+          <p:cNvCxnSpPr/>
+          <p:nvPr/>
+        </p:nvCxnSpPr>
+        <p:spPr>
+          <a:xfrm flipH="1" flipV="1">
+            <a:off x="6489857" y="4603989"/>
+            <a:ext cx="2033891" cy="58082"/>
+          </a:xfrm>
+          <a:prstGeom prst="line">
+            <a:avLst/>
+          </a:prstGeom>
+        </p:spPr>
+        <p:style>
+          <a:lnRef idx="1">
+            <a:schemeClr val="accent1"/>
+          </a:lnRef>
+          <a:fillRef idx="0">
+            <a:schemeClr val="accent1"/>
+          </a:fillRef>
+          <a:effectRef idx="0">
+            <a:schemeClr val="accent1"/>
+          </a:effectRef>
+          <a:fontRef idx="minor">
+            <a:schemeClr val="tx1"/>
+          </a:fontRef>
+        </p:style>
+      </p:cxnSp>
+      <p:cxnSp>
+        <p:nvCxnSpPr>
+          <p:cNvPr id="149" name="Conector de seta reta 148"/>
+          <p:cNvCxnSpPr>
+            <a:endCxn id="46" idx="0"/>
+          </p:cNvCxnSpPr>
+          <p:nvPr/>
+        </p:nvCxnSpPr>
+        <p:spPr>
+          <a:xfrm>
+            <a:off x="6489857" y="4603989"/>
+            <a:ext cx="1" cy="1251287"/>
+          </a:xfrm>
+          <a:prstGeom prst="straightConnector1">
+            <a:avLst/>
+          </a:prstGeom>
+          <a:ln>
+            <a:tailEnd type="arrow"/>
+          </a:ln>
+        </p:spPr>
+        <p:style>
+          <a:lnRef idx="1">
+            <a:schemeClr val="accent1"/>
+          </a:lnRef>
+          <a:fillRef idx="0">
+            <a:schemeClr val="accent1"/>
+          </a:fillRef>
+          <a:effectRef idx="0">
+            <a:schemeClr val="accent1"/>
+          </a:effectRef>
+          <a:fontRef idx="minor">
+            <a:schemeClr val="tx1"/>
+          </a:fontRef>
+        </p:style>
+      </p:cxnSp>
+      <p:sp>
+        <p:nvSpPr>
+          <p:cNvPr id="83" name="CaixaDeTexto 82"/>
+          <p:cNvSpPr txBox="1"/>
+          <p:nvPr/>
+        </p:nvSpPr>
+        <p:spPr>
+          <a:xfrm>
+            <a:off x="3700044" y="5439146"/>
+            <a:ext cx="290464" cy="369332"/>
+          </a:xfrm>
+          <a:prstGeom prst="rect">
+            <a:avLst/>
+          </a:prstGeom>
+          <a:noFill/>
+        </p:spPr>
+        <p:txBody>
+          <a:bodyPr wrap="none" rtlCol="0">
+            <a:spAutoFit/>
+          </a:bodyPr>
+          <a:lstStyle/>
+          <a:p>
+            <a:r>
+              <a:rPr lang="pt-BR" dirty="0"/>
+              <a:t>S</a:t>
+            </a:r>
+          </a:p>
         </p:txBody>
       </p:sp>
     </p:spTree>
     <p:extLst>
       <p:ext uri="{BB962C8B-B14F-4D97-AF65-F5344CB8AC3E}">
-        <p14:creationId xmlns:p14="http://schemas.microsoft.com/office/powerpoint/2010/main" val="2177054180"/>
+        <p14:creationId xmlns:p14="http://schemas.microsoft.com/office/powerpoint/2010/main" val="1256596574"/>
       </p:ext>
     </p:extLst>
   </p:cSld>
@@ -9153,6 +11855,1382 @@
             <a:fld id="{07E976CE-6A88-4DF5-9FE0-D445D452ABB2}" type="slidenum">
               <a:rPr lang="pt-BR" smtClean="0"/>
               <a:t>16</a:t>
+            </a:fld>
+            <a:endParaRPr lang="pt-BR" dirty="0"/>
+          </a:p>
+        </p:txBody>
+      </p:sp>
+      <p:sp>
+        <p:nvSpPr>
+          <p:cNvPr id="8" name="Espaço Reservado para Rodapé 9"/>
+          <p:cNvSpPr>
+            <a:spLocks noGrp="1"/>
+          </p:cNvSpPr>
+          <p:nvPr>
+            <p:ph type="ftr" sz="quarter" idx="11"/>
+          </p:nvPr>
+        </p:nvSpPr>
+        <p:spPr>
+          <a:xfrm>
+            <a:off x="4034305" y="6377132"/>
+            <a:ext cx="4114800" cy="365125"/>
+          </a:xfrm>
+        </p:spPr>
+        <p:txBody>
+          <a:bodyPr/>
+          <a:lstStyle/>
+          <a:p>
+            <a:r>
+              <a:rPr lang="pt-BR" dirty="0" smtClean="0"/>
+              <a:t>Manaus (AM) – Fevereiro de 2018</a:t>
+            </a:r>
+            <a:endParaRPr lang="pt-BR" dirty="0"/>
+          </a:p>
+        </p:txBody>
+      </p:sp>
+      <p:sp>
+        <p:nvSpPr>
+          <p:cNvPr id="10" name="Retângulo 9"/>
+          <p:cNvSpPr/>
+          <p:nvPr/>
+        </p:nvSpPr>
+        <p:spPr>
+          <a:xfrm>
+            <a:off x="566669" y="1694328"/>
+            <a:ext cx="11050073" cy="4590561"/>
+          </a:xfrm>
+          <a:prstGeom prst="rect">
+            <a:avLst/>
+          </a:prstGeom>
+          <a:noFill/>
+          <a:ln w="28575">
+            <a:solidFill>
+              <a:srgbClr val="7030A0"/>
+            </a:solidFill>
+          </a:ln>
+        </p:spPr>
+        <p:style>
+          <a:lnRef idx="2">
+            <a:schemeClr val="accent1">
+              <a:shade val="50000"/>
+            </a:schemeClr>
+          </a:lnRef>
+          <a:fillRef idx="1">
+            <a:schemeClr val="accent1"/>
+          </a:fillRef>
+          <a:effectRef idx="0">
+            <a:schemeClr val="accent1"/>
+          </a:effectRef>
+          <a:fontRef idx="minor">
+            <a:schemeClr val="lt1"/>
+          </a:fontRef>
+        </p:style>
+        <p:txBody>
+          <a:bodyPr rtlCol="0" anchor="ctr"/>
+          <a:lstStyle/>
+          <a:p>
+            <a:pPr algn="ctr"/>
+            <a:endParaRPr lang="pt-BR"/>
+          </a:p>
+        </p:txBody>
+      </p:sp>
+      <p:sp>
+        <p:nvSpPr>
+          <p:cNvPr id="17" name="Retângulo 16"/>
+          <p:cNvSpPr/>
+          <p:nvPr/>
+        </p:nvSpPr>
+        <p:spPr>
+          <a:xfrm>
+            <a:off x="1037639" y="1694328"/>
+            <a:ext cx="9990085" cy="1508105"/>
+          </a:xfrm>
+          <a:prstGeom prst="rect">
+            <a:avLst/>
+          </a:prstGeom>
+        </p:spPr>
+        <p:txBody>
+          <a:bodyPr wrap="square">
+            <a:spAutoFit/>
+          </a:bodyPr>
+          <a:lstStyle/>
+          <a:p>
+            <a:pPr marL="109728" algn="ctr"/>
+            <a:r>
+              <a:rPr lang="pt-BR" sz="3200" dirty="0" smtClean="0">
+                <a:solidFill>
+                  <a:srgbClr val="FF0000"/>
+                </a:solidFill>
+                <a:latin typeface="Rockwell Condensed" panose="02060603050405020104" pitchFamily="18" charset="0"/>
+              </a:rPr>
+              <a:t>Fluxograma </a:t>
+            </a:r>
+            <a:r>
+              <a:rPr lang="pt-BR" sz="3200" dirty="0" smtClean="0">
+                <a:solidFill>
+                  <a:srgbClr val="FF0000"/>
+                </a:solidFill>
+                <a:latin typeface="Rockwell Condensed" panose="02060603050405020104" pitchFamily="18" charset="0"/>
+              </a:rPr>
+              <a:t>da metodologia utilizada no desenvolvimento projeto</a:t>
+            </a:r>
+            <a:endParaRPr lang="pt-BR" sz="3200" dirty="0">
+              <a:solidFill>
+                <a:srgbClr val="FF0000"/>
+              </a:solidFill>
+              <a:latin typeface="Rockwell Condensed" panose="02060603050405020104" pitchFamily="18" charset="0"/>
+            </a:endParaRPr>
+          </a:p>
+          <a:p>
+            <a:pPr marL="109728" algn="ctr"/>
+            <a:endParaRPr lang="pt-BR" sz="3200" dirty="0">
+              <a:solidFill>
+                <a:srgbClr val="FF0000"/>
+              </a:solidFill>
+              <a:latin typeface="Rockwell Condensed" panose="02060603050405020104" pitchFamily="18" charset="0"/>
+            </a:endParaRPr>
+          </a:p>
+          <a:p>
+            <a:pPr marL="109728" indent="0" algn="ctr">
+              <a:buNone/>
+            </a:pPr>
+            <a:endParaRPr lang="pt-BR" sz="2800" dirty="0" smtClean="0">
+              <a:latin typeface="Rockwell Condensed" panose="02060603050405020104" pitchFamily="18" charset="0"/>
+            </a:endParaRPr>
+          </a:p>
+        </p:txBody>
+      </p:sp>
+      <p:sp>
+        <p:nvSpPr>
+          <p:cNvPr id="2" name="Retângulo 1"/>
+          <p:cNvSpPr/>
+          <p:nvPr/>
+        </p:nvSpPr>
+        <p:spPr>
+          <a:xfrm>
+            <a:off x="1901035" y="2331688"/>
+            <a:ext cx="1806734" cy="470740"/>
+          </a:xfrm>
+          <a:prstGeom prst="rect">
+            <a:avLst/>
+          </a:prstGeom>
+        </p:spPr>
+        <p:style>
+          <a:lnRef idx="2">
+            <a:schemeClr val="accent1">
+              <a:shade val="50000"/>
+            </a:schemeClr>
+          </a:lnRef>
+          <a:fillRef idx="1">
+            <a:schemeClr val="accent1"/>
+          </a:fillRef>
+          <a:effectRef idx="0">
+            <a:schemeClr val="accent1"/>
+          </a:effectRef>
+          <a:fontRef idx="minor">
+            <a:schemeClr val="lt1"/>
+          </a:fontRef>
+        </p:style>
+        <p:txBody>
+          <a:bodyPr rtlCol="0" anchor="ctr"/>
+          <a:lstStyle/>
+          <a:p>
+            <a:pPr algn="ctr"/>
+            <a:r>
+              <a:rPr lang="pt-BR" dirty="0" smtClean="0"/>
+              <a:t>Inicio</a:t>
+            </a:r>
+            <a:endParaRPr lang="pt-BR" dirty="0"/>
+          </a:p>
+        </p:txBody>
+      </p:sp>
+      <p:sp>
+        <p:nvSpPr>
+          <p:cNvPr id="7" name="Losango 6"/>
+          <p:cNvSpPr/>
+          <p:nvPr/>
+        </p:nvSpPr>
+        <p:spPr>
+          <a:xfrm>
+            <a:off x="683311" y="4601916"/>
+            <a:ext cx="4242180" cy="1682973"/>
+          </a:xfrm>
+          <a:prstGeom prst="diamond">
+            <a:avLst/>
+          </a:prstGeom>
+        </p:spPr>
+        <p:style>
+          <a:lnRef idx="2">
+            <a:schemeClr val="accent1">
+              <a:shade val="50000"/>
+            </a:schemeClr>
+          </a:lnRef>
+          <a:fillRef idx="1">
+            <a:schemeClr val="accent1"/>
+          </a:fillRef>
+          <a:effectRef idx="0">
+            <a:schemeClr val="accent1"/>
+          </a:effectRef>
+          <a:fontRef idx="minor">
+            <a:schemeClr val="lt1"/>
+          </a:fontRef>
+        </p:style>
+        <p:txBody>
+          <a:bodyPr rtlCol="0" anchor="ctr"/>
+          <a:lstStyle/>
+          <a:p>
+            <a:pPr algn="ctr"/>
+            <a:r>
+              <a:rPr lang="pt-BR" dirty="0" smtClean="0"/>
+              <a:t>Teste individual de cada componente pesquisado foi satisfatório</a:t>
+            </a:r>
+            <a:r>
+              <a:rPr lang="pt-BR" dirty="0" smtClean="0"/>
+              <a:t>?</a:t>
+            </a:r>
+            <a:endParaRPr lang="pt-BR" dirty="0"/>
+          </a:p>
+        </p:txBody>
+      </p:sp>
+      <p:sp>
+        <p:nvSpPr>
+          <p:cNvPr id="94" name="CaixaDeTexto 93"/>
+          <p:cNvSpPr txBox="1"/>
+          <p:nvPr/>
+        </p:nvSpPr>
+        <p:spPr>
+          <a:xfrm>
+            <a:off x="4766450" y="5028967"/>
+            <a:ext cx="290464" cy="369332"/>
+          </a:xfrm>
+          <a:prstGeom prst="rect">
+            <a:avLst/>
+          </a:prstGeom>
+          <a:noFill/>
+        </p:spPr>
+        <p:txBody>
+          <a:bodyPr wrap="none" rtlCol="0">
+            <a:spAutoFit/>
+          </a:bodyPr>
+          <a:lstStyle/>
+          <a:p>
+            <a:r>
+              <a:rPr lang="pt-BR" dirty="0"/>
+              <a:t>S</a:t>
+            </a:r>
+          </a:p>
+        </p:txBody>
+      </p:sp>
+      <p:sp>
+        <p:nvSpPr>
+          <p:cNvPr id="97" name="Elipse 96"/>
+          <p:cNvSpPr/>
+          <p:nvPr/>
+        </p:nvSpPr>
+        <p:spPr>
+          <a:xfrm>
+            <a:off x="2697574" y="2963442"/>
+            <a:ext cx="213655" cy="238991"/>
+          </a:xfrm>
+          <a:prstGeom prst="ellipse">
+            <a:avLst/>
+          </a:prstGeom>
+        </p:spPr>
+        <p:style>
+          <a:lnRef idx="2">
+            <a:schemeClr val="accent1">
+              <a:shade val="50000"/>
+            </a:schemeClr>
+          </a:lnRef>
+          <a:fillRef idx="1">
+            <a:schemeClr val="accent1"/>
+          </a:fillRef>
+          <a:effectRef idx="0">
+            <a:schemeClr val="accent1"/>
+          </a:effectRef>
+          <a:fontRef idx="minor">
+            <a:schemeClr val="lt1"/>
+          </a:fontRef>
+        </p:style>
+        <p:txBody>
+          <a:bodyPr rtlCol="0" anchor="ctr"/>
+          <a:lstStyle/>
+          <a:p>
+            <a:pPr algn="ctr"/>
+            <a:endParaRPr lang="pt-BR" dirty="0"/>
+          </a:p>
+        </p:txBody>
+      </p:sp>
+      <p:sp>
+        <p:nvSpPr>
+          <p:cNvPr id="146" name="CaixaDeTexto 145"/>
+          <p:cNvSpPr txBox="1"/>
+          <p:nvPr/>
+        </p:nvSpPr>
+        <p:spPr>
+          <a:xfrm>
+            <a:off x="703893" y="4883261"/>
+            <a:ext cx="333746" cy="369332"/>
+          </a:xfrm>
+          <a:prstGeom prst="rect">
+            <a:avLst/>
+          </a:prstGeom>
+          <a:noFill/>
+        </p:spPr>
+        <p:txBody>
+          <a:bodyPr wrap="none" rtlCol="0">
+            <a:spAutoFit/>
+          </a:bodyPr>
+          <a:lstStyle/>
+          <a:p>
+            <a:r>
+              <a:rPr lang="pt-BR" dirty="0" smtClean="0"/>
+              <a:t>N</a:t>
+            </a:r>
+            <a:endParaRPr lang="pt-BR" dirty="0"/>
+          </a:p>
+        </p:txBody>
+      </p:sp>
+      <p:sp>
+        <p:nvSpPr>
+          <p:cNvPr id="85" name="Retângulo 84"/>
+          <p:cNvSpPr/>
+          <p:nvPr/>
+        </p:nvSpPr>
+        <p:spPr>
+          <a:xfrm>
+            <a:off x="1901035" y="3316158"/>
+            <a:ext cx="1806734" cy="1134482"/>
+          </a:xfrm>
+          <a:prstGeom prst="rect">
+            <a:avLst/>
+          </a:prstGeom>
+        </p:spPr>
+        <p:style>
+          <a:lnRef idx="2">
+            <a:schemeClr val="accent1">
+              <a:shade val="50000"/>
+            </a:schemeClr>
+          </a:lnRef>
+          <a:fillRef idx="1">
+            <a:schemeClr val="accent1"/>
+          </a:fillRef>
+          <a:effectRef idx="0">
+            <a:schemeClr val="accent1"/>
+          </a:effectRef>
+          <a:fontRef idx="minor">
+            <a:schemeClr val="lt1"/>
+          </a:fontRef>
+        </p:style>
+        <p:txBody>
+          <a:bodyPr rtlCol="0" anchor="ctr"/>
+          <a:lstStyle/>
+          <a:p>
+            <a:pPr algn="ctr"/>
+            <a:r>
+              <a:rPr lang="pt-BR" dirty="0" smtClean="0"/>
+              <a:t>Pesquisa sobre quais componentes utilizar.</a:t>
+            </a:r>
+            <a:endParaRPr lang="pt-BR" dirty="0"/>
+          </a:p>
+        </p:txBody>
+      </p:sp>
+      <p:cxnSp>
+        <p:nvCxnSpPr>
+          <p:cNvPr id="33" name="Conector de seta reta 32"/>
+          <p:cNvCxnSpPr>
+            <a:stCxn id="2" idx="2"/>
+            <a:endCxn id="97" idx="0"/>
+          </p:cNvCxnSpPr>
+          <p:nvPr/>
+        </p:nvCxnSpPr>
+        <p:spPr>
+          <a:xfrm>
+            <a:off x="2804402" y="2802428"/>
+            <a:ext cx="0" cy="161014"/>
+          </a:xfrm>
+          <a:prstGeom prst="straightConnector1">
+            <a:avLst/>
+          </a:prstGeom>
+          <a:ln>
+            <a:tailEnd type="arrow"/>
+          </a:ln>
+        </p:spPr>
+        <p:style>
+          <a:lnRef idx="1">
+            <a:schemeClr val="accent1"/>
+          </a:lnRef>
+          <a:fillRef idx="0">
+            <a:schemeClr val="accent1"/>
+          </a:fillRef>
+          <a:effectRef idx="0">
+            <a:schemeClr val="accent1"/>
+          </a:effectRef>
+          <a:fontRef idx="minor">
+            <a:schemeClr val="tx1"/>
+          </a:fontRef>
+        </p:style>
+      </p:cxnSp>
+      <p:cxnSp>
+        <p:nvCxnSpPr>
+          <p:cNvPr id="35" name="Conector de seta reta 34"/>
+          <p:cNvCxnSpPr>
+            <a:stCxn id="97" idx="4"/>
+            <a:endCxn id="85" idx="0"/>
+          </p:cNvCxnSpPr>
+          <p:nvPr/>
+        </p:nvCxnSpPr>
+        <p:spPr>
+          <a:xfrm>
+            <a:off x="2804402" y="3202433"/>
+            <a:ext cx="0" cy="113725"/>
+          </a:xfrm>
+          <a:prstGeom prst="straightConnector1">
+            <a:avLst/>
+          </a:prstGeom>
+          <a:ln>
+            <a:tailEnd type="arrow"/>
+          </a:ln>
+        </p:spPr>
+        <p:style>
+          <a:lnRef idx="1">
+            <a:schemeClr val="accent1"/>
+          </a:lnRef>
+          <a:fillRef idx="0">
+            <a:schemeClr val="accent1"/>
+          </a:fillRef>
+          <a:effectRef idx="0">
+            <a:schemeClr val="accent1"/>
+          </a:effectRef>
+          <a:fontRef idx="minor">
+            <a:schemeClr val="tx1"/>
+          </a:fontRef>
+        </p:style>
+      </p:cxnSp>
+      <p:cxnSp>
+        <p:nvCxnSpPr>
+          <p:cNvPr id="39" name="Conector de seta reta 38"/>
+          <p:cNvCxnSpPr>
+            <a:stCxn id="85" idx="2"/>
+            <a:endCxn id="7" idx="0"/>
+          </p:cNvCxnSpPr>
+          <p:nvPr/>
+        </p:nvCxnSpPr>
+        <p:spPr>
+          <a:xfrm flipH="1">
+            <a:off x="2804401" y="4450640"/>
+            <a:ext cx="1" cy="151276"/>
+          </a:xfrm>
+          <a:prstGeom prst="straightConnector1">
+            <a:avLst/>
+          </a:prstGeom>
+          <a:ln>
+            <a:tailEnd type="arrow"/>
+          </a:ln>
+        </p:spPr>
+        <p:style>
+          <a:lnRef idx="1">
+            <a:schemeClr val="accent1"/>
+          </a:lnRef>
+          <a:fillRef idx="0">
+            <a:schemeClr val="accent1"/>
+          </a:fillRef>
+          <a:effectRef idx="0">
+            <a:schemeClr val="accent1"/>
+          </a:effectRef>
+          <a:fontRef idx="minor">
+            <a:schemeClr val="tx1"/>
+          </a:fontRef>
+        </p:style>
+      </p:cxnSp>
+      <p:cxnSp>
+        <p:nvCxnSpPr>
+          <p:cNvPr id="51" name="Conector angulado 50"/>
+          <p:cNvCxnSpPr>
+            <a:stCxn id="7" idx="1"/>
+            <a:endCxn id="97" idx="2"/>
+          </p:cNvCxnSpPr>
+          <p:nvPr/>
+        </p:nvCxnSpPr>
+        <p:spPr>
+          <a:xfrm rot="10800000" flipH="1">
+            <a:off x="683310" y="3082939"/>
+            <a:ext cx="2014263" cy="2360465"/>
+          </a:xfrm>
+          <a:prstGeom prst="bentConnector3">
+            <a:avLst>
+              <a:gd name="adj1" fmla="val -1548"/>
+            </a:avLst>
+          </a:prstGeom>
+          <a:ln>
+            <a:tailEnd type="arrow"/>
+          </a:ln>
+        </p:spPr>
+        <p:style>
+          <a:lnRef idx="1">
+            <a:schemeClr val="accent1"/>
+          </a:lnRef>
+          <a:fillRef idx="0">
+            <a:schemeClr val="accent1"/>
+          </a:fillRef>
+          <a:effectRef idx="0">
+            <a:schemeClr val="accent1"/>
+          </a:effectRef>
+          <a:fontRef idx="minor">
+            <a:schemeClr val="tx1"/>
+          </a:fontRef>
+        </p:style>
+      </p:cxnSp>
+      <p:sp>
+        <p:nvSpPr>
+          <p:cNvPr id="111" name="Retângulo 110"/>
+          <p:cNvSpPr/>
+          <p:nvPr/>
+        </p:nvSpPr>
+        <p:spPr>
+          <a:xfrm>
+            <a:off x="5188338" y="2407206"/>
+            <a:ext cx="1806734" cy="790445"/>
+          </a:xfrm>
+          <a:prstGeom prst="rect">
+            <a:avLst/>
+          </a:prstGeom>
+        </p:spPr>
+        <p:style>
+          <a:lnRef idx="2">
+            <a:schemeClr val="accent1">
+              <a:shade val="50000"/>
+            </a:schemeClr>
+          </a:lnRef>
+          <a:fillRef idx="1">
+            <a:schemeClr val="accent1"/>
+          </a:fillRef>
+          <a:effectRef idx="0">
+            <a:schemeClr val="accent1"/>
+          </a:effectRef>
+          <a:fontRef idx="minor">
+            <a:schemeClr val="lt1"/>
+          </a:fontRef>
+        </p:style>
+        <p:txBody>
+          <a:bodyPr rtlCol="0" anchor="ctr"/>
+          <a:lstStyle/>
+          <a:p>
+            <a:pPr algn="ctr"/>
+            <a:r>
+              <a:rPr lang="pt-BR" dirty="0" smtClean="0"/>
+              <a:t>Ferramentas e componentes definidos</a:t>
+            </a:r>
+            <a:endParaRPr lang="pt-BR" dirty="0"/>
+          </a:p>
+        </p:txBody>
+      </p:sp>
+      <p:cxnSp>
+        <p:nvCxnSpPr>
+          <p:cNvPr id="57" name="Conector angulado 56"/>
+          <p:cNvCxnSpPr>
+            <a:stCxn id="7" idx="3"/>
+            <a:endCxn id="111" idx="1"/>
+          </p:cNvCxnSpPr>
+          <p:nvPr/>
+        </p:nvCxnSpPr>
+        <p:spPr>
+          <a:xfrm flipV="1">
+            <a:off x="4925491" y="2802429"/>
+            <a:ext cx="262847" cy="2640974"/>
+          </a:xfrm>
+          <a:prstGeom prst="bentConnector3">
+            <a:avLst>
+              <a:gd name="adj1" fmla="val 50000"/>
+            </a:avLst>
+          </a:prstGeom>
+          <a:ln>
+            <a:tailEnd type="arrow"/>
+          </a:ln>
+        </p:spPr>
+        <p:style>
+          <a:lnRef idx="1">
+            <a:schemeClr val="accent1"/>
+          </a:lnRef>
+          <a:fillRef idx="0">
+            <a:schemeClr val="accent1"/>
+          </a:fillRef>
+          <a:effectRef idx="0">
+            <a:schemeClr val="accent1"/>
+          </a:effectRef>
+          <a:fontRef idx="minor">
+            <a:schemeClr val="tx1"/>
+          </a:fontRef>
+        </p:style>
+      </p:cxnSp>
+      <p:sp>
+        <p:nvSpPr>
+          <p:cNvPr id="160" name="Retângulo 159"/>
+          <p:cNvSpPr/>
+          <p:nvPr/>
+        </p:nvSpPr>
+        <p:spPr>
+          <a:xfrm>
+            <a:off x="5188338" y="4142178"/>
+            <a:ext cx="1806734" cy="761866"/>
+          </a:xfrm>
+          <a:prstGeom prst="rect">
+            <a:avLst/>
+          </a:prstGeom>
+        </p:spPr>
+        <p:style>
+          <a:lnRef idx="2">
+            <a:schemeClr val="accent1">
+              <a:shade val="50000"/>
+            </a:schemeClr>
+          </a:lnRef>
+          <a:fillRef idx="1">
+            <a:schemeClr val="accent1"/>
+          </a:fillRef>
+          <a:effectRef idx="0">
+            <a:schemeClr val="accent1"/>
+          </a:effectRef>
+          <a:fontRef idx="minor">
+            <a:schemeClr val="lt1"/>
+          </a:fontRef>
+        </p:style>
+        <p:txBody>
+          <a:bodyPr rtlCol="0" anchor="ctr"/>
+          <a:lstStyle/>
+          <a:p>
+            <a:pPr algn="ctr"/>
+            <a:r>
+              <a:rPr lang="pt-BR" dirty="0" smtClean="0"/>
+              <a:t>Desenvolvimento do projeto</a:t>
+            </a:r>
+            <a:endParaRPr lang="pt-BR" dirty="0"/>
+          </a:p>
+        </p:txBody>
+      </p:sp>
+      <p:sp>
+        <p:nvSpPr>
+          <p:cNvPr id="169" name="Elipse 168"/>
+          <p:cNvSpPr/>
+          <p:nvPr/>
+        </p:nvSpPr>
+        <p:spPr>
+          <a:xfrm>
+            <a:off x="5984877" y="3622195"/>
+            <a:ext cx="213655" cy="238991"/>
+          </a:xfrm>
+          <a:prstGeom prst="ellipse">
+            <a:avLst/>
+          </a:prstGeom>
+        </p:spPr>
+        <p:style>
+          <a:lnRef idx="2">
+            <a:schemeClr val="accent1">
+              <a:shade val="50000"/>
+            </a:schemeClr>
+          </a:lnRef>
+          <a:fillRef idx="1">
+            <a:schemeClr val="accent1"/>
+          </a:fillRef>
+          <a:effectRef idx="0">
+            <a:schemeClr val="accent1"/>
+          </a:effectRef>
+          <a:fontRef idx="minor">
+            <a:schemeClr val="lt1"/>
+          </a:fontRef>
+        </p:style>
+        <p:txBody>
+          <a:bodyPr rtlCol="0" anchor="ctr"/>
+          <a:lstStyle/>
+          <a:p>
+            <a:pPr algn="ctr"/>
+            <a:endParaRPr lang="pt-BR" dirty="0"/>
+          </a:p>
+        </p:txBody>
+      </p:sp>
+      <p:cxnSp>
+        <p:nvCxnSpPr>
+          <p:cNvPr id="163" name="Conector de seta reta 162"/>
+          <p:cNvCxnSpPr>
+            <a:stCxn id="111" idx="2"/>
+            <a:endCxn id="169" idx="0"/>
+          </p:cNvCxnSpPr>
+          <p:nvPr/>
+        </p:nvCxnSpPr>
+        <p:spPr>
+          <a:xfrm>
+            <a:off x="6091705" y="3197651"/>
+            <a:ext cx="0" cy="424544"/>
+          </a:xfrm>
+          <a:prstGeom prst="straightConnector1">
+            <a:avLst/>
+          </a:prstGeom>
+          <a:ln>
+            <a:tailEnd type="arrow"/>
+          </a:ln>
+        </p:spPr>
+        <p:style>
+          <a:lnRef idx="1">
+            <a:schemeClr val="accent1"/>
+          </a:lnRef>
+          <a:fillRef idx="0">
+            <a:schemeClr val="accent1"/>
+          </a:fillRef>
+          <a:effectRef idx="0">
+            <a:schemeClr val="accent1"/>
+          </a:effectRef>
+          <a:fontRef idx="minor">
+            <a:schemeClr val="tx1"/>
+          </a:fontRef>
+        </p:style>
+      </p:cxnSp>
+      <p:cxnSp>
+        <p:nvCxnSpPr>
+          <p:cNvPr id="165" name="Conector de seta reta 164"/>
+          <p:cNvCxnSpPr>
+            <a:stCxn id="169" idx="4"/>
+            <a:endCxn id="160" idx="0"/>
+          </p:cNvCxnSpPr>
+          <p:nvPr/>
+        </p:nvCxnSpPr>
+        <p:spPr>
+          <a:xfrm>
+            <a:off x="6091705" y="3861186"/>
+            <a:ext cx="0" cy="280992"/>
+          </a:xfrm>
+          <a:prstGeom prst="straightConnector1">
+            <a:avLst/>
+          </a:prstGeom>
+          <a:ln>
+            <a:tailEnd type="arrow"/>
+          </a:ln>
+        </p:spPr>
+        <p:style>
+          <a:lnRef idx="1">
+            <a:schemeClr val="accent1"/>
+          </a:lnRef>
+          <a:fillRef idx="0">
+            <a:schemeClr val="accent1"/>
+          </a:fillRef>
+          <a:effectRef idx="0">
+            <a:schemeClr val="accent1"/>
+          </a:effectRef>
+          <a:fontRef idx="minor">
+            <a:schemeClr val="tx1"/>
+          </a:fontRef>
+        </p:style>
+      </p:cxnSp>
+      <p:sp>
+        <p:nvSpPr>
+          <p:cNvPr id="174" name="Losango 173"/>
+          <p:cNvSpPr/>
+          <p:nvPr/>
+        </p:nvSpPr>
+        <p:spPr>
+          <a:xfrm>
+            <a:off x="7543799" y="3754979"/>
+            <a:ext cx="3664727" cy="1510903"/>
+          </a:xfrm>
+          <a:prstGeom prst="diamond">
+            <a:avLst/>
+          </a:prstGeom>
+        </p:spPr>
+        <p:style>
+          <a:lnRef idx="2">
+            <a:schemeClr val="accent1">
+              <a:shade val="50000"/>
+            </a:schemeClr>
+          </a:lnRef>
+          <a:fillRef idx="1">
+            <a:schemeClr val="accent1"/>
+          </a:fillRef>
+          <a:effectRef idx="0">
+            <a:schemeClr val="accent1"/>
+          </a:effectRef>
+          <a:fontRef idx="minor">
+            <a:schemeClr val="lt1"/>
+          </a:fontRef>
+        </p:style>
+        <p:txBody>
+          <a:bodyPr rtlCol="0" anchor="ctr"/>
+          <a:lstStyle/>
+          <a:p>
+            <a:pPr algn="ctr"/>
+            <a:r>
+              <a:rPr lang="pt-BR" dirty="0" smtClean="0"/>
+              <a:t>Realização de testes gerais no projeto, satisfatório</a:t>
+            </a:r>
+            <a:r>
+              <a:rPr lang="pt-BR" dirty="0" smtClean="0"/>
+              <a:t>?</a:t>
+            </a:r>
+            <a:endParaRPr lang="pt-BR" dirty="0"/>
+          </a:p>
+        </p:txBody>
+      </p:sp>
+      <p:cxnSp>
+        <p:nvCxnSpPr>
+          <p:cNvPr id="168" name="Conector de seta reta 167"/>
+          <p:cNvCxnSpPr>
+            <a:stCxn id="160" idx="3"/>
+            <a:endCxn id="174" idx="1"/>
+          </p:cNvCxnSpPr>
+          <p:nvPr/>
+        </p:nvCxnSpPr>
+        <p:spPr>
+          <a:xfrm flipV="1">
+            <a:off x="6995072" y="4510431"/>
+            <a:ext cx="548727" cy="12680"/>
+          </a:xfrm>
+          <a:prstGeom prst="straightConnector1">
+            <a:avLst/>
+          </a:prstGeom>
+          <a:ln>
+            <a:tailEnd type="arrow"/>
+          </a:ln>
+        </p:spPr>
+        <p:style>
+          <a:lnRef idx="1">
+            <a:schemeClr val="accent1"/>
+          </a:lnRef>
+          <a:fillRef idx="0">
+            <a:schemeClr val="accent1"/>
+          </a:fillRef>
+          <a:effectRef idx="0">
+            <a:schemeClr val="accent1"/>
+          </a:effectRef>
+          <a:fontRef idx="minor">
+            <a:schemeClr val="tx1"/>
+          </a:fontRef>
+        </p:style>
+      </p:cxnSp>
+      <p:sp>
+        <p:nvSpPr>
+          <p:cNvPr id="178" name="CaixaDeTexto 177"/>
+          <p:cNvSpPr txBox="1"/>
+          <p:nvPr/>
+        </p:nvSpPr>
+        <p:spPr>
+          <a:xfrm>
+            <a:off x="9433031" y="3370336"/>
+            <a:ext cx="333746" cy="369332"/>
+          </a:xfrm>
+          <a:prstGeom prst="rect">
+            <a:avLst/>
+          </a:prstGeom>
+          <a:noFill/>
+        </p:spPr>
+        <p:txBody>
+          <a:bodyPr wrap="none" rtlCol="0">
+            <a:spAutoFit/>
+          </a:bodyPr>
+          <a:lstStyle/>
+          <a:p>
+            <a:r>
+              <a:rPr lang="pt-BR" dirty="0" smtClean="0"/>
+              <a:t>N</a:t>
+            </a:r>
+            <a:endParaRPr lang="pt-BR" dirty="0"/>
+          </a:p>
+        </p:txBody>
+      </p:sp>
+      <p:cxnSp>
+        <p:nvCxnSpPr>
+          <p:cNvPr id="172" name="Conector angulado 171"/>
+          <p:cNvCxnSpPr>
+            <a:stCxn id="174" idx="0"/>
+            <a:endCxn id="169" idx="6"/>
+          </p:cNvCxnSpPr>
+          <p:nvPr/>
+        </p:nvCxnSpPr>
+        <p:spPr>
+          <a:xfrm rot="16200000" flipV="1">
+            <a:off x="7780704" y="2159519"/>
+            <a:ext cx="13288" cy="3177631"/>
+          </a:xfrm>
+          <a:prstGeom prst="bentConnector2">
+            <a:avLst/>
+          </a:prstGeom>
+          <a:ln>
+            <a:tailEnd type="arrow"/>
+          </a:ln>
+        </p:spPr>
+        <p:style>
+          <a:lnRef idx="1">
+            <a:schemeClr val="accent1"/>
+          </a:lnRef>
+          <a:fillRef idx="0">
+            <a:schemeClr val="accent1"/>
+          </a:fillRef>
+          <a:effectRef idx="0">
+            <a:schemeClr val="accent1"/>
+          </a:effectRef>
+          <a:fontRef idx="minor">
+            <a:schemeClr val="tx1"/>
+          </a:fontRef>
+        </p:style>
+      </p:cxnSp>
+      <p:sp>
+        <p:nvSpPr>
+          <p:cNvPr id="173" name="Retângulo 172"/>
+          <p:cNvSpPr/>
+          <p:nvPr/>
+        </p:nvSpPr>
+        <p:spPr>
+          <a:xfrm>
+            <a:off x="7897091" y="5725391"/>
+            <a:ext cx="2982191" cy="559498"/>
+          </a:xfrm>
+          <a:prstGeom prst="rect">
+            <a:avLst/>
+          </a:prstGeom>
+        </p:spPr>
+        <p:style>
+          <a:lnRef idx="2">
+            <a:schemeClr val="accent1">
+              <a:shade val="50000"/>
+            </a:schemeClr>
+          </a:lnRef>
+          <a:fillRef idx="1">
+            <a:schemeClr val="accent1"/>
+          </a:fillRef>
+          <a:effectRef idx="0">
+            <a:schemeClr val="accent1"/>
+          </a:effectRef>
+          <a:fontRef idx="minor">
+            <a:schemeClr val="lt1"/>
+          </a:fontRef>
+        </p:style>
+        <p:txBody>
+          <a:bodyPr rtlCol="0" anchor="ctr"/>
+          <a:lstStyle/>
+          <a:p>
+            <a:pPr algn="ctr"/>
+            <a:r>
+              <a:rPr lang="pt-BR" dirty="0" smtClean="0"/>
+              <a:t>Pronto para futuras implementações.</a:t>
+            </a:r>
+            <a:endParaRPr lang="pt-BR" dirty="0"/>
+          </a:p>
+        </p:txBody>
+      </p:sp>
+      <p:cxnSp>
+        <p:nvCxnSpPr>
+          <p:cNvPr id="176" name="Conector de seta reta 175"/>
+          <p:cNvCxnSpPr>
+            <a:stCxn id="174" idx="2"/>
+            <a:endCxn id="173" idx="0"/>
+          </p:cNvCxnSpPr>
+          <p:nvPr/>
+        </p:nvCxnSpPr>
+        <p:spPr>
+          <a:xfrm>
+            <a:off x="9376163" y="5265882"/>
+            <a:ext cx="12024" cy="459509"/>
+          </a:xfrm>
+          <a:prstGeom prst="straightConnector1">
+            <a:avLst/>
+          </a:prstGeom>
+          <a:ln>
+            <a:tailEnd type="arrow"/>
+          </a:ln>
+        </p:spPr>
+        <p:style>
+          <a:lnRef idx="1">
+            <a:schemeClr val="accent1"/>
+          </a:lnRef>
+          <a:fillRef idx="0">
+            <a:schemeClr val="accent1"/>
+          </a:fillRef>
+          <a:effectRef idx="0">
+            <a:schemeClr val="accent1"/>
+          </a:effectRef>
+          <a:fontRef idx="minor">
+            <a:schemeClr val="tx1"/>
+          </a:fontRef>
+        </p:style>
+      </p:cxnSp>
+      <p:sp>
+        <p:nvSpPr>
+          <p:cNvPr id="184" name="CaixaDeTexto 183"/>
+          <p:cNvSpPr txBox="1"/>
+          <p:nvPr/>
+        </p:nvSpPr>
+        <p:spPr>
+          <a:xfrm>
+            <a:off x="9521151" y="5310970"/>
+            <a:ext cx="290464" cy="369332"/>
+          </a:xfrm>
+          <a:prstGeom prst="rect">
+            <a:avLst/>
+          </a:prstGeom>
+          <a:noFill/>
+        </p:spPr>
+        <p:txBody>
+          <a:bodyPr wrap="none" rtlCol="0">
+            <a:spAutoFit/>
+          </a:bodyPr>
+          <a:lstStyle/>
+          <a:p>
+            <a:r>
+              <a:rPr lang="pt-BR" dirty="0"/>
+              <a:t>S</a:t>
+            </a:r>
+          </a:p>
+        </p:txBody>
+      </p:sp>
+    </p:spTree>
+    <p:extLst>
+      <p:ext uri="{BB962C8B-B14F-4D97-AF65-F5344CB8AC3E}">
+        <p14:creationId xmlns:p14="http://schemas.microsoft.com/office/powerpoint/2010/main" val="1192149215"/>
+      </p:ext>
+    </p:extLst>
+  </p:cSld>
+  <p:clrMapOvr>
+    <a:masterClrMapping/>
+  </p:clrMapOvr>
+  <p:timing>
+    <p:tnLst>
+      <p:par>
+        <p:cTn id="1" dur="indefinite" restart="never" nodeType="tmRoot"/>
+      </p:par>
+    </p:tnLst>
+  </p:timing>
+</p:sld>
+</file>
+
+<file path=ppt/slides/slide17.xml><?xml version="1.0" encoding="utf-8"?>
+<p:sld xmlns:a="http://schemas.openxmlformats.org/drawingml/2006/main" xmlns:r="http://schemas.openxmlformats.org/officeDocument/2006/relationships" xmlns:p="http://schemas.openxmlformats.org/presentationml/2006/main">
+  <p:cSld>
+    <p:spTree>
+      <p:nvGrpSpPr>
+        <p:cNvPr id="1" name=""/>
+        <p:cNvGrpSpPr/>
+        <p:nvPr/>
+      </p:nvGrpSpPr>
+      <p:grpSpPr>
+        <a:xfrm>
+          <a:off x="0" y="0"/>
+          <a:ext cx="0" cy="0"/>
+          <a:chOff x="0" y="0"/>
+          <a:chExt cx="0" cy="0"/>
+        </a:xfrm>
+      </p:grpSpPr>
+      <p:sp>
+        <p:nvSpPr>
+          <p:cNvPr id="5" name="Espaço Reservado para Número de Slide 4"/>
+          <p:cNvSpPr>
+            <a:spLocks noGrp="1"/>
+          </p:cNvSpPr>
+          <p:nvPr>
+            <p:ph type="sldNum" sz="quarter" idx="12"/>
+          </p:nvPr>
+        </p:nvSpPr>
+        <p:spPr/>
+        <p:txBody>
+          <a:bodyPr/>
+          <a:lstStyle/>
+          <a:p>
+            <a:fld id="{07E976CE-6A88-4DF5-9FE0-D445D452ABB2}" type="slidenum">
+              <a:rPr lang="pt-BR" smtClean="0"/>
+              <a:t>17</a:t>
+            </a:fld>
+            <a:endParaRPr lang="pt-BR" dirty="0"/>
+          </a:p>
+        </p:txBody>
+      </p:sp>
+      <p:sp>
+        <p:nvSpPr>
+          <p:cNvPr id="8" name="Espaço Reservado para Rodapé 9"/>
+          <p:cNvSpPr>
+            <a:spLocks noGrp="1"/>
+          </p:cNvSpPr>
+          <p:nvPr>
+            <p:ph type="ftr" sz="quarter" idx="11"/>
+          </p:nvPr>
+        </p:nvSpPr>
+        <p:spPr>
+          <a:xfrm>
+            <a:off x="4038600" y="6356350"/>
+            <a:ext cx="4114800" cy="365125"/>
+          </a:xfrm>
+        </p:spPr>
+        <p:txBody>
+          <a:bodyPr/>
+          <a:lstStyle/>
+          <a:p>
+            <a:r>
+              <a:rPr lang="pt-BR" dirty="0" smtClean="0"/>
+              <a:t>Manaus (AM) – Fevereiro de 2018</a:t>
+            </a:r>
+            <a:endParaRPr lang="pt-BR" dirty="0"/>
+          </a:p>
+        </p:txBody>
+      </p:sp>
+      <p:sp>
+        <p:nvSpPr>
+          <p:cNvPr id="10" name="Retângulo 9"/>
+          <p:cNvSpPr/>
+          <p:nvPr/>
+        </p:nvSpPr>
+        <p:spPr>
+          <a:xfrm>
+            <a:off x="566670" y="1694329"/>
+            <a:ext cx="11050073" cy="4590561"/>
+          </a:xfrm>
+          <a:prstGeom prst="rect">
+            <a:avLst/>
+          </a:prstGeom>
+          <a:noFill/>
+          <a:ln w="28575">
+            <a:solidFill>
+              <a:srgbClr val="00FFCC"/>
+            </a:solidFill>
+          </a:ln>
+        </p:spPr>
+        <p:style>
+          <a:lnRef idx="2">
+            <a:schemeClr val="accent1">
+              <a:shade val="50000"/>
+            </a:schemeClr>
+          </a:lnRef>
+          <a:fillRef idx="1">
+            <a:schemeClr val="accent1"/>
+          </a:fillRef>
+          <a:effectRef idx="0">
+            <a:schemeClr val="accent1"/>
+          </a:effectRef>
+          <a:fontRef idx="minor">
+            <a:schemeClr val="lt1"/>
+          </a:fontRef>
+        </p:style>
+        <p:txBody>
+          <a:bodyPr rtlCol="0" anchor="ctr"/>
+          <a:lstStyle/>
+          <a:p>
+            <a:pPr algn="ctr"/>
+            <a:endParaRPr lang="pt-BR"/>
+          </a:p>
+        </p:txBody>
+      </p:sp>
+      <p:sp>
+        <p:nvSpPr>
+          <p:cNvPr id="11" name="Título 1"/>
+          <p:cNvSpPr>
+            <a:spLocks noGrp="1"/>
+          </p:cNvSpPr>
+          <p:nvPr>
+            <p:ph type="title"/>
+          </p:nvPr>
+        </p:nvSpPr>
+        <p:spPr>
+          <a:xfrm>
+            <a:off x="3730222" y="1276729"/>
+            <a:ext cx="4291200" cy="835200"/>
+          </a:xfrm>
+          <a:prstGeom prst="flowChartAlternateProcess">
+            <a:avLst/>
+          </a:prstGeom>
+          <a:solidFill>
+            <a:srgbClr val="00FFCC"/>
+          </a:solidFill>
+        </p:spPr>
+        <p:txBody>
+          <a:bodyPr>
+            <a:normAutofit/>
+          </a:bodyPr>
+          <a:lstStyle/>
+          <a:p>
+            <a:pPr algn="ctr"/>
+            <a:r>
+              <a:rPr lang="pt-BR" sz="4000" dirty="0" smtClean="0">
+                <a:latin typeface="Rockwell Condensed" panose="02060603050405020104" pitchFamily="18" charset="0"/>
+                <a:cs typeface="Times New Roman" panose="02020603050405020304" pitchFamily="18" charset="0"/>
+              </a:rPr>
+              <a:t>RESULTADOS</a:t>
+            </a:r>
+            <a:endParaRPr lang="pt-BR" sz="4000" dirty="0">
+              <a:latin typeface="Rockwell Condensed" panose="02060603050405020104" pitchFamily="18" charset="0"/>
+              <a:cs typeface="Times New Roman" panose="02020603050405020304" pitchFamily="18" charset="0"/>
+            </a:endParaRPr>
+          </a:p>
+        </p:txBody>
+      </p:sp>
+      <p:sp>
+        <p:nvSpPr>
+          <p:cNvPr id="9" name="Retângulo 8"/>
+          <p:cNvSpPr/>
+          <p:nvPr/>
+        </p:nvSpPr>
+        <p:spPr>
+          <a:xfrm>
+            <a:off x="837127" y="2176284"/>
+            <a:ext cx="9990085" cy="3970318"/>
+          </a:xfrm>
+          <a:prstGeom prst="rect">
+            <a:avLst/>
+          </a:prstGeom>
+        </p:spPr>
+        <p:txBody>
+          <a:bodyPr wrap="square">
+            <a:spAutoFit/>
+          </a:bodyPr>
+          <a:lstStyle/>
+          <a:p>
+            <a:pPr marL="566928" indent="-457200" algn="just">
+              <a:buFont typeface="Arial" pitchFamily="34" charset="0"/>
+              <a:buChar char="•"/>
+            </a:pPr>
+            <a:endParaRPr lang="pt-BR" sz="2800" dirty="0" smtClean="0">
+              <a:latin typeface="Rockwell Condensed" panose="02060603050405020104" pitchFamily="18" charset="0"/>
+            </a:endParaRPr>
+          </a:p>
+          <a:p>
+            <a:pPr marL="566928" indent="-457200" algn="just">
+              <a:buFont typeface="Arial" pitchFamily="34" charset="0"/>
+              <a:buChar char="•"/>
+            </a:pPr>
+            <a:r>
+              <a:rPr lang="pt-BR" sz="2800" dirty="0" smtClean="0">
+                <a:latin typeface="Rockwell Condensed" panose="02060603050405020104" pitchFamily="18" charset="0"/>
+              </a:rPr>
+              <a:t>Controle dos acessos aos laboratórios através do módulo MFRC 522;</a:t>
+            </a:r>
+          </a:p>
+          <a:p>
+            <a:pPr marL="566928" indent="-457200" algn="just">
+              <a:buFont typeface="Arial" pitchFamily="34" charset="0"/>
+              <a:buChar char="•"/>
+            </a:pPr>
+            <a:endParaRPr lang="pt-BR" sz="2800" dirty="0" smtClean="0">
+              <a:latin typeface="Rockwell Condensed" panose="02060603050405020104" pitchFamily="18" charset="0"/>
+            </a:endParaRPr>
+          </a:p>
+          <a:p>
+            <a:pPr marL="566928" indent="-457200" algn="just">
+              <a:buFont typeface="Arial" pitchFamily="34" charset="0"/>
+              <a:buChar char="•"/>
+            </a:pPr>
+            <a:r>
+              <a:rPr lang="pt-BR" sz="2800" dirty="0" smtClean="0">
+                <a:latin typeface="Rockwell Condensed" panose="02060603050405020104" pitchFamily="18" charset="0"/>
+              </a:rPr>
+              <a:t>Reservas;</a:t>
+            </a:r>
+          </a:p>
+          <a:p>
+            <a:pPr marL="566928" indent="-457200" algn="just">
+              <a:buFont typeface="Arial" pitchFamily="34" charset="0"/>
+              <a:buChar char="•"/>
+            </a:pPr>
+            <a:endParaRPr lang="pt-BR" sz="2800" dirty="0">
+              <a:latin typeface="Rockwell Condensed" panose="02060603050405020104" pitchFamily="18" charset="0"/>
+            </a:endParaRPr>
+          </a:p>
+          <a:p>
+            <a:pPr marL="566928" indent="-457200" algn="just">
+              <a:buFont typeface="Arial" pitchFamily="34" charset="0"/>
+              <a:buChar char="•"/>
+            </a:pPr>
+            <a:r>
+              <a:rPr lang="pt-BR" sz="2800" dirty="0" smtClean="0">
+                <a:latin typeface="Rockwell Condensed" panose="02060603050405020104" pitchFamily="18" charset="0"/>
+              </a:rPr>
+              <a:t>Interface web interativa, com boa estética e fácil de se trabalhar;</a:t>
+            </a:r>
+          </a:p>
+          <a:p>
+            <a:pPr marL="566928" indent="-457200" algn="just">
+              <a:buFont typeface="Arial" pitchFamily="34" charset="0"/>
+              <a:buChar char="•"/>
+            </a:pPr>
+            <a:endParaRPr lang="pt-BR" sz="2800" dirty="0">
+              <a:latin typeface="Rockwell Condensed" panose="02060603050405020104" pitchFamily="18" charset="0"/>
+            </a:endParaRPr>
+          </a:p>
+          <a:p>
+            <a:pPr marL="566928" indent="-457200" algn="just">
+              <a:buFont typeface="Arial" pitchFamily="34" charset="0"/>
+              <a:buChar char="•"/>
+            </a:pPr>
+            <a:r>
+              <a:rPr lang="pt-BR" sz="2800" dirty="0" smtClean="0">
+                <a:latin typeface="Rockwell Condensed" panose="02060603050405020104" pitchFamily="18" charset="0"/>
+              </a:rPr>
+              <a:t>Utilização do controle de acesso mesmo sem o funcionamento da rede.</a:t>
+            </a:r>
+            <a:endParaRPr lang="pt-BR" sz="2800" dirty="0">
+              <a:latin typeface="Rockwell Condensed" panose="02060603050405020104" pitchFamily="18" charset="0"/>
+            </a:endParaRPr>
+          </a:p>
+          <a:p>
+            <a:pPr marL="566928" indent="-457200" algn="just">
+              <a:buFont typeface="Arial" pitchFamily="34" charset="0"/>
+              <a:buChar char="•"/>
+            </a:pPr>
+            <a:endParaRPr lang="pt-BR" sz="2800" dirty="0" smtClean="0">
+              <a:solidFill>
+                <a:srgbClr val="FF0000"/>
+              </a:solidFill>
+              <a:latin typeface="Rockwell Condensed" panose="02060603050405020104" pitchFamily="18" charset="0"/>
+            </a:endParaRPr>
+          </a:p>
+        </p:txBody>
+      </p:sp>
+    </p:spTree>
+    <p:extLst>
+      <p:ext uri="{BB962C8B-B14F-4D97-AF65-F5344CB8AC3E}">
+        <p14:creationId xmlns:p14="http://schemas.microsoft.com/office/powerpoint/2010/main" val="2177054180"/>
+      </p:ext>
+    </p:extLst>
+  </p:cSld>
+  <p:clrMapOvr>
+    <a:masterClrMapping/>
+  </p:clrMapOvr>
+  <p:timing>
+    <p:tnLst>
+      <p:par>
+        <p:cTn id="1" dur="indefinite" restart="never" nodeType="tmRoot"/>
+      </p:par>
+    </p:tnLst>
+  </p:timing>
+</p:sld>
+</file>
+
+<file path=ppt/slides/slide18.xml><?xml version="1.0" encoding="utf-8"?>
+<p:sld xmlns:a="http://schemas.openxmlformats.org/drawingml/2006/main" xmlns:r="http://schemas.openxmlformats.org/officeDocument/2006/relationships" xmlns:p="http://schemas.openxmlformats.org/presentationml/2006/main">
+  <p:cSld>
+    <p:spTree>
+      <p:nvGrpSpPr>
+        <p:cNvPr id="1" name=""/>
+        <p:cNvGrpSpPr/>
+        <p:nvPr/>
+      </p:nvGrpSpPr>
+      <p:grpSpPr>
+        <a:xfrm>
+          <a:off x="0" y="0"/>
+          <a:ext cx="0" cy="0"/>
+          <a:chOff x="0" y="0"/>
+          <a:chExt cx="0" cy="0"/>
+        </a:xfrm>
+      </p:grpSpPr>
+      <p:sp>
+        <p:nvSpPr>
+          <p:cNvPr id="5" name="Espaço Reservado para Número de Slide 4"/>
+          <p:cNvSpPr>
+            <a:spLocks noGrp="1"/>
+          </p:cNvSpPr>
+          <p:nvPr>
+            <p:ph type="sldNum" sz="quarter" idx="12"/>
+          </p:nvPr>
+        </p:nvSpPr>
+        <p:spPr/>
+        <p:txBody>
+          <a:bodyPr/>
+          <a:lstStyle/>
+          <a:p>
+            <a:fld id="{07E976CE-6A88-4DF5-9FE0-D445D452ABB2}" type="slidenum">
+              <a:rPr lang="pt-BR" smtClean="0"/>
+              <a:t>18</a:t>
             </a:fld>
             <a:endParaRPr lang="pt-BR" dirty="0"/>
           </a:p>
@@ -9817,7 +13895,7 @@
 </p:sld>
 </file>
 
-<file path=ppt/slides/slide17.xml><?xml version="1.0" encoding="utf-8"?>
+<file path=ppt/slides/slide19.xml><?xml version="1.0" encoding="utf-8"?>
 <p:sld xmlns:a="http://schemas.openxmlformats.org/drawingml/2006/main" xmlns:r="http://schemas.openxmlformats.org/officeDocument/2006/relationships" xmlns:p="http://schemas.openxmlformats.org/presentationml/2006/main">
   <p:cSld>
     <p:spTree>
@@ -9851,7 +13929,7 @@
           <a:p>
             <a:fld id="{07E976CE-6A88-4DF5-9FE0-D445D452ABB2}" type="slidenum">
               <a:rPr lang="pt-BR" smtClean="0"/>
-              <a:t>17</a:t>
+              <a:t>19</a:t>
             </a:fld>
             <a:endParaRPr lang="pt-BR" dirty="0"/>
           </a:p>
@@ -10197,806 +14275,6 @@
     <p:extLst>
       <p:ext uri="{BB962C8B-B14F-4D97-AF65-F5344CB8AC3E}">
         <p14:creationId xmlns:p14="http://schemas.microsoft.com/office/powerpoint/2010/main" val="794218725"/>
-      </p:ext>
-    </p:extLst>
-  </p:cSld>
-  <p:clrMapOvr>
-    <a:masterClrMapping/>
-  </p:clrMapOvr>
-  <p:timing>
-    <p:tnLst>
-      <p:par>
-        <p:cTn id="1" dur="indefinite" restart="never" nodeType="tmRoot"/>
-      </p:par>
-    </p:tnLst>
-  </p:timing>
-</p:sld>
-</file>
-
-<file path=ppt/slides/slide18.xml><?xml version="1.0" encoding="utf-8"?>
-<p:sld xmlns:a="http://schemas.openxmlformats.org/drawingml/2006/main" xmlns:r="http://schemas.openxmlformats.org/officeDocument/2006/relationships" xmlns:p="http://schemas.openxmlformats.org/presentationml/2006/main">
-  <p:cSld>
-    <p:spTree>
-      <p:nvGrpSpPr>
-        <p:cNvPr id="1" name=""/>
-        <p:cNvGrpSpPr/>
-        <p:nvPr/>
-      </p:nvGrpSpPr>
-      <p:grpSpPr>
-        <a:xfrm>
-          <a:off x="0" y="0"/>
-          <a:ext cx="0" cy="0"/>
-          <a:chOff x="0" y="0"/>
-          <a:chExt cx="0" cy="0"/>
-        </a:xfrm>
-      </p:grpSpPr>
-      <p:sp>
-        <p:nvSpPr>
-          <p:cNvPr id="5" name="Espaço Reservado para Número de Slide 4"/>
-          <p:cNvSpPr>
-            <a:spLocks noGrp="1"/>
-          </p:cNvSpPr>
-          <p:nvPr>
-            <p:ph type="sldNum" sz="quarter" idx="12"/>
-          </p:nvPr>
-        </p:nvSpPr>
-        <p:spPr/>
-        <p:txBody>
-          <a:bodyPr/>
-          <a:lstStyle/>
-          <a:p>
-            <a:fld id="{07E976CE-6A88-4DF5-9FE0-D445D452ABB2}" type="slidenum">
-              <a:rPr lang="pt-BR" smtClean="0"/>
-              <a:t>18</a:t>
-            </a:fld>
-            <a:endParaRPr lang="pt-BR" dirty="0"/>
-          </a:p>
-        </p:txBody>
-      </p:sp>
-      <p:sp>
-        <p:nvSpPr>
-          <p:cNvPr id="8" name="Espaço Reservado para Rodapé 9"/>
-          <p:cNvSpPr>
-            <a:spLocks noGrp="1"/>
-          </p:cNvSpPr>
-          <p:nvPr>
-            <p:ph type="ftr" sz="quarter" idx="11"/>
-          </p:nvPr>
-        </p:nvSpPr>
-        <p:spPr>
-          <a:xfrm>
-            <a:off x="4038600" y="6356350"/>
-            <a:ext cx="4114800" cy="365125"/>
-          </a:xfrm>
-        </p:spPr>
-        <p:txBody>
-          <a:bodyPr/>
-          <a:lstStyle/>
-          <a:p>
-            <a:r>
-              <a:rPr lang="pt-BR" dirty="0" smtClean="0"/>
-              <a:t>Manaus (AM) – Fevereiro de 2018</a:t>
-            </a:r>
-            <a:endParaRPr lang="pt-BR" dirty="0"/>
-          </a:p>
-        </p:txBody>
-      </p:sp>
-      <p:sp>
-        <p:nvSpPr>
-          <p:cNvPr id="10" name="Retângulo 9"/>
-          <p:cNvSpPr/>
-          <p:nvPr/>
-        </p:nvSpPr>
-        <p:spPr>
-          <a:xfrm>
-            <a:off x="566670" y="1694329"/>
-            <a:ext cx="11050073" cy="4590561"/>
-          </a:xfrm>
-          <a:prstGeom prst="rect">
-            <a:avLst/>
-          </a:prstGeom>
-          <a:noFill/>
-          <a:ln w="28575">
-            <a:solidFill>
-              <a:srgbClr val="00FFCC"/>
-            </a:solidFill>
-          </a:ln>
-        </p:spPr>
-        <p:style>
-          <a:lnRef idx="2">
-            <a:schemeClr val="accent1">
-              <a:shade val="50000"/>
-            </a:schemeClr>
-          </a:lnRef>
-          <a:fillRef idx="1">
-            <a:schemeClr val="accent1"/>
-          </a:fillRef>
-          <a:effectRef idx="0">
-            <a:schemeClr val="accent1"/>
-          </a:effectRef>
-          <a:fontRef idx="minor">
-            <a:schemeClr val="lt1"/>
-          </a:fontRef>
-        </p:style>
-        <p:txBody>
-          <a:bodyPr rtlCol="0" anchor="ctr"/>
-          <a:lstStyle/>
-          <a:p>
-            <a:pPr algn="ctr"/>
-            <a:endParaRPr lang="pt-BR"/>
-          </a:p>
-        </p:txBody>
-      </p:sp>
-      <p:sp>
-        <p:nvSpPr>
-          <p:cNvPr id="11" name="Título 1"/>
-          <p:cNvSpPr>
-            <a:spLocks noGrp="1"/>
-          </p:cNvSpPr>
-          <p:nvPr>
-            <p:ph type="title"/>
-          </p:nvPr>
-        </p:nvSpPr>
-        <p:spPr>
-          <a:xfrm>
-            <a:off x="3730222" y="1276729"/>
-            <a:ext cx="4291200" cy="835200"/>
-          </a:xfrm>
-          <a:prstGeom prst="flowChartAlternateProcess">
-            <a:avLst/>
-          </a:prstGeom>
-          <a:solidFill>
-            <a:srgbClr val="00FFCC"/>
-          </a:solidFill>
-        </p:spPr>
-        <p:txBody>
-          <a:bodyPr>
-            <a:normAutofit/>
-          </a:bodyPr>
-          <a:lstStyle/>
-          <a:p>
-            <a:pPr algn="ctr"/>
-            <a:r>
-              <a:rPr lang="pt-BR" sz="4000" dirty="0" smtClean="0">
-                <a:latin typeface="Rockwell Condensed" panose="02060603050405020104" pitchFamily="18" charset="0"/>
-                <a:cs typeface="Times New Roman" panose="02020603050405020304" pitchFamily="18" charset="0"/>
-              </a:rPr>
-              <a:t>RESULTADOS</a:t>
-            </a:r>
-            <a:endParaRPr lang="pt-BR" sz="4000" dirty="0">
-              <a:latin typeface="Rockwell Condensed" panose="02060603050405020104" pitchFamily="18" charset="0"/>
-              <a:cs typeface="Times New Roman" panose="02020603050405020304" pitchFamily="18" charset="0"/>
-            </a:endParaRPr>
-          </a:p>
-        </p:txBody>
-      </p:sp>
-      <p:sp>
-        <p:nvSpPr>
-          <p:cNvPr id="7" name="Retângulo 6"/>
-          <p:cNvSpPr/>
-          <p:nvPr/>
-        </p:nvSpPr>
-        <p:spPr>
-          <a:xfrm>
-            <a:off x="837127" y="2176284"/>
-            <a:ext cx="9990085" cy="1938992"/>
-          </a:xfrm>
-          <a:prstGeom prst="rect">
-            <a:avLst/>
-          </a:prstGeom>
-        </p:spPr>
-        <p:txBody>
-          <a:bodyPr wrap="square">
-            <a:spAutoFit/>
-          </a:bodyPr>
-          <a:lstStyle/>
-          <a:p>
-            <a:pPr marL="109728" indent="0" algn="ctr">
-              <a:buNone/>
-            </a:pPr>
-            <a:r>
-              <a:rPr lang="pt-BR" sz="3200" dirty="0" smtClean="0">
-                <a:solidFill>
-                  <a:srgbClr val="FF0000"/>
-                </a:solidFill>
-                <a:latin typeface="Rockwell Condensed" panose="02060603050405020104" pitchFamily="18" charset="0"/>
-              </a:rPr>
-              <a:t>Sistema web</a:t>
-            </a:r>
-          </a:p>
-          <a:p>
-            <a:pPr marL="566928" indent="-457200" algn="just">
-              <a:buFont typeface="Arial" pitchFamily="34" charset="0"/>
-              <a:buChar char="•"/>
-            </a:pPr>
-            <a:endParaRPr lang="pt-BR" sz="2800" dirty="0" smtClean="0">
-              <a:latin typeface="Rockwell Condensed" panose="02060603050405020104" pitchFamily="18" charset="0"/>
-            </a:endParaRPr>
-          </a:p>
-          <a:p>
-            <a:pPr marL="109728" indent="0" algn="just">
-              <a:buNone/>
-            </a:pPr>
-            <a:endParaRPr lang="pt-BR" sz="3200" i="1" dirty="0" smtClean="0">
-              <a:solidFill>
-                <a:srgbClr val="FF0000"/>
-              </a:solidFill>
-              <a:latin typeface="Rockwell Condensed" panose="02060603050405020104" pitchFamily="18" charset="0"/>
-            </a:endParaRPr>
-          </a:p>
-          <a:p>
-            <a:pPr marL="109728" indent="0" algn="ctr">
-              <a:buNone/>
-            </a:pPr>
-            <a:endParaRPr lang="pt-BR" sz="2800" dirty="0" smtClean="0">
-              <a:latin typeface="Rockwell Condensed" panose="02060603050405020104" pitchFamily="18" charset="0"/>
-            </a:endParaRPr>
-          </a:p>
-        </p:txBody>
-      </p:sp>
-      <p:sp>
-        <p:nvSpPr>
-          <p:cNvPr id="2" name="Rectangle 4"/>
-          <p:cNvSpPr>
-            <a:spLocks noChangeArrowheads="1"/>
-          </p:cNvSpPr>
-          <p:nvPr/>
-        </p:nvSpPr>
-        <p:spPr bwMode="auto">
-          <a:xfrm>
-            <a:off x="0" y="0"/>
-            <a:ext cx="12192000" cy="0"/>
-          </a:xfrm>
-          <a:prstGeom prst="rect">
-            <a:avLst/>
-          </a:prstGeom>
-          <a:noFill/>
-          <a:ln>
-            <a:noFill/>
-          </a:ln>
-          <a:effectLst/>
-          <a:extLst>
-            <a:ext uri="{909E8E84-426E-40DD-AFC4-6F175D3DCCD1}">
-              <a14:hiddenFill xmlns:a14="http://schemas.microsoft.com/office/drawing/2010/main">
-                <a:solidFill>
-                  <a:schemeClr val="accent1"/>
-                </a:solidFill>
-              </a14:hiddenFill>
-            </a:ext>
-            <a:ext uri="{91240B29-F687-4F45-9708-019B960494DF}">
-              <a14:hiddenLine xmlns:a14="http://schemas.microsoft.com/office/drawing/2010/main" w="9525">
-                <a:solidFill>
-                  <a:schemeClr val="tx1"/>
-                </a:solidFill>
-                <a:miter lim="800000"/>
-                <a:headEnd/>
-                <a:tailEnd/>
-              </a14:hiddenLine>
-            </a:ext>
-            <a:ext uri="{AF507438-7753-43E0-B8FC-AC1667EBCBE1}">
-              <a14:hiddenEffects xmlns:a14="http://schemas.microsoft.com/office/drawing/2010/main">
-                <a:effectLst>
-                  <a:outerShdw dist="35921" dir="2700000" algn="ctr" rotWithShape="0">
-                    <a:schemeClr val="bg2"/>
-                  </a:outerShdw>
-                </a:effectLst>
-              </a14:hiddenEffects>
-            </a:ext>
-          </a:extLst>
-        </p:spPr>
-        <p:txBody>
-          <a:bodyPr vert="horz" wrap="none" lIns="91440" tIns="45720" rIns="91440" bIns="45720" numCol="1" anchor="ctr" anchorCtr="0" compatLnSpc="1">
-            <a:prstTxWarp prst="textNoShape">
-              <a:avLst/>
-            </a:prstTxWarp>
-            <a:spAutoFit/>
-          </a:bodyPr>
-          <a:lstStyle/>
-          <a:p>
-            <a:endParaRPr lang="pt-BR"/>
-          </a:p>
-        </p:txBody>
-      </p:sp>
-      <p:sp>
-        <p:nvSpPr>
-          <p:cNvPr id="12" name="CaixaDeTexto 11"/>
-          <p:cNvSpPr txBox="1"/>
-          <p:nvPr/>
-        </p:nvSpPr>
-        <p:spPr>
-          <a:xfrm>
-            <a:off x="4444251" y="5745995"/>
-            <a:ext cx="3585853" cy="523220"/>
-          </a:xfrm>
-          <a:prstGeom prst="rect">
-            <a:avLst/>
-          </a:prstGeom>
-          <a:noFill/>
-        </p:spPr>
-        <p:txBody>
-          <a:bodyPr wrap="square" rtlCol="0">
-            <a:spAutoFit/>
-          </a:bodyPr>
-          <a:lstStyle/>
-          <a:p>
-            <a:pPr algn="ctr"/>
-            <a:r>
-              <a:rPr lang="pt-BR" sz="1400" dirty="0" smtClean="0"/>
-              <a:t>Figura 18 – Página da lista de usuários.</a:t>
-            </a:r>
-          </a:p>
-          <a:p>
-            <a:pPr algn="ctr"/>
-            <a:r>
-              <a:rPr lang="pt-BR" sz="1400" dirty="0" smtClean="0"/>
-              <a:t>Fonte: Autor.</a:t>
-            </a:r>
-            <a:endParaRPr lang="pt-BR" sz="1400" dirty="0"/>
-          </a:p>
-        </p:txBody>
-      </p:sp>
-      <p:pic>
-        <p:nvPicPr>
-          <p:cNvPr id="7170" name="Picture 2" descr="listar_usuarios"/>
-          <p:cNvPicPr>
-            <a:picLocks noChangeAspect="1" noChangeArrowheads="1"/>
-          </p:cNvPicPr>
-          <p:nvPr/>
-        </p:nvPicPr>
-        <p:blipFill>
-          <a:blip r:embed="rId2" cstate="print">
-            <a:extLst>
-              <a:ext uri="{28A0092B-C50C-407E-A947-70E740481C1C}">
-                <a14:useLocalDpi xmlns:a14="http://schemas.microsoft.com/office/drawing/2010/main" val="0"/>
-              </a:ext>
-            </a:extLst>
-          </a:blip>
-          <a:srcRect/>
-          <a:stretch>
-            <a:fillRect/>
-          </a:stretch>
-        </p:blipFill>
-        <p:spPr bwMode="auto">
-          <a:xfrm>
-            <a:off x="3099377" y="2680856"/>
-            <a:ext cx="5756275" cy="2971800"/>
-          </a:xfrm>
-          <a:prstGeom prst="rect">
-            <a:avLst/>
-          </a:prstGeom>
-          <a:noFill/>
-          <a:ln>
-            <a:noFill/>
-          </a:ln>
-          <a:extLst>
-            <a:ext uri="{909E8E84-426E-40DD-AFC4-6F175D3DCCD1}">
-              <a14:hiddenFill xmlns:a14="http://schemas.microsoft.com/office/drawing/2010/main">
-                <a:solidFill>
-                  <a:srgbClr val="FFFFFF"/>
-                </a:solidFill>
-              </a14:hiddenFill>
-            </a:ext>
-            <a:ext uri="{91240B29-F687-4F45-9708-019B960494DF}">
-              <a14:hiddenLine xmlns:a14="http://schemas.microsoft.com/office/drawing/2010/main" w="9525">
-                <a:solidFill>
-                  <a:srgbClr val="000000"/>
-                </a:solidFill>
-                <a:miter lim="800000"/>
-                <a:headEnd/>
-                <a:tailEnd/>
-              </a14:hiddenLine>
-            </a:ext>
-          </a:extLst>
-        </p:spPr>
-      </p:pic>
-    </p:spTree>
-    <p:extLst>
-      <p:ext uri="{BB962C8B-B14F-4D97-AF65-F5344CB8AC3E}">
-        <p14:creationId xmlns:p14="http://schemas.microsoft.com/office/powerpoint/2010/main" val="1320194346"/>
-      </p:ext>
-    </p:extLst>
-  </p:cSld>
-  <p:clrMapOvr>
-    <a:masterClrMapping/>
-  </p:clrMapOvr>
-  <p:timing>
-    <p:tnLst>
-      <p:par>
-        <p:cTn id="1" dur="indefinite" restart="never" nodeType="tmRoot"/>
-      </p:par>
-    </p:tnLst>
-  </p:timing>
-</p:sld>
-</file>
-
-<file path=ppt/slides/slide19.xml><?xml version="1.0" encoding="utf-8"?>
-<p:sld xmlns:a="http://schemas.openxmlformats.org/drawingml/2006/main" xmlns:r="http://schemas.openxmlformats.org/officeDocument/2006/relationships" xmlns:p="http://schemas.openxmlformats.org/presentationml/2006/main">
-  <p:cSld>
-    <p:spTree>
-      <p:nvGrpSpPr>
-        <p:cNvPr id="1" name=""/>
-        <p:cNvGrpSpPr/>
-        <p:nvPr/>
-      </p:nvGrpSpPr>
-      <p:grpSpPr>
-        <a:xfrm>
-          <a:off x="0" y="0"/>
-          <a:ext cx="0" cy="0"/>
-          <a:chOff x="0" y="0"/>
-          <a:chExt cx="0" cy="0"/>
-        </a:xfrm>
-      </p:grpSpPr>
-      <p:sp>
-        <p:nvSpPr>
-          <p:cNvPr id="5" name="Espaço Reservado para Número de Slide 4"/>
-          <p:cNvSpPr>
-            <a:spLocks noGrp="1"/>
-          </p:cNvSpPr>
-          <p:nvPr>
-            <p:ph type="sldNum" sz="quarter" idx="12"/>
-          </p:nvPr>
-        </p:nvSpPr>
-        <p:spPr/>
-        <p:txBody>
-          <a:bodyPr/>
-          <a:lstStyle/>
-          <a:p>
-            <a:fld id="{07E976CE-6A88-4DF5-9FE0-D445D452ABB2}" type="slidenum">
-              <a:rPr lang="pt-BR" smtClean="0"/>
-              <a:t>19</a:t>
-            </a:fld>
-            <a:endParaRPr lang="pt-BR" dirty="0"/>
-          </a:p>
-        </p:txBody>
-      </p:sp>
-      <p:sp>
-        <p:nvSpPr>
-          <p:cNvPr id="8" name="Espaço Reservado para Rodapé 9"/>
-          <p:cNvSpPr>
-            <a:spLocks noGrp="1"/>
-          </p:cNvSpPr>
-          <p:nvPr>
-            <p:ph type="ftr" sz="quarter" idx="11"/>
-          </p:nvPr>
-        </p:nvSpPr>
-        <p:spPr>
-          <a:xfrm>
-            <a:off x="4038600" y="6356350"/>
-            <a:ext cx="4114800" cy="365125"/>
-          </a:xfrm>
-        </p:spPr>
-        <p:txBody>
-          <a:bodyPr/>
-          <a:lstStyle/>
-          <a:p>
-            <a:r>
-              <a:rPr lang="pt-BR" dirty="0" smtClean="0"/>
-              <a:t>Manaus (AM) – Fevereiro de 2018</a:t>
-            </a:r>
-            <a:endParaRPr lang="pt-BR" dirty="0"/>
-          </a:p>
-        </p:txBody>
-      </p:sp>
-      <p:sp>
-        <p:nvSpPr>
-          <p:cNvPr id="10" name="Retângulo 9"/>
-          <p:cNvSpPr/>
-          <p:nvPr/>
-        </p:nvSpPr>
-        <p:spPr>
-          <a:xfrm>
-            <a:off x="566670" y="1694329"/>
-            <a:ext cx="11050073" cy="4590561"/>
-          </a:xfrm>
-          <a:prstGeom prst="rect">
-            <a:avLst/>
-          </a:prstGeom>
-          <a:noFill/>
-          <a:ln w="28575">
-            <a:solidFill>
-              <a:srgbClr val="00FFCC"/>
-            </a:solidFill>
-          </a:ln>
-        </p:spPr>
-        <p:style>
-          <a:lnRef idx="2">
-            <a:schemeClr val="accent1">
-              <a:shade val="50000"/>
-            </a:schemeClr>
-          </a:lnRef>
-          <a:fillRef idx="1">
-            <a:schemeClr val="accent1"/>
-          </a:fillRef>
-          <a:effectRef idx="0">
-            <a:schemeClr val="accent1"/>
-          </a:effectRef>
-          <a:fontRef idx="minor">
-            <a:schemeClr val="lt1"/>
-          </a:fontRef>
-        </p:style>
-        <p:txBody>
-          <a:bodyPr rtlCol="0" anchor="ctr"/>
-          <a:lstStyle/>
-          <a:p>
-            <a:pPr algn="ctr"/>
-            <a:endParaRPr lang="pt-BR"/>
-          </a:p>
-        </p:txBody>
-      </p:sp>
-      <p:sp>
-        <p:nvSpPr>
-          <p:cNvPr id="11" name="Título 1"/>
-          <p:cNvSpPr>
-            <a:spLocks noGrp="1"/>
-          </p:cNvSpPr>
-          <p:nvPr>
-            <p:ph type="title"/>
-          </p:nvPr>
-        </p:nvSpPr>
-        <p:spPr>
-          <a:xfrm>
-            <a:off x="3730222" y="1276729"/>
-            <a:ext cx="4291200" cy="835200"/>
-          </a:xfrm>
-          <a:prstGeom prst="flowChartAlternateProcess">
-            <a:avLst/>
-          </a:prstGeom>
-          <a:solidFill>
-            <a:srgbClr val="00FFCC"/>
-          </a:solidFill>
-        </p:spPr>
-        <p:txBody>
-          <a:bodyPr>
-            <a:normAutofit/>
-          </a:bodyPr>
-          <a:lstStyle/>
-          <a:p>
-            <a:pPr algn="ctr"/>
-            <a:r>
-              <a:rPr lang="pt-BR" sz="4000" dirty="0" smtClean="0">
-                <a:latin typeface="Rockwell Condensed" panose="02060603050405020104" pitchFamily="18" charset="0"/>
-                <a:cs typeface="Times New Roman" panose="02020603050405020304" pitchFamily="18" charset="0"/>
-              </a:rPr>
-              <a:t>RESULTADOS</a:t>
-            </a:r>
-            <a:endParaRPr lang="pt-BR" sz="4000" dirty="0">
-              <a:latin typeface="Rockwell Condensed" panose="02060603050405020104" pitchFamily="18" charset="0"/>
-              <a:cs typeface="Times New Roman" panose="02020603050405020304" pitchFamily="18" charset="0"/>
-            </a:endParaRPr>
-          </a:p>
-        </p:txBody>
-      </p:sp>
-      <p:sp>
-        <p:nvSpPr>
-          <p:cNvPr id="7" name="Retângulo 6"/>
-          <p:cNvSpPr/>
-          <p:nvPr/>
-        </p:nvSpPr>
-        <p:spPr>
-          <a:xfrm>
-            <a:off x="837127" y="2055201"/>
-            <a:ext cx="9990085" cy="1938992"/>
-          </a:xfrm>
-          <a:prstGeom prst="rect">
-            <a:avLst/>
-          </a:prstGeom>
-        </p:spPr>
-        <p:txBody>
-          <a:bodyPr wrap="square">
-            <a:spAutoFit/>
-          </a:bodyPr>
-          <a:lstStyle/>
-          <a:p>
-            <a:pPr marL="109728" indent="0" algn="ctr">
-              <a:buNone/>
-            </a:pPr>
-            <a:r>
-              <a:rPr lang="pt-BR" sz="3200" dirty="0" smtClean="0">
-                <a:solidFill>
-                  <a:srgbClr val="FF0000"/>
-                </a:solidFill>
-                <a:latin typeface="Rockwell Condensed" panose="02060603050405020104" pitchFamily="18" charset="0"/>
-              </a:rPr>
-              <a:t>Sistema web</a:t>
-            </a:r>
-          </a:p>
-          <a:p>
-            <a:pPr marL="566928" indent="-457200" algn="just">
-              <a:buFont typeface="Arial" pitchFamily="34" charset="0"/>
-              <a:buChar char="•"/>
-            </a:pPr>
-            <a:endParaRPr lang="pt-BR" sz="2800" dirty="0" smtClean="0">
-              <a:latin typeface="Rockwell Condensed" panose="02060603050405020104" pitchFamily="18" charset="0"/>
-            </a:endParaRPr>
-          </a:p>
-          <a:p>
-            <a:pPr marL="109728" indent="0" algn="just">
-              <a:buNone/>
-            </a:pPr>
-            <a:endParaRPr lang="pt-BR" sz="3200" i="1" dirty="0" smtClean="0">
-              <a:solidFill>
-                <a:srgbClr val="FF0000"/>
-              </a:solidFill>
-              <a:latin typeface="Rockwell Condensed" panose="02060603050405020104" pitchFamily="18" charset="0"/>
-            </a:endParaRPr>
-          </a:p>
-          <a:p>
-            <a:pPr marL="109728" indent="0" algn="ctr">
-              <a:buNone/>
-            </a:pPr>
-            <a:endParaRPr lang="pt-BR" sz="2800" dirty="0" smtClean="0">
-              <a:latin typeface="Rockwell Condensed" panose="02060603050405020104" pitchFamily="18" charset="0"/>
-            </a:endParaRPr>
-          </a:p>
-        </p:txBody>
-      </p:sp>
-      <p:sp>
-        <p:nvSpPr>
-          <p:cNvPr id="2" name="Rectangle 4"/>
-          <p:cNvSpPr>
-            <a:spLocks noChangeArrowheads="1"/>
-          </p:cNvSpPr>
-          <p:nvPr/>
-        </p:nvSpPr>
-        <p:spPr bwMode="auto">
-          <a:xfrm>
-            <a:off x="0" y="0"/>
-            <a:ext cx="12192000" cy="0"/>
-          </a:xfrm>
-          <a:prstGeom prst="rect">
-            <a:avLst/>
-          </a:prstGeom>
-          <a:noFill/>
-          <a:ln>
-            <a:noFill/>
-          </a:ln>
-          <a:effectLst/>
-          <a:extLst>
-            <a:ext uri="{909E8E84-426E-40DD-AFC4-6F175D3DCCD1}">
-              <a14:hiddenFill xmlns:a14="http://schemas.microsoft.com/office/drawing/2010/main">
-                <a:solidFill>
-                  <a:schemeClr val="accent1"/>
-                </a:solidFill>
-              </a14:hiddenFill>
-            </a:ext>
-            <a:ext uri="{91240B29-F687-4F45-9708-019B960494DF}">
-              <a14:hiddenLine xmlns:a14="http://schemas.microsoft.com/office/drawing/2010/main" w="9525">
-                <a:solidFill>
-                  <a:schemeClr val="tx1"/>
-                </a:solidFill>
-                <a:miter lim="800000"/>
-                <a:headEnd/>
-                <a:tailEnd/>
-              </a14:hiddenLine>
-            </a:ext>
-            <a:ext uri="{AF507438-7753-43E0-B8FC-AC1667EBCBE1}">
-              <a14:hiddenEffects xmlns:a14="http://schemas.microsoft.com/office/drawing/2010/main">
-                <a:effectLst>
-                  <a:outerShdw dist="35921" dir="2700000" algn="ctr" rotWithShape="0">
-                    <a:schemeClr val="bg2"/>
-                  </a:outerShdw>
-                </a:effectLst>
-              </a14:hiddenEffects>
-            </a:ext>
-          </a:extLst>
-        </p:spPr>
-        <p:txBody>
-          <a:bodyPr vert="horz" wrap="none" lIns="91440" tIns="45720" rIns="91440" bIns="45720" numCol="1" anchor="ctr" anchorCtr="0" compatLnSpc="1">
-            <a:prstTxWarp prst="textNoShape">
-              <a:avLst/>
-            </a:prstTxWarp>
-            <a:spAutoFit/>
-          </a:bodyPr>
-          <a:lstStyle/>
-          <a:p>
-            <a:endParaRPr lang="pt-BR"/>
-          </a:p>
-        </p:txBody>
-      </p:sp>
-      <p:sp>
-        <p:nvSpPr>
-          <p:cNvPr id="12" name="CaixaDeTexto 11"/>
-          <p:cNvSpPr txBox="1"/>
-          <p:nvPr/>
-        </p:nvSpPr>
-        <p:spPr>
-          <a:xfrm>
-            <a:off x="4444251" y="5745995"/>
-            <a:ext cx="3585853" cy="523220"/>
-          </a:xfrm>
-          <a:prstGeom prst="rect">
-            <a:avLst/>
-          </a:prstGeom>
-          <a:noFill/>
-        </p:spPr>
-        <p:txBody>
-          <a:bodyPr wrap="square" rtlCol="0">
-            <a:spAutoFit/>
-          </a:bodyPr>
-          <a:lstStyle/>
-          <a:p>
-            <a:pPr algn="ctr"/>
-            <a:r>
-              <a:rPr lang="pt-BR" sz="1400" dirty="0" smtClean="0"/>
-              <a:t>Figura 19 – Página de cadastrar Reservas.</a:t>
-            </a:r>
-          </a:p>
-          <a:p>
-            <a:pPr algn="ctr"/>
-            <a:r>
-              <a:rPr lang="pt-BR" sz="1400" dirty="0" smtClean="0"/>
-              <a:t>Fonte: Autor.</a:t>
-            </a:r>
-            <a:endParaRPr lang="pt-BR" sz="1400" dirty="0"/>
-          </a:p>
-        </p:txBody>
-      </p:sp>
-      <p:pic>
-        <p:nvPicPr>
-          <p:cNvPr id="8194" name="Picture 2"/>
-          <p:cNvPicPr>
-            <a:picLocks noChangeAspect="1" noChangeArrowheads="1"/>
-          </p:cNvPicPr>
-          <p:nvPr/>
-        </p:nvPicPr>
-        <p:blipFill rotWithShape="1">
-          <a:blip r:embed="rId2" cstate="print">
-            <a:extLst>
-              <a:ext uri="{28A0092B-C50C-407E-A947-70E740481C1C}">
-                <a14:useLocalDpi xmlns:a14="http://schemas.microsoft.com/office/drawing/2010/main" val="0"/>
-              </a:ext>
-            </a:extLst>
-          </a:blip>
-          <a:srcRect t="3939" b="10455"/>
-          <a:stretch/>
-        </p:blipFill>
-        <p:spPr bwMode="auto">
-          <a:xfrm>
-            <a:off x="2758857" y="2514600"/>
-            <a:ext cx="6255327" cy="3231395"/>
-          </a:xfrm>
-          <a:prstGeom prst="rect">
-            <a:avLst/>
-          </a:prstGeom>
-          <a:noFill/>
-          <a:ln>
-            <a:noFill/>
-          </a:ln>
-          <a:effectLst/>
-          <a:extLst>
-            <a:ext uri="{909E8E84-426E-40DD-AFC4-6F175D3DCCD1}">
-              <a14:hiddenFill xmlns:a14="http://schemas.microsoft.com/office/drawing/2010/main">
-                <a:solidFill>
-                  <a:schemeClr val="accent1"/>
-                </a:solidFill>
-              </a14:hiddenFill>
-            </a:ext>
-            <a:ext uri="{91240B29-F687-4F45-9708-019B960494DF}">
-              <a14:hiddenLine xmlns:a14="http://schemas.microsoft.com/office/drawing/2010/main" w="9525">
-                <a:solidFill>
-                  <a:schemeClr val="tx1"/>
-                </a:solidFill>
-                <a:miter lim="800000"/>
-                <a:headEnd/>
-                <a:tailEnd/>
-              </a14:hiddenLine>
-            </a:ext>
-            <a:ext uri="{AF507438-7753-43E0-B8FC-AC1667EBCBE1}">
-              <a14:hiddenEffects xmlns:a14="http://schemas.microsoft.com/office/drawing/2010/main">
-                <a:effectLst>
-                  <a:outerShdw dist="35921" dir="2700000" algn="ctr" rotWithShape="0">
-                    <a:schemeClr val="bg2"/>
-                  </a:outerShdw>
-                </a:effectLst>
-              </a14:hiddenEffects>
-            </a:ext>
-          </a:extLst>
-        </p:spPr>
-      </p:pic>
-    </p:spTree>
-    <p:extLst>
-      <p:ext uri="{BB962C8B-B14F-4D97-AF65-F5344CB8AC3E}">
-        <p14:creationId xmlns:p14="http://schemas.microsoft.com/office/powerpoint/2010/main" val="2593900663"/>
       </p:ext>
     </p:extLst>
   </p:cSld>
@@ -11613,7 +14891,7 @@
         </p:nvSpPr>
         <p:spPr>
           <a:xfrm>
-            <a:off x="837127" y="2055201"/>
+            <a:off x="837127" y="2176284"/>
             <a:ext cx="9990085" cy="1938992"/>
           </a:xfrm>
           <a:prstGeom prst="rect">
@@ -11757,7 +15035,7 @@
             <a:pPr algn="ctr"/>
             <a:r>
               <a:rPr lang="pt-BR" sz="1400" dirty="0" smtClean="0"/>
-              <a:t>Figura 20 – Página de listar Laboratórios.</a:t>
+              <a:t>Figura 18 – Página da lista de usuários.</a:t>
             </a:r>
           </a:p>
           <a:p>
@@ -11772,7 +15050,7 @@
       </p:sp>
       <p:pic>
         <p:nvPicPr>
-          <p:cNvPr id="9218" name="Picture 2" descr="listar_laboratorios"/>
+          <p:cNvPr id="7170" name="Picture 2" descr="listar_usuarios"/>
           <p:cNvPicPr>
             <a:picLocks noChangeAspect="1" noChangeArrowheads="1"/>
           </p:cNvPicPr>
@@ -11793,8 +15071,8 @@
         </p:blipFill>
         <p:spPr bwMode="auto">
           <a:xfrm>
-            <a:off x="2576945" y="2528022"/>
-            <a:ext cx="6421581" cy="3217973"/>
+            <a:off x="3099377" y="2680856"/>
+            <a:ext cx="5756275" cy="2971800"/>
           </a:xfrm>
           <a:prstGeom prst="rect">
             <a:avLst/>
@@ -11827,7 +15105,7 @@
     </p:spTree>
     <p:extLst>
       <p:ext uri="{BB962C8B-B14F-4D97-AF65-F5344CB8AC3E}">
-        <p14:creationId xmlns:p14="http://schemas.microsoft.com/office/powerpoint/2010/main" val="3998326343"/>
+        <p14:creationId xmlns:p14="http://schemas.microsoft.com/office/powerpoint/2010/main" val="1320194346"/>
       </p:ext>
     </p:extLst>
   </p:cSld>
@@ -12153,7 +15431,7 @@
             <a:pPr algn="ctr"/>
             <a:r>
               <a:rPr lang="pt-BR" sz="1400" dirty="0" smtClean="0"/>
-              <a:t>Figura 21 – Página de listar Acessos.</a:t>
+              <a:t>Figura 19 – Página de cadastrar Reservas.</a:t>
             </a:r>
           </a:p>
           <a:p>
@@ -12168,13 +15446,13 @@
       </p:sp>
       <p:pic>
         <p:nvPicPr>
-          <p:cNvPr id="10242" name="Imagem 1"/>
+          <p:cNvPr id="8194" name="Picture 2"/>
           <p:cNvPicPr>
             <a:picLocks noChangeAspect="1" noChangeArrowheads="1"/>
           </p:cNvPicPr>
           <p:nvPr/>
         </p:nvPicPr>
-        <p:blipFill>
+        <p:blipFill rotWithShape="1">
           <a:blip r:embed="rId2" cstate="print">
             <a:extLst>
               <a:ext uri="{28A0092B-C50C-407E-A947-70E740481C1C}">
@@ -12182,15 +15460,13 @@
               </a:ext>
             </a:extLst>
           </a:blip>
-          <a:srcRect t="3253" b="5141"/>
-          <a:stretch>
-            <a:fillRect/>
-          </a:stretch>
+          <a:srcRect t="3939" b="10455"/>
+          <a:stretch/>
         </p:blipFill>
         <p:spPr bwMode="auto">
           <a:xfrm>
-            <a:off x="2791114" y="2618509"/>
-            <a:ext cx="6280150" cy="3161116"/>
+            <a:off x="2758857" y="2514600"/>
+            <a:ext cx="6255327" cy="3231395"/>
           </a:xfrm>
           <a:prstGeom prst="rect">
             <a:avLst/>
@@ -12199,31 +15475,41 @@
           <a:ln>
             <a:noFill/>
           </a:ln>
+          <a:effectLst/>
           <a:extLst>
             <a:ext uri="{909E8E84-426E-40DD-AFC4-6F175D3DCCD1}">
               <a14:hiddenFill xmlns:a14="http://schemas.microsoft.com/office/drawing/2010/main">
                 <a:solidFill>
-                  <a:srgbClr val="FFFFFF"/>
+                  <a:schemeClr val="accent1"/>
                 </a:solidFill>
               </a14:hiddenFill>
             </a:ext>
             <a:ext uri="{91240B29-F687-4F45-9708-019B960494DF}">
               <a14:hiddenLine xmlns:a14="http://schemas.microsoft.com/office/drawing/2010/main" w="9525">
                 <a:solidFill>
-                  <a:srgbClr val="000000"/>
+                  <a:schemeClr val="tx1"/>
                 </a:solidFill>
                 <a:miter lim="800000"/>
                 <a:headEnd/>
                 <a:tailEnd/>
               </a14:hiddenLine>
             </a:ext>
+            <a:ext uri="{AF507438-7753-43E0-B8FC-AC1667EBCBE1}">
+              <a14:hiddenEffects xmlns:a14="http://schemas.microsoft.com/office/drawing/2010/main">
+                <a:effectLst>
+                  <a:outerShdw dist="35921" dir="2700000" algn="ctr" rotWithShape="0">
+                    <a:schemeClr val="bg2"/>
+                  </a:outerShdw>
+                </a:effectLst>
+              </a14:hiddenEffects>
+            </a:ext>
           </a:extLst>
         </p:spPr>
       </p:pic>
     </p:spTree>
     <p:extLst>
       <p:ext uri="{BB962C8B-B14F-4D97-AF65-F5344CB8AC3E}">
-        <p14:creationId xmlns:p14="http://schemas.microsoft.com/office/powerpoint/2010/main" val="2965080846"/>
+        <p14:creationId xmlns:p14="http://schemas.microsoft.com/office/powerpoint/2010/main" val="2593900663"/>
       </p:ext>
     </p:extLst>
   </p:cSld>
@@ -12325,10 +15611,7 @@
           <a:noFill/>
           <a:ln w="28575">
             <a:solidFill>
-              <a:schemeClr val="accent1">
-                <a:lumMod val="20000"/>
-                <a:lumOff val="80000"/>
-              </a:schemeClr>
+              <a:srgbClr val="00FFCC"/>
             </a:solidFill>
           </a:ln>
         </p:spPr>
@@ -12376,10 +15659,7 @@
             <a:avLst/>
           </a:prstGeom>
           <a:solidFill>
-            <a:schemeClr val="accent1">
-              <a:lumMod val="20000"/>
-              <a:lumOff val="80000"/>
-            </a:schemeClr>
+            <a:srgbClr val="00FFCC"/>
           </a:solidFill>
         </p:spPr>
         <p:txBody>
@@ -12394,7 +15674,7 @@
                 <a:latin typeface="Rockwell Condensed" panose="02060603050405020104" pitchFamily="18" charset="0"/>
                 <a:cs typeface="Times New Roman" panose="02020603050405020304" pitchFamily="18" charset="0"/>
               </a:rPr>
-              <a:t>CONCLUSÃO</a:t>
+              <a:t>RESULTADOS</a:t>
             </a:r>
             <a:endParaRPr lang="pt-BR" sz="4000" dirty="0">
               <a:latin typeface="Rockwell Condensed" panose="02060603050405020104" pitchFamily="18" charset="0"/>
@@ -12411,8 +15691,8 @@
         </p:nvSpPr>
         <p:spPr>
           <a:xfrm>
-            <a:off x="837126" y="1978576"/>
-            <a:ext cx="10259241" cy="5509200"/>
+            <a:off x="837127" y="2055201"/>
+            <a:ext cx="9990085" cy="1938992"/>
           </a:xfrm>
           <a:prstGeom prst="rect">
             <a:avLst/>
@@ -12424,112 +15704,18 @@
           </a:bodyPr>
           <a:lstStyle/>
           <a:p>
-            <a:pPr marL="109728" algn="just"/>
-            <a:endParaRPr lang="pt-BR" sz="2800" dirty="0" smtClean="0">
-              <a:latin typeface="Rockwell Condensed" panose="02060603050405020104" pitchFamily="18" charset="0"/>
-            </a:endParaRPr>
-          </a:p>
-          <a:p>
-            <a:pPr marL="566928" indent="-457200" algn="just">
-              <a:buFont typeface="Arial" pitchFamily="34" charset="0"/>
-              <a:buChar char="•"/>
+            <a:pPr marL="109728" indent="0" algn="ctr">
+              <a:buNone/>
             </a:pPr>
             <a:r>
-              <a:rPr lang="pt-BR" sz="2400" dirty="0" smtClean="0">
-                <a:latin typeface="Rockwell Condensed" panose="02060603050405020104" pitchFamily="18" charset="0"/>
-              </a:rPr>
-              <a:t>O sistema está em funcionamento e já é possível o teste em um dos laboratórios;</a:t>
-            </a:r>
-          </a:p>
-          <a:p>
-            <a:pPr marL="566928" indent="-457200" algn="just">
-              <a:buFont typeface="Arial" pitchFamily="34" charset="0"/>
-              <a:buChar char="•"/>
-            </a:pPr>
-            <a:endParaRPr lang="pt-BR" sz="2400" dirty="0" smtClean="0">
-              <a:latin typeface="Rockwell Condensed" panose="02060603050405020104" pitchFamily="18" charset="0"/>
-            </a:endParaRPr>
-          </a:p>
-          <a:p>
-            <a:pPr marL="566928" indent="-457200" algn="just">
-              <a:buFont typeface="Arial" pitchFamily="34" charset="0"/>
-              <a:buChar char="•"/>
-            </a:pPr>
-            <a:r>
-              <a:rPr lang="pt-BR" sz="2400" dirty="0" smtClean="0">
-                <a:latin typeface="Rockwell Condensed" panose="02060603050405020104" pitchFamily="18" charset="0"/>
-              </a:rPr>
-              <a:t>Aplicação e instalação em diversos ambientes. Necessitando apenas de ajustes no sistema web.</a:t>
-            </a:r>
-          </a:p>
-          <a:p>
-            <a:pPr marL="566928" indent="-457200" algn="just">
-              <a:buFont typeface="Arial" pitchFamily="34" charset="0"/>
-              <a:buChar char="•"/>
-            </a:pPr>
-            <a:endParaRPr lang="pt-BR" sz="2400" dirty="0" smtClean="0">
-              <a:latin typeface="Rockwell Condensed" panose="02060603050405020104" pitchFamily="18" charset="0"/>
-            </a:endParaRPr>
-          </a:p>
-          <a:p>
-            <a:pPr marL="109728" algn="ctr"/>
-            <a:r>
-              <a:rPr lang="pt-BR" sz="2400" dirty="0" smtClean="0">
+              <a:rPr lang="pt-BR" sz="3200" dirty="0" smtClean="0">
                 <a:solidFill>
                   <a:srgbClr val="FF0000"/>
                 </a:solidFill>
                 <a:latin typeface="Rockwell Condensed" panose="02060603050405020104" pitchFamily="18" charset="0"/>
               </a:rPr>
-              <a:t>Trabalhos Futuros</a:t>
-            </a:r>
-            <a:endParaRPr lang="pt-BR" sz="2400" dirty="0">
-              <a:solidFill>
-                <a:srgbClr val="FF0000"/>
-              </a:solidFill>
-              <a:latin typeface="Rockwell Condensed" panose="02060603050405020104" pitchFamily="18" charset="0"/>
-            </a:endParaRPr>
-          </a:p>
-          <a:p>
-            <a:pPr marL="566928" indent="-457200" algn="just">
-              <a:buFont typeface="Arial" pitchFamily="34" charset="0"/>
-              <a:buChar char="•"/>
-            </a:pPr>
-            <a:r>
-              <a:rPr lang="pt-BR" sz="2400" dirty="0" smtClean="0">
-                <a:latin typeface="Rockwell Condensed" panose="02060603050405020104" pitchFamily="18" charset="0"/>
-              </a:rPr>
-              <a:t>Implementação de um modelo de consulta local mais robusto, no momento do acesso, na ocasião em que a rede não esteja funcionando;</a:t>
-            </a:r>
-          </a:p>
-          <a:p>
-            <a:pPr marL="566928" indent="-457200" algn="just">
-              <a:buFont typeface="Arial" pitchFamily="34" charset="0"/>
-              <a:buChar char="•"/>
-            </a:pPr>
-            <a:endParaRPr lang="pt-BR" sz="2400" dirty="0" smtClean="0">
-              <a:latin typeface="Rockwell Condensed" panose="02060603050405020104" pitchFamily="18" charset="0"/>
-            </a:endParaRPr>
-          </a:p>
-          <a:p>
-            <a:pPr marL="566928" indent="-457200" algn="just">
-              <a:buFont typeface="Arial" pitchFamily="34" charset="0"/>
-              <a:buChar char="•"/>
-            </a:pPr>
-            <a:r>
-              <a:rPr lang="pt-BR" sz="2400" dirty="0" smtClean="0">
-                <a:latin typeface="Rockwell Condensed" panose="02060603050405020104" pitchFamily="18" charset="0"/>
-              </a:rPr>
-              <a:t>Expandir ainda mais a rede de internet das coisas da instituição para outros dispositivos, como, lâmpadas, condicionares de ar e etc.  </a:t>
-            </a:r>
-          </a:p>
-          <a:p>
-            <a:pPr marL="566928" indent="-457200" algn="just">
-              <a:buFont typeface="Arial" pitchFamily="34" charset="0"/>
-              <a:buChar char="•"/>
-            </a:pPr>
-            <a:endParaRPr lang="pt-BR" sz="2800" dirty="0">
-              <a:latin typeface="Rockwell Condensed" panose="02060603050405020104" pitchFamily="18" charset="0"/>
-            </a:endParaRPr>
+              <a:t>Sistema web</a:t>
+            </a:r>
           </a:p>
           <a:p>
             <a:pPr marL="566928" indent="-457200" algn="just">
@@ -12537,6 +15723,17 @@
               <a:buChar char="•"/>
             </a:pPr>
             <a:endParaRPr lang="pt-BR" sz="2800" dirty="0" smtClean="0">
+              <a:latin typeface="Rockwell Condensed" panose="02060603050405020104" pitchFamily="18" charset="0"/>
+            </a:endParaRPr>
+          </a:p>
+          <a:p>
+            <a:pPr marL="109728" indent="0" algn="just">
+              <a:buNone/>
+            </a:pPr>
+            <a:endParaRPr lang="pt-BR" sz="3200" i="1" dirty="0" smtClean="0">
+              <a:solidFill>
+                <a:srgbClr val="FF0000"/>
+              </a:solidFill>
               <a:latin typeface="Rockwell Condensed" panose="02060603050405020104" pitchFamily="18" charset="0"/>
             </a:endParaRPr>
           </a:p>
@@ -12613,10 +15810,102 @@
           </a:p>
         </p:txBody>
       </p:sp>
+      <p:sp>
+        <p:nvSpPr>
+          <p:cNvPr id="12" name="CaixaDeTexto 11"/>
+          <p:cNvSpPr txBox="1"/>
+          <p:nvPr/>
+        </p:nvSpPr>
+        <p:spPr>
+          <a:xfrm>
+            <a:off x="4444251" y="5745995"/>
+            <a:ext cx="3585853" cy="523220"/>
+          </a:xfrm>
+          <a:prstGeom prst="rect">
+            <a:avLst/>
+          </a:prstGeom>
+          <a:noFill/>
+        </p:spPr>
+        <p:txBody>
+          <a:bodyPr wrap="square" rtlCol="0">
+            <a:spAutoFit/>
+          </a:bodyPr>
+          <a:lstStyle/>
+          <a:p>
+            <a:pPr algn="ctr"/>
+            <a:r>
+              <a:rPr lang="pt-BR" sz="1400" dirty="0" smtClean="0"/>
+              <a:t>Figura 20 – Página de listar Laboratórios.</a:t>
+            </a:r>
+          </a:p>
+          <a:p>
+            <a:pPr algn="ctr"/>
+            <a:r>
+              <a:rPr lang="pt-BR" sz="1400" dirty="0" smtClean="0"/>
+              <a:t>Fonte: Autor.</a:t>
+            </a:r>
+            <a:endParaRPr lang="pt-BR" sz="1400" dirty="0"/>
+          </a:p>
+        </p:txBody>
+      </p:sp>
+      <p:pic>
+        <p:nvPicPr>
+          <p:cNvPr id="9218" name="Picture 2" descr="listar_laboratorios"/>
+          <p:cNvPicPr>
+            <a:picLocks noChangeAspect="1" noChangeArrowheads="1"/>
+          </p:cNvPicPr>
+          <p:nvPr/>
+        </p:nvPicPr>
+        <p:blipFill>
+          <a:blip r:embed="rId2" cstate="print">
+            <a:extLst>
+              <a:ext uri="{28A0092B-C50C-407E-A947-70E740481C1C}">
+                <a14:useLocalDpi xmlns:a14="http://schemas.microsoft.com/office/drawing/2010/main" val="0"/>
+              </a:ext>
+            </a:extLst>
+          </a:blip>
+          <a:srcRect/>
+          <a:stretch>
+            <a:fillRect/>
+          </a:stretch>
+        </p:blipFill>
+        <p:spPr bwMode="auto">
+          <a:xfrm>
+            <a:off x="2576945" y="2528022"/>
+            <a:ext cx="6421581" cy="3217973"/>
+          </a:xfrm>
+          <a:prstGeom prst="rect">
+            <a:avLst/>
+          </a:prstGeom>
+          <a:noFill/>
+          <a:ln>
+            <a:noFill/>
+          </a:ln>
+          <a:extLst>
+            <a:ext uri="{909E8E84-426E-40DD-AFC4-6F175D3DCCD1}">
+              <a14:hiddenFill xmlns:a14="http://schemas.microsoft.com/office/drawing/2010/main">
+                <a:solidFill>
+                  <a:srgbClr val="FFFFFF"/>
+                </a:solidFill>
+              </a14:hiddenFill>
+            </a:ext>
+            <a:ext uri="{91240B29-F687-4F45-9708-019B960494DF}">
+              <a14:hiddenLine xmlns:a14="http://schemas.microsoft.com/office/drawing/2010/main" w="9525">
+                <a:solidFill>
+                  <a:srgbClr val="000000"/>
+                </a:solidFill>
+                <a:miter lim="800000"/>
+                <a:headEnd/>
+                <a:tailEnd/>
+              </a14:hiddenLine>
+            </a:ext>
+          </a:extLst>
+        </p:spPr>
+      </p:pic>
     </p:spTree>
     <p:extLst>
       <p:ext uri="{BB962C8B-B14F-4D97-AF65-F5344CB8AC3E}">
-        <p14:creationId xmlns:p14="http://schemas.microsoft.com/office/powerpoint/2010/main" val="760787473"/>
+        <p14:creationId xmlns:p14="http://schemas.microsoft.com/office/powerpoint/2010/main" val="3998326343"/>
       </p:ext>
     </p:extLst>
   </p:cSld>
@@ -12718,10 +16007,7 @@
           <a:noFill/>
           <a:ln w="28575">
             <a:solidFill>
-              <a:schemeClr val="accent1">
-                <a:lumMod val="20000"/>
-                <a:lumOff val="80000"/>
-              </a:schemeClr>
+              <a:srgbClr val="00FFCC"/>
             </a:solidFill>
           </a:ln>
         </p:spPr>
@@ -12769,10 +16055,7 @@
             <a:avLst/>
           </a:prstGeom>
           <a:solidFill>
-            <a:schemeClr val="accent1">
-              <a:lumMod val="20000"/>
-              <a:lumOff val="80000"/>
-            </a:schemeClr>
+            <a:srgbClr val="00FFCC"/>
           </a:solidFill>
         </p:spPr>
         <p:txBody>
@@ -12787,7 +16070,7 @@
                 <a:latin typeface="Rockwell Condensed" panose="02060603050405020104" pitchFamily="18" charset="0"/>
                 <a:cs typeface="Times New Roman" panose="02020603050405020304" pitchFamily="18" charset="0"/>
               </a:rPr>
-              <a:t>REFERÊNCIAS</a:t>
+              <a:t>RESULTADOS</a:t>
             </a:r>
             <a:endParaRPr lang="pt-BR" sz="4000" dirty="0">
               <a:latin typeface="Rockwell Condensed" panose="02060603050405020104" pitchFamily="18" charset="0"/>
@@ -12804,8 +16087,8 @@
         </p:nvSpPr>
         <p:spPr>
           <a:xfrm>
-            <a:off x="679269" y="2096142"/>
-            <a:ext cx="10724605" cy="4893647"/>
+            <a:off x="837127" y="2055201"/>
+            <a:ext cx="9990085" cy="1938992"/>
           </a:xfrm>
           <a:prstGeom prst="rect">
             <a:avLst/>
@@ -12817,209 +16100,36 @@
           </a:bodyPr>
           <a:lstStyle/>
           <a:p>
-            <a:pPr marL="109728" algn="just"/>
-            <a:r>
-              <a:rPr lang="pt-BR" sz="2000" dirty="0" smtClean="0">
+            <a:pPr marL="109728" indent="0" algn="ctr">
+              <a:buNone/>
+            </a:pPr>
+            <a:r>
+              <a:rPr lang="pt-BR" sz="3200" dirty="0" smtClean="0">
+                <a:solidFill>
+                  <a:srgbClr val="FF0000"/>
+                </a:solidFill>
                 <a:latin typeface="Rockwell Condensed" panose="02060603050405020104" pitchFamily="18" charset="0"/>
               </a:rPr>
-              <a:t>[1] </a:t>
-            </a:r>
-            <a:r>
-              <a:rPr lang="pt-BR" sz="2000" dirty="0">
-                <a:latin typeface="Rockwell Condensed" panose="02060603050405020104" pitchFamily="18" charset="0"/>
-              </a:rPr>
-              <a:t>FERRAZ, Reinaldo. Internet das Coisas. 11ª Mostra de Iniciação Científica Júnior, 2016</a:t>
-            </a:r>
-            <a:r>
-              <a:rPr lang="pt-BR" sz="2000" dirty="0" smtClean="0">
-                <a:latin typeface="Rockwell Condensed" panose="02060603050405020104" pitchFamily="18" charset="0"/>
-              </a:rPr>
-              <a:t>.</a:t>
-            </a:r>
-          </a:p>
-          <a:p>
-            <a:pPr marL="109728" algn="just"/>
-            <a:endParaRPr lang="pt-BR" sz="2000" dirty="0" smtClean="0">
+              <a:t>Sistema web</a:t>
+            </a:r>
+          </a:p>
+          <a:p>
+            <a:pPr marL="566928" indent="-457200" algn="just">
+              <a:buFont typeface="Arial" pitchFamily="34" charset="0"/>
+              <a:buChar char="•"/>
+            </a:pPr>
+            <a:endParaRPr lang="pt-BR" sz="2800" dirty="0" smtClean="0">
               <a:latin typeface="Rockwell Condensed" panose="02060603050405020104" pitchFamily="18" charset="0"/>
             </a:endParaRPr>
           </a:p>
           <a:p>
-            <a:pPr marL="109728" algn="just"/>
-            <a:r>
-              <a:rPr lang="pt-BR" sz="2000" dirty="0" smtClean="0">
-                <a:latin typeface="Rockwell Condensed" panose="02060603050405020104" pitchFamily="18" charset="0"/>
-              </a:rPr>
-              <a:t>[2] Seu Condomínio. </a:t>
-            </a:r>
-            <a:r>
-              <a:rPr lang="pt-BR" sz="2000" dirty="0">
-                <a:latin typeface="Rockwell Condensed" panose="02060603050405020104" pitchFamily="18" charset="0"/>
-              </a:rPr>
-              <a:t>Disponível em: &lt;https://www.seucondominio.com.br/noticias/sistemas-controle&gt;. </a:t>
-            </a:r>
-            <a:r>
-              <a:rPr lang="pt-BR" sz="2000" dirty="0" smtClean="0">
-                <a:latin typeface="Rockwell Condensed" panose="02060603050405020104" pitchFamily="18" charset="0"/>
-              </a:rPr>
-              <a:t>Acesso em: Fevereiro de 2018.</a:t>
-            </a:r>
-          </a:p>
-          <a:p>
-            <a:pPr marL="109728" algn="just"/>
-            <a:endParaRPr lang="pt-BR" sz="2000" dirty="0" smtClean="0">
-              <a:latin typeface="Rockwell Condensed" panose="02060603050405020104" pitchFamily="18" charset="0"/>
-            </a:endParaRPr>
-          </a:p>
-          <a:p>
-            <a:pPr marL="109728" algn="just"/>
-            <a:r>
-              <a:rPr lang="pt-BR" sz="2000" dirty="0" smtClean="0">
-                <a:latin typeface="Rockwell Condensed" panose="02060603050405020104" pitchFamily="18" charset="0"/>
-              </a:rPr>
-              <a:t>[3] </a:t>
-            </a:r>
-            <a:r>
-              <a:rPr lang="pt-BR" sz="2000" dirty="0">
-                <a:latin typeface="Rockwell Condensed" panose="02060603050405020104" pitchFamily="18" charset="0"/>
-              </a:rPr>
-              <a:t>CRUZ, Ariadne Arrais; LISBOA, Emerson Fausto. </a:t>
-            </a:r>
-            <a:r>
-              <a:rPr lang="pt-BR" sz="2000" dirty="0" err="1" smtClean="0">
-                <a:latin typeface="Rockwell Condensed" panose="02060603050405020104" pitchFamily="18" charset="0"/>
-              </a:rPr>
-              <a:t>Webhome</a:t>
-            </a:r>
-            <a:r>
-              <a:rPr lang="pt-BR" sz="2000" dirty="0" smtClean="0">
-                <a:latin typeface="Rockwell Condensed" panose="02060603050405020104" pitchFamily="18" charset="0"/>
-              </a:rPr>
-              <a:t>-automação </a:t>
-            </a:r>
-            <a:r>
-              <a:rPr lang="pt-BR" sz="2000" dirty="0">
-                <a:latin typeface="Rockwell Condensed" panose="02060603050405020104" pitchFamily="18" charset="0"/>
-              </a:rPr>
-              <a:t>residencial utilizando </a:t>
-            </a:r>
-            <a:r>
-              <a:rPr lang="pt-BR" sz="2000" dirty="0" err="1">
-                <a:latin typeface="Rockwell Condensed" panose="02060603050405020104" pitchFamily="18" charset="0"/>
-              </a:rPr>
-              <a:t>raspberry</a:t>
-            </a:r>
-            <a:r>
-              <a:rPr lang="pt-BR" sz="2000" dirty="0">
-                <a:latin typeface="Rockwell Condensed" panose="02060603050405020104" pitchFamily="18" charset="0"/>
-              </a:rPr>
-              <a:t> </a:t>
-            </a:r>
-            <a:r>
-              <a:rPr lang="pt-BR" sz="2000" dirty="0" err="1">
-                <a:latin typeface="Rockwell Condensed" panose="02060603050405020104" pitchFamily="18" charset="0"/>
-              </a:rPr>
-              <a:t>pi</a:t>
-            </a:r>
-            <a:r>
-              <a:rPr lang="pt-BR" sz="2000" dirty="0">
-                <a:latin typeface="Rockwell Condensed" panose="02060603050405020104" pitchFamily="18" charset="0"/>
-              </a:rPr>
-              <a:t>. Revista Ciência e Tecnologia, v. 17, n. 31, 2014</a:t>
-            </a:r>
-            <a:r>
-              <a:rPr lang="pt-BR" sz="2000" dirty="0" smtClean="0">
-                <a:latin typeface="Rockwell Condensed" panose="02060603050405020104" pitchFamily="18" charset="0"/>
-              </a:rPr>
-              <a:t>.</a:t>
-            </a:r>
-          </a:p>
-          <a:p>
-            <a:pPr marL="109728" algn="just"/>
-            <a:endParaRPr lang="pt-BR" sz="2000" dirty="0" smtClean="0">
-              <a:latin typeface="Rockwell Condensed" panose="02060603050405020104" pitchFamily="18" charset="0"/>
-            </a:endParaRPr>
-          </a:p>
-          <a:p>
-            <a:pPr marL="109728" algn="just"/>
-            <a:r>
-              <a:rPr lang="pt-BR" sz="2000" dirty="0" smtClean="0">
-                <a:latin typeface="Rockwell Condensed" panose="02060603050405020104" pitchFamily="18" charset="0"/>
-              </a:rPr>
-              <a:t>[4] </a:t>
-            </a:r>
-            <a:r>
-              <a:rPr lang="pt-BR" sz="2000" dirty="0" err="1" smtClean="0">
-                <a:latin typeface="Rockwell Condensed" panose="02060603050405020104" pitchFamily="18" charset="0"/>
-              </a:rPr>
-              <a:t>Hobbytronics</a:t>
-            </a:r>
-            <a:r>
-              <a:rPr lang="pt-BR" sz="2000" dirty="0" smtClean="0">
-                <a:latin typeface="Rockwell Condensed" panose="02060603050405020104" pitchFamily="18" charset="0"/>
-              </a:rPr>
-              <a:t>. Disponível em: </a:t>
-            </a:r>
-            <a:r>
-              <a:rPr lang="pt-BR" sz="2000" dirty="0">
-                <a:latin typeface="Rockwell Condensed" panose="02060603050405020104" pitchFamily="18" charset="0"/>
-              </a:rPr>
-              <a:t>&lt;https://hobbytronics.com.pk/product/nodemcu/&gt;. </a:t>
-            </a:r>
-            <a:r>
-              <a:rPr lang="pt-BR" sz="2000" dirty="0" smtClean="0">
-                <a:latin typeface="Rockwell Condensed" panose="02060603050405020104" pitchFamily="18" charset="0"/>
-              </a:rPr>
-              <a:t>Acesso em: Fevereiro de 2018.</a:t>
-            </a:r>
-          </a:p>
-          <a:p>
-            <a:pPr marL="109728" algn="just"/>
-            <a:endParaRPr lang="pt-BR" sz="2000" dirty="0" smtClean="0">
-              <a:latin typeface="Rockwell Condensed" panose="02060603050405020104" pitchFamily="18" charset="0"/>
-            </a:endParaRPr>
-          </a:p>
-          <a:p>
-            <a:pPr marL="109728" algn="just"/>
-            <a:r>
-              <a:rPr lang="pt-BR" sz="2000" dirty="0" smtClean="0">
-                <a:latin typeface="Rockwell Condensed" panose="02060603050405020104" pitchFamily="18" charset="0"/>
-              </a:rPr>
-              <a:t>[5] </a:t>
-            </a:r>
-            <a:r>
-              <a:rPr lang="pt-BR" sz="2000" dirty="0" err="1" smtClean="0">
-                <a:latin typeface="Rockwell Condensed" panose="02060603050405020104" pitchFamily="18" charset="0"/>
-              </a:rPr>
-              <a:t>FilipeFlop</a:t>
-            </a:r>
-            <a:r>
-              <a:rPr lang="pt-BR" sz="2000" dirty="0" smtClean="0">
-                <a:latin typeface="Rockwell Condensed" panose="02060603050405020104" pitchFamily="18" charset="0"/>
-              </a:rPr>
-              <a:t> </a:t>
-            </a:r>
-            <a:r>
-              <a:rPr lang="pt-BR" sz="2000" dirty="0">
-                <a:latin typeface="Rockwell Condensed" panose="02060603050405020104" pitchFamily="18" charset="0"/>
-              </a:rPr>
-              <a:t>Disponível em: &lt;https://</a:t>
-            </a:r>
-            <a:r>
-              <a:rPr lang="pt-BR" sz="2000" dirty="0" smtClean="0">
-                <a:latin typeface="Rockwell Condensed" panose="02060603050405020104" pitchFamily="18" charset="0"/>
-              </a:rPr>
-              <a:t>www.filipeflop.com/blog/controle-acesso-leitor-rfid-arduino/&gt;. Acesso em: Fevereiro de 2018.</a:t>
-            </a:r>
-          </a:p>
-          <a:p>
-            <a:pPr marL="109728" algn="just"/>
-            <a:endParaRPr lang="pt-BR" sz="2000" dirty="0" smtClean="0">
-              <a:latin typeface="Rockwell Condensed" panose="02060603050405020104" pitchFamily="18" charset="0"/>
-            </a:endParaRPr>
-          </a:p>
-          <a:p>
-            <a:pPr marL="109728" algn="just"/>
-            <a:endParaRPr lang="pt-BR" sz="2400" dirty="0" smtClean="0">
+            <a:pPr marL="109728" indent="0" algn="just">
+              <a:buNone/>
+            </a:pPr>
+            <a:endParaRPr lang="pt-BR" sz="3200" i="1" dirty="0" smtClean="0">
+              <a:solidFill>
+                <a:srgbClr val="FF0000"/>
+              </a:solidFill>
               <a:latin typeface="Rockwell Condensed" panose="02060603050405020104" pitchFamily="18" charset="0"/>
             </a:endParaRPr>
           </a:p>
@@ -13096,10 +16206,102 @@
           </a:p>
         </p:txBody>
       </p:sp>
+      <p:sp>
+        <p:nvSpPr>
+          <p:cNvPr id="12" name="CaixaDeTexto 11"/>
+          <p:cNvSpPr txBox="1"/>
+          <p:nvPr/>
+        </p:nvSpPr>
+        <p:spPr>
+          <a:xfrm>
+            <a:off x="4444251" y="5745995"/>
+            <a:ext cx="3585853" cy="523220"/>
+          </a:xfrm>
+          <a:prstGeom prst="rect">
+            <a:avLst/>
+          </a:prstGeom>
+          <a:noFill/>
+        </p:spPr>
+        <p:txBody>
+          <a:bodyPr wrap="square" rtlCol="0">
+            <a:spAutoFit/>
+          </a:bodyPr>
+          <a:lstStyle/>
+          <a:p>
+            <a:pPr algn="ctr"/>
+            <a:r>
+              <a:rPr lang="pt-BR" sz="1400" dirty="0" smtClean="0"/>
+              <a:t>Figura 21 – Página de listar Acessos.</a:t>
+            </a:r>
+          </a:p>
+          <a:p>
+            <a:pPr algn="ctr"/>
+            <a:r>
+              <a:rPr lang="pt-BR" sz="1400" dirty="0" smtClean="0"/>
+              <a:t>Fonte: Autor.</a:t>
+            </a:r>
+            <a:endParaRPr lang="pt-BR" sz="1400" dirty="0"/>
+          </a:p>
+        </p:txBody>
+      </p:sp>
+      <p:pic>
+        <p:nvPicPr>
+          <p:cNvPr id="10242" name="Imagem 1"/>
+          <p:cNvPicPr>
+            <a:picLocks noChangeAspect="1" noChangeArrowheads="1"/>
+          </p:cNvPicPr>
+          <p:nvPr/>
+        </p:nvPicPr>
+        <p:blipFill>
+          <a:blip r:embed="rId2" cstate="print">
+            <a:extLst>
+              <a:ext uri="{28A0092B-C50C-407E-A947-70E740481C1C}">
+                <a14:useLocalDpi xmlns:a14="http://schemas.microsoft.com/office/drawing/2010/main" val="0"/>
+              </a:ext>
+            </a:extLst>
+          </a:blip>
+          <a:srcRect t="3253" b="5141"/>
+          <a:stretch>
+            <a:fillRect/>
+          </a:stretch>
+        </p:blipFill>
+        <p:spPr bwMode="auto">
+          <a:xfrm>
+            <a:off x="2791114" y="2618509"/>
+            <a:ext cx="6280150" cy="3161116"/>
+          </a:xfrm>
+          <a:prstGeom prst="rect">
+            <a:avLst/>
+          </a:prstGeom>
+          <a:noFill/>
+          <a:ln>
+            <a:noFill/>
+          </a:ln>
+          <a:extLst>
+            <a:ext uri="{909E8E84-426E-40DD-AFC4-6F175D3DCCD1}">
+              <a14:hiddenFill xmlns:a14="http://schemas.microsoft.com/office/drawing/2010/main">
+                <a:solidFill>
+                  <a:srgbClr val="FFFFFF"/>
+                </a:solidFill>
+              </a14:hiddenFill>
+            </a:ext>
+            <a:ext uri="{91240B29-F687-4F45-9708-019B960494DF}">
+              <a14:hiddenLine xmlns:a14="http://schemas.microsoft.com/office/drawing/2010/main" w="9525">
+                <a:solidFill>
+                  <a:srgbClr val="000000"/>
+                </a:solidFill>
+                <a:miter lim="800000"/>
+                <a:headEnd/>
+                <a:tailEnd/>
+              </a14:hiddenLine>
+            </a:ext>
+          </a:extLst>
+        </p:spPr>
+      </p:pic>
     </p:spTree>
     <p:extLst>
       <p:ext uri="{BB962C8B-B14F-4D97-AF65-F5344CB8AC3E}">
-        <p14:creationId xmlns:p14="http://schemas.microsoft.com/office/powerpoint/2010/main" val="251311220"/>
+        <p14:creationId xmlns:p14="http://schemas.microsoft.com/office/powerpoint/2010/main" val="2965080846"/>
       </p:ext>
     </p:extLst>
   </p:cSld>
@@ -13151,6 +16353,882 @@
             <a:fld id="{07E976CE-6A88-4DF5-9FE0-D445D452ABB2}" type="slidenum">
               <a:rPr lang="pt-BR" smtClean="0"/>
               <a:t>24</a:t>
+            </a:fld>
+            <a:endParaRPr lang="pt-BR" dirty="0"/>
+          </a:p>
+        </p:txBody>
+      </p:sp>
+      <p:sp>
+        <p:nvSpPr>
+          <p:cNvPr id="8" name="Espaço Reservado para Rodapé 9"/>
+          <p:cNvSpPr>
+            <a:spLocks noGrp="1"/>
+          </p:cNvSpPr>
+          <p:nvPr>
+            <p:ph type="ftr" sz="quarter" idx="11"/>
+          </p:nvPr>
+        </p:nvSpPr>
+        <p:spPr>
+          <a:xfrm>
+            <a:off x="4038600" y="6356350"/>
+            <a:ext cx="4114800" cy="365125"/>
+          </a:xfrm>
+        </p:spPr>
+        <p:txBody>
+          <a:bodyPr/>
+          <a:lstStyle/>
+          <a:p>
+            <a:r>
+              <a:rPr lang="pt-BR" dirty="0" smtClean="0"/>
+              <a:t>Manaus (AM) – Fevereiro de 2018</a:t>
+            </a:r>
+            <a:endParaRPr lang="pt-BR" dirty="0"/>
+          </a:p>
+        </p:txBody>
+      </p:sp>
+      <p:sp>
+        <p:nvSpPr>
+          <p:cNvPr id="10" name="Retângulo 9"/>
+          <p:cNvSpPr/>
+          <p:nvPr/>
+        </p:nvSpPr>
+        <p:spPr>
+          <a:xfrm>
+            <a:off x="566670" y="1694329"/>
+            <a:ext cx="11050073" cy="4590561"/>
+          </a:xfrm>
+          <a:prstGeom prst="rect">
+            <a:avLst/>
+          </a:prstGeom>
+          <a:noFill/>
+          <a:ln w="28575">
+            <a:solidFill>
+              <a:schemeClr val="accent1">
+                <a:lumMod val="20000"/>
+                <a:lumOff val="80000"/>
+              </a:schemeClr>
+            </a:solidFill>
+          </a:ln>
+        </p:spPr>
+        <p:style>
+          <a:lnRef idx="2">
+            <a:schemeClr val="accent1">
+              <a:shade val="50000"/>
+            </a:schemeClr>
+          </a:lnRef>
+          <a:fillRef idx="1">
+            <a:schemeClr val="accent1"/>
+          </a:fillRef>
+          <a:effectRef idx="0">
+            <a:schemeClr val="accent1"/>
+          </a:effectRef>
+          <a:fontRef idx="minor">
+            <a:schemeClr val="lt1"/>
+          </a:fontRef>
+        </p:style>
+        <p:txBody>
+          <a:bodyPr rtlCol="0" anchor="ctr"/>
+          <a:lstStyle/>
+          <a:p>
+            <a:pPr algn="ctr"/>
+            <a:endParaRPr lang="pt-BR"/>
+          </a:p>
+        </p:txBody>
+      </p:sp>
+      <p:sp>
+        <p:nvSpPr>
+          <p:cNvPr id="11" name="Título 1"/>
+          <p:cNvSpPr>
+            <a:spLocks noGrp="1"/>
+          </p:cNvSpPr>
+          <p:nvPr>
+            <p:ph type="title"/>
+          </p:nvPr>
+        </p:nvSpPr>
+        <p:spPr>
+          <a:xfrm>
+            <a:off x="3730222" y="1276729"/>
+            <a:ext cx="4291200" cy="835200"/>
+          </a:xfrm>
+          <a:prstGeom prst="flowChartAlternateProcess">
+            <a:avLst/>
+          </a:prstGeom>
+          <a:solidFill>
+            <a:schemeClr val="accent1">
+              <a:lumMod val="20000"/>
+              <a:lumOff val="80000"/>
+            </a:schemeClr>
+          </a:solidFill>
+        </p:spPr>
+        <p:txBody>
+          <a:bodyPr>
+            <a:normAutofit/>
+          </a:bodyPr>
+          <a:lstStyle/>
+          <a:p>
+            <a:pPr algn="ctr"/>
+            <a:r>
+              <a:rPr lang="pt-BR" sz="4000" dirty="0" smtClean="0">
+                <a:latin typeface="Rockwell Condensed" panose="02060603050405020104" pitchFamily="18" charset="0"/>
+                <a:cs typeface="Times New Roman" panose="02020603050405020304" pitchFamily="18" charset="0"/>
+              </a:rPr>
+              <a:t>CONCLUSÃO</a:t>
+            </a:r>
+            <a:endParaRPr lang="pt-BR" sz="4000" dirty="0">
+              <a:latin typeface="Rockwell Condensed" panose="02060603050405020104" pitchFamily="18" charset="0"/>
+              <a:cs typeface="Times New Roman" panose="02020603050405020304" pitchFamily="18" charset="0"/>
+            </a:endParaRPr>
+          </a:p>
+        </p:txBody>
+      </p:sp>
+      <p:sp>
+        <p:nvSpPr>
+          <p:cNvPr id="7" name="Retângulo 6"/>
+          <p:cNvSpPr/>
+          <p:nvPr/>
+        </p:nvSpPr>
+        <p:spPr>
+          <a:xfrm>
+            <a:off x="837126" y="1978576"/>
+            <a:ext cx="10259241" cy="5509200"/>
+          </a:xfrm>
+          <a:prstGeom prst="rect">
+            <a:avLst/>
+          </a:prstGeom>
+        </p:spPr>
+        <p:txBody>
+          <a:bodyPr wrap="square">
+            <a:spAutoFit/>
+          </a:bodyPr>
+          <a:lstStyle/>
+          <a:p>
+            <a:pPr marL="109728" algn="just"/>
+            <a:endParaRPr lang="pt-BR" sz="2800" dirty="0" smtClean="0">
+              <a:latin typeface="Rockwell Condensed" panose="02060603050405020104" pitchFamily="18" charset="0"/>
+            </a:endParaRPr>
+          </a:p>
+          <a:p>
+            <a:pPr marL="566928" indent="-457200" algn="just">
+              <a:buFont typeface="Arial" pitchFamily="34" charset="0"/>
+              <a:buChar char="•"/>
+            </a:pPr>
+            <a:r>
+              <a:rPr lang="pt-BR" sz="2400" dirty="0" smtClean="0">
+                <a:latin typeface="Rockwell Condensed" panose="02060603050405020104" pitchFamily="18" charset="0"/>
+              </a:rPr>
+              <a:t>O sistema está em funcionamento e já é possível o teste em um dos laboratórios;</a:t>
+            </a:r>
+          </a:p>
+          <a:p>
+            <a:pPr marL="566928" indent="-457200" algn="just">
+              <a:buFont typeface="Arial" pitchFamily="34" charset="0"/>
+              <a:buChar char="•"/>
+            </a:pPr>
+            <a:endParaRPr lang="pt-BR" sz="2400" dirty="0" smtClean="0">
+              <a:latin typeface="Rockwell Condensed" panose="02060603050405020104" pitchFamily="18" charset="0"/>
+            </a:endParaRPr>
+          </a:p>
+          <a:p>
+            <a:pPr marL="566928" indent="-457200" algn="just">
+              <a:buFont typeface="Arial" pitchFamily="34" charset="0"/>
+              <a:buChar char="•"/>
+            </a:pPr>
+            <a:r>
+              <a:rPr lang="pt-BR" sz="2400" dirty="0" smtClean="0">
+                <a:latin typeface="Rockwell Condensed" panose="02060603050405020104" pitchFamily="18" charset="0"/>
+              </a:rPr>
+              <a:t>Aplicação e instalação em diversos ambientes. Necessitando apenas de ajustes no sistema web.</a:t>
+            </a:r>
+          </a:p>
+          <a:p>
+            <a:pPr marL="566928" indent="-457200" algn="just">
+              <a:buFont typeface="Arial" pitchFamily="34" charset="0"/>
+              <a:buChar char="•"/>
+            </a:pPr>
+            <a:endParaRPr lang="pt-BR" sz="2400" dirty="0" smtClean="0">
+              <a:latin typeface="Rockwell Condensed" panose="02060603050405020104" pitchFamily="18" charset="0"/>
+            </a:endParaRPr>
+          </a:p>
+          <a:p>
+            <a:pPr marL="109728" algn="ctr"/>
+            <a:r>
+              <a:rPr lang="pt-BR" sz="2400" dirty="0" smtClean="0">
+                <a:solidFill>
+                  <a:srgbClr val="FF0000"/>
+                </a:solidFill>
+                <a:latin typeface="Rockwell Condensed" panose="02060603050405020104" pitchFamily="18" charset="0"/>
+              </a:rPr>
+              <a:t>Trabalhos Futuros</a:t>
+            </a:r>
+            <a:endParaRPr lang="pt-BR" sz="2400" dirty="0">
+              <a:solidFill>
+                <a:srgbClr val="FF0000"/>
+              </a:solidFill>
+              <a:latin typeface="Rockwell Condensed" panose="02060603050405020104" pitchFamily="18" charset="0"/>
+            </a:endParaRPr>
+          </a:p>
+          <a:p>
+            <a:pPr marL="566928" indent="-457200" algn="just">
+              <a:buFont typeface="Arial" pitchFamily="34" charset="0"/>
+              <a:buChar char="•"/>
+            </a:pPr>
+            <a:r>
+              <a:rPr lang="pt-BR" sz="2400" dirty="0" smtClean="0">
+                <a:latin typeface="Rockwell Condensed" panose="02060603050405020104" pitchFamily="18" charset="0"/>
+              </a:rPr>
+              <a:t>Implementação de um modelo de consulta local mais robusto, no momento do acesso, na ocasião em que a rede não esteja funcionando;</a:t>
+            </a:r>
+          </a:p>
+          <a:p>
+            <a:pPr marL="566928" indent="-457200" algn="just">
+              <a:buFont typeface="Arial" pitchFamily="34" charset="0"/>
+              <a:buChar char="•"/>
+            </a:pPr>
+            <a:endParaRPr lang="pt-BR" sz="2400" dirty="0" smtClean="0">
+              <a:latin typeface="Rockwell Condensed" panose="02060603050405020104" pitchFamily="18" charset="0"/>
+            </a:endParaRPr>
+          </a:p>
+          <a:p>
+            <a:pPr marL="566928" indent="-457200" algn="just">
+              <a:buFont typeface="Arial" pitchFamily="34" charset="0"/>
+              <a:buChar char="•"/>
+            </a:pPr>
+            <a:r>
+              <a:rPr lang="pt-BR" sz="2400" dirty="0" smtClean="0">
+                <a:latin typeface="Rockwell Condensed" panose="02060603050405020104" pitchFamily="18" charset="0"/>
+              </a:rPr>
+              <a:t>Expandir ainda mais a rede de internet das coisas da instituição para outros dispositivos, como, lâmpadas, condicionares de ar e etc.  </a:t>
+            </a:r>
+          </a:p>
+          <a:p>
+            <a:pPr marL="566928" indent="-457200" algn="just">
+              <a:buFont typeface="Arial" pitchFamily="34" charset="0"/>
+              <a:buChar char="•"/>
+            </a:pPr>
+            <a:endParaRPr lang="pt-BR" sz="2800" dirty="0">
+              <a:latin typeface="Rockwell Condensed" panose="02060603050405020104" pitchFamily="18" charset="0"/>
+            </a:endParaRPr>
+          </a:p>
+          <a:p>
+            <a:pPr marL="566928" indent="-457200" algn="just">
+              <a:buFont typeface="Arial" pitchFamily="34" charset="0"/>
+              <a:buChar char="•"/>
+            </a:pPr>
+            <a:endParaRPr lang="pt-BR" sz="2800" dirty="0" smtClean="0">
+              <a:latin typeface="Rockwell Condensed" panose="02060603050405020104" pitchFamily="18" charset="0"/>
+            </a:endParaRPr>
+          </a:p>
+          <a:p>
+            <a:pPr marL="109728" indent="0" algn="ctr">
+              <a:buNone/>
+            </a:pPr>
+            <a:endParaRPr lang="pt-BR" sz="2800" dirty="0" smtClean="0">
+              <a:latin typeface="Rockwell Condensed" panose="02060603050405020104" pitchFamily="18" charset="0"/>
+            </a:endParaRPr>
+          </a:p>
+        </p:txBody>
+      </p:sp>
+      <p:sp>
+        <p:nvSpPr>
+          <p:cNvPr id="2" name="Rectangle 4"/>
+          <p:cNvSpPr>
+            <a:spLocks noChangeArrowheads="1"/>
+          </p:cNvSpPr>
+          <p:nvPr/>
+        </p:nvSpPr>
+        <p:spPr bwMode="auto">
+          <a:xfrm>
+            <a:off x="0" y="0"/>
+            <a:ext cx="12192000" cy="0"/>
+          </a:xfrm>
+          <a:prstGeom prst="rect">
+            <a:avLst/>
+          </a:prstGeom>
+          <a:noFill/>
+          <a:ln>
+            <a:noFill/>
+          </a:ln>
+          <a:effectLst/>
+          <a:extLst>
+            <a:ext uri="{909E8E84-426E-40DD-AFC4-6F175D3DCCD1}">
+              <a14:hiddenFill xmlns:a14="http://schemas.microsoft.com/office/drawing/2010/main">
+                <a:solidFill>
+                  <a:schemeClr val="accent1"/>
+                </a:solidFill>
+              </a14:hiddenFill>
+            </a:ext>
+            <a:ext uri="{91240B29-F687-4F45-9708-019B960494DF}">
+              <a14:hiddenLine xmlns:a14="http://schemas.microsoft.com/office/drawing/2010/main" w="9525">
+                <a:solidFill>
+                  <a:schemeClr val="tx1"/>
+                </a:solidFill>
+                <a:miter lim="800000"/>
+                <a:headEnd/>
+                <a:tailEnd/>
+              </a14:hiddenLine>
+            </a:ext>
+            <a:ext uri="{AF507438-7753-43E0-B8FC-AC1667EBCBE1}">
+              <a14:hiddenEffects xmlns:a14="http://schemas.microsoft.com/office/drawing/2010/main">
+                <a:effectLst>
+                  <a:outerShdw dist="35921" dir="2700000" algn="ctr" rotWithShape="0">
+                    <a:schemeClr val="bg2"/>
+                  </a:outerShdw>
+                </a:effectLst>
+              </a14:hiddenEffects>
+            </a:ext>
+          </a:extLst>
+        </p:spPr>
+        <p:txBody>
+          <a:bodyPr vert="horz" wrap="none" lIns="91440" tIns="45720" rIns="91440" bIns="45720" numCol="1" anchor="ctr" anchorCtr="0" compatLnSpc="1">
+            <a:prstTxWarp prst="textNoShape">
+              <a:avLst/>
+            </a:prstTxWarp>
+            <a:spAutoFit/>
+          </a:bodyPr>
+          <a:lstStyle/>
+          <a:p>
+            <a:endParaRPr lang="pt-BR"/>
+          </a:p>
+        </p:txBody>
+      </p:sp>
+    </p:spTree>
+    <p:extLst>
+      <p:ext uri="{BB962C8B-B14F-4D97-AF65-F5344CB8AC3E}">
+        <p14:creationId xmlns:p14="http://schemas.microsoft.com/office/powerpoint/2010/main" val="760787473"/>
+      </p:ext>
+    </p:extLst>
+  </p:cSld>
+  <p:clrMapOvr>
+    <a:masterClrMapping/>
+  </p:clrMapOvr>
+  <p:timing>
+    <p:tnLst>
+      <p:par>
+        <p:cTn id="1" dur="indefinite" restart="never" nodeType="tmRoot"/>
+      </p:par>
+    </p:tnLst>
+  </p:timing>
+</p:sld>
+</file>
+
+<file path=ppt/slides/slide25.xml><?xml version="1.0" encoding="utf-8"?>
+<p:sld xmlns:a="http://schemas.openxmlformats.org/drawingml/2006/main" xmlns:r="http://schemas.openxmlformats.org/officeDocument/2006/relationships" xmlns:p="http://schemas.openxmlformats.org/presentationml/2006/main">
+  <p:cSld>
+    <p:spTree>
+      <p:nvGrpSpPr>
+        <p:cNvPr id="1" name=""/>
+        <p:cNvGrpSpPr/>
+        <p:nvPr/>
+      </p:nvGrpSpPr>
+      <p:grpSpPr>
+        <a:xfrm>
+          <a:off x="0" y="0"/>
+          <a:ext cx="0" cy="0"/>
+          <a:chOff x="0" y="0"/>
+          <a:chExt cx="0" cy="0"/>
+        </a:xfrm>
+      </p:grpSpPr>
+      <p:sp>
+        <p:nvSpPr>
+          <p:cNvPr id="5" name="Espaço Reservado para Número de Slide 4"/>
+          <p:cNvSpPr>
+            <a:spLocks noGrp="1"/>
+          </p:cNvSpPr>
+          <p:nvPr>
+            <p:ph type="sldNum" sz="quarter" idx="12"/>
+          </p:nvPr>
+        </p:nvSpPr>
+        <p:spPr/>
+        <p:txBody>
+          <a:bodyPr/>
+          <a:lstStyle/>
+          <a:p>
+            <a:fld id="{07E976CE-6A88-4DF5-9FE0-D445D452ABB2}" type="slidenum">
+              <a:rPr lang="pt-BR" smtClean="0"/>
+              <a:t>25</a:t>
+            </a:fld>
+            <a:endParaRPr lang="pt-BR" dirty="0"/>
+          </a:p>
+        </p:txBody>
+      </p:sp>
+      <p:sp>
+        <p:nvSpPr>
+          <p:cNvPr id="8" name="Espaço Reservado para Rodapé 9"/>
+          <p:cNvSpPr>
+            <a:spLocks noGrp="1"/>
+          </p:cNvSpPr>
+          <p:nvPr>
+            <p:ph type="ftr" sz="quarter" idx="11"/>
+          </p:nvPr>
+        </p:nvSpPr>
+        <p:spPr>
+          <a:xfrm>
+            <a:off x="4038600" y="6356350"/>
+            <a:ext cx="4114800" cy="365125"/>
+          </a:xfrm>
+        </p:spPr>
+        <p:txBody>
+          <a:bodyPr/>
+          <a:lstStyle/>
+          <a:p>
+            <a:r>
+              <a:rPr lang="pt-BR" dirty="0" smtClean="0"/>
+              <a:t>Manaus (AM) – Fevereiro de 2018</a:t>
+            </a:r>
+            <a:endParaRPr lang="pt-BR" dirty="0"/>
+          </a:p>
+        </p:txBody>
+      </p:sp>
+      <p:sp>
+        <p:nvSpPr>
+          <p:cNvPr id="10" name="Retângulo 9"/>
+          <p:cNvSpPr/>
+          <p:nvPr/>
+        </p:nvSpPr>
+        <p:spPr>
+          <a:xfrm>
+            <a:off x="566670" y="1694329"/>
+            <a:ext cx="11050073" cy="4590561"/>
+          </a:xfrm>
+          <a:prstGeom prst="rect">
+            <a:avLst/>
+          </a:prstGeom>
+          <a:noFill/>
+          <a:ln w="28575">
+            <a:solidFill>
+              <a:schemeClr val="accent1">
+                <a:lumMod val="20000"/>
+                <a:lumOff val="80000"/>
+              </a:schemeClr>
+            </a:solidFill>
+          </a:ln>
+        </p:spPr>
+        <p:style>
+          <a:lnRef idx="2">
+            <a:schemeClr val="accent1">
+              <a:shade val="50000"/>
+            </a:schemeClr>
+          </a:lnRef>
+          <a:fillRef idx="1">
+            <a:schemeClr val="accent1"/>
+          </a:fillRef>
+          <a:effectRef idx="0">
+            <a:schemeClr val="accent1"/>
+          </a:effectRef>
+          <a:fontRef idx="minor">
+            <a:schemeClr val="lt1"/>
+          </a:fontRef>
+        </p:style>
+        <p:txBody>
+          <a:bodyPr rtlCol="0" anchor="ctr"/>
+          <a:lstStyle/>
+          <a:p>
+            <a:pPr algn="ctr"/>
+            <a:endParaRPr lang="pt-BR"/>
+          </a:p>
+        </p:txBody>
+      </p:sp>
+      <p:sp>
+        <p:nvSpPr>
+          <p:cNvPr id="11" name="Título 1"/>
+          <p:cNvSpPr>
+            <a:spLocks noGrp="1"/>
+          </p:cNvSpPr>
+          <p:nvPr>
+            <p:ph type="title"/>
+          </p:nvPr>
+        </p:nvSpPr>
+        <p:spPr>
+          <a:xfrm>
+            <a:off x="3730222" y="1276729"/>
+            <a:ext cx="4291200" cy="835200"/>
+          </a:xfrm>
+          <a:prstGeom prst="flowChartAlternateProcess">
+            <a:avLst/>
+          </a:prstGeom>
+          <a:solidFill>
+            <a:schemeClr val="accent1">
+              <a:lumMod val="20000"/>
+              <a:lumOff val="80000"/>
+            </a:schemeClr>
+          </a:solidFill>
+        </p:spPr>
+        <p:txBody>
+          <a:bodyPr>
+            <a:normAutofit/>
+          </a:bodyPr>
+          <a:lstStyle/>
+          <a:p>
+            <a:pPr algn="ctr"/>
+            <a:r>
+              <a:rPr lang="pt-BR" sz="4000" dirty="0" smtClean="0">
+                <a:latin typeface="Rockwell Condensed" panose="02060603050405020104" pitchFamily="18" charset="0"/>
+                <a:cs typeface="Times New Roman" panose="02020603050405020304" pitchFamily="18" charset="0"/>
+              </a:rPr>
+              <a:t>REFERÊNCIAS</a:t>
+            </a:r>
+            <a:endParaRPr lang="pt-BR" sz="4000" dirty="0">
+              <a:latin typeface="Rockwell Condensed" panose="02060603050405020104" pitchFamily="18" charset="0"/>
+              <a:cs typeface="Times New Roman" panose="02020603050405020304" pitchFamily="18" charset="0"/>
+            </a:endParaRPr>
+          </a:p>
+        </p:txBody>
+      </p:sp>
+      <p:sp>
+        <p:nvSpPr>
+          <p:cNvPr id="7" name="Retângulo 6"/>
+          <p:cNvSpPr/>
+          <p:nvPr/>
+        </p:nvSpPr>
+        <p:spPr>
+          <a:xfrm>
+            <a:off x="679269" y="2096142"/>
+            <a:ext cx="10724605" cy="4893647"/>
+          </a:xfrm>
+          <a:prstGeom prst="rect">
+            <a:avLst/>
+          </a:prstGeom>
+        </p:spPr>
+        <p:txBody>
+          <a:bodyPr wrap="square">
+            <a:spAutoFit/>
+          </a:bodyPr>
+          <a:lstStyle/>
+          <a:p>
+            <a:pPr marL="109728" algn="just"/>
+            <a:r>
+              <a:rPr lang="pt-BR" sz="2000" dirty="0" smtClean="0">
+                <a:latin typeface="Rockwell Condensed" panose="02060603050405020104" pitchFamily="18" charset="0"/>
+              </a:rPr>
+              <a:t>[1] </a:t>
+            </a:r>
+            <a:r>
+              <a:rPr lang="pt-BR" sz="2000" dirty="0">
+                <a:latin typeface="Rockwell Condensed" panose="02060603050405020104" pitchFamily="18" charset="0"/>
+              </a:rPr>
+              <a:t>FERRAZ, Reinaldo. Internet das Coisas. 11ª Mostra de Iniciação Científica Júnior, 2016</a:t>
+            </a:r>
+            <a:r>
+              <a:rPr lang="pt-BR" sz="2000" dirty="0" smtClean="0">
+                <a:latin typeface="Rockwell Condensed" panose="02060603050405020104" pitchFamily="18" charset="0"/>
+              </a:rPr>
+              <a:t>.</a:t>
+            </a:r>
+          </a:p>
+          <a:p>
+            <a:pPr marL="109728" algn="just"/>
+            <a:endParaRPr lang="pt-BR" sz="2000" dirty="0" smtClean="0">
+              <a:latin typeface="Rockwell Condensed" panose="02060603050405020104" pitchFamily="18" charset="0"/>
+            </a:endParaRPr>
+          </a:p>
+          <a:p>
+            <a:pPr marL="109728" algn="just"/>
+            <a:r>
+              <a:rPr lang="pt-BR" sz="2000" dirty="0" smtClean="0">
+                <a:latin typeface="Rockwell Condensed" panose="02060603050405020104" pitchFamily="18" charset="0"/>
+              </a:rPr>
+              <a:t>[2] Seu Condomínio. </a:t>
+            </a:r>
+            <a:r>
+              <a:rPr lang="pt-BR" sz="2000" dirty="0">
+                <a:latin typeface="Rockwell Condensed" panose="02060603050405020104" pitchFamily="18" charset="0"/>
+              </a:rPr>
+              <a:t>Disponível em: &lt;https://www.seucondominio.com.br/noticias/sistemas-controle&gt;. </a:t>
+            </a:r>
+            <a:r>
+              <a:rPr lang="pt-BR" sz="2000" dirty="0" smtClean="0">
+                <a:latin typeface="Rockwell Condensed" panose="02060603050405020104" pitchFamily="18" charset="0"/>
+              </a:rPr>
+              <a:t>Acesso em: Fevereiro de 2018.</a:t>
+            </a:r>
+          </a:p>
+          <a:p>
+            <a:pPr marL="109728" algn="just"/>
+            <a:endParaRPr lang="pt-BR" sz="2000" dirty="0" smtClean="0">
+              <a:latin typeface="Rockwell Condensed" panose="02060603050405020104" pitchFamily="18" charset="0"/>
+            </a:endParaRPr>
+          </a:p>
+          <a:p>
+            <a:pPr marL="109728" algn="just"/>
+            <a:r>
+              <a:rPr lang="pt-BR" sz="2000" dirty="0" smtClean="0">
+                <a:latin typeface="Rockwell Condensed" panose="02060603050405020104" pitchFamily="18" charset="0"/>
+              </a:rPr>
+              <a:t>[3] </a:t>
+            </a:r>
+            <a:r>
+              <a:rPr lang="pt-BR" sz="2000" dirty="0">
+                <a:latin typeface="Rockwell Condensed" panose="02060603050405020104" pitchFamily="18" charset="0"/>
+              </a:rPr>
+              <a:t>CRUZ, Ariadne Arrais; LISBOA, Emerson Fausto. </a:t>
+            </a:r>
+            <a:r>
+              <a:rPr lang="pt-BR" sz="2000" dirty="0" err="1" smtClean="0">
+                <a:latin typeface="Rockwell Condensed" panose="02060603050405020104" pitchFamily="18" charset="0"/>
+              </a:rPr>
+              <a:t>Webhome</a:t>
+            </a:r>
+            <a:r>
+              <a:rPr lang="pt-BR" sz="2000" dirty="0" smtClean="0">
+                <a:latin typeface="Rockwell Condensed" panose="02060603050405020104" pitchFamily="18" charset="0"/>
+              </a:rPr>
+              <a:t>-automação </a:t>
+            </a:r>
+            <a:r>
+              <a:rPr lang="pt-BR" sz="2000" dirty="0">
+                <a:latin typeface="Rockwell Condensed" panose="02060603050405020104" pitchFamily="18" charset="0"/>
+              </a:rPr>
+              <a:t>residencial utilizando </a:t>
+            </a:r>
+            <a:r>
+              <a:rPr lang="pt-BR" sz="2000" dirty="0" err="1">
+                <a:latin typeface="Rockwell Condensed" panose="02060603050405020104" pitchFamily="18" charset="0"/>
+              </a:rPr>
+              <a:t>raspberry</a:t>
+            </a:r>
+            <a:r>
+              <a:rPr lang="pt-BR" sz="2000" dirty="0">
+                <a:latin typeface="Rockwell Condensed" panose="02060603050405020104" pitchFamily="18" charset="0"/>
+              </a:rPr>
+              <a:t> </a:t>
+            </a:r>
+            <a:r>
+              <a:rPr lang="pt-BR" sz="2000" dirty="0" err="1">
+                <a:latin typeface="Rockwell Condensed" panose="02060603050405020104" pitchFamily="18" charset="0"/>
+              </a:rPr>
+              <a:t>pi</a:t>
+            </a:r>
+            <a:r>
+              <a:rPr lang="pt-BR" sz="2000" dirty="0">
+                <a:latin typeface="Rockwell Condensed" panose="02060603050405020104" pitchFamily="18" charset="0"/>
+              </a:rPr>
+              <a:t>. Revista Ciência e Tecnologia, v. 17, n. 31, 2014</a:t>
+            </a:r>
+            <a:r>
+              <a:rPr lang="pt-BR" sz="2000" dirty="0" smtClean="0">
+                <a:latin typeface="Rockwell Condensed" panose="02060603050405020104" pitchFamily="18" charset="0"/>
+              </a:rPr>
+              <a:t>.</a:t>
+            </a:r>
+          </a:p>
+          <a:p>
+            <a:pPr marL="109728" algn="just"/>
+            <a:endParaRPr lang="pt-BR" sz="2000" dirty="0" smtClean="0">
+              <a:latin typeface="Rockwell Condensed" panose="02060603050405020104" pitchFamily="18" charset="0"/>
+            </a:endParaRPr>
+          </a:p>
+          <a:p>
+            <a:pPr marL="109728" algn="just"/>
+            <a:r>
+              <a:rPr lang="pt-BR" sz="2000" dirty="0" smtClean="0">
+                <a:latin typeface="Rockwell Condensed" panose="02060603050405020104" pitchFamily="18" charset="0"/>
+              </a:rPr>
+              <a:t>[4] </a:t>
+            </a:r>
+            <a:r>
+              <a:rPr lang="pt-BR" sz="2000" dirty="0" err="1" smtClean="0">
+                <a:latin typeface="Rockwell Condensed" panose="02060603050405020104" pitchFamily="18" charset="0"/>
+              </a:rPr>
+              <a:t>Hobbytronics</a:t>
+            </a:r>
+            <a:r>
+              <a:rPr lang="pt-BR" sz="2000" dirty="0" smtClean="0">
+                <a:latin typeface="Rockwell Condensed" panose="02060603050405020104" pitchFamily="18" charset="0"/>
+              </a:rPr>
+              <a:t>. Disponível em: </a:t>
+            </a:r>
+            <a:r>
+              <a:rPr lang="pt-BR" sz="2000" dirty="0">
+                <a:latin typeface="Rockwell Condensed" panose="02060603050405020104" pitchFamily="18" charset="0"/>
+              </a:rPr>
+              <a:t>&lt;https://hobbytronics.com.pk/product/nodemcu/&gt;. </a:t>
+            </a:r>
+            <a:r>
+              <a:rPr lang="pt-BR" sz="2000" dirty="0" smtClean="0">
+                <a:latin typeface="Rockwell Condensed" panose="02060603050405020104" pitchFamily="18" charset="0"/>
+              </a:rPr>
+              <a:t>Acesso em: Fevereiro de 2018.</a:t>
+            </a:r>
+          </a:p>
+          <a:p>
+            <a:pPr marL="109728" algn="just"/>
+            <a:endParaRPr lang="pt-BR" sz="2000" dirty="0" smtClean="0">
+              <a:latin typeface="Rockwell Condensed" panose="02060603050405020104" pitchFamily="18" charset="0"/>
+            </a:endParaRPr>
+          </a:p>
+          <a:p>
+            <a:pPr marL="109728" algn="just"/>
+            <a:r>
+              <a:rPr lang="pt-BR" sz="2000" dirty="0" smtClean="0">
+                <a:latin typeface="Rockwell Condensed" panose="02060603050405020104" pitchFamily="18" charset="0"/>
+              </a:rPr>
+              <a:t>[5] </a:t>
+            </a:r>
+            <a:r>
+              <a:rPr lang="pt-BR" sz="2000" dirty="0" err="1" smtClean="0">
+                <a:latin typeface="Rockwell Condensed" panose="02060603050405020104" pitchFamily="18" charset="0"/>
+              </a:rPr>
+              <a:t>FilipeFlop</a:t>
+            </a:r>
+            <a:r>
+              <a:rPr lang="pt-BR" sz="2000" dirty="0" smtClean="0">
+                <a:latin typeface="Rockwell Condensed" panose="02060603050405020104" pitchFamily="18" charset="0"/>
+              </a:rPr>
+              <a:t> </a:t>
+            </a:r>
+            <a:r>
+              <a:rPr lang="pt-BR" sz="2000" dirty="0">
+                <a:latin typeface="Rockwell Condensed" panose="02060603050405020104" pitchFamily="18" charset="0"/>
+              </a:rPr>
+              <a:t>Disponível em: &lt;https://</a:t>
+            </a:r>
+            <a:r>
+              <a:rPr lang="pt-BR" sz="2000" dirty="0" smtClean="0">
+                <a:latin typeface="Rockwell Condensed" panose="02060603050405020104" pitchFamily="18" charset="0"/>
+              </a:rPr>
+              <a:t>www.filipeflop.com/blog/controle-acesso-leitor-rfid-arduino/&gt;. Acesso em: Fevereiro de 2018.</a:t>
+            </a:r>
+          </a:p>
+          <a:p>
+            <a:pPr marL="109728" algn="just"/>
+            <a:endParaRPr lang="pt-BR" sz="2000" dirty="0" smtClean="0">
+              <a:latin typeface="Rockwell Condensed" panose="02060603050405020104" pitchFamily="18" charset="0"/>
+            </a:endParaRPr>
+          </a:p>
+          <a:p>
+            <a:pPr marL="109728" algn="just"/>
+            <a:endParaRPr lang="pt-BR" sz="2400" dirty="0" smtClean="0">
+              <a:latin typeface="Rockwell Condensed" panose="02060603050405020104" pitchFamily="18" charset="0"/>
+            </a:endParaRPr>
+          </a:p>
+          <a:p>
+            <a:pPr marL="109728" indent="0" algn="ctr">
+              <a:buNone/>
+            </a:pPr>
+            <a:endParaRPr lang="pt-BR" sz="2800" dirty="0" smtClean="0">
+              <a:latin typeface="Rockwell Condensed" panose="02060603050405020104" pitchFamily="18" charset="0"/>
+            </a:endParaRPr>
+          </a:p>
+        </p:txBody>
+      </p:sp>
+      <p:sp>
+        <p:nvSpPr>
+          <p:cNvPr id="2" name="Rectangle 4"/>
+          <p:cNvSpPr>
+            <a:spLocks noChangeArrowheads="1"/>
+          </p:cNvSpPr>
+          <p:nvPr/>
+        </p:nvSpPr>
+        <p:spPr bwMode="auto">
+          <a:xfrm>
+            <a:off x="0" y="0"/>
+            <a:ext cx="12192000" cy="0"/>
+          </a:xfrm>
+          <a:prstGeom prst="rect">
+            <a:avLst/>
+          </a:prstGeom>
+          <a:noFill/>
+          <a:ln>
+            <a:noFill/>
+          </a:ln>
+          <a:effectLst/>
+          <a:extLst>
+            <a:ext uri="{909E8E84-426E-40DD-AFC4-6F175D3DCCD1}">
+              <a14:hiddenFill xmlns:a14="http://schemas.microsoft.com/office/drawing/2010/main">
+                <a:solidFill>
+                  <a:schemeClr val="accent1"/>
+                </a:solidFill>
+              </a14:hiddenFill>
+            </a:ext>
+            <a:ext uri="{91240B29-F687-4F45-9708-019B960494DF}">
+              <a14:hiddenLine xmlns:a14="http://schemas.microsoft.com/office/drawing/2010/main" w="9525">
+                <a:solidFill>
+                  <a:schemeClr val="tx1"/>
+                </a:solidFill>
+                <a:miter lim="800000"/>
+                <a:headEnd/>
+                <a:tailEnd/>
+              </a14:hiddenLine>
+            </a:ext>
+            <a:ext uri="{AF507438-7753-43E0-B8FC-AC1667EBCBE1}">
+              <a14:hiddenEffects xmlns:a14="http://schemas.microsoft.com/office/drawing/2010/main">
+                <a:effectLst>
+                  <a:outerShdw dist="35921" dir="2700000" algn="ctr" rotWithShape="0">
+                    <a:schemeClr val="bg2"/>
+                  </a:outerShdw>
+                </a:effectLst>
+              </a14:hiddenEffects>
+            </a:ext>
+          </a:extLst>
+        </p:spPr>
+        <p:txBody>
+          <a:bodyPr vert="horz" wrap="none" lIns="91440" tIns="45720" rIns="91440" bIns="45720" numCol="1" anchor="ctr" anchorCtr="0" compatLnSpc="1">
+            <a:prstTxWarp prst="textNoShape">
+              <a:avLst/>
+            </a:prstTxWarp>
+            <a:spAutoFit/>
+          </a:bodyPr>
+          <a:lstStyle/>
+          <a:p>
+            <a:endParaRPr lang="pt-BR"/>
+          </a:p>
+        </p:txBody>
+      </p:sp>
+    </p:spTree>
+    <p:extLst>
+      <p:ext uri="{BB962C8B-B14F-4D97-AF65-F5344CB8AC3E}">
+        <p14:creationId xmlns:p14="http://schemas.microsoft.com/office/powerpoint/2010/main" val="251311220"/>
+      </p:ext>
+    </p:extLst>
+  </p:cSld>
+  <p:clrMapOvr>
+    <a:masterClrMapping/>
+  </p:clrMapOvr>
+  <p:timing>
+    <p:tnLst>
+      <p:par>
+        <p:cTn id="1" dur="indefinite" restart="never" nodeType="tmRoot"/>
+      </p:par>
+    </p:tnLst>
+  </p:timing>
+</p:sld>
+</file>
+
+<file path=ppt/slides/slide26.xml><?xml version="1.0" encoding="utf-8"?>
+<p:sld xmlns:a="http://schemas.openxmlformats.org/drawingml/2006/main" xmlns:r="http://schemas.openxmlformats.org/officeDocument/2006/relationships" xmlns:p="http://schemas.openxmlformats.org/presentationml/2006/main">
+  <p:cSld>
+    <p:spTree>
+      <p:nvGrpSpPr>
+        <p:cNvPr id="1" name=""/>
+        <p:cNvGrpSpPr/>
+        <p:nvPr/>
+      </p:nvGrpSpPr>
+      <p:grpSpPr>
+        <a:xfrm>
+          <a:off x="0" y="0"/>
+          <a:ext cx="0" cy="0"/>
+          <a:chOff x="0" y="0"/>
+          <a:chExt cx="0" cy="0"/>
+        </a:xfrm>
+      </p:grpSpPr>
+      <p:sp>
+        <p:nvSpPr>
+          <p:cNvPr id="5" name="Espaço Reservado para Número de Slide 4"/>
+          <p:cNvSpPr>
+            <a:spLocks noGrp="1"/>
+          </p:cNvSpPr>
+          <p:nvPr>
+            <p:ph type="sldNum" sz="quarter" idx="12"/>
+          </p:nvPr>
+        </p:nvSpPr>
+        <p:spPr/>
+        <p:txBody>
+          <a:bodyPr/>
+          <a:lstStyle/>
+          <a:p>
+            <a:fld id="{07E976CE-6A88-4DF5-9FE0-D445D452ABB2}" type="slidenum">
+              <a:rPr lang="pt-BR" smtClean="0"/>
+              <a:t>26</a:t>
             </a:fld>
             <a:endParaRPr lang="pt-BR" dirty="0"/>
           </a:p>
@@ -17367,7 +21445,7 @@
   <a:extraClrSchemeLst/>
   <a:extLst>
     <a:ext uri="{05A4C25C-085E-4340-85A3-A5531E510DB2}">
-      <thm15:themeFamily xmlns="" xmlns:thm15="http://schemas.microsoft.com/office/thememl/2012/main" name="Office Theme" id="{62F939B6-93AF-4DB8-9C6B-D6C7DFDC589F}" vid="{4A3C46E8-61CC-4603-A589-7422A47A8E4A}"/>
+      <thm15:themeFamily xmlns:thm15="http://schemas.microsoft.com/office/thememl/2012/main" xmlns="" name="Office Theme" id="{62F939B6-93AF-4DB8-9C6B-D6C7DFDC589F}" vid="{4A3C46E8-61CC-4603-A589-7422A47A8E4A}"/>
     </a:ext>
   </a:extLst>
 </a:theme>
@@ -17628,7 +21706,7 @@
   <a:extraClrSchemeLst/>
   <a:extLst>
     <a:ext uri="{05A4C25C-085E-4340-85A3-A5531E510DB2}">
-      <thm15:themeFamily xmlns="" xmlns:thm15="http://schemas.microsoft.com/office/thememl/2012/main" name="Office Theme" id="{62F939B6-93AF-4DB8-9C6B-D6C7DFDC589F}" vid="{4A3C46E8-61CC-4603-A589-7422A47A8E4A}"/>
+      <thm15:themeFamily xmlns:thm15="http://schemas.microsoft.com/office/thememl/2012/main" xmlns="" name="Office Theme" id="{62F939B6-93AF-4DB8-9C6B-D6C7DFDC589F}" vid="{4A3C46E8-61CC-4603-A589-7422A47A8E4A}"/>
     </a:ext>
   </a:extLst>
 </a:theme>

--- a/apresentação/Apresentação.pptx
+++ b/apresentação/Apresentação.pptx
@@ -134,7 +134,7 @@
   </p:defaultTextStyle>
   <p:extLst>
     <p:ext uri="{EFAFB233-063F-42B5-8137-9DF3F51BA10A}">
-      <p15:sldGuideLst xmlns:p15="http://schemas.microsoft.com/office/powerpoint/2012/main" xmlns="">
+      <p15:sldGuideLst xmlns="" xmlns:p15="http://schemas.microsoft.com/office/powerpoint/2012/main">
         <p15:guide id="1" orient="horz" pos="2160">
           <p15:clr>
             <a:srgbClr val="A4A3A4"/>
@@ -234,7 +234,7 @@
             <a:fld id="{218263C8-CAE2-452B-807D-4C703AE228A9}" type="datetimeFigureOut">
               <a:rPr lang="pt-BR" smtClean="0"/>
               <a:pPr/>
-              <a:t>02/03/2018</a:t>
+              <a:t>06/03/2018</a:t>
             </a:fld>
             <a:endParaRPr lang="pt-BR"/>
           </a:p>
@@ -720,7 +720,7 @@
             <a:fld id="{1D7B8B0D-CDBB-4942-BC3E-BDC885F34957}" type="datetime1">
               <a:rPr lang="pt-BR" smtClean="0"/>
               <a:pPr/>
-              <a:t>02/03/2018</a:t>
+              <a:t>06/03/2018</a:t>
             </a:fld>
             <a:endParaRPr lang="pt-BR"/>
           </a:p>
@@ -896,7 +896,7 @@
             <a:fld id="{B075492A-4FA5-4A15-91D8-9462636EA097}" type="datetime1">
               <a:rPr lang="pt-BR" smtClean="0"/>
               <a:pPr/>
-              <a:t>02/03/2018</a:t>
+              <a:t>06/03/2018</a:t>
             </a:fld>
             <a:endParaRPr lang="pt-BR"/>
           </a:p>
@@ -1082,7 +1082,7 @@
             <a:fld id="{D7D750F9-D17F-4A3A-B336-82E9E5E36056}" type="datetime1">
               <a:rPr lang="pt-BR" smtClean="0"/>
               <a:pPr/>
-              <a:t>02/03/2018</a:t>
+              <a:t>06/03/2018</a:t>
             </a:fld>
             <a:endParaRPr lang="pt-BR"/>
           </a:p>
@@ -1258,7 +1258,7 @@
             <a:fld id="{F18B65B7-74A1-4119-84DA-90926486EA44}" type="datetime1">
               <a:rPr lang="pt-BR" smtClean="0"/>
               <a:pPr/>
-              <a:t>02/03/2018</a:t>
+              <a:t>06/03/2018</a:t>
             </a:fld>
             <a:endParaRPr lang="pt-BR"/>
           </a:p>
@@ -1540,7 +1540,7 @@
             <a:fld id="{FDD286B5-6D8D-4EA5-8AAB-CDA8C13F810D}" type="datetime1">
               <a:rPr lang="pt-BR" smtClean="0"/>
               <a:pPr/>
-              <a:t>02/03/2018</a:t>
+              <a:t>06/03/2018</a:t>
             </a:fld>
             <a:endParaRPr lang="pt-BR"/>
           </a:p>
@@ -1778,7 +1778,7 @@
             <a:fld id="{BC63E735-0179-41E7-8DC3-74CED378217D}" type="datetime1">
               <a:rPr lang="pt-BR" smtClean="0"/>
               <a:pPr/>
-              <a:t>02/03/2018</a:t>
+              <a:t>06/03/2018</a:t>
             </a:fld>
             <a:endParaRPr lang="pt-BR"/>
           </a:p>
@@ -2151,7 +2151,7 @@
             <a:fld id="{59AA998E-87EE-4A03-B319-74F214514B6B}" type="datetime1">
               <a:rPr lang="pt-BR" smtClean="0"/>
               <a:pPr/>
-              <a:t>02/03/2018</a:t>
+              <a:t>06/03/2018</a:t>
             </a:fld>
             <a:endParaRPr lang="pt-BR"/>
           </a:p>
@@ -2275,7 +2275,7 @@
             <a:fld id="{BEE091FC-907C-4326-AFD0-FCF8C2FCD8C6}" type="datetime1">
               <a:rPr lang="pt-BR" smtClean="0"/>
               <a:pPr/>
-              <a:t>02/03/2018</a:t>
+              <a:t>06/03/2018</a:t>
             </a:fld>
             <a:endParaRPr lang="pt-BR"/>
           </a:p>
@@ -2376,7 +2376,7 @@
             <a:fld id="{88CA3AC6-0146-4B9A-8317-06DA962E26B3}" type="datetime1">
               <a:rPr lang="pt-BR" smtClean="0"/>
               <a:pPr/>
-              <a:t>02/03/2018</a:t>
+              <a:t>06/03/2018</a:t>
             </a:fld>
             <a:endParaRPr lang="pt-BR"/>
           </a:p>
@@ -2659,7 +2659,7 @@
             <a:fld id="{6AA6AB33-8A5F-4EB0-8265-64AD54D2922F}" type="datetime1">
               <a:rPr lang="pt-BR" smtClean="0"/>
               <a:pPr/>
-              <a:t>02/03/2018</a:t>
+              <a:t>06/03/2018</a:t>
             </a:fld>
             <a:endParaRPr lang="pt-BR"/>
           </a:p>
@@ -2918,7 +2918,7 @@
             <a:fld id="{59D83328-E52B-496D-8D9B-1EB9C9BF2321}" type="datetime1">
               <a:rPr lang="pt-BR" smtClean="0"/>
               <a:pPr/>
-              <a:t>02/03/2018</a:t>
+              <a:t>06/03/2018</a:t>
             </a:fld>
             <a:endParaRPr lang="pt-BR"/>
           </a:p>
@@ -3137,7 +3137,7 @@
             <a:fld id="{884AA605-E3A0-4E4E-A893-06E068C17BFB}" type="datetime1">
               <a:rPr lang="pt-BR" smtClean="0"/>
               <a:pPr/>
-              <a:t>02/03/2018</a:t>
+              <a:t>06/03/2018</a:t>
             </a:fld>
             <a:endParaRPr lang="pt-BR"/>
           </a:p>
@@ -8893,52 +8893,18 @@
       </p:sp>
       <p:sp>
         <p:nvSpPr>
-          <p:cNvPr id="8" name="Espaço Reservado para Rodapé 9"/>
-          <p:cNvSpPr>
-            <a:spLocks noGrp="1"/>
-          </p:cNvSpPr>
-          <p:nvPr>
-            <p:ph type="ftr" sz="quarter" idx="11"/>
-          </p:nvPr>
-        </p:nvSpPr>
-        <p:spPr>
-          <a:xfrm>
-            <a:off x="4038600" y="6356350"/>
-            <a:ext cx="4114800" cy="365125"/>
-          </a:xfrm>
-        </p:spPr>
-        <p:txBody>
-          <a:bodyPr/>
-          <a:lstStyle/>
-          <a:p>
-            <a:r>
-              <a:rPr lang="pt-BR" dirty="0" smtClean="0"/>
-              <a:t>Manaus (AM) – Fevereiro de 2018</a:t>
-            </a:r>
-            <a:endParaRPr lang="pt-BR" dirty="0"/>
-          </a:p>
-        </p:txBody>
-      </p:sp>
-      <p:sp>
-        <p:nvSpPr>
-          <p:cNvPr id="10" name="Retângulo 9"/>
+          <p:cNvPr id="2" name="Retângulo 1"/>
           <p:cNvSpPr/>
           <p:nvPr/>
         </p:nvSpPr>
         <p:spPr>
           <a:xfrm>
-            <a:off x="566669" y="1694328"/>
-            <a:ext cx="11050073" cy="4590561"/>
+            <a:off x="5463451" y="2533157"/>
+            <a:ext cx="757253" cy="322118"/>
           </a:xfrm>
           <a:prstGeom prst="rect">
             <a:avLst/>
           </a:prstGeom>
-          <a:noFill/>
-          <a:ln w="28575">
-            <a:solidFill>
-              <a:srgbClr val="7030A0"/>
-            </a:solidFill>
-          </a:ln>
         </p:spPr>
         <p:style>
           <a:lnRef idx="2">
@@ -8961,97 +8927,26 @@
           <a:lstStyle/>
           <a:p>
             <a:pPr algn="ctr"/>
-            <a:endParaRPr lang="pt-BR"/>
-          </a:p>
-        </p:txBody>
-      </p:sp>
-      <p:sp>
-        <p:nvSpPr>
-          <p:cNvPr id="17" name="Retângulo 16"/>
+            <a:r>
+              <a:rPr lang="pt-BR" dirty="0" smtClean="0"/>
+              <a:t>inicio</a:t>
+            </a:r>
+            <a:endParaRPr lang="pt-BR" dirty="0"/>
+          </a:p>
+        </p:txBody>
+      </p:sp>
+      <p:sp>
+        <p:nvSpPr>
+          <p:cNvPr id="3" name="Elipse 2"/>
           <p:cNvSpPr/>
           <p:nvPr/>
         </p:nvSpPr>
         <p:spPr>
           <a:xfrm>
-            <a:off x="1037639" y="1817888"/>
-            <a:ext cx="9990085" cy="1508105"/>
-          </a:xfrm>
-          <a:prstGeom prst="rect">
-            <a:avLst/>
-          </a:prstGeom>
-        </p:spPr>
-        <p:txBody>
-          <a:bodyPr wrap="square">
-            <a:spAutoFit/>
-          </a:bodyPr>
-          <a:lstStyle/>
-          <a:p>
-            <a:pPr marL="109728" algn="ctr"/>
-            <a:r>
-              <a:rPr lang="pt-BR" sz="3200" dirty="0" smtClean="0">
-                <a:solidFill>
-                  <a:srgbClr val="FF0000"/>
-                </a:solidFill>
-                <a:latin typeface="Rockwell Condensed" panose="02060603050405020104" pitchFamily="18" charset="0"/>
-              </a:rPr>
-              <a:t>Fluxograma </a:t>
-            </a:r>
-            <a:r>
-              <a:rPr lang="pt-BR" sz="3200" dirty="0" smtClean="0">
-                <a:solidFill>
-                  <a:srgbClr val="FF0000"/>
-                </a:solidFill>
-                <a:latin typeface="Rockwell Condensed" panose="02060603050405020104" pitchFamily="18" charset="0"/>
-              </a:rPr>
-              <a:t>do código do </a:t>
-            </a:r>
-            <a:r>
-              <a:rPr lang="pt-BR" sz="3200" dirty="0" err="1" smtClean="0">
-                <a:solidFill>
-                  <a:srgbClr val="FF0000"/>
-                </a:solidFill>
-                <a:latin typeface="Rockwell Condensed" panose="02060603050405020104" pitchFamily="18" charset="0"/>
-              </a:rPr>
-              <a:t>NodeMCU</a:t>
-            </a:r>
-            <a:endParaRPr lang="pt-BR" sz="3200" dirty="0">
-              <a:solidFill>
-                <a:srgbClr val="FF0000"/>
-              </a:solidFill>
-              <a:latin typeface="Rockwell Condensed" panose="02060603050405020104" pitchFamily="18" charset="0"/>
-            </a:endParaRPr>
-          </a:p>
-          <a:p>
-            <a:pPr marL="109728" algn="ctr"/>
-            <a:endParaRPr lang="pt-BR" sz="3200" dirty="0">
-              <a:solidFill>
-                <a:srgbClr val="FF0000"/>
-              </a:solidFill>
-              <a:latin typeface="Rockwell Condensed" panose="02060603050405020104" pitchFamily="18" charset="0"/>
-            </a:endParaRPr>
-          </a:p>
-          <a:p>
-            <a:pPr marL="109728" indent="0" algn="ctr">
-              <a:buNone/>
-            </a:pPr>
-            <a:endParaRPr lang="pt-BR" sz="2800" dirty="0" smtClean="0">
-              <a:latin typeface="Rockwell Condensed" panose="02060603050405020104" pitchFamily="18" charset="0"/>
-            </a:endParaRPr>
-          </a:p>
-        </p:txBody>
-      </p:sp>
-      <p:sp>
-        <p:nvSpPr>
-          <p:cNvPr id="2" name="Retângulo 1"/>
-          <p:cNvSpPr/>
-          <p:nvPr/>
-        </p:nvSpPr>
-        <p:spPr>
-          <a:xfrm>
-            <a:off x="3088023" y="2643073"/>
-            <a:ext cx="757253" cy="322118"/>
-          </a:xfrm>
-          <a:prstGeom prst="rect">
+            <a:off x="5738167" y="3104557"/>
+            <a:ext cx="213655" cy="238991"/>
+          </a:xfrm>
+          <a:prstGeom prst="ellipse">
             <a:avLst/>
           </a:prstGeom>
         </p:spPr>
@@ -9078,24 +8973,60 @@
             <a:pPr algn="ctr"/>
             <a:r>
               <a:rPr lang="pt-BR" dirty="0" smtClean="0"/>
-              <a:t>inicio</a:t>
+              <a:t>A</a:t>
             </a:r>
             <a:endParaRPr lang="pt-BR" dirty="0"/>
           </a:p>
         </p:txBody>
       </p:sp>
-      <p:sp>
-        <p:nvSpPr>
-          <p:cNvPr id="3" name="Elipse 2"/>
+      <p:cxnSp>
+        <p:nvCxnSpPr>
+          <p:cNvPr id="6" name="Conector de seta reta 5"/>
+          <p:cNvCxnSpPr>
+            <a:stCxn id="2" idx="2"/>
+            <a:endCxn id="3" idx="0"/>
+          </p:cNvCxnSpPr>
+          <p:nvPr/>
+        </p:nvCxnSpPr>
+        <p:spPr>
+          <a:xfrm>
+            <a:off x="5842078" y="2855275"/>
+            <a:ext cx="2917" cy="249282"/>
+          </a:xfrm>
+          <a:prstGeom prst="straightConnector1">
+            <a:avLst/>
+          </a:prstGeom>
+          <a:ln>
+            <a:tailEnd type="arrow"/>
+          </a:ln>
+        </p:spPr>
+        <p:style>
+          <a:lnRef idx="1">
+            <a:schemeClr val="accent1"/>
+          </a:lnRef>
+          <a:fillRef idx="0">
+            <a:schemeClr val="accent1"/>
+          </a:fillRef>
+          <a:effectRef idx="0">
+            <a:schemeClr val="accent1"/>
+          </a:effectRef>
+          <a:fontRef idx="minor">
+            <a:schemeClr val="tx1"/>
+          </a:fontRef>
+        </p:style>
+      </p:cxnSp>
+      <p:sp>
+        <p:nvSpPr>
+          <p:cNvPr id="7" name="Losango 6"/>
           <p:cNvSpPr/>
           <p:nvPr/>
         </p:nvSpPr>
         <p:spPr>
           <a:xfrm>
-            <a:off x="3362739" y="3214473"/>
-            <a:ext cx="213655" cy="238991"/>
-          </a:xfrm>
-          <a:prstGeom prst="ellipse">
+            <a:off x="5181046" y="3563380"/>
+            <a:ext cx="1327897" cy="843045"/>
+          </a:xfrm>
+          <a:prstGeom prst="diamond">
             <a:avLst/>
           </a:prstGeom>
         </p:spPr>
@@ -9121,25 +9052,34 @@
           <a:p>
             <a:pPr algn="ctr"/>
             <a:r>
-              <a:rPr lang="pt-BR" dirty="0"/>
-              <a:t>A</a:t>
-            </a:r>
+              <a:rPr lang="pt-BR" dirty="0" smtClean="0"/>
+              <a:t>Tem </a:t>
+            </a:r>
+            <a:r>
+              <a:rPr lang="pt-BR" dirty="0" err="1" smtClean="0"/>
+              <a:t>tag</a:t>
+            </a:r>
+            <a:r>
+              <a:rPr lang="pt-BR" dirty="0" smtClean="0"/>
+              <a:t>?</a:t>
+            </a:r>
+            <a:endParaRPr lang="pt-BR" dirty="0"/>
           </a:p>
         </p:txBody>
       </p:sp>
       <p:cxnSp>
         <p:nvCxnSpPr>
-          <p:cNvPr id="6" name="Conector de seta reta 5"/>
+          <p:cNvPr id="14" name="Conector de seta reta 13"/>
           <p:cNvCxnSpPr>
-            <a:stCxn id="2" idx="2"/>
-            <a:endCxn id="3" idx="0"/>
+            <a:stCxn id="3" idx="4"/>
+            <a:endCxn id="7" idx="0"/>
           </p:cNvCxnSpPr>
           <p:nvPr/>
         </p:nvCxnSpPr>
         <p:spPr>
           <a:xfrm>
-            <a:off x="3466650" y="2965191"/>
-            <a:ext cx="2917" cy="249282"/>
+            <a:off x="5844995" y="3343548"/>
+            <a:ext cx="0" cy="219832"/>
           </a:xfrm>
           <a:prstGeom prst="straightConnector1">
             <a:avLst/>
@@ -9165,14 +9105,111 @@
       </p:cxnSp>
       <p:sp>
         <p:nvSpPr>
-          <p:cNvPr id="7" name="Losango 6"/>
+          <p:cNvPr id="21" name="CaixaDeTexto 20"/>
+          <p:cNvSpPr txBox="1"/>
+          <p:nvPr/>
+        </p:nvSpPr>
+        <p:spPr>
+          <a:xfrm>
+            <a:off x="6442730" y="3578155"/>
+            <a:ext cx="333746" cy="369332"/>
+          </a:xfrm>
+          <a:prstGeom prst="rect">
+            <a:avLst/>
+          </a:prstGeom>
+          <a:noFill/>
+        </p:spPr>
+        <p:txBody>
+          <a:bodyPr wrap="none" rtlCol="0">
+            <a:spAutoFit/>
+          </a:bodyPr>
+          <a:lstStyle/>
+          <a:p>
+            <a:r>
+              <a:rPr lang="pt-BR" dirty="0" smtClean="0"/>
+              <a:t>N</a:t>
+            </a:r>
+            <a:endParaRPr lang="pt-BR" dirty="0"/>
+          </a:p>
+        </p:txBody>
+      </p:sp>
+      <p:cxnSp>
+        <p:nvCxnSpPr>
+          <p:cNvPr id="23" name="Conector angulado 22"/>
+          <p:cNvCxnSpPr>
+            <a:stCxn id="7" idx="3"/>
+            <a:endCxn id="3" idx="6"/>
+          </p:cNvCxnSpPr>
+          <p:nvPr/>
+        </p:nvCxnSpPr>
+        <p:spPr>
+          <a:xfrm flipH="1" flipV="1">
+            <a:off x="5951822" y="3224053"/>
+            <a:ext cx="557121" cy="760850"/>
+          </a:xfrm>
+          <a:prstGeom prst="bentConnector3">
+            <a:avLst>
+              <a:gd name="adj1" fmla="val -41032"/>
+            </a:avLst>
+          </a:prstGeom>
+          <a:ln>
+            <a:tailEnd type="arrow"/>
+          </a:ln>
+        </p:spPr>
+        <p:style>
+          <a:lnRef idx="1">
+            <a:schemeClr val="accent1"/>
+          </a:lnRef>
+          <a:fillRef idx="0">
+            <a:schemeClr val="accent1"/>
+          </a:fillRef>
+          <a:effectRef idx="0">
+            <a:schemeClr val="accent1"/>
+          </a:effectRef>
+          <a:fontRef idx="minor">
+            <a:schemeClr val="tx1"/>
+          </a:fontRef>
+        </p:style>
+      </p:cxnSp>
+      <p:sp>
+        <p:nvSpPr>
+          <p:cNvPr id="27" name="CaixaDeTexto 26"/>
+          <p:cNvSpPr txBox="1"/>
+          <p:nvPr/>
+        </p:nvSpPr>
+        <p:spPr>
+          <a:xfrm>
+            <a:off x="6075472" y="4295059"/>
+            <a:ext cx="290464" cy="369332"/>
+          </a:xfrm>
+          <a:prstGeom prst="rect">
+            <a:avLst/>
+          </a:prstGeom>
+          <a:noFill/>
+        </p:spPr>
+        <p:txBody>
+          <a:bodyPr wrap="none" rtlCol="0">
+            <a:spAutoFit/>
+          </a:bodyPr>
+          <a:lstStyle/>
+          <a:p>
+            <a:r>
+              <a:rPr lang="pt-BR" dirty="0"/>
+              <a:t>S</a:t>
+            </a:r>
+          </a:p>
+        </p:txBody>
+      </p:sp>
+      <p:sp>
+        <p:nvSpPr>
+          <p:cNvPr id="28" name="Losango 27"/>
           <p:cNvSpPr/>
           <p:nvPr/>
         </p:nvSpPr>
         <p:spPr>
           <a:xfrm>
-            <a:off x="2805618" y="3673296"/>
-            <a:ext cx="1327897" cy="843045"/>
+            <a:off x="5094692" y="4589641"/>
+            <a:ext cx="1494770" cy="843045"/>
           </a:xfrm>
           <a:prstGeom prst="diamond">
             <a:avLst/>
@@ -9201,191 +9238,6 @@
             <a:pPr algn="ctr"/>
             <a:r>
               <a:rPr lang="pt-BR" dirty="0" smtClean="0"/>
-              <a:t>Tem </a:t>
-            </a:r>
-            <a:r>
-              <a:rPr lang="pt-BR" dirty="0" err="1" smtClean="0"/>
-              <a:t>tag</a:t>
-            </a:r>
-            <a:r>
-              <a:rPr lang="pt-BR" dirty="0" smtClean="0"/>
-              <a:t>?</a:t>
-            </a:r>
-            <a:endParaRPr lang="pt-BR" dirty="0"/>
-          </a:p>
-        </p:txBody>
-      </p:sp>
-      <p:cxnSp>
-        <p:nvCxnSpPr>
-          <p:cNvPr id="14" name="Conector de seta reta 13"/>
-          <p:cNvCxnSpPr>
-            <a:stCxn id="3" idx="4"/>
-            <a:endCxn id="7" idx="0"/>
-          </p:cNvCxnSpPr>
-          <p:nvPr/>
-        </p:nvCxnSpPr>
-        <p:spPr>
-          <a:xfrm>
-            <a:off x="3469567" y="3453464"/>
-            <a:ext cx="0" cy="219832"/>
-          </a:xfrm>
-          <a:prstGeom prst="straightConnector1">
-            <a:avLst/>
-          </a:prstGeom>
-          <a:ln>
-            <a:tailEnd type="arrow"/>
-          </a:ln>
-        </p:spPr>
-        <p:style>
-          <a:lnRef idx="1">
-            <a:schemeClr val="accent1"/>
-          </a:lnRef>
-          <a:fillRef idx="0">
-            <a:schemeClr val="accent1"/>
-          </a:fillRef>
-          <a:effectRef idx="0">
-            <a:schemeClr val="accent1"/>
-          </a:effectRef>
-          <a:fontRef idx="minor">
-            <a:schemeClr val="tx1"/>
-          </a:fontRef>
-        </p:style>
-      </p:cxnSp>
-      <p:sp>
-        <p:nvSpPr>
-          <p:cNvPr id="21" name="CaixaDeTexto 20"/>
-          <p:cNvSpPr txBox="1"/>
-          <p:nvPr/>
-        </p:nvSpPr>
-        <p:spPr>
-          <a:xfrm>
-            <a:off x="4133515" y="3688071"/>
-            <a:ext cx="333746" cy="369332"/>
-          </a:xfrm>
-          <a:prstGeom prst="rect">
-            <a:avLst/>
-          </a:prstGeom>
-          <a:noFill/>
-        </p:spPr>
-        <p:txBody>
-          <a:bodyPr wrap="none" rtlCol="0">
-            <a:spAutoFit/>
-          </a:bodyPr>
-          <a:lstStyle/>
-          <a:p>
-            <a:r>
-              <a:rPr lang="pt-BR" dirty="0" smtClean="0"/>
-              <a:t>N</a:t>
-            </a:r>
-            <a:endParaRPr lang="pt-BR" dirty="0"/>
-          </a:p>
-        </p:txBody>
-      </p:sp>
-      <p:cxnSp>
-        <p:nvCxnSpPr>
-          <p:cNvPr id="23" name="Conector angulado 22"/>
-          <p:cNvCxnSpPr>
-            <a:stCxn id="7" idx="3"/>
-            <a:endCxn id="3" idx="6"/>
-          </p:cNvCxnSpPr>
-          <p:nvPr/>
-        </p:nvCxnSpPr>
-        <p:spPr>
-          <a:xfrm flipH="1" flipV="1">
-            <a:off x="3576394" y="3333969"/>
-            <a:ext cx="557121" cy="760850"/>
-          </a:xfrm>
-          <a:prstGeom prst="bentConnector3">
-            <a:avLst>
-              <a:gd name="adj1" fmla="val -54088"/>
-            </a:avLst>
-          </a:prstGeom>
-          <a:ln>
-            <a:tailEnd type="arrow"/>
-          </a:ln>
-        </p:spPr>
-        <p:style>
-          <a:lnRef idx="1">
-            <a:schemeClr val="accent1"/>
-          </a:lnRef>
-          <a:fillRef idx="0">
-            <a:schemeClr val="accent1"/>
-          </a:fillRef>
-          <a:effectRef idx="0">
-            <a:schemeClr val="accent1"/>
-          </a:effectRef>
-          <a:fontRef idx="minor">
-            <a:schemeClr val="tx1"/>
-          </a:fontRef>
-        </p:style>
-      </p:cxnSp>
-      <p:sp>
-        <p:nvSpPr>
-          <p:cNvPr id="27" name="CaixaDeTexto 26"/>
-          <p:cNvSpPr txBox="1"/>
-          <p:nvPr/>
-        </p:nvSpPr>
-        <p:spPr>
-          <a:xfrm>
-            <a:off x="3700044" y="4404975"/>
-            <a:ext cx="290464" cy="369332"/>
-          </a:xfrm>
-          <a:prstGeom prst="rect">
-            <a:avLst/>
-          </a:prstGeom>
-          <a:noFill/>
-        </p:spPr>
-        <p:txBody>
-          <a:bodyPr wrap="none" rtlCol="0">
-            <a:spAutoFit/>
-          </a:bodyPr>
-          <a:lstStyle/>
-          <a:p>
-            <a:r>
-              <a:rPr lang="pt-BR" dirty="0"/>
-              <a:t>S</a:t>
-            </a:r>
-          </a:p>
-        </p:txBody>
-      </p:sp>
-      <p:sp>
-        <p:nvSpPr>
-          <p:cNvPr id="28" name="Losango 27"/>
-          <p:cNvSpPr/>
-          <p:nvPr/>
-        </p:nvSpPr>
-        <p:spPr>
-          <a:xfrm>
-            <a:off x="2719264" y="4699557"/>
-            <a:ext cx="1494770" cy="843045"/>
-          </a:xfrm>
-          <a:prstGeom prst="diamond">
-            <a:avLst/>
-          </a:prstGeom>
-        </p:spPr>
-        <p:style>
-          <a:lnRef idx="2">
-            <a:schemeClr val="accent1">
-              <a:shade val="50000"/>
-            </a:schemeClr>
-          </a:lnRef>
-          <a:fillRef idx="1">
-            <a:schemeClr val="accent1"/>
-          </a:fillRef>
-          <a:effectRef idx="0">
-            <a:schemeClr val="accent1"/>
-          </a:effectRef>
-          <a:fontRef idx="minor">
-            <a:schemeClr val="lt1"/>
-          </a:fontRef>
-        </p:style>
-        <p:txBody>
-          <a:bodyPr rtlCol="0" anchor="ctr"/>
-          <a:lstStyle/>
-          <a:p>
-            <a:pPr algn="ctr"/>
-            <a:r>
-              <a:rPr lang="pt-BR" dirty="0" smtClean="0"/>
               <a:t>Tem rede?</a:t>
             </a:r>
             <a:endParaRPr lang="pt-BR" dirty="0"/>
@@ -9402,7 +9254,7 @@
         </p:nvCxnSpPr>
         <p:spPr>
           <a:xfrm flipH="1">
-            <a:off x="3466649" y="4479725"/>
+            <a:off x="5842077" y="4369809"/>
             <a:ext cx="4818" cy="219832"/>
           </a:xfrm>
           <a:prstGeom prst="straightConnector1">
@@ -9430,13 +9282,16 @@
       <p:cxnSp>
         <p:nvCxnSpPr>
           <p:cNvPr id="30" name="Conector de seta reta 29"/>
-          <p:cNvCxnSpPr/>
+          <p:cNvCxnSpPr>
+            <a:stCxn id="28" idx="3"/>
+            <a:endCxn id="87" idx="1"/>
+          </p:cNvCxnSpPr>
           <p:nvPr/>
         </p:nvCxnSpPr>
         <p:spPr>
           <a:xfrm>
-            <a:off x="4133515" y="5121644"/>
-            <a:ext cx="333746" cy="0"/>
+            <a:off x="6589462" y="5011164"/>
+            <a:ext cx="1235714" cy="0"/>
           </a:xfrm>
           <a:prstGeom prst="straightConnector1">
             <a:avLst/>
@@ -9468,7 +9323,7 @@
         </p:nvSpPr>
         <p:spPr>
           <a:xfrm>
-            <a:off x="4237213" y="4699557"/>
+            <a:off x="6612641" y="4589641"/>
             <a:ext cx="333746" cy="369332"/>
           </a:xfrm>
           <a:prstGeom prst="rect">
@@ -9492,16 +9347,16 @@
       </p:sp>
       <p:sp>
         <p:nvSpPr>
-          <p:cNvPr id="38" name="Losango 37"/>
+          <p:cNvPr id="53" name="Retângulo 52"/>
           <p:cNvSpPr/>
           <p:nvPr/>
         </p:nvSpPr>
         <p:spPr>
           <a:xfrm>
-            <a:off x="4467260" y="4709350"/>
-            <a:ext cx="1528295" cy="843045"/>
-          </a:xfrm>
-          <a:prstGeom prst="diamond">
+            <a:off x="4444325" y="5576034"/>
+            <a:ext cx="2805139" cy="711478"/>
+          </a:xfrm>
+          <a:prstGeom prst="rect">
             <a:avLst/>
           </a:prstGeom>
         </p:spPr>
@@ -9528,30 +9383,95 @@
             <a:pPr algn="ctr"/>
             <a:r>
               <a:rPr lang="pt-BR" dirty="0" smtClean="0"/>
-              <a:t>É o </a:t>
+              <a:t>Envia a </a:t>
             </a:r>
             <a:r>
               <a:rPr lang="pt-BR" dirty="0" err="1" smtClean="0"/>
-              <a:t>Adm</a:t>
+              <a:t>tag</a:t>
             </a:r>
             <a:r>
               <a:rPr lang="pt-BR" dirty="0" smtClean="0"/>
-              <a:t>?</a:t>
+              <a:t> para o servidor.</a:t>
             </a:r>
             <a:endParaRPr lang="pt-BR" dirty="0"/>
           </a:p>
         </p:txBody>
       </p:sp>
-      <p:sp>
-        <p:nvSpPr>
-          <p:cNvPr id="5123" name="Retângulo 5122"/>
+      <p:cxnSp>
+        <p:nvCxnSpPr>
+          <p:cNvPr id="67" name="Conector angulado 66"/>
+          <p:cNvCxnSpPr>
+            <a:stCxn id="130" idx="0"/>
+            <a:endCxn id="3" idx="2"/>
+          </p:cNvCxnSpPr>
+          <p:nvPr/>
+        </p:nvCxnSpPr>
+        <p:spPr>
+          <a:xfrm rot="5400000" flipH="1" flipV="1">
+            <a:off x="4792556" y="2525573"/>
+            <a:ext cx="247131" cy="1644092"/>
+          </a:xfrm>
+          <a:prstGeom prst="bentConnector2">
+            <a:avLst/>
+          </a:prstGeom>
+          <a:ln>
+            <a:tailEnd type="arrow"/>
+          </a:ln>
+        </p:spPr>
+        <p:style>
+          <a:lnRef idx="1">
+            <a:schemeClr val="accent1"/>
+          </a:lnRef>
+          <a:fillRef idx="0">
+            <a:schemeClr val="accent1"/>
+          </a:fillRef>
+          <a:effectRef idx="0">
+            <a:schemeClr val="accent1"/>
+          </a:effectRef>
+          <a:fontRef idx="minor">
+            <a:schemeClr val="tx1"/>
+          </a:fontRef>
+        </p:style>
+      </p:cxnSp>
+      <p:sp>
+        <p:nvSpPr>
+          <p:cNvPr id="83" name="CaixaDeTexto 82"/>
+          <p:cNvSpPr txBox="1"/>
+          <p:nvPr/>
+        </p:nvSpPr>
+        <p:spPr>
+          <a:xfrm>
+            <a:off x="6113335" y="5244454"/>
+            <a:ext cx="290464" cy="369332"/>
+          </a:xfrm>
+          <a:prstGeom prst="rect">
+            <a:avLst/>
+          </a:prstGeom>
+          <a:noFill/>
+        </p:spPr>
+        <p:txBody>
+          <a:bodyPr wrap="none" rtlCol="0">
+            <a:spAutoFit/>
+          </a:bodyPr>
+          <a:lstStyle/>
+          <a:p>
+            <a:r>
+              <a:rPr lang="pt-BR" dirty="0"/>
+              <a:t>S</a:t>
+            </a:r>
+          </a:p>
+        </p:txBody>
+      </p:sp>
+      <p:sp>
+        <p:nvSpPr>
+          <p:cNvPr id="87" name="Retângulo 86"/>
           <p:cNvSpPr/>
           <p:nvPr/>
         </p:nvSpPr>
         <p:spPr>
           <a:xfrm>
-            <a:off x="4404087" y="5829300"/>
-            <a:ext cx="1687618" cy="290945"/>
+            <a:off x="7825176" y="4648098"/>
+            <a:ext cx="1687618" cy="726132"/>
           </a:xfrm>
           <a:prstGeom prst="rect">
             <a:avLst/>
@@ -9580,7 +9500,67 @@
             <a:pPr algn="ctr"/>
             <a:r>
               <a:rPr lang="pt-BR" dirty="0" smtClean="0"/>
-              <a:t>Modo PGM</a:t>
+              <a:t>Erro ao enviar a </a:t>
+            </a:r>
+            <a:r>
+              <a:rPr lang="pt-BR" dirty="0" err="1" smtClean="0"/>
+              <a:t>tag</a:t>
+            </a:r>
+            <a:r>
+              <a:rPr lang="pt-BR" dirty="0" smtClean="0"/>
+              <a:t> para o servidor</a:t>
+            </a:r>
+            <a:endParaRPr lang="pt-BR" dirty="0"/>
+          </a:p>
+        </p:txBody>
+      </p:sp>
+      <p:sp>
+        <p:nvSpPr>
+          <p:cNvPr id="96" name="Retângulo 95"/>
+          <p:cNvSpPr/>
+          <p:nvPr/>
+        </p:nvSpPr>
+        <p:spPr>
+          <a:xfrm>
+            <a:off x="7825176" y="3643325"/>
+            <a:ext cx="1687618" cy="545511"/>
+          </a:xfrm>
+          <a:prstGeom prst="rect">
+            <a:avLst/>
+          </a:prstGeom>
+        </p:spPr>
+        <p:style>
+          <a:lnRef idx="2">
+            <a:schemeClr val="accent1">
+              <a:shade val="50000"/>
+            </a:schemeClr>
+          </a:lnRef>
+          <a:fillRef idx="1">
+            <a:schemeClr val="accent1"/>
+          </a:fillRef>
+          <a:effectRef idx="0">
+            <a:schemeClr val="accent1"/>
+          </a:effectRef>
+          <a:fontRef idx="minor">
+            <a:schemeClr val="lt1"/>
+          </a:fontRef>
+        </p:style>
+        <p:txBody>
+          <a:bodyPr rtlCol="0" anchor="ctr"/>
+          <a:lstStyle/>
+          <a:p>
+            <a:pPr algn="ctr"/>
+            <a:r>
+              <a:rPr lang="pt-BR" dirty="0" smtClean="0"/>
+              <a:t>Acende o </a:t>
+            </a:r>
+            <a:r>
+              <a:rPr lang="pt-BR" dirty="0" err="1" smtClean="0"/>
+              <a:t>led</a:t>
+            </a:r>
+            <a:r>
+              <a:rPr lang="pt-BR" dirty="0" smtClean="0"/>
+              <a:t> vermelho</a:t>
             </a:r>
             <a:endParaRPr lang="pt-BR" dirty="0"/>
           </a:p>
@@ -9588,20 +9568,363 @@
       </p:sp>
       <p:cxnSp>
         <p:nvCxnSpPr>
-          <p:cNvPr id="5125" name="Conector de seta reta 5124"/>
+          <p:cNvPr id="31" name="Conector de seta reta 30"/>
           <p:cNvCxnSpPr>
-            <a:stCxn id="38" idx="2"/>
-            <a:endCxn id="5123" idx="0"/>
+            <a:stCxn id="87" idx="0"/>
+            <a:endCxn id="96" idx="2"/>
           </p:cNvCxnSpPr>
           <p:nvPr/>
         </p:nvCxnSpPr>
         <p:spPr>
-          <a:xfrm>
-            <a:off x="5231408" y="5552395"/>
-            <a:ext cx="16488" cy="276905"/>
+          <a:xfrm flipV="1">
+            <a:off x="8668985" y="4188836"/>
+            <a:ext cx="0" cy="459262"/>
           </a:xfrm>
           <a:prstGeom prst="straightConnector1">
             <a:avLst/>
+          </a:prstGeom>
+          <a:ln>
+            <a:tailEnd type="arrow"/>
+          </a:ln>
+        </p:spPr>
+        <p:style>
+          <a:lnRef idx="1">
+            <a:schemeClr val="accent1"/>
+          </a:lnRef>
+          <a:fillRef idx="0">
+            <a:schemeClr val="accent1"/>
+          </a:fillRef>
+          <a:effectRef idx="0">
+            <a:schemeClr val="accent1"/>
+          </a:effectRef>
+          <a:fontRef idx="minor">
+            <a:schemeClr val="tx1"/>
+          </a:fontRef>
+        </p:style>
+      </p:cxnSp>
+      <p:sp>
+        <p:nvSpPr>
+          <p:cNvPr id="111" name="Elipse 110"/>
+          <p:cNvSpPr/>
+          <p:nvPr/>
+        </p:nvSpPr>
+        <p:spPr>
+          <a:xfrm>
+            <a:off x="8562157" y="3091604"/>
+            <a:ext cx="213655" cy="238991"/>
+          </a:xfrm>
+          <a:prstGeom prst="ellipse">
+            <a:avLst/>
+          </a:prstGeom>
+        </p:spPr>
+        <p:style>
+          <a:lnRef idx="2">
+            <a:schemeClr val="accent1">
+              <a:shade val="50000"/>
+            </a:schemeClr>
+          </a:lnRef>
+          <a:fillRef idx="1">
+            <a:schemeClr val="accent1"/>
+          </a:fillRef>
+          <a:effectRef idx="0">
+            <a:schemeClr val="accent1"/>
+          </a:effectRef>
+          <a:fontRef idx="minor">
+            <a:schemeClr val="lt1"/>
+          </a:fontRef>
+        </p:style>
+        <p:txBody>
+          <a:bodyPr rtlCol="0" anchor="ctr"/>
+          <a:lstStyle/>
+          <a:p>
+            <a:pPr algn="ctr"/>
+            <a:r>
+              <a:rPr lang="pt-BR" dirty="0" smtClean="0"/>
+              <a:t>A</a:t>
+            </a:r>
+            <a:endParaRPr lang="pt-BR" dirty="0"/>
+          </a:p>
+        </p:txBody>
+      </p:sp>
+      <p:cxnSp>
+        <p:nvCxnSpPr>
+          <p:cNvPr id="44" name="Conector de seta reta 43"/>
+          <p:cNvCxnSpPr>
+            <a:stCxn id="96" idx="0"/>
+            <a:endCxn id="111" idx="4"/>
+          </p:cNvCxnSpPr>
+          <p:nvPr/>
+        </p:nvCxnSpPr>
+        <p:spPr>
+          <a:xfrm flipV="1">
+            <a:off x="8668985" y="3330595"/>
+            <a:ext cx="0" cy="312730"/>
+          </a:xfrm>
+          <a:prstGeom prst="straightConnector1">
+            <a:avLst/>
+          </a:prstGeom>
+          <a:ln>
+            <a:tailEnd type="arrow"/>
+          </a:ln>
+        </p:spPr>
+        <p:style>
+          <a:lnRef idx="1">
+            <a:schemeClr val="accent1"/>
+          </a:lnRef>
+          <a:fillRef idx="0">
+            <a:schemeClr val="accent1"/>
+          </a:fillRef>
+          <a:effectRef idx="0">
+            <a:schemeClr val="accent1"/>
+          </a:effectRef>
+          <a:fontRef idx="minor">
+            <a:schemeClr val="tx1"/>
+          </a:fontRef>
+        </p:style>
+      </p:cxnSp>
+      <p:sp>
+        <p:nvSpPr>
+          <p:cNvPr id="130" name="Retângulo 129"/>
+          <p:cNvSpPr/>
+          <p:nvPr/>
+        </p:nvSpPr>
+        <p:spPr>
+          <a:xfrm>
+            <a:off x="3250266" y="3471184"/>
+            <a:ext cx="1687618" cy="545511"/>
+          </a:xfrm>
+          <a:prstGeom prst="rect">
+            <a:avLst/>
+          </a:prstGeom>
+        </p:spPr>
+        <p:style>
+          <a:lnRef idx="2">
+            <a:schemeClr val="accent1">
+              <a:shade val="50000"/>
+            </a:schemeClr>
+          </a:lnRef>
+          <a:fillRef idx="1">
+            <a:schemeClr val="accent1"/>
+          </a:fillRef>
+          <a:effectRef idx="0">
+            <a:schemeClr val="accent1"/>
+          </a:effectRef>
+          <a:fontRef idx="minor">
+            <a:schemeClr val="lt1"/>
+          </a:fontRef>
+        </p:style>
+        <p:txBody>
+          <a:bodyPr rtlCol="0" anchor="ctr"/>
+          <a:lstStyle/>
+          <a:p>
+            <a:pPr algn="ctr"/>
+            <a:r>
+              <a:rPr lang="pt-BR" dirty="0" smtClean="0"/>
+              <a:t>Acende o </a:t>
+            </a:r>
+            <a:r>
+              <a:rPr lang="pt-BR" dirty="0" err="1" smtClean="0"/>
+              <a:t>led</a:t>
+            </a:r>
+            <a:r>
+              <a:rPr lang="pt-BR" dirty="0" smtClean="0"/>
+              <a:t> verde</a:t>
+            </a:r>
+            <a:endParaRPr lang="pt-BR" dirty="0"/>
+          </a:p>
+        </p:txBody>
+      </p:sp>
+      <p:cxnSp>
+        <p:nvCxnSpPr>
+          <p:cNvPr id="101" name="Conector angulado 100"/>
+          <p:cNvCxnSpPr>
+            <a:stCxn id="28" idx="2"/>
+            <a:endCxn id="53" idx="0"/>
+          </p:cNvCxnSpPr>
+          <p:nvPr/>
+        </p:nvCxnSpPr>
+        <p:spPr>
+          <a:xfrm rot="16200000" flipH="1">
+            <a:off x="5772812" y="5501951"/>
+            <a:ext cx="143348" cy="4818"/>
+          </a:xfrm>
+          <a:prstGeom prst="bentConnector3">
+            <a:avLst/>
+          </a:prstGeom>
+          <a:ln>
+            <a:tailEnd type="arrow"/>
+          </a:ln>
+        </p:spPr>
+        <p:style>
+          <a:lnRef idx="1">
+            <a:schemeClr val="accent1"/>
+          </a:lnRef>
+          <a:fillRef idx="0">
+            <a:schemeClr val="accent1"/>
+          </a:fillRef>
+          <a:effectRef idx="0">
+            <a:schemeClr val="accent1"/>
+          </a:effectRef>
+          <a:fontRef idx="minor">
+            <a:schemeClr val="tx1"/>
+          </a:fontRef>
+        </p:style>
+      </p:cxnSp>
+      <p:sp>
+        <p:nvSpPr>
+          <p:cNvPr id="142" name="Losango 141"/>
+          <p:cNvSpPr/>
+          <p:nvPr/>
+        </p:nvSpPr>
+        <p:spPr>
+          <a:xfrm>
+            <a:off x="968558" y="4628199"/>
+            <a:ext cx="3356263" cy="985587"/>
+          </a:xfrm>
+          <a:prstGeom prst="diamond">
+            <a:avLst/>
+          </a:prstGeom>
+        </p:spPr>
+        <p:style>
+          <a:lnRef idx="2">
+            <a:schemeClr val="accent1">
+              <a:shade val="50000"/>
+            </a:schemeClr>
+          </a:lnRef>
+          <a:fillRef idx="1">
+            <a:schemeClr val="accent1"/>
+          </a:fillRef>
+          <a:effectRef idx="0">
+            <a:schemeClr val="accent1"/>
+          </a:effectRef>
+          <a:fontRef idx="minor">
+            <a:schemeClr val="lt1"/>
+          </a:fontRef>
+        </p:style>
+        <p:txBody>
+          <a:bodyPr rtlCol="0" anchor="ctr"/>
+          <a:lstStyle/>
+          <a:p>
+            <a:pPr algn="ctr"/>
+            <a:r>
+              <a:rPr lang="pt-BR" dirty="0" smtClean="0"/>
+              <a:t>Inseriu no banco de dados</a:t>
+            </a:r>
+            <a:r>
+              <a:rPr lang="pt-BR" dirty="0" smtClean="0"/>
+              <a:t>?</a:t>
+            </a:r>
+            <a:endParaRPr lang="pt-BR" dirty="0"/>
+          </a:p>
+        </p:txBody>
+      </p:sp>
+      <p:cxnSp>
+        <p:nvCxnSpPr>
+          <p:cNvPr id="104" name="Conector angulado 103"/>
+          <p:cNvCxnSpPr>
+            <a:stCxn id="53" idx="1"/>
+            <a:endCxn id="142" idx="2"/>
+          </p:cNvCxnSpPr>
+          <p:nvPr/>
+        </p:nvCxnSpPr>
+        <p:spPr>
+          <a:xfrm rot="10800000">
+            <a:off x="2646691" y="5613787"/>
+            <a:ext cx="1797635" cy="317987"/>
+          </a:xfrm>
+          <a:prstGeom prst="bentConnector2">
+            <a:avLst/>
+          </a:prstGeom>
+          <a:ln>
+            <a:tailEnd type="arrow"/>
+          </a:ln>
+        </p:spPr>
+        <p:style>
+          <a:lnRef idx="1">
+            <a:schemeClr val="accent1"/>
+          </a:lnRef>
+          <a:fillRef idx="0">
+            <a:schemeClr val="accent1"/>
+          </a:fillRef>
+          <a:effectRef idx="0">
+            <a:schemeClr val="accent1"/>
+          </a:effectRef>
+          <a:fontRef idx="minor">
+            <a:schemeClr val="tx1"/>
+          </a:fontRef>
+        </p:style>
+      </p:cxnSp>
+      <p:sp>
+        <p:nvSpPr>
+          <p:cNvPr id="150" name="Retângulo 149"/>
+          <p:cNvSpPr/>
+          <p:nvPr/>
+        </p:nvSpPr>
+        <p:spPr>
+          <a:xfrm>
+            <a:off x="735886" y="3463100"/>
+            <a:ext cx="1687618" cy="545511"/>
+          </a:xfrm>
+          <a:prstGeom prst="rect">
+            <a:avLst/>
+          </a:prstGeom>
+        </p:spPr>
+        <p:style>
+          <a:lnRef idx="2">
+            <a:schemeClr val="accent1">
+              <a:shade val="50000"/>
+            </a:schemeClr>
+          </a:lnRef>
+          <a:fillRef idx="1">
+            <a:schemeClr val="accent1"/>
+          </a:fillRef>
+          <a:effectRef idx="0">
+            <a:schemeClr val="accent1"/>
+          </a:effectRef>
+          <a:fontRef idx="minor">
+            <a:schemeClr val="lt1"/>
+          </a:fontRef>
+        </p:style>
+        <p:txBody>
+          <a:bodyPr rtlCol="0" anchor="ctr"/>
+          <a:lstStyle/>
+          <a:p>
+            <a:pPr algn="ctr"/>
+            <a:r>
+              <a:rPr lang="pt-BR" dirty="0" smtClean="0"/>
+              <a:t>Acende o </a:t>
+            </a:r>
+            <a:r>
+              <a:rPr lang="pt-BR" dirty="0" err="1" smtClean="0"/>
+              <a:t>led</a:t>
+            </a:r>
+            <a:r>
+              <a:rPr lang="pt-BR" dirty="0" smtClean="0"/>
+              <a:t> vermelho</a:t>
+            </a:r>
+            <a:endParaRPr lang="pt-BR" dirty="0"/>
+          </a:p>
+        </p:txBody>
+      </p:sp>
+      <p:cxnSp>
+        <p:nvCxnSpPr>
+          <p:cNvPr id="116" name="Conector angulado 115"/>
+          <p:cNvCxnSpPr>
+            <a:stCxn id="142" idx="3"/>
+            <a:endCxn id="130" idx="2"/>
+          </p:cNvCxnSpPr>
+          <p:nvPr/>
+        </p:nvCxnSpPr>
+        <p:spPr>
+          <a:xfrm flipH="1" flipV="1">
+            <a:off x="4094075" y="4016695"/>
+            <a:ext cx="230746" cy="1104298"/>
+          </a:xfrm>
+          <a:prstGeom prst="bentConnector4">
+            <a:avLst>
+              <a:gd name="adj1" fmla="val -99070"/>
+              <a:gd name="adj2" fmla="val 72313"/>
+            </a:avLst>
           </a:prstGeom>
           <a:ln>
             <a:tailEnd type="arrow"/>
@@ -9624,19 +9947,23 @@
       </p:cxnSp>
       <p:cxnSp>
         <p:nvCxnSpPr>
-          <p:cNvPr id="5128" name="Conector angulado 5127"/>
+          <p:cNvPr id="120" name="Conector angulado 119"/>
           <p:cNvCxnSpPr>
-            <a:stCxn id="38" idx="3"/>
+            <a:stCxn id="142" idx="1"/>
+            <a:endCxn id="150" idx="2"/>
           </p:cNvCxnSpPr>
           <p:nvPr/>
         </p:nvCxnSpPr>
         <p:spPr>
-          <a:xfrm flipV="1">
-            <a:off x="5995555" y="4589641"/>
-            <a:ext cx="197427" cy="541232"/>
-          </a:xfrm>
-          <a:prstGeom prst="bentConnector2">
-            <a:avLst/>
+          <a:xfrm rot="10800000" flipH="1">
+            <a:off x="968557" y="4008611"/>
+            <a:ext cx="611137" cy="1112382"/>
+          </a:xfrm>
+          <a:prstGeom prst="bentConnector4">
+            <a:avLst>
+              <a:gd name="adj1" fmla="val -37406"/>
+              <a:gd name="adj2" fmla="val 72150"/>
+            </a:avLst>
           </a:prstGeom>
           <a:ln>
             <a:tailEnd type="arrow"/>
@@ -9659,42 +9986,13 @@
       </p:cxnSp>
       <p:sp>
         <p:nvSpPr>
-          <p:cNvPr id="45" name="CaixaDeTexto 44"/>
-          <p:cNvSpPr txBox="1"/>
-          <p:nvPr/>
-        </p:nvSpPr>
-        <p:spPr>
-          <a:xfrm>
-            <a:off x="5390298" y="5459968"/>
-            <a:ext cx="290464" cy="369332"/>
-          </a:xfrm>
-          <a:prstGeom prst="rect">
-            <a:avLst/>
-          </a:prstGeom>
-          <a:noFill/>
-        </p:spPr>
-        <p:txBody>
-          <a:bodyPr wrap="none" rtlCol="0">
-            <a:spAutoFit/>
-          </a:bodyPr>
-          <a:lstStyle/>
-          <a:p>
-            <a:r>
-              <a:rPr lang="pt-BR" dirty="0"/>
-              <a:t>S</a:t>
-            </a:r>
-          </a:p>
-        </p:txBody>
-      </p:sp>
-      <p:sp>
-        <p:nvSpPr>
-          <p:cNvPr id="46" name="Elipse 45"/>
+          <p:cNvPr id="156" name="Elipse 155"/>
           <p:cNvSpPr/>
           <p:nvPr/>
         </p:nvSpPr>
         <p:spPr>
           <a:xfrm>
-            <a:off x="6383030" y="5855276"/>
+            <a:off x="1472867" y="2974978"/>
             <a:ext cx="213655" cy="238991"/>
           </a:xfrm>
           <a:prstGeom prst="ellipse">
@@ -9722,23 +10020,27 @@
           <a:lstStyle/>
           <a:p>
             <a:pPr algn="ctr"/>
+            <a:r>
+              <a:rPr lang="pt-BR" dirty="0" smtClean="0"/>
+              <a:t>A</a:t>
+            </a:r>
             <a:endParaRPr lang="pt-BR" dirty="0"/>
           </a:p>
         </p:txBody>
       </p:sp>
       <p:cxnSp>
         <p:nvCxnSpPr>
-          <p:cNvPr id="5130" name="Conector de seta reta 5129"/>
+          <p:cNvPr id="123" name="Conector de seta reta 122"/>
           <p:cNvCxnSpPr>
-            <a:stCxn id="5123" idx="3"/>
-            <a:endCxn id="46" idx="2"/>
+            <a:stCxn id="150" idx="0"/>
+            <a:endCxn id="156" idx="4"/>
           </p:cNvCxnSpPr>
           <p:nvPr/>
         </p:nvCxnSpPr>
         <p:spPr>
           <a:xfrm flipV="1">
-            <a:off x="6091705" y="5974772"/>
-            <a:ext cx="291325" cy="1"/>
+            <a:off x="1579695" y="3213969"/>
+            <a:ext cx="0" cy="249131"/>
           </a:xfrm>
           <a:prstGeom prst="straightConnector1">
             <a:avLst/>
@@ -9764,14 +10066,14 @@
       </p:cxnSp>
       <p:sp>
         <p:nvSpPr>
-          <p:cNvPr id="49" name="CaixaDeTexto 48"/>
+          <p:cNvPr id="157" name="CaixaDeTexto 156"/>
           <p:cNvSpPr txBox="1"/>
           <p:nvPr/>
         </p:nvSpPr>
         <p:spPr>
           <a:xfrm>
-            <a:off x="5760522" y="4699557"/>
-            <a:ext cx="333746" cy="369332"/>
+            <a:off x="4153861" y="4628199"/>
+            <a:ext cx="290464" cy="369332"/>
           </a:xfrm>
           <a:prstGeom prst="rect">
             <a:avLst/>
@@ -9785,353 +10087,22 @@
           <a:lstStyle/>
           <a:p>
             <a:r>
-              <a:rPr lang="pt-BR" dirty="0" smtClean="0"/>
-              <a:t>N</a:t>
-            </a:r>
-            <a:endParaRPr lang="pt-BR" dirty="0"/>
-          </a:p>
-        </p:txBody>
-      </p:sp>
-      <p:cxnSp>
-        <p:nvCxnSpPr>
-          <p:cNvPr id="5132" name="Conector angulado 5131"/>
-          <p:cNvCxnSpPr>
-            <a:stCxn id="28" idx="2"/>
-          </p:cNvCxnSpPr>
-          <p:nvPr/>
-        </p:nvCxnSpPr>
-        <p:spPr>
-          <a:xfrm rot="16200000" flipH="1">
-            <a:off x="3325709" y="5683542"/>
-            <a:ext cx="286698" cy="4818"/>
-          </a:xfrm>
-          <a:prstGeom prst="bentConnector3">
-            <a:avLst/>
-          </a:prstGeom>
-          <a:ln>
-            <a:tailEnd type="arrow"/>
-          </a:ln>
-        </p:spPr>
-        <p:style>
-          <a:lnRef idx="1">
-            <a:schemeClr val="accent1"/>
-          </a:lnRef>
-          <a:fillRef idx="0">
-            <a:schemeClr val="accent1"/>
-          </a:fillRef>
-          <a:effectRef idx="0">
-            <a:schemeClr val="accent1"/>
-          </a:effectRef>
-          <a:fontRef idx="minor">
-            <a:schemeClr val="tx1"/>
-          </a:fontRef>
-        </p:style>
-      </p:cxnSp>
-      <p:sp>
-        <p:nvSpPr>
-          <p:cNvPr id="53" name="Retângulo 52"/>
-          <p:cNvSpPr/>
-          <p:nvPr/>
-        </p:nvSpPr>
-        <p:spPr>
-          <a:xfrm>
-            <a:off x="2627658" y="5829298"/>
-            <a:ext cx="1687618" cy="290945"/>
-          </a:xfrm>
-          <a:prstGeom prst="rect">
-            <a:avLst/>
-          </a:prstGeom>
-        </p:spPr>
-        <p:style>
-          <a:lnRef idx="2">
-            <a:schemeClr val="accent1">
-              <a:shade val="50000"/>
-            </a:schemeClr>
-          </a:lnRef>
-          <a:fillRef idx="1">
-            <a:schemeClr val="accent1"/>
-          </a:fillRef>
-          <a:effectRef idx="0">
-            <a:schemeClr val="accent1"/>
-          </a:effectRef>
-          <a:fontRef idx="minor">
-            <a:schemeClr val="lt1"/>
-          </a:fontRef>
-        </p:style>
-        <p:txBody>
-          <a:bodyPr rtlCol="0" anchor="ctr"/>
-          <a:lstStyle/>
-          <a:p>
-            <a:pPr algn="ctr"/>
-            <a:r>
-              <a:rPr lang="pt-BR" dirty="0" smtClean="0"/>
-              <a:t>Consulta banco</a:t>
-            </a:r>
-            <a:endParaRPr lang="pt-BR" dirty="0"/>
-          </a:p>
-        </p:txBody>
-      </p:sp>
-      <p:cxnSp>
-        <p:nvCxnSpPr>
-          <p:cNvPr id="5136" name="Conector angulado 5135"/>
-          <p:cNvCxnSpPr>
-            <a:stCxn id="53" idx="1"/>
-            <a:endCxn id="60" idx="3"/>
-          </p:cNvCxnSpPr>
-          <p:nvPr/>
-        </p:nvCxnSpPr>
-        <p:spPr>
-          <a:xfrm rot="10800000">
-            <a:off x="2344550" y="5721281"/>
-            <a:ext cx="283108" cy="253490"/>
-          </a:xfrm>
-          <a:prstGeom prst="bentConnector3">
-            <a:avLst>
-              <a:gd name="adj1" fmla="val 50000"/>
-            </a:avLst>
-          </a:prstGeom>
-          <a:ln>
-            <a:tailEnd type="arrow"/>
-          </a:ln>
-        </p:spPr>
-        <p:style>
-          <a:lnRef idx="1">
-            <a:schemeClr val="accent1"/>
-          </a:lnRef>
-          <a:fillRef idx="0">
-            <a:schemeClr val="accent1"/>
-          </a:fillRef>
-          <a:effectRef idx="0">
-            <a:schemeClr val="accent1"/>
-          </a:effectRef>
-          <a:fontRef idx="minor">
-            <a:schemeClr val="tx1"/>
-          </a:fontRef>
-        </p:style>
-      </p:cxnSp>
-      <p:sp>
-        <p:nvSpPr>
-          <p:cNvPr id="60" name="Losango 59"/>
-          <p:cNvSpPr/>
-          <p:nvPr/>
-        </p:nvSpPr>
-        <p:spPr>
-          <a:xfrm>
-            <a:off x="849780" y="5249580"/>
-            <a:ext cx="1494770" cy="943402"/>
-          </a:xfrm>
-          <a:prstGeom prst="diamond">
-            <a:avLst/>
-          </a:prstGeom>
-        </p:spPr>
-        <p:style>
-          <a:lnRef idx="2">
-            <a:schemeClr val="accent1">
-              <a:shade val="50000"/>
-            </a:schemeClr>
-          </a:lnRef>
-          <a:fillRef idx="1">
-            <a:schemeClr val="accent1"/>
-          </a:fillRef>
-          <a:effectRef idx="0">
-            <a:schemeClr val="accent1"/>
-          </a:effectRef>
-          <a:fontRef idx="minor">
-            <a:schemeClr val="lt1"/>
-          </a:fontRef>
-        </p:style>
-        <p:txBody>
-          <a:bodyPr rtlCol="0" anchor="ctr"/>
-          <a:lstStyle/>
-          <a:p>
-            <a:pPr algn="ctr"/>
-            <a:r>
-              <a:rPr lang="pt-BR" dirty="0" err="1" smtClean="0"/>
-              <a:t>Tag</a:t>
-            </a:r>
-            <a:r>
-              <a:rPr lang="pt-BR" dirty="0" smtClean="0"/>
-              <a:t> habilitada?</a:t>
-            </a:r>
-            <a:endParaRPr lang="pt-BR" dirty="0"/>
-          </a:p>
-        </p:txBody>
-      </p:sp>
-      <p:cxnSp>
-        <p:nvCxnSpPr>
-          <p:cNvPr id="40" name="Conector angulado 39"/>
-          <p:cNvCxnSpPr>
-            <a:stCxn id="60" idx="0"/>
-            <a:endCxn id="81" idx="2"/>
-          </p:cNvCxnSpPr>
-          <p:nvPr/>
-        </p:nvCxnSpPr>
-        <p:spPr>
-          <a:xfrm rot="5400000" flipH="1" flipV="1">
-            <a:off x="1772568" y="4559711"/>
-            <a:ext cx="514467" cy="865273"/>
-          </a:xfrm>
-          <a:prstGeom prst="bentConnector3">
-            <a:avLst>
-              <a:gd name="adj1" fmla="val 50000"/>
-            </a:avLst>
-          </a:prstGeom>
-          <a:ln>
-            <a:tailEnd type="arrow"/>
-          </a:ln>
-        </p:spPr>
-        <p:style>
-          <a:lnRef idx="1">
-            <a:schemeClr val="accent1"/>
-          </a:lnRef>
-          <a:fillRef idx="0">
-            <a:schemeClr val="accent1"/>
-          </a:fillRef>
-          <a:effectRef idx="0">
-            <a:schemeClr val="accent1"/>
-          </a:effectRef>
-          <a:fontRef idx="minor">
-            <a:schemeClr val="tx1"/>
-          </a:fontRef>
-        </p:style>
-      </p:cxnSp>
-      <p:sp>
-        <p:nvSpPr>
-          <p:cNvPr id="81" name="Retângulo 80"/>
-          <p:cNvSpPr/>
-          <p:nvPr/>
-        </p:nvSpPr>
-        <p:spPr>
-          <a:xfrm>
-            <a:off x="1995055" y="4444168"/>
-            <a:ext cx="934765" cy="290945"/>
-          </a:xfrm>
-          <a:prstGeom prst="rect">
-            <a:avLst/>
-          </a:prstGeom>
-        </p:spPr>
-        <p:style>
-          <a:lnRef idx="2">
-            <a:schemeClr val="accent1">
-              <a:shade val="50000"/>
-            </a:schemeClr>
-          </a:lnRef>
-          <a:fillRef idx="1">
-            <a:schemeClr val="accent1"/>
-          </a:fillRef>
-          <a:effectRef idx="0">
-            <a:schemeClr val="accent1"/>
-          </a:effectRef>
-          <a:fontRef idx="minor">
-            <a:schemeClr val="lt1"/>
-          </a:fontRef>
-        </p:style>
-        <p:txBody>
-          <a:bodyPr rtlCol="0" anchor="ctr"/>
-          <a:lstStyle/>
-          <a:p>
-            <a:pPr algn="ctr"/>
-            <a:r>
-              <a:rPr lang="pt-BR" dirty="0" smtClean="0"/>
-              <a:t>libera</a:t>
-            </a:r>
-            <a:endParaRPr lang="pt-BR" dirty="0"/>
-          </a:p>
-        </p:txBody>
-      </p:sp>
-      <p:sp>
-        <p:nvSpPr>
-          <p:cNvPr id="88" name="Retângulo 87"/>
-          <p:cNvSpPr/>
-          <p:nvPr/>
-        </p:nvSpPr>
-        <p:spPr>
-          <a:xfrm>
-            <a:off x="693364" y="4444167"/>
-            <a:ext cx="1125045" cy="290945"/>
-          </a:xfrm>
-          <a:prstGeom prst="rect">
-            <a:avLst/>
-          </a:prstGeom>
-        </p:spPr>
-        <p:style>
-          <a:lnRef idx="2">
-            <a:schemeClr val="accent1">
-              <a:shade val="50000"/>
-            </a:schemeClr>
-          </a:lnRef>
-          <a:fillRef idx="1">
-            <a:schemeClr val="accent1"/>
-          </a:fillRef>
-          <a:effectRef idx="0">
-            <a:schemeClr val="accent1"/>
-          </a:effectRef>
-          <a:fontRef idx="minor">
-            <a:schemeClr val="lt1"/>
-          </a:fontRef>
-        </p:style>
-        <p:txBody>
-          <a:bodyPr rtlCol="0" anchor="ctr"/>
-          <a:lstStyle/>
-          <a:p>
-            <a:pPr algn="ctr"/>
-            <a:r>
-              <a:rPr lang="pt-BR" dirty="0" smtClean="0"/>
-              <a:t>bloqueia</a:t>
-            </a:r>
-            <a:endParaRPr lang="pt-BR" dirty="0"/>
-          </a:p>
-        </p:txBody>
-      </p:sp>
-      <p:cxnSp>
-        <p:nvCxnSpPr>
-          <p:cNvPr id="58" name="Conector angulado 57"/>
-          <p:cNvCxnSpPr>
-            <a:stCxn id="60" idx="1"/>
-            <a:endCxn id="88" idx="2"/>
-          </p:cNvCxnSpPr>
-          <p:nvPr/>
-        </p:nvCxnSpPr>
-        <p:spPr>
-          <a:xfrm rot="10800000" flipH="1">
-            <a:off x="849779" y="4735113"/>
-            <a:ext cx="406107" cy="986169"/>
-          </a:xfrm>
-          <a:prstGeom prst="bentConnector4">
-            <a:avLst>
-              <a:gd name="adj1" fmla="val -56291"/>
-              <a:gd name="adj2" fmla="val 73916"/>
-            </a:avLst>
-          </a:prstGeom>
-          <a:ln>
-            <a:tailEnd type="arrow"/>
-          </a:ln>
-        </p:spPr>
-        <p:style>
-          <a:lnRef idx="1">
-            <a:schemeClr val="accent1"/>
-          </a:lnRef>
-          <a:fillRef idx="0">
-            <a:schemeClr val="accent1"/>
-          </a:fillRef>
-          <a:effectRef idx="0">
-            <a:schemeClr val="accent1"/>
-          </a:effectRef>
-          <a:fontRef idx="minor">
-            <a:schemeClr val="tx1"/>
-          </a:fontRef>
-        </p:style>
-      </p:cxnSp>
-      <p:sp>
-        <p:nvSpPr>
-          <p:cNvPr id="94" name="CaixaDeTexto 93"/>
+              <a:rPr lang="pt-BR" dirty="0"/>
+              <a:t>S</a:t>
+            </a:r>
+          </a:p>
+        </p:txBody>
+      </p:sp>
+      <p:sp>
+        <p:nvSpPr>
+          <p:cNvPr id="158" name="CaixaDeTexto 157"/>
           <p:cNvSpPr txBox="1"/>
           <p:nvPr/>
         </p:nvSpPr>
         <p:spPr>
           <a:xfrm>
-            <a:off x="1884569" y="5054794"/>
-            <a:ext cx="290464" cy="369332"/>
+            <a:off x="801683" y="4672666"/>
+            <a:ext cx="333746" cy="369332"/>
           </a:xfrm>
           <a:prstGeom prst="rect">
             <a:avLst/>
@@ -10145,1658 +10116,10 @@
           <a:lstStyle/>
           <a:p>
             <a:r>
-              <a:rPr lang="pt-BR" dirty="0"/>
-              <a:t>S</a:t>
-            </a:r>
-          </a:p>
-        </p:txBody>
-      </p:sp>
-      <p:sp>
-        <p:nvSpPr>
-          <p:cNvPr id="95" name="CaixaDeTexto 94"/>
-          <p:cNvSpPr txBox="1"/>
-          <p:nvPr/>
-        </p:nvSpPr>
-        <p:spPr>
-          <a:xfrm>
-            <a:off x="682906" y="5247794"/>
-            <a:ext cx="333746" cy="369332"/>
-          </a:xfrm>
-          <a:prstGeom prst="rect">
-            <a:avLst/>
-          </a:prstGeom>
-          <a:noFill/>
-        </p:spPr>
-        <p:txBody>
-          <a:bodyPr wrap="none" rtlCol="0">
-            <a:spAutoFit/>
-          </a:bodyPr>
-          <a:lstStyle/>
-          <a:p>
-            <a:r>
               <a:rPr lang="pt-BR" dirty="0" smtClean="0"/>
               <a:t>N</a:t>
             </a:r>
             <a:endParaRPr lang="pt-BR" dirty="0"/>
-          </a:p>
-        </p:txBody>
-      </p:sp>
-      <p:sp>
-        <p:nvSpPr>
-          <p:cNvPr id="97" name="Elipse 96"/>
-          <p:cNvSpPr/>
-          <p:nvPr/>
-        </p:nvSpPr>
-        <p:spPr>
-          <a:xfrm>
-            <a:off x="1777741" y="3753241"/>
-            <a:ext cx="213655" cy="238991"/>
-          </a:xfrm>
-          <a:prstGeom prst="ellipse">
-            <a:avLst/>
-          </a:prstGeom>
-        </p:spPr>
-        <p:style>
-          <a:lnRef idx="2">
-            <a:schemeClr val="accent1">
-              <a:shade val="50000"/>
-            </a:schemeClr>
-          </a:lnRef>
-          <a:fillRef idx="1">
-            <a:schemeClr val="accent1"/>
-          </a:fillRef>
-          <a:effectRef idx="0">
-            <a:schemeClr val="accent1"/>
-          </a:effectRef>
-          <a:fontRef idx="minor">
-            <a:schemeClr val="lt1"/>
-          </a:fontRef>
-        </p:style>
-        <p:txBody>
-          <a:bodyPr rtlCol="0" anchor="ctr"/>
-          <a:lstStyle/>
-          <a:p>
-            <a:pPr algn="ctr"/>
-            <a:endParaRPr lang="pt-BR" dirty="0"/>
-          </a:p>
-        </p:txBody>
-      </p:sp>
-      <p:cxnSp>
-        <p:nvCxnSpPr>
-          <p:cNvPr id="62" name="Conector angulado 61"/>
-          <p:cNvCxnSpPr>
-            <a:stCxn id="81" idx="0"/>
-            <a:endCxn id="97" idx="6"/>
-          </p:cNvCxnSpPr>
-          <p:nvPr/>
-        </p:nvCxnSpPr>
-        <p:spPr>
-          <a:xfrm rot="16200000" flipV="1">
-            <a:off x="1941202" y="3922932"/>
-            <a:ext cx="571431" cy="471042"/>
-          </a:xfrm>
-          <a:prstGeom prst="bentConnector2">
-            <a:avLst/>
-          </a:prstGeom>
-          <a:ln>
-            <a:tailEnd type="arrow"/>
-          </a:ln>
-        </p:spPr>
-        <p:style>
-          <a:lnRef idx="1">
-            <a:schemeClr val="accent1"/>
-          </a:lnRef>
-          <a:fillRef idx="0">
-            <a:schemeClr val="accent1"/>
-          </a:fillRef>
-          <a:effectRef idx="0">
-            <a:schemeClr val="accent1"/>
-          </a:effectRef>
-          <a:fontRef idx="minor">
-            <a:schemeClr val="tx1"/>
-          </a:fontRef>
-        </p:style>
-      </p:cxnSp>
-      <p:cxnSp>
-        <p:nvCxnSpPr>
-          <p:cNvPr id="65" name="Conector angulado 64"/>
-          <p:cNvCxnSpPr>
-            <a:stCxn id="88" idx="0"/>
-            <a:endCxn id="97" idx="2"/>
-          </p:cNvCxnSpPr>
-          <p:nvPr/>
-        </p:nvCxnSpPr>
-        <p:spPr>
-          <a:xfrm rot="5400000" flipH="1" flipV="1">
-            <a:off x="1231099" y="3897525"/>
-            <a:ext cx="571430" cy="521854"/>
-          </a:xfrm>
-          <a:prstGeom prst="bentConnector2">
-            <a:avLst/>
-          </a:prstGeom>
-          <a:ln>
-            <a:tailEnd type="arrow"/>
-          </a:ln>
-        </p:spPr>
-        <p:style>
-          <a:lnRef idx="1">
-            <a:schemeClr val="accent1"/>
-          </a:lnRef>
-          <a:fillRef idx="0">
-            <a:schemeClr val="accent1"/>
-          </a:fillRef>
-          <a:effectRef idx="0">
-            <a:schemeClr val="accent1"/>
-          </a:effectRef>
-          <a:fontRef idx="minor">
-            <a:schemeClr val="tx1"/>
-          </a:fontRef>
-        </p:style>
-      </p:cxnSp>
-      <p:cxnSp>
-        <p:nvCxnSpPr>
-          <p:cNvPr id="67" name="Conector angulado 66"/>
-          <p:cNvCxnSpPr>
-            <a:stCxn id="97" idx="0"/>
-            <a:endCxn id="3" idx="2"/>
-          </p:cNvCxnSpPr>
-          <p:nvPr/>
-        </p:nvCxnSpPr>
-        <p:spPr>
-          <a:xfrm rot="5400000" flipH="1" flipV="1">
-            <a:off x="2414018" y="2804520"/>
-            <a:ext cx="419272" cy="1478170"/>
-          </a:xfrm>
-          <a:prstGeom prst="bentConnector2">
-            <a:avLst/>
-          </a:prstGeom>
-          <a:ln>
-            <a:tailEnd type="arrow"/>
-          </a:ln>
-        </p:spPr>
-        <p:style>
-          <a:lnRef idx="1">
-            <a:schemeClr val="accent1"/>
-          </a:lnRef>
-          <a:fillRef idx="0">
-            <a:schemeClr val="accent1"/>
-          </a:fillRef>
-          <a:effectRef idx="0">
-            <a:schemeClr val="accent1"/>
-          </a:effectRef>
-          <a:fontRef idx="minor">
-            <a:schemeClr val="tx1"/>
-          </a:fontRef>
-        </p:style>
-      </p:cxnSp>
-      <p:sp>
-        <p:nvSpPr>
-          <p:cNvPr id="105" name="Losango 104"/>
-          <p:cNvSpPr/>
-          <p:nvPr/>
-        </p:nvSpPr>
-        <p:spPr>
-          <a:xfrm>
-            <a:off x="4800600" y="3760944"/>
-            <a:ext cx="2660074" cy="843045"/>
-          </a:xfrm>
-          <a:prstGeom prst="diamond">
-            <a:avLst/>
-          </a:prstGeom>
-        </p:spPr>
-        <p:style>
-          <a:lnRef idx="2">
-            <a:schemeClr val="accent1">
-              <a:shade val="50000"/>
-            </a:schemeClr>
-          </a:lnRef>
-          <a:fillRef idx="1">
-            <a:schemeClr val="accent1"/>
-          </a:fillRef>
-          <a:effectRef idx="0">
-            <a:schemeClr val="accent1"/>
-          </a:effectRef>
-          <a:fontRef idx="minor">
-            <a:schemeClr val="lt1"/>
-          </a:fontRef>
-        </p:style>
-        <p:txBody>
-          <a:bodyPr rtlCol="0" anchor="ctr"/>
-          <a:lstStyle/>
-          <a:p>
-            <a:pPr algn="ctr"/>
-            <a:r>
-              <a:rPr lang="pt-BR" dirty="0" err="1" smtClean="0"/>
-              <a:t>Tag</a:t>
-            </a:r>
-            <a:r>
-              <a:rPr lang="pt-BR" dirty="0" smtClean="0"/>
-              <a:t> cadastrada?</a:t>
-            </a:r>
-            <a:endParaRPr lang="pt-BR" dirty="0"/>
-          </a:p>
-        </p:txBody>
-      </p:sp>
-      <p:sp>
-        <p:nvSpPr>
-          <p:cNvPr id="107" name="Elipse 106"/>
-          <p:cNvSpPr/>
-          <p:nvPr/>
-        </p:nvSpPr>
-        <p:spPr>
-          <a:xfrm>
-            <a:off x="6032682" y="2726955"/>
-            <a:ext cx="213655" cy="238991"/>
-          </a:xfrm>
-          <a:prstGeom prst="ellipse">
-            <a:avLst/>
-          </a:prstGeom>
-        </p:spPr>
-        <p:style>
-          <a:lnRef idx="2">
-            <a:schemeClr val="accent1">
-              <a:shade val="50000"/>
-            </a:schemeClr>
-          </a:lnRef>
-          <a:fillRef idx="1">
-            <a:schemeClr val="accent1"/>
-          </a:fillRef>
-          <a:effectRef idx="0">
-            <a:schemeClr val="accent1"/>
-          </a:effectRef>
-          <a:fontRef idx="minor">
-            <a:schemeClr val="lt1"/>
-          </a:fontRef>
-        </p:style>
-        <p:txBody>
-          <a:bodyPr rtlCol="0" anchor="ctr"/>
-          <a:lstStyle/>
-          <a:p>
-            <a:pPr algn="ctr"/>
-            <a:r>
-              <a:rPr lang="pt-BR" dirty="0"/>
-              <a:t>A</a:t>
-            </a:r>
-          </a:p>
-        </p:txBody>
-      </p:sp>
-      <p:sp>
-        <p:nvSpPr>
-          <p:cNvPr id="108" name="Retângulo 107"/>
-          <p:cNvSpPr/>
-          <p:nvPr/>
-        </p:nvSpPr>
-        <p:spPr>
-          <a:xfrm>
-            <a:off x="5672127" y="3272435"/>
-            <a:ext cx="934765" cy="290945"/>
-          </a:xfrm>
-          <a:prstGeom prst="rect">
-            <a:avLst/>
-          </a:prstGeom>
-        </p:spPr>
-        <p:style>
-          <a:lnRef idx="2">
-            <a:schemeClr val="accent1">
-              <a:shade val="50000"/>
-            </a:schemeClr>
-          </a:lnRef>
-          <a:fillRef idx="1">
-            <a:schemeClr val="accent1"/>
-          </a:fillRef>
-          <a:effectRef idx="0">
-            <a:schemeClr val="accent1"/>
-          </a:effectRef>
-          <a:fontRef idx="minor">
-            <a:schemeClr val="lt1"/>
-          </a:fontRef>
-        </p:style>
-        <p:txBody>
-          <a:bodyPr rtlCol="0" anchor="ctr"/>
-          <a:lstStyle/>
-          <a:p>
-            <a:pPr algn="ctr"/>
-            <a:r>
-              <a:rPr lang="pt-BR" dirty="0" smtClean="0"/>
-              <a:t>libera</a:t>
-            </a:r>
-            <a:endParaRPr lang="pt-BR" dirty="0"/>
-          </a:p>
-        </p:txBody>
-      </p:sp>
-      <p:sp>
-        <p:nvSpPr>
-          <p:cNvPr id="109" name="Retângulo 108"/>
-          <p:cNvSpPr/>
-          <p:nvPr/>
-        </p:nvSpPr>
-        <p:spPr>
-          <a:xfrm>
-            <a:off x="7183654" y="3269024"/>
-            <a:ext cx="1125045" cy="290945"/>
-          </a:xfrm>
-          <a:prstGeom prst="rect">
-            <a:avLst/>
-          </a:prstGeom>
-        </p:spPr>
-        <p:style>
-          <a:lnRef idx="2">
-            <a:schemeClr val="accent1">
-              <a:shade val="50000"/>
-            </a:schemeClr>
-          </a:lnRef>
-          <a:fillRef idx="1">
-            <a:schemeClr val="accent1"/>
-          </a:fillRef>
-          <a:effectRef idx="0">
-            <a:schemeClr val="accent1"/>
-          </a:effectRef>
-          <a:fontRef idx="minor">
-            <a:schemeClr val="lt1"/>
-          </a:fontRef>
-        </p:style>
-        <p:txBody>
-          <a:bodyPr rtlCol="0" anchor="ctr"/>
-          <a:lstStyle/>
-          <a:p>
-            <a:pPr algn="ctr"/>
-            <a:r>
-              <a:rPr lang="pt-BR" dirty="0" smtClean="0"/>
-              <a:t>bloqueia</a:t>
-            </a:r>
-            <a:endParaRPr lang="pt-BR" dirty="0"/>
-          </a:p>
-        </p:txBody>
-      </p:sp>
-      <p:cxnSp>
-        <p:nvCxnSpPr>
-          <p:cNvPr id="69" name="Conector de seta reta 68"/>
-          <p:cNvCxnSpPr>
-            <a:stCxn id="105" idx="0"/>
-            <a:endCxn id="108" idx="2"/>
-          </p:cNvCxnSpPr>
-          <p:nvPr/>
-        </p:nvCxnSpPr>
-        <p:spPr>
-          <a:xfrm flipV="1">
-            <a:off x="6130637" y="3563380"/>
-            <a:ext cx="8873" cy="197564"/>
-          </a:xfrm>
-          <a:prstGeom prst="straightConnector1">
-            <a:avLst/>
-          </a:prstGeom>
-          <a:ln>
-            <a:tailEnd type="arrow"/>
-          </a:ln>
-        </p:spPr>
-        <p:style>
-          <a:lnRef idx="1">
-            <a:schemeClr val="accent1"/>
-          </a:lnRef>
-          <a:fillRef idx="0">
-            <a:schemeClr val="accent1"/>
-          </a:fillRef>
-          <a:effectRef idx="0">
-            <a:schemeClr val="accent1"/>
-          </a:effectRef>
-          <a:fontRef idx="minor">
-            <a:schemeClr val="tx1"/>
-          </a:fontRef>
-        </p:style>
-      </p:cxnSp>
-      <p:cxnSp>
-        <p:nvCxnSpPr>
-          <p:cNvPr id="73" name="Conector de seta reta 72"/>
-          <p:cNvCxnSpPr>
-            <a:stCxn id="108" idx="0"/>
-            <a:endCxn id="107" idx="4"/>
-          </p:cNvCxnSpPr>
-          <p:nvPr/>
-        </p:nvCxnSpPr>
-        <p:spPr>
-          <a:xfrm flipV="1">
-            <a:off x="6139510" y="2965946"/>
-            <a:ext cx="0" cy="306489"/>
-          </a:xfrm>
-          <a:prstGeom prst="straightConnector1">
-            <a:avLst/>
-          </a:prstGeom>
-          <a:ln>
-            <a:tailEnd type="arrow"/>
-          </a:ln>
-        </p:spPr>
-        <p:style>
-          <a:lnRef idx="1">
-            <a:schemeClr val="accent1"/>
-          </a:lnRef>
-          <a:fillRef idx="0">
-            <a:schemeClr val="accent1"/>
-          </a:fillRef>
-          <a:effectRef idx="0">
-            <a:schemeClr val="accent1"/>
-          </a:effectRef>
-          <a:fontRef idx="minor">
-            <a:schemeClr val="tx1"/>
-          </a:fontRef>
-        </p:style>
-      </p:cxnSp>
-      <p:sp>
-        <p:nvSpPr>
-          <p:cNvPr id="118" name="CaixaDeTexto 117"/>
-          <p:cNvSpPr txBox="1"/>
-          <p:nvPr/>
-        </p:nvSpPr>
-        <p:spPr>
-          <a:xfrm>
-            <a:off x="5615290" y="3529728"/>
-            <a:ext cx="290464" cy="369332"/>
-          </a:xfrm>
-          <a:prstGeom prst="rect">
-            <a:avLst/>
-          </a:prstGeom>
-          <a:noFill/>
-        </p:spPr>
-        <p:txBody>
-          <a:bodyPr wrap="none" rtlCol="0">
-            <a:spAutoFit/>
-          </a:bodyPr>
-          <a:lstStyle/>
-          <a:p>
-            <a:r>
-              <a:rPr lang="pt-BR" dirty="0"/>
-              <a:t>S</a:t>
-            </a:r>
-          </a:p>
-        </p:txBody>
-      </p:sp>
-      <p:cxnSp>
-        <p:nvCxnSpPr>
-          <p:cNvPr id="77" name="Conector de seta reta 76"/>
-          <p:cNvCxnSpPr>
-            <a:stCxn id="105" idx="3"/>
-            <a:endCxn id="105" idx="3"/>
-          </p:cNvCxnSpPr>
-          <p:nvPr/>
-        </p:nvCxnSpPr>
-        <p:spPr>
-          <a:xfrm>
-            <a:off x="7460674" y="4182467"/>
-            <a:ext cx="0" cy="0"/>
-          </a:xfrm>
-          <a:prstGeom prst="straightConnector1">
-            <a:avLst/>
-          </a:prstGeom>
-          <a:ln>
-            <a:tailEnd type="arrow"/>
-          </a:ln>
-        </p:spPr>
-        <p:style>
-          <a:lnRef idx="1">
-            <a:schemeClr val="accent1"/>
-          </a:lnRef>
-          <a:fillRef idx="0">
-            <a:schemeClr val="accent1"/>
-          </a:fillRef>
-          <a:effectRef idx="0">
-            <a:schemeClr val="accent1"/>
-          </a:effectRef>
-          <a:fontRef idx="minor">
-            <a:schemeClr val="tx1"/>
-          </a:fontRef>
-        </p:style>
-      </p:cxnSp>
-      <p:cxnSp>
-        <p:nvCxnSpPr>
-          <p:cNvPr id="79" name="Conector angulado 78"/>
-          <p:cNvCxnSpPr>
-            <a:stCxn id="105" idx="3"/>
-            <a:endCxn id="109" idx="2"/>
-          </p:cNvCxnSpPr>
-          <p:nvPr/>
-        </p:nvCxnSpPr>
-        <p:spPr>
-          <a:xfrm flipV="1">
-            <a:off x="7460674" y="3559969"/>
-            <a:ext cx="285503" cy="622498"/>
-          </a:xfrm>
-          <a:prstGeom prst="bentConnector2">
-            <a:avLst/>
-          </a:prstGeom>
-          <a:ln>
-            <a:tailEnd type="arrow"/>
-          </a:ln>
-        </p:spPr>
-        <p:style>
-          <a:lnRef idx="1">
-            <a:schemeClr val="accent1"/>
-          </a:lnRef>
-          <a:fillRef idx="0">
-            <a:schemeClr val="accent1"/>
-          </a:fillRef>
-          <a:effectRef idx="0">
-            <a:schemeClr val="accent1"/>
-          </a:effectRef>
-          <a:fontRef idx="minor">
-            <a:schemeClr val="tx1"/>
-          </a:fontRef>
-        </p:style>
-      </p:cxnSp>
-      <p:cxnSp>
-        <p:nvCxnSpPr>
-          <p:cNvPr id="82" name="Conector angulado 81"/>
-          <p:cNvCxnSpPr>
-            <a:stCxn id="109" idx="0"/>
-            <a:endCxn id="107" idx="6"/>
-          </p:cNvCxnSpPr>
-          <p:nvPr/>
-        </p:nvCxnSpPr>
-        <p:spPr>
-          <a:xfrm rot="16200000" flipV="1">
-            <a:off x="6784971" y="2307818"/>
-            <a:ext cx="422573" cy="1499840"/>
-          </a:xfrm>
-          <a:prstGeom prst="bentConnector2">
-            <a:avLst/>
-          </a:prstGeom>
-          <a:ln>
-            <a:tailEnd type="arrow"/>
-          </a:ln>
-        </p:spPr>
-        <p:style>
-          <a:lnRef idx="1">
-            <a:schemeClr val="accent1"/>
-          </a:lnRef>
-          <a:fillRef idx="0">
-            <a:schemeClr val="accent1"/>
-          </a:fillRef>
-          <a:effectRef idx="0">
-            <a:schemeClr val="accent1"/>
-          </a:effectRef>
-          <a:fontRef idx="minor">
-            <a:schemeClr val="tx1"/>
-          </a:fontRef>
-        </p:style>
-      </p:cxnSp>
-      <p:sp>
-        <p:nvSpPr>
-          <p:cNvPr id="125" name="CaixaDeTexto 124"/>
-          <p:cNvSpPr txBox="1"/>
-          <p:nvPr/>
-        </p:nvSpPr>
-        <p:spPr>
-          <a:xfrm>
-            <a:off x="7412430" y="3804942"/>
-            <a:ext cx="333746" cy="369332"/>
-          </a:xfrm>
-          <a:prstGeom prst="rect">
-            <a:avLst/>
-          </a:prstGeom>
-          <a:noFill/>
-        </p:spPr>
-        <p:txBody>
-          <a:bodyPr wrap="none" rtlCol="0">
-            <a:spAutoFit/>
-          </a:bodyPr>
-          <a:lstStyle/>
-          <a:p>
-            <a:r>
-              <a:rPr lang="pt-BR" dirty="0" smtClean="0"/>
-              <a:t>N</a:t>
-            </a:r>
-            <a:endParaRPr lang="pt-BR" dirty="0"/>
-          </a:p>
-        </p:txBody>
-      </p:sp>
-      <p:sp>
-        <p:nvSpPr>
-          <p:cNvPr id="126" name="Losango 125"/>
-          <p:cNvSpPr/>
-          <p:nvPr/>
-        </p:nvSpPr>
-        <p:spPr>
-          <a:xfrm>
-            <a:off x="6794753" y="5103171"/>
-            <a:ext cx="1528295" cy="843045"/>
-          </a:xfrm>
-          <a:prstGeom prst="diamond">
-            <a:avLst/>
-          </a:prstGeom>
-        </p:spPr>
-        <p:style>
-          <a:lnRef idx="2">
-            <a:schemeClr val="accent1">
-              <a:shade val="50000"/>
-            </a:schemeClr>
-          </a:lnRef>
-          <a:fillRef idx="1">
-            <a:schemeClr val="accent1"/>
-          </a:fillRef>
-          <a:effectRef idx="0">
-            <a:schemeClr val="accent1"/>
-          </a:effectRef>
-          <a:fontRef idx="minor">
-            <a:schemeClr val="lt1"/>
-          </a:fontRef>
-        </p:style>
-        <p:txBody>
-          <a:bodyPr rtlCol="0" anchor="ctr"/>
-          <a:lstStyle/>
-          <a:p>
-            <a:pPr algn="ctr"/>
-            <a:r>
-              <a:rPr lang="pt-BR" dirty="0" smtClean="0"/>
-              <a:t>Tem </a:t>
-            </a:r>
-            <a:r>
-              <a:rPr lang="pt-BR" dirty="0" err="1" smtClean="0"/>
-              <a:t>tag</a:t>
-            </a:r>
-            <a:r>
-              <a:rPr lang="pt-BR" dirty="0" smtClean="0"/>
-              <a:t>?</a:t>
-            </a:r>
-            <a:endParaRPr lang="pt-BR" dirty="0"/>
-          </a:p>
-        </p:txBody>
-      </p:sp>
-      <p:cxnSp>
-        <p:nvCxnSpPr>
-          <p:cNvPr id="84" name="Conector angulado 83"/>
-          <p:cNvCxnSpPr>
-            <a:stCxn id="46" idx="6"/>
-            <a:endCxn id="126" idx="1"/>
-          </p:cNvCxnSpPr>
-          <p:nvPr/>
-        </p:nvCxnSpPr>
-        <p:spPr>
-          <a:xfrm flipV="1">
-            <a:off x="6596685" y="5524694"/>
-            <a:ext cx="198068" cy="450078"/>
-          </a:xfrm>
-          <a:prstGeom prst="bentConnector3">
-            <a:avLst>
-              <a:gd name="adj1" fmla="val 23769"/>
-            </a:avLst>
-          </a:prstGeom>
-          <a:ln>
-            <a:tailEnd type="arrow"/>
-          </a:ln>
-        </p:spPr>
-        <p:style>
-          <a:lnRef idx="1">
-            <a:schemeClr val="accent1"/>
-          </a:lnRef>
-          <a:fillRef idx="0">
-            <a:schemeClr val="accent1"/>
-          </a:fillRef>
-          <a:effectRef idx="0">
-            <a:schemeClr val="accent1"/>
-          </a:effectRef>
-          <a:fontRef idx="minor">
-            <a:schemeClr val="tx1"/>
-          </a:fontRef>
-        </p:style>
-      </p:cxnSp>
-      <p:cxnSp>
-        <p:nvCxnSpPr>
-          <p:cNvPr id="86" name="Conector angulado 85"/>
-          <p:cNvCxnSpPr>
-            <a:stCxn id="126" idx="0"/>
-            <a:endCxn id="46" idx="4"/>
-          </p:cNvCxnSpPr>
-          <p:nvPr/>
-        </p:nvCxnSpPr>
-        <p:spPr>
-          <a:xfrm rot="16200000" flipH="1" flipV="1">
-            <a:off x="6528832" y="5064197"/>
-            <a:ext cx="991096" cy="1069043"/>
-          </a:xfrm>
-          <a:prstGeom prst="bentConnector5">
-            <a:avLst>
-              <a:gd name="adj1" fmla="val 109037"/>
-              <a:gd name="adj2" fmla="val 80743"/>
-              <a:gd name="adj3" fmla="val 109435"/>
-            </a:avLst>
-          </a:prstGeom>
-          <a:ln>
-            <a:tailEnd type="arrow"/>
-          </a:ln>
-        </p:spPr>
-        <p:style>
-          <a:lnRef idx="1">
-            <a:schemeClr val="accent1"/>
-          </a:lnRef>
-          <a:fillRef idx="0">
-            <a:schemeClr val="accent1"/>
-          </a:fillRef>
-          <a:effectRef idx="0">
-            <a:schemeClr val="accent1"/>
-          </a:effectRef>
-          <a:fontRef idx="minor">
-            <a:schemeClr val="tx1"/>
-          </a:fontRef>
-        </p:style>
-      </p:cxnSp>
-      <p:sp>
-        <p:nvSpPr>
-          <p:cNvPr id="132" name="Losango 131"/>
-          <p:cNvSpPr/>
-          <p:nvPr/>
-        </p:nvSpPr>
-        <p:spPr>
-          <a:xfrm>
-            <a:off x="8724449" y="5102656"/>
-            <a:ext cx="1528295" cy="843045"/>
-          </a:xfrm>
-          <a:prstGeom prst="diamond">
-            <a:avLst/>
-          </a:prstGeom>
-        </p:spPr>
-        <p:style>
-          <a:lnRef idx="2">
-            <a:schemeClr val="accent1">
-              <a:shade val="50000"/>
-            </a:schemeClr>
-          </a:lnRef>
-          <a:fillRef idx="1">
-            <a:schemeClr val="accent1"/>
-          </a:fillRef>
-          <a:effectRef idx="0">
-            <a:schemeClr val="accent1"/>
-          </a:effectRef>
-          <a:fontRef idx="minor">
-            <a:schemeClr val="lt1"/>
-          </a:fontRef>
-        </p:style>
-        <p:txBody>
-          <a:bodyPr rtlCol="0" anchor="ctr"/>
-          <a:lstStyle/>
-          <a:p>
-            <a:pPr algn="ctr"/>
-            <a:r>
-              <a:rPr lang="pt-BR" dirty="0" smtClean="0"/>
-              <a:t>É o </a:t>
-            </a:r>
-            <a:r>
-              <a:rPr lang="pt-BR" dirty="0" err="1" smtClean="0"/>
-              <a:t>Adm</a:t>
-            </a:r>
-            <a:r>
-              <a:rPr lang="pt-BR" dirty="0" smtClean="0"/>
-              <a:t>?</a:t>
-            </a:r>
-            <a:endParaRPr lang="pt-BR" dirty="0"/>
-          </a:p>
-        </p:txBody>
-      </p:sp>
-      <p:cxnSp>
-        <p:nvCxnSpPr>
-          <p:cNvPr id="89" name="Conector de seta reta 88"/>
-          <p:cNvCxnSpPr>
-            <a:stCxn id="126" idx="3"/>
-            <a:endCxn id="132" idx="1"/>
-          </p:cNvCxnSpPr>
-          <p:nvPr/>
-        </p:nvCxnSpPr>
-        <p:spPr>
-          <a:xfrm flipV="1">
-            <a:off x="8323048" y="5524179"/>
-            <a:ext cx="401401" cy="515"/>
-          </a:xfrm>
-          <a:prstGeom prst="straightConnector1">
-            <a:avLst/>
-          </a:prstGeom>
-          <a:ln>
-            <a:tailEnd type="arrow"/>
-          </a:ln>
-        </p:spPr>
-        <p:style>
-          <a:lnRef idx="1">
-            <a:schemeClr val="accent1"/>
-          </a:lnRef>
-          <a:fillRef idx="0">
-            <a:schemeClr val="accent1"/>
-          </a:fillRef>
-          <a:effectRef idx="0">
-            <a:schemeClr val="accent1"/>
-          </a:effectRef>
-          <a:fontRef idx="minor">
-            <a:schemeClr val="tx1"/>
-          </a:fontRef>
-        </p:style>
-      </p:cxnSp>
-      <p:sp>
-        <p:nvSpPr>
-          <p:cNvPr id="135" name="CaixaDeTexto 134"/>
-          <p:cNvSpPr txBox="1"/>
-          <p:nvPr/>
-        </p:nvSpPr>
-        <p:spPr>
-          <a:xfrm>
-            <a:off x="8302646" y="5112196"/>
-            <a:ext cx="290464" cy="369332"/>
-          </a:xfrm>
-          <a:prstGeom prst="rect">
-            <a:avLst/>
-          </a:prstGeom>
-          <a:noFill/>
-        </p:spPr>
-        <p:txBody>
-          <a:bodyPr wrap="none" rtlCol="0">
-            <a:spAutoFit/>
-          </a:bodyPr>
-          <a:lstStyle/>
-          <a:p>
-            <a:r>
-              <a:rPr lang="pt-BR" dirty="0"/>
-              <a:t>S</a:t>
-            </a:r>
-          </a:p>
-        </p:txBody>
-      </p:sp>
-      <p:sp>
-        <p:nvSpPr>
-          <p:cNvPr id="136" name="Losango 135"/>
-          <p:cNvSpPr/>
-          <p:nvPr/>
-        </p:nvSpPr>
-        <p:spPr>
-          <a:xfrm>
-            <a:off x="8620679" y="4010461"/>
-            <a:ext cx="1735833" cy="843045"/>
-          </a:xfrm>
-          <a:prstGeom prst="diamond">
-            <a:avLst/>
-          </a:prstGeom>
-        </p:spPr>
-        <p:style>
-          <a:lnRef idx="2">
-            <a:schemeClr val="accent1">
-              <a:shade val="50000"/>
-            </a:schemeClr>
-          </a:lnRef>
-          <a:fillRef idx="1">
-            <a:schemeClr val="accent1"/>
-          </a:fillRef>
-          <a:effectRef idx="0">
-            <a:schemeClr val="accent1"/>
-          </a:effectRef>
-          <a:fontRef idx="minor">
-            <a:schemeClr val="lt1"/>
-          </a:fontRef>
-        </p:style>
-        <p:txBody>
-          <a:bodyPr rtlCol="0" anchor="ctr"/>
-          <a:lstStyle/>
-          <a:p>
-            <a:pPr algn="ctr"/>
-            <a:r>
-              <a:rPr lang="pt-BR" dirty="0" err="1" smtClean="0"/>
-              <a:t>Tag</a:t>
-            </a:r>
-            <a:r>
-              <a:rPr lang="pt-BR" dirty="0" smtClean="0"/>
-              <a:t> existe?</a:t>
-            </a:r>
-            <a:endParaRPr lang="pt-BR" dirty="0"/>
-          </a:p>
-        </p:txBody>
-      </p:sp>
-      <p:cxnSp>
-        <p:nvCxnSpPr>
-          <p:cNvPr id="91" name="Conector de seta reta 90"/>
-          <p:cNvCxnSpPr>
-            <a:stCxn id="132" idx="0"/>
-            <a:endCxn id="136" idx="2"/>
-          </p:cNvCxnSpPr>
-          <p:nvPr/>
-        </p:nvCxnSpPr>
-        <p:spPr>
-          <a:xfrm flipH="1" flipV="1">
-            <a:off x="9488596" y="4853506"/>
-            <a:ext cx="1" cy="249150"/>
-          </a:xfrm>
-          <a:prstGeom prst="straightConnector1">
-            <a:avLst/>
-          </a:prstGeom>
-          <a:ln>
-            <a:tailEnd type="arrow"/>
-          </a:ln>
-        </p:spPr>
-        <p:style>
-          <a:lnRef idx="1">
-            <a:schemeClr val="accent1"/>
-          </a:lnRef>
-          <a:fillRef idx="0">
-            <a:schemeClr val="accent1"/>
-          </a:fillRef>
-          <a:effectRef idx="0">
-            <a:schemeClr val="accent1"/>
-          </a:effectRef>
-          <a:fontRef idx="minor">
-            <a:schemeClr val="tx1"/>
-          </a:fontRef>
-        </p:style>
-      </p:cxnSp>
-      <p:sp>
-        <p:nvSpPr>
-          <p:cNvPr id="139" name="CaixaDeTexto 138"/>
-          <p:cNvSpPr txBox="1"/>
-          <p:nvPr/>
-        </p:nvSpPr>
-        <p:spPr>
-          <a:xfrm>
-            <a:off x="9081488" y="4784248"/>
-            <a:ext cx="333746" cy="369332"/>
-          </a:xfrm>
-          <a:prstGeom prst="rect">
-            <a:avLst/>
-          </a:prstGeom>
-          <a:noFill/>
-        </p:spPr>
-        <p:txBody>
-          <a:bodyPr wrap="none" rtlCol="0">
-            <a:spAutoFit/>
-          </a:bodyPr>
-          <a:lstStyle/>
-          <a:p>
-            <a:r>
-              <a:rPr lang="pt-BR" dirty="0" smtClean="0"/>
-              <a:t>N</a:t>
-            </a:r>
-            <a:endParaRPr lang="pt-BR" dirty="0"/>
-          </a:p>
-        </p:txBody>
-      </p:sp>
-      <p:sp>
-        <p:nvSpPr>
-          <p:cNvPr id="146" name="CaixaDeTexto 145"/>
-          <p:cNvSpPr txBox="1"/>
-          <p:nvPr/>
-        </p:nvSpPr>
-        <p:spPr>
-          <a:xfrm>
-            <a:off x="6954819" y="5807298"/>
-            <a:ext cx="333746" cy="369332"/>
-          </a:xfrm>
-          <a:prstGeom prst="rect">
-            <a:avLst/>
-          </a:prstGeom>
-          <a:noFill/>
-        </p:spPr>
-        <p:txBody>
-          <a:bodyPr wrap="none" rtlCol="0">
-            <a:spAutoFit/>
-          </a:bodyPr>
-          <a:lstStyle/>
-          <a:p>
-            <a:r>
-              <a:rPr lang="pt-BR" dirty="0" smtClean="0"/>
-              <a:t>N</a:t>
-            </a:r>
-            <a:endParaRPr lang="pt-BR" dirty="0"/>
-          </a:p>
-        </p:txBody>
-      </p:sp>
-      <p:cxnSp>
-        <p:nvCxnSpPr>
-          <p:cNvPr id="103" name="Conector de seta reta 102"/>
-          <p:cNvCxnSpPr>
-            <a:stCxn id="132" idx="3"/>
-          </p:cNvCxnSpPr>
-          <p:nvPr/>
-        </p:nvCxnSpPr>
-        <p:spPr>
-          <a:xfrm>
-            <a:off x="10252744" y="5524179"/>
-            <a:ext cx="238953" cy="16299"/>
-          </a:xfrm>
-          <a:prstGeom prst="straightConnector1">
-            <a:avLst/>
-          </a:prstGeom>
-          <a:ln>
-            <a:tailEnd type="arrow"/>
-          </a:ln>
-        </p:spPr>
-        <p:style>
-          <a:lnRef idx="1">
-            <a:schemeClr val="accent1"/>
-          </a:lnRef>
-          <a:fillRef idx="0">
-            <a:schemeClr val="accent1"/>
-          </a:fillRef>
-          <a:effectRef idx="0">
-            <a:schemeClr val="accent1"/>
-          </a:effectRef>
-          <a:fontRef idx="minor">
-            <a:schemeClr val="tx1"/>
-          </a:fontRef>
-        </p:style>
-      </p:cxnSp>
-      <p:sp>
-        <p:nvSpPr>
-          <p:cNvPr id="151" name="CaixaDeTexto 150"/>
-          <p:cNvSpPr txBox="1"/>
-          <p:nvPr/>
-        </p:nvSpPr>
-        <p:spPr>
-          <a:xfrm>
-            <a:off x="6996379" y="4840740"/>
-            <a:ext cx="333746" cy="369332"/>
-          </a:xfrm>
-          <a:prstGeom prst="rect">
-            <a:avLst/>
-          </a:prstGeom>
-          <a:noFill/>
-        </p:spPr>
-        <p:txBody>
-          <a:bodyPr wrap="none" rtlCol="0">
-            <a:spAutoFit/>
-          </a:bodyPr>
-          <a:lstStyle/>
-          <a:p>
-            <a:r>
-              <a:rPr lang="pt-BR" dirty="0" smtClean="0"/>
-              <a:t>N</a:t>
-            </a:r>
-            <a:endParaRPr lang="pt-BR" dirty="0"/>
-          </a:p>
-        </p:txBody>
-      </p:sp>
-      <p:sp>
-        <p:nvSpPr>
-          <p:cNvPr id="152" name="Elipse 151"/>
-          <p:cNvSpPr/>
-          <p:nvPr/>
-        </p:nvSpPr>
-        <p:spPr>
-          <a:xfrm>
-            <a:off x="10491697" y="5413077"/>
-            <a:ext cx="213655" cy="238991"/>
-          </a:xfrm>
-          <a:prstGeom prst="ellipse">
-            <a:avLst/>
-          </a:prstGeom>
-        </p:spPr>
-        <p:style>
-          <a:lnRef idx="2">
-            <a:schemeClr val="accent1">
-              <a:shade val="50000"/>
-            </a:schemeClr>
-          </a:lnRef>
-          <a:fillRef idx="1">
-            <a:schemeClr val="accent1"/>
-          </a:fillRef>
-          <a:effectRef idx="0">
-            <a:schemeClr val="accent1"/>
-          </a:effectRef>
-          <a:fontRef idx="minor">
-            <a:schemeClr val="lt1"/>
-          </a:fontRef>
-        </p:style>
-        <p:txBody>
-          <a:bodyPr rtlCol="0" anchor="ctr"/>
-          <a:lstStyle/>
-          <a:p>
-            <a:pPr algn="ctr"/>
-            <a:r>
-              <a:rPr lang="pt-BR" dirty="0"/>
-              <a:t>A</a:t>
-            </a:r>
-          </a:p>
-        </p:txBody>
-      </p:sp>
-      <p:sp>
-        <p:nvSpPr>
-          <p:cNvPr id="153" name="CaixaDeTexto 152"/>
-          <p:cNvSpPr txBox="1"/>
-          <p:nvPr/>
-        </p:nvSpPr>
-        <p:spPr>
-          <a:xfrm>
-            <a:off x="10201233" y="5090636"/>
-            <a:ext cx="290464" cy="369332"/>
-          </a:xfrm>
-          <a:prstGeom prst="rect">
-            <a:avLst/>
-          </a:prstGeom>
-          <a:noFill/>
-        </p:spPr>
-        <p:txBody>
-          <a:bodyPr wrap="none" rtlCol="0">
-            <a:spAutoFit/>
-          </a:bodyPr>
-          <a:lstStyle/>
-          <a:p>
-            <a:r>
-              <a:rPr lang="pt-BR" dirty="0"/>
-              <a:t>S</a:t>
-            </a:r>
-          </a:p>
-        </p:txBody>
-      </p:sp>
-      <p:sp>
-        <p:nvSpPr>
-          <p:cNvPr id="154" name="Retângulo 153"/>
-          <p:cNvSpPr/>
-          <p:nvPr/>
-        </p:nvSpPr>
-        <p:spPr>
-          <a:xfrm>
-            <a:off x="10598523" y="4174274"/>
-            <a:ext cx="934765" cy="487797"/>
-          </a:xfrm>
-          <a:prstGeom prst="rect">
-            <a:avLst/>
-          </a:prstGeom>
-        </p:spPr>
-        <p:style>
-          <a:lnRef idx="2">
-            <a:schemeClr val="accent1">
-              <a:shade val="50000"/>
-            </a:schemeClr>
-          </a:lnRef>
-          <a:fillRef idx="1">
-            <a:schemeClr val="accent1"/>
-          </a:fillRef>
-          <a:effectRef idx="0">
-            <a:schemeClr val="accent1"/>
-          </a:effectRef>
-          <a:fontRef idx="minor">
-            <a:schemeClr val="lt1"/>
-          </a:fontRef>
-        </p:style>
-        <p:txBody>
-          <a:bodyPr rtlCol="0" anchor="ctr"/>
-          <a:lstStyle/>
-          <a:p>
-            <a:pPr algn="ctr"/>
-            <a:r>
-              <a:rPr lang="pt-BR" dirty="0" smtClean="0"/>
-              <a:t>Apaga </a:t>
-            </a:r>
-            <a:r>
-              <a:rPr lang="pt-BR" dirty="0" err="1" smtClean="0"/>
-              <a:t>tag</a:t>
-            </a:r>
-            <a:endParaRPr lang="pt-BR" dirty="0"/>
-          </a:p>
-        </p:txBody>
-      </p:sp>
-      <p:cxnSp>
-        <p:nvCxnSpPr>
-          <p:cNvPr id="110" name="Conector de seta reta 109"/>
-          <p:cNvCxnSpPr>
-            <a:stCxn id="136" idx="3"/>
-            <a:endCxn id="154" idx="1"/>
-          </p:cNvCxnSpPr>
-          <p:nvPr/>
-        </p:nvCxnSpPr>
-        <p:spPr>
-          <a:xfrm flipV="1">
-            <a:off x="10356512" y="4418173"/>
-            <a:ext cx="242011" cy="13811"/>
-          </a:xfrm>
-          <a:prstGeom prst="straightConnector1">
-            <a:avLst/>
-          </a:prstGeom>
-          <a:ln>
-            <a:tailEnd type="arrow"/>
-          </a:ln>
-        </p:spPr>
-        <p:style>
-          <a:lnRef idx="1">
-            <a:schemeClr val="accent1"/>
-          </a:lnRef>
-          <a:fillRef idx="0">
-            <a:schemeClr val="accent1"/>
-          </a:fillRef>
-          <a:effectRef idx="0">
-            <a:schemeClr val="accent1"/>
-          </a:effectRef>
-          <a:fontRef idx="minor">
-            <a:schemeClr val="tx1"/>
-          </a:fontRef>
-        </p:style>
-      </p:cxnSp>
-      <p:sp>
-        <p:nvSpPr>
-          <p:cNvPr id="159" name="CaixaDeTexto 158"/>
-          <p:cNvSpPr txBox="1"/>
-          <p:nvPr/>
-        </p:nvSpPr>
-        <p:spPr>
-          <a:xfrm>
-            <a:off x="10263135" y="3973786"/>
-            <a:ext cx="290464" cy="369332"/>
-          </a:xfrm>
-          <a:prstGeom prst="rect">
-            <a:avLst/>
-          </a:prstGeom>
-          <a:noFill/>
-        </p:spPr>
-        <p:txBody>
-          <a:bodyPr wrap="none" rtlCol="0">
-            <a:spAutoFit/>
-          </a:bodyPr>
-          <a:lstStyle/>
-          <a:p>
-            <a:r>
-              <a:rPr lang="pt-BR" dirty="0"/>
-              <a:t>S</a:t>
-            </a:r>
-          </a:p>
-        </p:txBody>
-      </p:sp>
-      <p:sp>
-        <p:nvSpPr>
-          <p:cNvPr id="161" name="Retângulo 160"/>
-          <p:cNvSpPr/>
-          <p:nvPr/>
-        </p:nvSpPr>
-        <p:spPr>
-          <a:xfrm>
-            <a:off x="9021214" y="3265445"/>
-            <a:ext cx="934765" cy="487797"/>
-          </a:xfrm>
-          <a:prstGeom prst="rect">
-            <a:avLst/>
-          </a:prstGeom>
-        </p:spPr>
-        <p:style>
-          <a:lnRef idx="2">
-            <a:schemeClr val="accent1">
-              <a:shade val="50000"/>
-            </a:schemeClr>
-          </a:lnRef>
-          <a:fillRef idx="1">
-            <a:schemeClr val="accent1"/>
-          </a:fillRef>
-          <a:effectRef idx="0">
-            <a:schemeClr val="accent1"/>
-          </a:effectRef>
-          <a:fontRef idx="minor">
-            <a:schemeClr val="lt1"/>
-          </a:fontRef>
-        </p:style>
-        <p:txBody>
-          <a:bodyPr rtlCol="0" anchor="ctr"/>
-          <a:lstStyle/>
-          <a:p>
-            <a:pPr algn="ctr"/>
-            <a:r>
-              <a:rPr lang="pt-BR" dirty="0" smtClean="0"/>
-              <a:t>insere </a:t>
-            </a:r>
-            <a:r>
-              <a:rPr lang="pt-BR" dirty="0" err="1" smtClean="0"/>
-              <a:t>tag</a:t>
-            </a:r>
-            <a:endParaRPr lang="pt-BR" dirty="0"/>
-          </a:p>
-        </p:txBody>
-      </p:sp>
-      <p:sp>
-        <p:nvSpPr>
-          <p:cNvPr id="162" name="Elipse 161"/>
-          <p:cNvSpPr/>
-          <p:nvPr/>
-        </p:nvSpPr>
-        <p:spPr>
-          <a:xfrm>
-            <a:off x="10094405" y="2571941"/>
-            <a:ext cx="213655" cy="238991"/>
-          </a:xfrm>
-          <a:prstGeom prst="ellipse">
-            <a:avLst/>
-          </a:prstGeom>
-        </p:spPr>
-        <p:style>
-          <a:lnRef idx="2">
-            <a:schemeClr val="accent1">
-              <a:shade val="50000"/>
-            </a:schemeClr>
-          </a:lnRef>
-          <a:fillRef idx="1">
-            <a:schemeClr val="accent1"/>
-          </a:fillRef>
-          <a:effectRef idx="0">
-            <a:schemeClr val="accent1"/>
-          </a:effectRef>
-          <a:fontRef idx="minor">
-            <a:schemeClr val="lt1"/>
-          </a:fontRef>
-        </p:style>
-        <p:txBody>
-          <a:bodyPr rtlCol="0" anchor="ctr"/>
-          <a:lstStyle/>
-          <a:p>
-            <a:pPr algn="ctr"/>
-            <a:endParaRPr lang="pt-BR" dirty="0"/>
-          </a:p>
-        </p:txBody>
-      </p:sp>
-      <p:cxnSp>
-        <p:nvCxnSpPr>
-          <p:cNvPr id="114" name="Conector de seta reta 113"/>
-          <p:cNvCxnSpPr>
-            <a:stCxn id="136" idx="0"/>
-            <a:endCxn id="161" idx="2"/>
-          </p:cNvCxnSpPr>
-          <p:nvPr/>
-        </p:nvCxnSpPr>
-        <p:spPr>
-          <a:xfrm flipV="1">
-            <a:off x="9488596" y="3753242"/>
-            <a:ext cx="1" cy="257219"/>
-          </a:xfrm>
-          <a:prstGeom prst="straightConnector1">
-            <a:avLst/>
-          </a:prstGeom>
-          <a:ln>
-            <a:tailEnd type="arrow"/>
-          </a:ln>
-        </p:spPr>
-        <p:style>
-          <a:lnRef idx="1">
-            <a:schemeClr val="accent1"/>
-          </a:lnRef>
-          <a:fillRef idx="0">
-            <a:schemeClr val="accent1"/>
-          </a:fillRef>
-          <a:effectRef idx="0">
-            <a:schemeClr val="accent1"/>
-          </a:effectRef>
-          <a:fontRef idx="minor">
-            <a:schemeClr val="tx1"/>
-          </a:fontRef>
-        </p:style>
-      </p:cxnSp>
-      <p:sp>
-        <p:nvSpPr>
-          <p:cNvPr id="167" name="CaixaDeTexto 166"/>
-          <p:cNvSpPr txBox="1"/>
-          <p:nvPr/>
-        </p:nvSpPr>
-        <p:spPr>
-          <a:xfrm>
-            <a:off x="9623928" y="3760944"/>
-            <a:ext cx="333746" cy="369332"/>
-          </a:xfrm>
-          <a:prstGeom prst="rect">
-            <a:avLst/>
-          </a:prstGeom>
-          <a:noFill/>
-        </p:spPr>
-        <p:txBody>
-          <a:bodyPr wrap="none" rtlCol="0">
-            <a:spAutoFit/>
-          </a:bodyPr>
-          <a:lstStyle/>
-          <a:p>
-            <a:r>
-              <a:rPr lang="pt-BR" dirty="0" smtClean="0"/>
-              <a:t>N</a:t>
-            </a:r>
-            <a:endParaRPr lang="pt-BR" dirty="0"/>
-          </a:p>
-        </p:txBody>
-      </p:sp>
-      <p:cxnSp>
-        <p:nvCxnSpPr>
-          <p:cNvPr id="119" name="Conector angulado 118"/>
-          <p:cNvCxnSpPr>
-            <a:stCxn id="161" idx="0"/>
-            <a:endCxn id="162" idx="2"/>
-          </p:cNvCxnSpPr>
-          <p:nvPr/>
-        </p:nvCxnSpPr>
-        <p:spPr>
-          <a:xfrm rot="5400000" flipH="1" flipV="1">
-            <a:off x="9504497" y="2675537"/>
-            <a:ext cx="574008" cy="605808"/>
-          </a:xfrm>
-          <a:prstGeom prst="bentConnector2">
-            <a:avLst/>
-          </a:prstGeom>
-          <a:ln>
-            <a:tailEnd type="arrow"/>
-          </a:ln>
-        </p:spPr>
-        <p:style>
-          <a:lnRef idx="1">
-            <a:schemeClr val="accent1"/>
-          </a:lnRef>
-          <a:fillRef idx="0">
-            <a:schemeClr val="accent1"/>
-          </a:fillRef>
-          <a:effectRef idx="0">
-            <a:schemeClr val="accent1"/>
-          </a:effectRef>
-          <a:fontRef idx="minor">
-            <a:schemeClr val="tx1"/>
-          </a:fontRef>
-        </p:style>
-      </p:cxnSp>
-      <p:cxnSp>
-        <p:nvCxnSpPr>
-          <p:cNvPr id="121" name="Conector angulado 120"/>
-          <p:cNvCxnSpPr>
-            <a:stCxn id="154" idx="0"/>
-            <a:endCxn id="162" idx="6"/>
-          </p:cNvCxnSpPr>
-          <p:nvPr/>
-        </p:nvCxnSpPr>
-        <p:spPr>
-          <a:xfrm rot="16200000" flipV="1">
-            <a:off x="9945565" y="3053933"/>
-            <a:ext cx="1482837" cy="757846"/>
-          </a:xfrm>
-          <a:prstGeom prst="bentConnector2">
-            <a:avLst/>
-          </a:prstGeom>
-          <a:ln>
-            <a:tailEnd type="arrow"/>
-          </a:ln>
-        </p:spPr>
-        <p:style>
-          <a:lnRef idx="1">
-            <a:schemeClr val="accent1"/>
-          </a:lnRef>
-          <a:fillRef idx="0">
-            <a:schemeClr val="accent1"/>
-          </a:fillRef>
-          <a:effectRef idx="0">
-            <a:schemeClr val="accent1"/>
-          </a:effectRef>
-          <a:fontRef idx="minor">
-            <a:schemeClr val="tx1"/>
-          </a:fontRef>
-        </p:style>
-      </p:cxnSp>
-      <p:cxnSp>
-        <p:nvCxnSpPr>
-          <p:cNvPr id="129" name="Conector reto 128"/>
-          <p:cNvCxnSpPr>
-            <a:stCxn id="162" idx="0"/>
-          </p:cNvCxnSpPr>
-          <p:nvPr/>
-        </p:nvCxnSpPr>
-        <p:spPr>
-          <a:xfrm flipH="1" flipV="1">
-            <a:off x="10201232" y="2265218"/>
-            <a:ext cx="1" cy="306723"/>
-          </a:xfrm>
-          <a:prstGeom prst="line">
-            <a:avLst/>
-          </a:prstGeom>
-        </p:spPr>
-        <p:style>
-          <a:lnRef idx="1">
-            <a:schemeClr val="accent1"/>
-          </a:lnRef>
-          <a:fillRef idx="0">
-            <a:schemeClr val="accent1"/>
-          </a:fillRef>
-          <a:effectRef idx="0">
-            <a:schemeClr val="accent1"/>
-          </a:effectRef>
-          <a:fontRef idx="minor">
-            <a:schemeClr val="tx1"/>
-          </a:fontRef>
-        </p:style>
-      </p:cxnSp>
-      <p:cxnSp>
-        <p:nvCxnSpPr>
-          <p:cNvPr id="134" name="Conector reto 133"/>
-          <p:cNvCxnSpPr/>
-          <p:nvPr/>
-        </p:nvCxnSpPr>
-        <p:spPr>
-          <a:xfrm flipH="1">
-            <a:off x="8541088" y="2265218"/>
-            <a:ext cx="1660146" cy="0"/>
-          </a:xfrm>
-          <a:prstGeom prst="line">
-            <a:avLst/>
-          </a:prstGeom>
-        </p:spPr>
-        <p:style>
-          <a:lnRef idx="1">
-            <a:schemeClr val="accent1"/>
-          </a:lnRef>
-          <a:fillRef idx="0">
-            <a:schemeClr val="accent1"/>
-          </a:fillRef>
-          <a:effectRef idx="0">
-            <a:schemeClr val="accent1"/>
-          </a:effectRef>
-          <a:fontRef idx="minor">
-            <a:schemeClr val="tx1"/>
-          </a:fontRef>
-        </p:style>
-      </p:cxnSp>
-      <p:cxnSp>
-        <p:nvCxnSpPr>
-          <p:cNvPr id="141" name="Conector reto 140"/>
-          <p:cNvCxnSpPr/>
-          <p:nvPr/>
-        </p:nvCxnSpPr>
-        <p:spPr>
-          <a:xfrm flipH="1">
-            <a:off x="8523748" y="2265218"/>
-            <a:ext cx="34681" cy="2396853"/>
-          </a:xfrm>
-          <a:prstGeom prst="line">
-            <a:avLst/>
-          </a:prstGeom>
-        </p:spPr>
-        <p:style>
-          <a:lnRef idx="1">
-            <a:schemeClr val="accent1"/>
-          </a:lnRef>
-          <a:fillRef idx="0">
-            <a:schemeClr val="accent1"/>
-          </a:fillRef>
-          <a:effectRef idx="0">
-            <a:schemeClr val="accent1"/>
-          </a:effectRef>
-          <a:fontRef idx="minor">
-            <a:schemeClr val="tx1"/>
-          </a:fontRef>
-        </p:style>
-      </p:cxnSp>
-      <p:cxnSp>
-        <p:nvCxnSpPr>
-          <p:cNvPr id="145" name="Conector reto 144"/>
-          <p:cNvCxnSpPr/>
-          <p:nvPr/>
-        </p:nvCxnSpPr>
-        <p:spPr>
-          <a:xfrm flipH="1" flipV="1">
-            <a:off x="6489857" y="4603989"/>
-            <a:ext cx="2033891" cy="58082"/>
-          </a:xfrm>
-          <a:prstGeom prst="line">
-            <a:avLst/>
-          </a:prstGeom>
-        </p:spPr>
-        <p:style>
-          <a:lnRef idx="1">
-            <a:schemeClr val="accent1"/>
-          </a:lnRef>
-          <a:fillRef idx="0">
-            <a:schemeClr val="accent1"/>
-          </a:fillRef>
-          <a:effectRef idx="0">
-            <a:schemeClr val="accent1"/>
-          </a:effectRef>
-          <a:fontRef idx="minor">
-            <a:schemeClr val="tx1"/>
-          </a:fontRef>
-        </p:style>
-      </p:cxnSp>
-      <p:cxnSp>
-        <p:nvCxnSpPr>
-          <p:cNvPr id="149" name="Conector de seta reta 148"/>
-          <p:cNvCxnSpPr>
-            <a:endCxn id="46" idx="0"/>
-          </p:cNvCxnSpPr>
-          <p:nvPr/>
-        </p:nvCxnSpPr>
-        <p:spPr>
-          <a:xfrm>
-            <a:off x="6489857" y="4603989"/>
-            <a:ext cx="1" cy="1251287"/>
-          </a:xfrm>
-          <a:prstGeom prst="straightConnector1">
-            <a:avLst/>
-          </a:prstGeom>
-          <a:ln>
-            <a:tailEnd type="arrow"/>
-          </a:ln>
-        </p:spPr>
-        <p:style>
-          <a:lnRef idx="1">
-            <a:schemeClr val="accent1"/>
-          </a:lnRef>
-          <a:fillRef idx="0">
-            <a:schemeClr val="accent1"/>
-          </a:fillRef>
-          <a:effectRef idx="0">
-            <a:schemeClr val="accent1"/>
-          </a:effectRef>
-          <a:fontRef idx="minor">
-            <a:schemeClr val="tx1"/>
-          </a:fontRef>
-        </p:style>
-      </p:cxnSp>
-      <p:sp>
-        <p:nvSpPr>
-          <p:cNvPr id="83" name="CaixaDeTexto 82"/>
-          <p:cNvSpPr txBox="1"/>
-          <p:nvPr/>
-        </p:nvSpPr>
-        <p:spPr>
-          <a:xfrm>
-            <a:off x="3700044" y="5439146"/>
-            <a:ext cx="290464" cy="369332"/>
-          </a:xfrm>
-          <a:prstGeom prst="rect">
-            <a:avLst/>
-          </a:prstGeom>
-          <a:noFill/>
-        </p:spPr>
-        <p:txBody>
-          <a:bodyPr wrap="none" rtlCol="0">
-            <a:spAutoFit/>
-          </a:bodyPr>
-          <a:lstStyle/>
-          <a:p>
-            <a:r>
-              <a:rPr lang="pt-BR" dirty="0"/>
-              <a:t>S</a:t>
-            </a:r>
           </a:p>
         </p:txBody>
       </p:sp>
@@ -11963,16 +10286,7 @@
                 </a:solidFill>
                 <a:latin typeface="Rockwell Condensed" panose="02060603050405020104" pitchFamily="18" charset="0"/>
               </a:rPr>
-              <a:t>Fluxograma </a:t>
-            </a:r>
-            <a:r>
-              <a:rPr lang="pt-BR" sz="3200" dirty="0" smtClean="0">
-                <a:solidFill>
-                  <a:srgbClr val="FF0000"/>
-                </a:solidFill>
-                <a:latin typeface="Rockwell Condensed" panose="02060603050405020104" pitchFamily="18" charset="0"/>
-              </a:rPr>
-              <a:t>da metodologia utilizada no desenvolvimento projeto</a:t>
+              <a:t>Fluxograma da metodologia utilizada no desenvolvimento projeto</a:t>
             </a:r>
             <a:endParaRPr lang="pt-BR" sz="3200" dirty="0">
               <a:solidFill>
@@ -12082,11 +10396,7 @@
             <a:pPr algn="ctr"/>
             <a:r>
               <a:rPr lang="pt-BR" dirty="0" smtClean="0"/>
-              <a:t>Teste individual de cada componente pesquisado foi satisfatório</a:t>
-            </a:r>
-            <a:r>
-              <a:rPr lang="pt-BR" dirty="0" smtClean="0"/>
-              <a:t>?</a:t>
+              <a:t>Teste individual de cada componente pesquisado foi satisfatório?</a:t>
             </a:r>
             <a:endParaRPr lang="pt-BR" dirty="0"/>
           </a:p>
@@ -12657,11 +10967,7 @@
             <a:pPr algn="ctr"/>
             <a:r>
               <a:rPr lang="pt-BR" dirty="0" smtClean="0"/>
-              <a:t>Realização de testes gerais no projeto, satisfatório</a:t>
-            </a:r>
-            <a:r>
-              <a:rPr lang="pt-BR" dirty="0" smtClean="0"/>
-              <a:t>?</a:t>
+              <a:t>Realização de testes gerais no projeto, satisfatório?</a:t>
             </a:r>
             <a:endParaRPr lang="pt-BR" dirty="0"/>
           </a:p>
@@ -21445,7 +19751,7 @@
   <a:extraClrSchemeLst/>
   <a:extLst>
     <a:ext uri="{05A4C25C-085E-4340-85A3-A5531E510DB2}">
-      <thm15:themeFamily xmlns:thm15="http://schemas.microsoft.com/office/thememl/2012/main" xmlns="" name="Office Theme" id="{62F939B6-93AF-4DB8-9C6B-D6C7DFDC589F}" vid="{4A3C46E8-61CC-4603-A589-7422A47A8E4A}"/>
+      <thm15:themeFamily xmlns="" xmlns:thm15="http://schemas.microsoft.com/office/thememl/2012/main" name="Office Theme" id="{62F939B6-93AF-4DB8-9C6B-D6C7DFDC589F}" vid="{4A3C46E8-61CC-4603-A589-7422A47A8E4A}"/>
     </a:ext>
   </a:extLst>
 </a:theme>
@@ -21706,7 +20012,7 @@
   <a:extraClrSchemeLst/>
   <a:extLst>
     <a:ext uri="{05A4C25C-085E-4340-85A3-A5531E510DB2}">
-      <thm15:themeFamily xmlns:thm15="http://schemas.microsoft.com/office/thememl/2012/main" xmlns="" name="Office Theme" id="{62F939B6-93AF-4DB8-9C6B-D6C7DFDC589F}" vid="{4A3C46E8-61CC-4603-A589-7422A47A8E4A}"/>
+      <thm15:themeFamily xmlns="" xmlns:thm15="http://schemas.microsoft.com/office/thememl/2012/main" name="Office Theme" id="{62F939B6-93AF-4DB8-9C6B-D6C7DFDC589F}" vid="{4A3C46E8-61CC-4603-A589-7422A47A8E4A}"/>
     </a:ext>
   </a:extLst>
 </a:theme>

--- a/apresentação/Apresentação.pptx
+++ b/apresentação/Apresentação.pptx
@@ -134,7 +134,7 @@
   </p:defaultTextStyle>
   <p:extLst>
     <p:ext uri="{EFAFB233-063F-42B5-8137-9DF3F51BA10A}">
-      <p15:sldGuideLst xmlns="" xmlns:p15="http://schemas.microsoft.com/office/powerpoint/2012/main">
+      <p15:sldGuideLst xmlns:p15="http://schemas.microsoft.com/office/powerpoint/2012/main" xmlns="">
         <p15:guide id="1" orient="horz" pos="2160">
           <p15:clr>
             <a:srgbClr val="A4A3A4"/>
@@ -234,7 +234,7 @@
             <a:fld id="{218263C8-CAE2-452B-807D-4C703AE228A9}" type="datetimeFigureOut">
               <a:rPr lang="pt-BR" smtClean="0"/>
               <a:pPr/>
-              <a:t>06/03/2018</a:t>
+              <a:t>08/03/2018</a:t>
             </a:fld>
             <a:endParaRPr lang="pt-BR"/>
           </a:p>
@@ -720,7 +720,7 @@
             <a:fld id="{1D7B8B0D-CDBB-4942-BC3E-BDC885F34957}" type="datetime1">
               <a:rPr lang="pt-BR" smtClean="0"/>
               <a:pPr/>
-              <a:t>06/03/2018</a:t>
+              <a:t>08/03/2018</a:t>
             </a:fld>
             <a:endParaRPr lang="pt-BR"/>
           </a:p>
@@ -896,7 +896,7 @@
             <a:fld id="{B075492A-4FA5-4A15-91D8-9462636EA097}" type="datetime1">
               <a:rPr lang="pt-BR" smtClean="0"/>
               <a:pPr/>
-              <a:t>06/03/2018</a:t>
+              <a:t>08/03/2018</a:t>
             </a:fld>
             <a:endParaRPr lang="pt-BR"/>
           </a:p>
@@ -1082,7 +1082,7 @@
             <a:fld id="{D7D750F9-D17F-4A3A-B336-82E9E5E36056}" type="datetime1">
               <a:rPr lang="pt-BR" smtClean="0"/>
               <a:pPr/>
-              <a:t>06/03/2018</a:t>
+              <a:t>08/03/2018</a:t>
             </a:fld>
             <a:endParaRPr lang="pt-BR"/>
           </a:p>
@@ -1258,7 +1258,7 @@
             <a:fld id="{F18B65B7-74A1-4119-84DA-90926486EA44}" type="datetime1">
               <a:rPr lang="pt-BR" smtClean="0"/>
               <a:pPr/>
-              <a:t>06/03/2018</a:t>
+              <a:t>08/03/2018</a:t>
             </a:fld>
             <a:endParaRPr lang="pt-BR"/>
           </a:p>
@@ -1540,7 +1540,7 @@
             <a:fld id="{FDD286B5-6D8D-4EA5-8AAB-CDA8C13F810D}" type="datetime1">
               <a:rPr lang="pt-BR" smtClean="0"/>
               <a:pPr/>
-              <a:t>06/03/2018</a:t>
+              <a:t>08/03/2018</a:t>
             </a:fld>
             <a:endParaRPr lang="pt-BR"/>
           </a:p>
@@ -1778,7 +1778,7 @@
             <a:fld id="{BC63E735-0179-41E7-8DC3-74CED378217D}" type="datetime1">
               <a:rPr lang="pt-BR" smtClean="0"/>
               <a:pPr/>
-              <a:t>06/03/2018</a:t>
+              <a:t>08/03/2018</a:t>
             </a:fld>
             <a:endParaRPr lang="pt-BR"/>
           </a:p>
@@ -2151,7 +2151,7 @@
             <a:fld id="{59AA998E-87EE-4A03-B319-74F214514B6B}" type="datetime1">
               <a:rPr lang="pt-BR" smtClean="0"/>
               <a:pPr/>
-              <a:t>06/03/2018</a:t>
+              <a:t>08/03/2018</a:t>
             </a:fld>
             <a:endParaRPr lang="pt-BR"/>
           </a:p>
@@ -2275,7 +2275,7 @@
             <a:fld id="{BEE091FC-907C-4326-AFD0-FCF8C2FCD8C6}" type="datetime1">
               <a:rPr lang="pt-BR" smtClean="0"/>
               <a:pPr/>
-              <a:t>06/03/2018</a:t>
+              <a:t>08/03/2018</a:t>
             </a:fld>
             <a:endParaRPr lang="pt-BR"/>
           </a:p>
@@ -2376,7 +2376,7 @@
             <a:fld id="{88CA3AC6-0146-4B9A-8317-06DA962E26B3}" type="datetime1">
               <a:rPr lang="pt-BR" smtClean="0"/>
               <a:pPr/>
-              <a:t>06/03/2018</a:t>
+              <a:t>08/03/2018</a:t>
             </a:fld>
             <a:endParaRPr lang="pt-BR"/>
           </a:p>
@@ -2659,7 +2659,7 @@
             <a:fld id="{6AA6AB33-8A5F-4EB0-8265-64AD54D2922F}" type="datetime1">
               <a:rPr lang="pt-BR" smtClean="0"/>
               <a:pPr/>
-              <a:t>06/03/2018</a:t>
+              <a:t>08/03/2018</a:t>
             </a:fld>
             <a:endParaRPr lang="pt-BR"/>
           </a:p>
@@ -2918,7 +2918,7 @@
             <a:fld id="{59D83328-E52B-496D-8D9B-1EB9C9BF2321}" type="datetime1">
               <a:rPr lang="pt-BR" smtClean="0"/>
               <a:pPr/>
-              <a:t>06/03/2018</a:t>
+              <a:t>08/03/2018</a:t>
             </a:fld>
             <a:endParaRPr lang="pt-BR"/>
           </a:p>
@@ -3137,7 +3137,7 @@
             <a:fld id="{884AA605-E3A0-4E4E-A893-06E068C17BFB}" type="datetime1">
               <a:rPr lang="pt-BR" smtClean="0"/>
               <a:pPr/>
-              <a:t>06/03/2018</a:t>
+              <a:t>08/03/2018</a:t>
             </a:fld>
             <a:endParaRPr lang="pt-BR"/>
           </a:p>
@@ -5927,24 +5927,18 @@
       </p:sp>
       <p:sp>
         <p:nvSpPr>
-          <p:cNvPr id="10" name="Retângulo 9"/>
+          <p:cNvPr id="2" name="Retângulo 1"/>
           <p:cNvSpPr/>
           <p:nvPr/>
         </p:nvSpPr>
         <p:spPr>
           <a:xfrm>
-            <a:off x="566669" y="1694328"/>
-            <a:ext cx="11050073" cy="4590561"/>
+            <a:off x="3088023" y="2643073"/>
+            <a:ext cx="757253" cy="322118"/>
           </a:xfrm>
           <a:prstGeom prst="rect">
             <a:avLst/>
           </a:prstGeom>
-          <a:noFill/>
-          <a:ln w="28575">
-            <a:solidFill>
-              <a:srgbClr val="7030A0"/>
-            </a:solidFill>
-          </a:ln>
         </p:spPr>
         <p:style>
           <a:lnRef idx="2">
@@ -5967,122 +5961,26 @@
           <a:lstStyle/>
           <a:p>
             <a:pPr algn="ctr"/>
-            <a:endParaRPr lang="pt-BR"/>
-          </a:p>
-        </p:txBody>
-      </p:sp>
-      <p:sp>
-        <p:nvSpPr>
-          <p:cNvPr id="11" name="Título 1"/>
-          <p:cNvSpPr>
-            <a:spLocks noGrp="1"/>
-          </p:cNvSpPr>
-          <p:nvPr>
-            <p:ph type="title"/>
-          </p:nvPr>
-        </p:nvSpPr>
-        <p:spPr>
-          <a:xfrm>
-            <a:off x="3730222" y="1227910"/>
-            <a:ext cx="4291200" cy="948374"/>
-          </a:xfrm>
-          <a:prstGeom prst="flowChartAlternateProcess">
-            <a:avLst/>
-          </a:prstGeom>
-          <a:solidFill>
-            <a:srgbClr val="D7AFFF"/>
-          </a:solidFill>
-        </p:spPr>
-        <p:txBody>
-          <a:bodyPr>
-            <a:normAutofit fontScale="90000"/>
-          </a:bodyPr>
-          <a:lstStyle/>
-          <a:p>
-            <a:pPr algn="ctr"/>
-            <a:r>
-              <a:rPr lang="pt-BR" sz="4000" dirty="0" smtClean="0">
-                <a:latin typeface="Rockwell Condensed" panose="02060603050405020104" pitchFamily="18" charset="0"/>
-                <a:cs typeface="Times New Roman" panose="02020603050405020304" pitchFamily="18" charset="0"/>
-              </a:rPr>
-              <a:t>METODOLOGIA E DESENVOLVIMENTO</a:t>
-            </a:r>
-            <a:endParaRPr lang="pt-BR" sz="4000" dirty="0">
-              <a:latin typeface="Rockwell Condensed" panose="02060603050405020104" pitchFamily="18" charset="0"/>
-              <a:cs typeface="Times New Roman" panose="02020603050405020304" pitchFamily="18" charset="0"/>
-            </a:endParaRPr>
-          </a:p>
-        </p:txBody>
-      </p:sp>
-      <p:sp>
-        <p:nvSpPr>
-          <p:cNvPr id="17" name="Retângulo 16"/>
+            <a:r>
+              <a:rPr lang="pt-BR" dirty="0" smtClean="0"/>
+              <a:t>inicio</a:t>
+            </a:r>
+            <a:endParaRPr lang="pt-BR" dirty="0"/>
+          </a:p>
+        </p:txBody>
+      </p:sp>
+      <p:sp>
+        <p:nvSpPr>
+          <p:cNvPr id="3" name="Elipse 2"/>
           <p:cNvSpPr/>
           <p:nvPr/>
         </p:nvSpPr>
         <p:spPr>
           <a:xfrm>
-            <a:off x="874120" y="2176284"/>
-            <a:ext cx="9990085" cy="1508105"/>
-          </a:xfrm>
-          <a:prstGeom prst="rect">
-            <a:avLst/>
-          </a:prstGeom>
-        </p:spPr>
-        <p:txBody>
-          <a:bodyPr wrap="square">
-            <a:spAutoFit/>
-          </a:bodyPr>
-          <a:lstStyle/>
-          <a:p>
-            <a:pPr marL="109728" algn="ctr"/>
-            <a:r>
-              <a:rPr lang="pt-BR" sz="3200" dirty="0" smtClean="0">
-                <a:solidFill>
-                  <a:srgbClr val="FF0000"/>
-                </a:solidFill>
-                <a:latin typeface="Rockwell Condensed" panose="02060603050405020104" pitchFamily="18" charset="0"/>
-              </a:rPr>
-              <a:t>Fluxograma de funcionamento</a:t>
-            </a:r>
-            <a:endParaRPr lang="pt-BR" sz="3200" dirty="0">
-              <a:solidFill>
-                <a:srgbClr val="FF0000"/>
-              </a:solidFill>
-              <a:latin typeface="Rockwell Condensed" panose="02060603050405020104" pitchFamily="18" charset="0"/>
-            </a:endParaRPr>
-          </a:p>
-          <a:p>
-            <a:pPr marL="109728" algn="ctr"/>
-            <a:endParaRPr lang="pt-BR" sz="3200" dirty="0">
-              <a:solidFill>
-                <a:srgbClr val="FF0000"/>
-              </a:solidFill>
-              <a:latin typeface="Rockwell Condensed" panose="02060603050405020104" pitchFamily="18" charset="0"/>
-            </a:endParaRPr>
-          </a:p>
-          <a:p>
-            <a:pPr marL="109728" indent="0" algn="ctr">
-              <a:buNone/>
-            </a:pPr>
-            <a:endParaRPr lang="pt-BR" sz="2800" dirty="0" smtClean="0">
-              <a:latin typeface="Rockwell Condensed" panose="02060603050405020104" pitchFamily="18" charset="0"/>
-            </a:endParaRPr>
-          </a:p>
-        </p:txBody>
-      </p:sp>
-      <p:sp>
-        <p:nvSpPr>
-          <p:cNvPr id="2" name="Retângulo 1"/>
-          <p:cNvSpPr/>
-          <p:nvPr/>
-        </p:nvSpPr>
-        <p:spPr>
-          <a:xfrm>
-            <a:off x="3088023" y="2643073"/>
-            <a:ext cx="757253" cy="322118"/>
-          </a:xfrm>
-          <a:prstGeom prst="rect">
+            <a:off x="3362739" y="3214473"/>
+            <a:ext cx="213655" cy="238991"/>
+          </a:xfrm>
+          <a:prstGeom prst="ellipse">
             <a:avLst/>
           </a:prstGeom>
         </p:spPr>
@@ -6108,25 +6006,60 @@
           <a:p>
             <a:pPr algn="ctr"/>
             <a:r>
-              <a:rPr lang="pt-BR" dirty="0" smtClean="0"/>
-              <a:t>inicio</a:t>
-            </a:r>
-            <a:endParaRPr lang="pt-BR" dirty="0"/>
-          </a:p>
-        </p:txBody>
-      </p:sp>
-      <p:sp>
-        <p:nvSpPr>
-          <p:cNvPr id="3" name="Elipse 2"/>
+              <a:rPr lang="pt-BR" dirty="0"/>
+              <a:t>A</a:t>
+            </a:r>
+          </a:p>
+        </p:txBody>
+      </p:sp>
+      <p:cxnSp>
+        <p:nvCxnSpPr>
+          <p:cNvPr id="6" name="Conector de seta reta 5"/>
+          <p:cNvCxnSpPr>
+            <a:stCxn id="2" idx="2"/>
+            <a:endCxn id="3" idx="0"/>
+          </p:cNvCxnSpPr>
+          <p:nvPr/>
+        </p:nvCxnSpPr>
+        <p:spPr>
+          <a:xfrm>
+            <a:off x="3466650" y="2965191"/>
+            <a:ext cx="2917" cy="249282"/>
+          </a:xfrm>
+          <a:prstGeom prst="straightConnector1">
+            <a:avLst/>
+          </a:prstGeom>
+          <a:ln>
+            <a:tailEnd type="arrow"/>
+          </a:ln>
+        </p:spPr>
+        <p:style>
+          <a:lnRef idx="1">
+            <a:schemeClr val="accent1"/>
+          </a:lnRef>
+          <a:fillRef idx="0">
+            <a:schemeClr val="accent1"/>
+          </a:fillRef>
+          <a:effectRef idx="0">
+            <a:schemeClr val="accent1"/>
+          </a:effectRef>
+          <a:fontRef idx="minor">
+            <a:schemeClr val="tx1"/>
+          </a:fontRef>
+        </p:style>
+      </p:cxnSp>
+      <p:sp>
+        <p:nvSpPr>
+          <p:cNvPr id="7" name="Losango 6"/>
           <p:cNvSpPr/>
           <p:nvPr/>
         </p:nvSpPr>
         <p:spPr>
           <a:xfrm>
-            <a:off x="3362739" y="3214473"/>
-            <a:ext cx="213655" cy="238991"/>
-          </a:xfrm>
-          <a:prstGeom prst="ellipse">
+            <a:off x="2805618" y="3673296"/>
+            <a:ext cx="1327897" cy="843045"/>
+          </a:xfrm>
+          <a:prstGeom prst="diamond">
             <a:avLst/>
           </a:prstGeom>
         </p:spPr>
@@ -6152,95 +6085,8 @@
           <a:p>
             <a:pPr algn="ctr"/>
             <a:r>
-              <a:rPr lang="pt-BR" dirty="0"/>
-              <a:t>A</a:t>
-            </a:r>
-          </a:p>
-        </p:txBody>
-      </p:sp>
-      <p:cxnSp>
-        <p:nvCxnSpPr>
-          <p:cNvPr id="6" name="Conector de seta reta 5"/>
-          <p:cNvCxnSpPr>
-            <a:stCxn id="2" idx="2"/>
-            <a:endCxn id="3" idx="0"/>
-          </p:cNvCxnSpPr>
-          <p:nvPr/>
-        </p:nvCxnSpPr>
-        <p:spPr>
-          <a:xfrm>
-            <a:off x="3466650" y="2965191"/>
-            <a:ext cx="2917" cy="249282"/>
-          </a:xfrm>
-          <a:prstGeom prst="straightConnector1">
-            <a:avLst/>
-          </a:prstGeom>
-          <a:ln>
-            <a:tailEnd type="arrow"/>
-          </a:ln>
-        </p:spPr>
-        <p:style>
-          <a:lnRef idx="1">
-            <a:schemeClr val="accent1"/>
-          </a:lnRef>
-          <a:fillRef idx="0">
-            <a:schemeClr val="accent1"/>
-          </a:fillRef>
-          <a:effectRef idx="0">
-            <a:schemeClr val="accent1"/>
-          </a:effectRef>
-          <a:fontRef idx="minor">
-            <a:schemeClr val="tx1"/>
-          </a:fontRef>
-        </p:style>
-      </p:cxnSp>
-      <p:sp>
-        <p:nvSpPr>
-          <p:cNvPr id="7" name="Losango 6"/>
-          <p:cNvSpPr/>
-          <p:nvPr/>
-        </p:nvSpPr>
-        <p:spPr>
-          <a:xfrm>
-            <a:off x="2805618" y="3673296"/>
-            <a:ext cx="1327897" cy="843045"/>
-          </a:xfrm>
-          <a:prstGeom prst="diamond">
-            <a:avLst/>
-          </a:prstGeom>
-        </p:spPr>
-        <p:style>
-          <a:lnRef idx="2">
-            <a:schemeClr val="accent1">
-              <a:shade val="50000"/>
-            </a:schemeClr>
-          </a:lnRef>
-          <a:fillRef idx="1">
-            <a:schemeClr val="accent1"/>
-          </a:fillRef>
-          <a:effectRef idx="0">
-            <a:schemeClr val="accent1"/>
-          </a:effectRef>
-          <a:fontRef idx="minor">
-            <a:schemeClr val="lt1"/>
-          </a:fontRef>
-        </p:style>
-        <p:txBody>
-          <a:bodyPr rtlCol="0" anchor="ctr"/>
-          <a:lstStyle/>
-          <a:p>
-            <a:pPr algn="ctr"/>
-            <a:r>
               <a:rPr lang="pt-BR" dirty="0" smtClean="0"/>
-              <a:t>Tem </a:t>
-            </a:r>
-            <a:r>
-              <a:rPr lang="pt-BR" dirty="0" err="1" smtClean="0"/>
-              <a:t>tag</a:t>
-            </a:r>
-            <a:r>
-              <a:rPr lang="pt-BR" dirty="0" smtClean="0"/>
-              <a:t>?</a:t>
+              <a:t>Tem tag?</a:t>
             </a:r>
             <a:endParaRPr lang="pt-BR" dirty="0"/>
           </a:p>
@@ -6559,15 +6405,7 @@
             <a:pPr algn="ctr"/>
             <a:r>
               <a:rPr lang="pt-BR" dirty="0" smtClean="0"/>
-              <a:t>É o </a:t>
-            </a:r>
-            <a:r>
-              <a:rPr lang="pt-BR" dirty="0" err="1" smtClean="0"/>
-              <a:t>Adm</a:t>
-            </a:r>
-            <a:r>
-              <a:rPr lang="pt-BR" dirty="0" smtClean="0"/>
-              <a:t>?</a:t>
+              <a:t>É o Adm?</a:t>
             </a:r>
             <a:endParaRPr lang="pt-BR" dirty="0"/>
           </a:p>
@@ -6977,12 +6815,12 @@
           <a:p>
             <a:pPr algn="ctr"/>
             <a:r>
-              <a:rPr lang="pt-BR" dirty="0" err="1" smtClean="0"/>
-              <a:t>Tag</a:t>
-            </a:r>
-            <a:r>
               <a:rPr lang="pt-BR" dirty="0" smtClean="0"/>
-              <a:t> habilitada?</a:t>
+              <a:t>Tag </a:t>
+            </a:r>
+            <a:r>
+              <a:rPr lang="pt-BR" dirty="0" smtClean="0"/>
+              <a:t>habilitada?</a:t>
             </a:r>
             <a:endParaRPr lang="pt-BR" dirty="0"/>
           </a:p>
@@ -7397,12 +7235,12 @@
           <a:p>
             <a:pPr algn="ctr"/>
             <a:r>
-              <a:rPr lang="pt-BR" dirty="0" err="1" smtClean="0"/>
-              <a:t>Tag</a:t>
-            </a:r>
-            <a:r>
               <a:rPr lang="pt-BR" dirty="0" smtClean="0"/>
-              <a:t> cadastrada?</a:t>
+              <a:t>Tag </a:t>
+            </a:r>
+            <a:r>
+              <a:rPr lang="pt-BR" dirty="0" smtClean="0"/>
+              <a:t>cadastrada?</a:t>
             </a:r>
             <a:endParaRPr lang="pt-BR" dirty="0"/>
           </a:p>
@@ -7816,15 +7654,7 @@
             <a:pPr algn="ctr"/>
             <a:r>
               <a:rPr lang="pt-BR" dirty="0" smtClean="0"/>
-              <a:t>Tem </a:t>
-            </a:r>
-            <a:r>
-              <a:rPr lang="pt-BR" dirty="0" err="1" smtClean="0"/>
-              <a:t>tag</a:t>
-            </a:r>
-            <a:r>
-              <a:rPr lang="pt-BR" dirty="0" smtClean="0"/>
-              <a:t>?</a:t>
+              <a:t>Tem tag?</a:t>
             </a:r>
             <a:endParaRPr lang="pt-BR" dirty="0"/>
           </a:p>
@@ -7946,15 +7776,7 @@
             <a:pPr algn="ctr"/>
             <a:r>
               <a:rPr lang="pt-BR" dirty="0" smtClean="0"/>
-              <a:t>É o </a:t>
-            </a:r>
-            <a:r>
-              <a:rPr lang="pt-BR" dirty="0" err="1" smtClean="0"/>
-              <a:t>Adm</a:t>
-            </a:r>
-            <a:r>
-              <a:rPr lang="pt-BR" dirty="0" smtClean="0"/>
-              <a:t>?</a:t>
+              <a:t>É o Adm?</a:t>
             </a:r>
             <a:endParaRPr lang="pt-BR" dirty="0"/>
           </a:p>
@@ -8062,12 +7884,12 @@
           <a:p>
             <a:pPr algn="ctr"/>
             <a:r>
-              <a:rPr lang="pt-BR" dirty="0" err="1" smtClean="0"/>
-              <a:t>Tag</a:t>
-            </a:r>
-            <a:r>
               <a:rPr lang="pt-BR" dirty="0" smtClean="0"/>
-              <a:t> existe?</a:t>
+              <a:t>Tag </a:t>
+            </a:r>
+            <a:r>
+              <a:rPr lang="pt-BR" dirty="0" smtClean="0"/>
+              <a:t>existe?</a:t>
             </a:r>
             <a:endParaRPr lang="pt-BR" dirty="0"/>
           </a:p>
@@ -8344,11 +8166,7 @@
             <a:pPr algn="ctr"/>
             <a:r>
               <a:rPr lang="pt-BR" dirty="0" smtClean="0"/>
-              <a:t>Apaga </a:t>
-            </a:r>
-            <a:r>
-              <a:rPr lang="pt-BR" dirty="0" err="1" smtClean="0"/>
-              <a:t>tag</a:t>
+              <a:t>Apaga tag</a:t>
             </a:r>
             <a:endParaRPr lang="pt-BR" dirty="0"/>
           </a:p>
@@ -8457,11 +8275,7 @@
             <a:pPr algn="ctr"/>
             <a:r>
               <a:rPr lang="pt-BR" dirty="0" smtClean="0"/>
-              <a:t>insere </a:t>
-            </a:r>
-            <a:r>
-              <a:rPr lang="pt-BR" dirty="0" err="1" smtClean="0"/>
-              <a:t>tag</a:t>
+              <a:t>insere tag</a:t>
             </a:r>
             <a:endParaRPr lang="pt-BR" dirty="0"/>
           </a:p>
@@ -9053,15 +8867,7 @@
             <a:pPr algn="ctr"/>
             <a:r>
               <a:rPr lang="pt-BR" dirty="0" smtClean="0"/>
-              <a:t>Tem </a:t>
-            </a:r>
-            <a:r>
-              <a:rPr lang="pt-BR" dirty="0" err="1" smtClean="0"/>
-              <a:t>tag</a:t>
-            </a:r>
-            <a:r>
-              <a:rPr lang="pt-BR" dirty="0" smtClean="0"/>
-              <a:t>?</a:t>
+              <a:t>Tem tag?</a:t>
             </a:r>
             <a:endParaRPr lang="pt-BR" dirty="0"/>
           </a:p>
@@ -9383,15 +9189,7 @@
             <a:pPr algn="ctr"/>
             <a:r>
               <a:rPr lang="pt-BR" dirty="0" smtClean="0"/>
-              <a:t>Envia a </a:t>
-            </a:r>
-            <a:r>
-              <a:rPr lang="pt-BR" dirty="0" err="1" smtClean="0"/>
-              <a:t>tag</a:t>
-            </a:r>
-            <a:r>
-              <a:rPr lang="pt-BR" dirty="0" smtClean="0"/>
-              <a:t> para o servidor.</a:t>
+              <a:t>Envia a tag para o servidor.</a:t>
             </a:r>
             <a:endParaRPr lang="pt-BR" dirty="0"/>
           </a:p>
@@ -9500,15 +9298,7 @@
             <a:pPr algn="ctr"/>
             <a:r>
               <a:rPr lang="pt-BR" dirty="0" smtClean="0"/>
-              <a:t>Erro ao enviar a </a:t>
-            </a:r>
-            <a:r>
-              <a:rPr lang="pt-BR" dirty="0" err="1" smtClean="0"/>
-              <a:t>tag</a:t>
-            </a:r>
-            <a:r>
-              <a:rPr lang="pt-BR" dirty="0" smtClean="0"/>
-              <a:t> para o servidor</a:t>
+              <a:t>Erro ao enviar a tag para o servidor</a:t>
             </a:r>
             <a:endParaRPr lang="pt-BR" dirty="0"/>
           </a:p>
@@ -9552,15 +9342,7 @@
             <a:pPr algn="ctr"/>
             <a:r>
               <a:rPr lang="pt-BR" dirty="0" smtClean="0"/>
-              <a:t>Acende o </a:t>
-            </a:r>
-            <a:r>
-              <a:rPr lang="pt-BR" dirty="0" err="1" smtClean="0"/>
-              <a:t>led</a:t>
-            </a:r>
-            <a:r>
-              <a:rPr lang="pt-BR" dirty="0" smtClean="0"/>
-              <a:t> vermelho</a:t>
+              <a:t>Acende o led vermelho</a:t>
             </a:r>
             <a:endParaRPr lang="pt-BR" dirty="0"/>
           </a:p>
@@ -9720,15 +9502,7 @@
             <a:pPr algn="ctr"/>
             <a:r>
               <a:rPr lang="pt-BR" dirty="0" smtClean="0"/>
-              <a:t>Acende o </a:t>
-            </a:r>
-            <a:r>
-              <a:rPr lang="pt-BR" dirty="0" err="1" smtClean="0"/>
-              <a:t>led</a:t>
-            </a:r>
-            <a:r>
-              <a:rPr lang="pt-BR" dirty="0" smtClean="0"/>
-              <a:t> verde</a:t>
+              <a:t>Acende o led verde</a:t>
             </a:r>
             <a:endParaRPr lang="pt-BR" dirty="0"/>
           </a:p>
@@ -9808,11 +9582,7 @@
             <a:pPr algn="ctr"/>
             <a:r>
               <a:rPr lang="pt-BR" dirty="0" smtClean="0"/>
-              <a:t>Inseriu no banco de dados</a:t>
-            </a:r>
-            <a:r>
-              <a:rPr lang="pt-BR" dirty="0" smtClean="0"/>
-              <a:t>?</a:t>
+              <a:t>Inseriu no banco de dados?</a:t>
             </a:r>
             <a:endParaRPr lang="pt-BR" dirty="0"/>
           </a:p>
@@ -9892,15 +9662,7 @@
             <a:pPr algn="ctr"/>
             <a:r>
               <a:rPr lang="pt-BR" dirty="0" smtClean="0"/>
-              <a:t>Acende o </a:t>
-            </a:r>
-            <a:r>
-              <a:rPr lang="pt-BR" dirty="0" err="1" smtClean="0"/>
-              <a:t>led</a:t>
-            </a:r>
-            <a:r>
-              <a:rPr lang="pt-BR" dirty="0" smtClean="0"/>
-              <a:t> vermelho</a:t>
+              <a:t>Acende o led vermelho</a:t>
             </a:r>
             <a:endParaRPr lang="pt-BR" dirty="0"/>
           </a:p>
@@ -10160,160 +9922,6 @@
           <a:chExt cx="0" cy="0"/>
         </a:xfrm>
       </p:grpSpPr>
-      <p:sp>
-        <p:nvSpPr>
-          <p:cNvPr id="5" name="Espaço Reservado para Número de Slide 4"/>
-          <p:cNvSpPr>
-            <a:spLocks noGrp="1"/>
-          </p:cNvSpPr>
-          <p:nvPr>
-            <p:ph type="sldNum" sz="quarter" idx="12"/>
-          </p:nvPr>
-        </p:nvSpPr>
-        <p:spPr/>
-        <p:txBody>
-          <a:bodyPr/>
-          <a:lstStyle/>
-          <a:p>
-            <a:fld id="{07E976CE-6A88-4DF5-9FE0-D445D452ABB2}" type="slidenum">
-              <a:rPr lang="pt-BR" smtClean="0"/>
-              <a:t>16</a:t>
-            </a:fld>
-            <a:endParaRPr lang="pt-BR" dirty="0"/>
-          </a:p>
-        </p:txBody>
-      </p:sp>
-      <p:sp>
-        <p:nvSpPr>
-          <p:cNvPr id="8" name="Espaço Reservado para Rodapé 9"/>
-          <p:cNvSpPr>
-            <a:spLocks noGrp="1"/>
-          </p:cNvSpPr>
-          <p:nvPr>
-            <p:ph type="ftr" sz="quarter" idx="11"/>
-          </p:nvPr>
-        </p:nvSpPr>
-        <p:spPr>
-          <a:xfrm>
-            <a:off x="4034305" y="6377132"/>
-            <a:ext cx="4114800" cy="365125"/>
-          </a:xfrm>
-        </p:spPr>
-        <p:txBody>
-          <a:bodyPr/>
-          <a:lstStyle/>
-          <a:p>
-            <a:r>
-              <a:rPr lang="pt-BR" dirty="0" smtClean="0"/>
-              <a:t>Manaus (AM) – Fevereiro de 2018</a:t>
-            </a:r>
-            <a:endParaRPr lang="pt-BR" dirty="0"/>
-          </a:p>
-        </p:txBody>
-      </p:sp>
-      <p:sp>
-        <p:nvSpPr>
-          <p:cNvPr id="10" name="Retângulo 9"/>
-          <p:cNvSpPr/>
-          <p:nvPr/>
-        </p:nvSpPr>
-        <p:spPr>
-          <a:xfrm>
-            <a:off x="566669" y="1694328"/>
-            <a:ext cx="11050073" cy="4590561"/>
-          </a:xfrm>
-          <a:prstGeom prst="rect">
-            <a:avLst/>
-          </a:prstGeom>
-          <a:noFill/>
-          <a:ln w="28575">
-            <a:solidFill>
-              <a:srgbClr val="7030A0"/>
-            </a:solidFill>
-          </a:ln>
-        </p:spPr>
-        <p:style>
-          <a:lnRef idx="2">
-            <a:schemeClr val="accent1">
-              <a:shade val="50000"/>
-            </a:schemeClr>
-          </a:lnRef>
-          <a:fillRef idx="1">
-            <a:schemeClr val="accent1"/>
-          </a:fillRef>
-          <a:effectRef idx="0">
-            <a:schemeClr val="accent1"/>
-          </a:effectRef>
-          <a:fontRef idx="minor">
-            <a:schemeClr val="lt1"/>
-          </a:fontRef>
-        </p:style>
-        <p:txBody>
-          <a:bodyPr rtlCol="0" anchor="ctr"/>
-          <a:lstStyle/>
-          <a:p>
-            <a:pPr algn="ctr"/>
-            <a:endParaRPr lang="pt-BR"/>
-          </a:p>
-        </p:txBody>
-      </p:sp>
-      <p:sp>
-        <p:nvSpPr>
-          <p:cNvPr id="17" name="Retângulo 16"/>
-          <p:cNvSpPr/>
-          <p:nvPr/>
-        </p:nvSpPr>
-        <p:spPr>
-          <a:xfrm>
-            <a:off x="1037639" y="1694328"/>
-            <a:ext cx="9990085" cy="1508105"/>
-          </a:xfrm>
-          <a:prstGeom prst="rect">
-            <a:avLst/>
-          </a:prstGeom>
-        </p:spPr>
-        <p:txBody>
-          <a:bodyPr wrap="square">
-            <a:spAutoFit/>
-          </a:bodyPr>
-          <a:lstStyle/>
-          <a:p>
-            <a:pPr marL="109728" algn="ctr"/>
-            <a:r>
-              <a:rPr lang="pt-BR" sz="3200" dirty="0" smtClean="0">
-                <a:solidFill>
-                  <a:srgbClr val="FF0000"/>
-                </a:solidFill>
-                <a:latin typeface="Rockwell Condensed" panose="02060603050405020104" pitchFamily="18" charset="0"/>
-              </a:rPr>
-              <a:t>Fluxograma da metodologia utilizada no desenvolvimento projeto</a:t>
-            </a:r>
-            <a:endParaRPr lang="pt-BR" sz="3200" dirty="0">
-              <a:solidFill>
-                <a:srgbClr val="FF0000"/>
-              </a:solidFill>
-              <a:latin typeface="Rockwell Condensed" panose="02060603050405020104" pitchFamily="18" charset="0"/>
-            </a:endParaRPr>
-          </a:p>
-          <a:p>
-            <a:pPr marL="109728" algn="ctr"/>
-            <a:endParaRPr lang="pt-BR" sz="3200" dirty="0">
-              <a:solidFill>
-                <a:srgbClr val="FF0000"/>
-              </a:solidFill>
-              <a:latin typeface="Rockwell Condensed" panose="02060603050405020104" pitchFamily="18" charset="0"/>
-            </a:endParaRPr>
-          </a:p>
-          <a:p>
-            <a:pPr marL="109728" indent="0" algn="ctr">
-              <a:buNone/>
-            </a:pPr>
-            <a:endParaRPr lang="pt-BR" sz="2800" dirty="0" smtClean="0">
-              <a:latin typeface="Rockwell Condensed" panose="02060603050405020104" pitchFamily="18" charset="0"/>
-            </a:endParaRPr>
-          </a:p>
-        </p:txBody>
-      </p:sp>
       <p:sp>
         <p:nvSpPr>
           <p:cNvPr id="2" name="Retângulo 1"/>
@@ -19751,7 +19359,7 @@
   <a:extraClrSchemeLst/>
   <a:extLst>
     <a:ext uri="{05A4C25C-085E-4340-85A3-A5531E510DB2}">
-      <thm15:themeFamily xmlns="" xmlns:thm15="http://schemas.microsoft.com/office/thememl/2012/main" name="Office Theme" id="{62F939B6-93AF-4DB8-9C6B-D6C7DFDC589F}" vid="{4A3C46E8-61CC-4603-A589-7422A47A8E4A}"/>
+      <thm15:themeFamily xmlns:thm15="http://schemas.microsoft.com/office/thememl/2012/main" xmlns="" name="Office Theme" id="{62F939B6-93AF-4DB8-9C6B-D6C7DFDC589F}" vid="{4A3C46E8-61CC-4603-A589-7422A47A8E4A}"/>
     </a:ext>
   </a:extLst>
 </a:theme>
@@ -20012,7 +19620,7 @@
   <a:extraClrSchemeLst/>
   <a:extLst>
     <a:ext uri="{05A4C25C-085E-4340-85A3-A5531E510DB2}">
-      <thm15:themeFamily xmlns="" xmlns:thm15="http://schemas.microsoft.com/office/thememl/2012/main" name="Office Theme" id="{62F939B6-93AF-4DB8-9C6B-D6C7DFDC589F}" vid="{4A3C46E8-61CC-4603-A589-7422A47A8E4A}"/>
+      <thm15:themeFamily xmlns:thm15="http://schemas.microsoft.com/office/thememl/2012/main" xmlns="" name="Office Theme" id="{62F939B6-93AF-4DB8-9C6B-D6C7DFDC589F}" vid="{4A3C46E8-61CC-4603-A589-7422A47A8E4A}"/>
     </a:ext>
   </a:extLst>
 </a:theme>
